--- a/Diamond Miner Intro.pptx
+++ b/Diamond Miner Intro.pptx
@@ -120,7 +120,7 @@
   </p:defaultTextStyle>
   <p:extLst>
     <p:ext uri="{EFAFB233-063F-42B5-8137-9DF3F51BA10A}">
-      <p15:sldGuideLst xmlns:p15="http://schemas.microsoft.com/office/powerpoint/2012/main"/>
+      <p15:sldGuideLst xmlns:p15="http://schemas.microsoft.com/office/powerpoint/2012/main" xmlns=""/>
     </p:ext>
   </p:extLst>
 </p:presentation>
@@ -208,7 +208,7 @@
           <a:p>
             <a:fld id="{598ED131-D27B-49C1-99A8-A301900ED106}" type="datetimeFigureOut">
               <a:rPr lang="zh-CN" altLang="en-US" smtClean="0"/>
-              <a:t>2013/10/4</a:t>
+              <a:t>13-10-8</a:t>
             </a:fld>
             <a:endParaRPr lang="zh-CN" altLang="en-US"/>
           </a:p>
@@ -2007,7 +2007,7 @@
           <a:p>
             <a:fld id="{EB4A138F-191D-4BC7-80AB-52578C8866E8}" type="datetimeFigureOut">
               <a:rPr lang="zh-CN" altLang="en-US" smtClean="0"/>
-              <a:t>2013/10/4</a:t>
+              <a:t>13-10-8</a:t>
             </a:fld>
             <a:endParaRPr lang="zh-CN" altLang="en-US"/>
           </a:p>
@@ -2177,7 +2177,7 @@
           <a:p>
             <a:fld id="{EB4A138F-191D-4BC7-80AB-52578C8866E8}" type="datetimeFigureOut">
               <a:rPr lang="zh-CN" altLang="en-US" smtClean="0"/>
-              <a:t>2013/10/4</a:t>
+              <a:t>13-10-8</a:t>
             </a:fld>
             <a:endParaRPr lang="zh-CN" altLang="en-US"/>
           </a:p>
@@ -2357,7 +2357,7 @@
           <a:p>
             <a:fld id="{EB4A138F-191D-4BC7-80AB-52578C8866E8}" type="datetimeFigureOut">
               <a:rPr lang="zh-CN" altLang="en-US" smtClean="0"/>
-              <a:t>2013/10/4</a:t>
+              <a:t>13-10-8</a:t>
             </a:fld>
             <a:endParaRPr lang="zh-CN" altLang="en-US"/>
           </a:p>
@@ -2527,7 +2527,7 @@
           <a:p>
             <a:fld id="{EB4A138F-191D-4BC7-80AB-52578C8866E8}" type="datetimeFigureOut">
               <a:rPr lang="zh-CN" altLang="en-US" smtClean="0"/>
-              <a:t>2013/10/4</a:t>
+              <a:t>13-10-8</a:t>
             </a:fld>
             <a:endParaRPr lang="zh-CN" altLang="en-US"/>
           </a:p>
@@ -2773,7 +2773,7 @@
           <a:p>
             <a:fld id="{EB4A138F-191D-4BC7-80AB-52578C8866E8}" type="datetimeFigureOut">
               <a:rPr lang="zh-CN" altLang="en-US" smtClean="0"/>
-              <a:t>2013/10/4</a:t>
+              <a:t>13-10-8</a:t>
             </a:fld>
             <a:endParaRPr lang="zh-CN" altLang="en-US"/>
           </a:p>
@@ -3005,7 +3005,7 @@
           <a:p>
             <a:fld id="{EB4A138F-191D-4BC7-80AB-52578C8866E8}" type="datetimeFigureOut">
               <a:rPr lang="zh-CN" altLang="en-US" smtClean="0"/>
-              <a:t>2013/10/4</a:t>
+              <a:t>13-10-8</a:t>
             </a:fld>
             <a:endParaRPr lang="zh-CN" altLang="en-US"/>
           </a:p>
@@ -3372,7 +3372,7 @@
           <a:p>
             <a:fld id="{EB4A138F-191D-4BC7-80AB-52578C8866E8}" type="datetimeFigureOut">
               <a:rPr lang="zh-CN" altLang="en-US" smtClean="0"/>
-              <a:t>2013/10/4</a:t>
+              <a:t>13-10-8</a:t>
             </a:fld>
             <a:endParaRPr lang="zh-CN" altLang="en-US"/>
           </a:p>
@@ -3490,7 +3490,7 @@
           <a:p>
             <a:fld id="{EB4A138F-191D-4BC7-80AB-52578C8866E8}" type="datetimeFigureOut">
               <a:rPr lang="zh-CN" altLang="en-US" smtClean="0"/>
-              <a:t>2013/10/4</a:t>
+              <a:t>13-10-8</a:t>
             </a:fld>
             <a:endParaRPr lang="zh-CN" altLang="en-US"/>
           </a:p>
@@ -3585,7 +3585,7 @@
           <a:p>
             <a:fld id="{EB4A138F-191D-4BC7-80AB-52578C8866E8}" type="datetimeFigureOut">
               <a:rPr lang="zh-CN" altLang="en-US" smtClean="0"/>
-              <a:t>2013/10/4</a:t>
+              <a:t>13-10-8</a:t>
             </a:fld>
             <a:endParaRPr lang="zh-CN" altLang="en-US"/>
           </a:p>
@@ -3862,7 +3862,7 @@
           <a:p>
             <a:fld id="{EB4A138F-191D-4BC7-80AB-52578C8866E8}" type="datetimeFigureOut">
               <a:rPr lang="zh-CN" altLang="en-US" smtClean="0"/>
-              <a:t>2013/10/4</a:t>
+              <a:t>13-10-8</a:t>
             </a:fld>
             <a:endParaRPr lang="zh-CN" altLang="en-US"/>
           </a:p>
@@ -4115,7 +4115,7 @@
           <a:p>
             <a:fld id="{EB4A138F-191D-4BC7-80AB-52578C8866E8}" type="datetimeFigureOut">
               <a:rPr lang="zh-CN" altLang="en-US" smtClean="0"/>
-              <a:t>2013/10/4</a:t>
+              <a:t>13-10-8</a:t>
             </a:fld>
             <a:endParaRPr lang="zh-CN" altLang="en-US"/>
           </a:p>
@@ -4328,7 +4328,7 @@
           <a:p>
             <a:fld id="{EB4A138F-191D-4BC7-80AB-52578C8866E8}" type="datetimeFigureOut">
               <a:rPr lang="zh-CN" altLang="en-US" smtClean="0"/>
-              <a:t>2013/10/4</a:t>
+              <a:t>13-10-8</a:t>
             </a:fld>
             <a:endParaRPr lang="zh-CN" altLang="en-US"/>
           </a:p>
@@ -4819,6 +4819,13 @@
   <p:clrMapOvr>
     <a:masterClrMapping/>
   </p:clrMapOvr>
+  <p:timing>
+    <p:tnLst>
+      <p:par>
+        <p:cTn xmlns:p14="http://schemas.microsoft.com/office/powerpoint/2010/main" id="1" dur="indefinite" restart="never" nodeType="tmRoot"/>
+      </p:par>
+    </p:tnLst>
+  </p:timing>
 </p:sld>
 </file>
 
@@ -4950,7 +4957,19 @@
             </a:r>
             <a:r>
               <a:rPr lang="zh-CN" altLang="en-US" dirty="0" smtClean="0"/>
-              <a:t>做一次本地目录配置变更检测</a:t>
+              <a:t>做</a:t>
+            </a:r>
+            <a:r>
+              <a:rPr lang="zh-CN" altLang="en-US" dirty="0" smtClean="0"/>
+              <a:t>一次本地</a:t>
+            </a:r>
+            <a:r>
+              <a:rPr lang="zh-CN" altLang="en-US" dirty="0" smtClean="0"/>
+              <a:t>容灾</a:t>
+            </a:r>
+            <a:r>
+              <a:rPr lang="zh-CN" altLang="en-US" dirty="0" smtClean="0"/>
+              <a:t>目录配置变更检测</a:t>
             </a:r>
             <a:endParaRPr lang="en-US" altLang="zh-CN" dirty="0" smtClean="0"/>
           </a:p>
@@ -4986,7 +5005,15 @@
             </a:r>
             <a:r>
               <a:rPr lang="zh-CN" altLang="en-US" dirty="0" smtClean="0"/>
-              <a:t>做一次信息变更检查</a:t>
+              <a:t>做一次</a:t>
+            </a:r>
+            <a:r>
+              <a:rPr lang="zh-CN" altLang="en-US" dirty="0" smtClean="0"/>
+              <a:t>配置</a:t>
+            </a:r>
+            <a:r>
+              <a:rPr lang="zh-CN" altLang="en-US" dirty="0" smtClean="0"/>
+              <a:t>变更检查</a:t>
             </a:r>
             <a:endParaRPr lang="en-US" altLang="zh-CN" dirty="0" smtClean="0"/>
           </a:p>
@@ -5028,7 +5055,15 @@
             </a:r>
             <a:r>
               <a:rPr lang="zh-CN" altLang="en-US" dirty="0" smtClean="0"/>
-              <a:t>做一次配置全量</a:t>
+              <a:t>做一次配置</a:t>
+            </a:r>
+            <a:r>
+              <a:rPr lang="zh-CN" altLang="en-US" dirty="0" smtClean="0"/>
+              <a:t>表记录</a:t>
+            </a:r>
+            <a:r>
+              <a:rPr lang="zh-CN" altLang="en-US" dirty="0" smtClean="0"/>
+              <a:t>全量</a:t>
             </a:r>
             <a:r>
               <a:rPr lang="en-US" altLang="zh-CN" dirty="0" smtClean="0"/>
@@ -5048,6 +5083,13 @@
   <p:clrMapOvr>
     <a:masterClrMapping/>
   </p:clrMapOvr>
+  <p:timing>
+    <p:tnLst>
+      <p:par>
+        <p:cTn xmlns:p14="http://schemas.microsoft.com/office/powerpoint/2010/main" id="1" dur="indefinite" restart="never" nodeType="tmRoot"/>
+      </p:par>
+    </p:tnLst>
+  </p:timing>
 </p:sld>
 </file>
 
@@ -5124,6 +5166,13 @@
   <p:clrMapOvr>
     <a:masterClrMapping/>
   </p:clrMapOvr>
+  <p:timing>
+    <p:tnLst>
+      <p:par>
+        <p:cTn xmlns:p14="http://schemas.microsoft.com/office/powerpoint/2010/main" id="1" dur="indefinite" restart="never" nodeType="tmRoot"/>
+      </p:par>
+    </p:tnLst>
+  </p:timing>
 </p:sld>
 </file>
 
@@ -5184,6 +5233,13 @@
   <p:clrMapOvr>
     <a:masterClrMapping/>
   </p:clrMapOvr>
+  <p:timing>
+    <p:tnLst>
+      <p:par>
+        <p:cTn xmlns:p14="http://schemas.microsoft.com/office/powerpoint/2010/main" id="1" dur="indefinite" restart="never" nodeType="tmRoot"/>
+      </p:par>
+    </p:tnLst>
+  </p:timing>
 </p:sld>
 </file>
 
@@ -5266,6 +5322,13 @@
   <p:clrMapOvr>
     <a:masterClrMapping/>
   </p:clrMapOvr>
+  <p:timing>
+    <p:tnLst>
+      <p:par>
+        <p:cTn xmlns:p14="http://schemas.microsoft.com/office/powerpoint/2010/main" id="1" dur="indefinite" restart="never" nodeType="tmRoot"/>
+      </p:par>
+    </p:tnLst>
+  </p:timing>
 </p:sld>
 </file>
 
@@ -5344,6 +5407,39 @@
               <a:rPr lang="en-US" altLang="zh-CN" dirty="0" smtClean="0"/>
               <a:t>diamond</a:t>
             </a:r>
+            <a:r>
+              <a:rPr lang="en-US" altLang="zh-CN" dirty="0" smtClean="0"/>
+              <a:t>, </a:t>
+            </a:r>
+            <a:r>
+              <a:rPr lang="zh-CN" altLang="en-US" dirty="0" smtClean="0"/>
+              <a:t>建用户</a:t>
+            </a:r>
+            <a:r>
+              <a:rPr lang="en-US" altLang="zh-CN" dirty="0" smtClean="0"/>
+              <a:t>diamond/diamond</a:t>
+            </a:r>
+            <a:r>
+              <a:rPr lang="en-US" altLang="en-US" dirty="0" smtClean="0"/>
+              <a:t>, </a:t>
+            </a:r>
+            <a:r>
+              <a:rPr lang="zh-CN" altLang="en-US" dirty="0" smtClean="0"/>
+              <a:t>授权</a:t>
+            </a:r>
+            <a:r>
+              <a:rPr lang="en-US" altLang="zh-CN" dirty="0" smtClean="0"/>
+              <a:t>(</a:t>
+            </a:r>
+            <a:r>
+              <a:rPr lang="zh-CN" altLang="en-US" dirty="0" smtClean="0"/>
+              <a:t>见备注</a:t>
+            </a:r>
+            <a:r>
+              <a:rPr lang="en-US" altLang="zh-CN" dirty="0" smtClean="0"/>
+              <a:t>)</a:t>
+            </a:r>
+            <a:endParaRPr lang="en-US" altLang="zh-CN" dirty="0" smtClean="0"/>
           </a:p>
           <a:p>
             <a:r>
@@ -8419,7 +8515,7 @@
           </a:prstGeom>
           <a:noFill/>
           <a:extLst>
-            <a:ext uri="{909E8E84-426E-40DD-AFC4-6F175D3DCCD1}">
+            <a:ext uri="{909E8E84-426E-40dd-AFC4-6F175D3DCCD1}">
               <a14:hiddenFill xmlns:a14="http://schemas.microsoft.com/office/drawing/2010/main">
                 <a:solidFill>
                   <a:srgbClr val="FFFFFF"/>
@@ -8450,6 +8546,13 @@
   <p:clrMapOvr>
     <a:masterClrMapping/>
   </p:clrMapOvr>
+  <p:timing>
+    <p:tnLst>
+      <p:par>
+        <p:cTn xmlns:p14="http://schemas.microsoft.com/office/powerpoint/2010/main" id="1" dur="indefinite" restart="never" nodeType="tmRoot"/>
+      </p:par>
+    </p:tnLst>
+  </p:timing>
 </p:sld>
 </file>
 
@@ -8632,6 +8735,13 @@
   <p:clrMapOvr>
     <a:masterClrMapping/>
   </p:clrMapOvr>
+  <p:timing>
+    <p:tnLst>
+      <p:par>
+        <p:cTn xmlns:p14="http://schemas.microsoft.com/office/powerpoint/2010/main" id="1" dur="indefinite" restart="never" nodeType="tmRoot"/>
+      </p:par>
+    </p:tnLst>
+  </p:timing>
 </p:sld>
 </file>
 
@@ -8760,6 +8870,13 @@
   <p:clrMapOvr>
     <a:masterClrMapping/>
   </p:clrMapOvr>
+  <p:timing>
+    <p:tnLst>
+      <p:par>
+        <p:cTn xmlns:p14="http://schemas.microsoft.com/office/powerpoint/2010/main" id="1" dur="indefinite" restart="never" nodeType="tmRoot"/>
+      </p:par>
+    </p:tnLst>
+  </p:timing>
 </p:sld>
 </file>
 
@@ -9294,6 +9411,13 @@
   <p:clrMapOvr>
     <a:masterClrMapping/>
   </p:clrMapOvr>
+  <p:timing>
+    <p:tnLst>
+      <p:par>
+        <p:cTn xmlns:p14="http://schemas.microsoft.com/office/powerpoint/2010/main" id="1" dur="indefinite" restart="never" nodeType="tmRoot"/>
+      </p:par>
+    </p:tnLst>
+  </p:timing>
 </p:sld>
 </file>
 
@@ -9656,6 +9780,13 @@
   <p:clrMapOvr>
     <a:masterClrMapping/>
   </p:clrMapOvr>
+  <p:timing>
+    <p:tnLst>
+      <p:par>
+        <p:cTn xmlns:p14="http://schemas.microsoft.com/office/powerpoint/2010/main" id="1" dur="indefinite" restart="never" nodeType="tmRoot"/>
+      </p:par>
+    </p:tnLst>
+  </p:timing>
 </p:sld>
 </file>
 
@@ -9997,6 +10128,13 @@
   <p:clrMapOvr>
     <a:masterClrMapping/>
   </p:clrMapOvr>
+  <p:timing>
+    <p:tnLst>
+      <p:par>
+        <p:cTn xmlns:p14="http://schemas.microsoft.com/office/powerpoint/2010/main" id="1" dur="indefinite" restart="never" nodeType="tmRoot"/>
+      </p:par>
+    </p:tnLst>
+  </p:timing>
 </p:sld>
 </file>
 
@@ -10058,7 +10196,7 @@
         </p:spPr>
         <p:txBody>
           <a:bodyPr>
-            <a:normAutofit fontScale="92500" lnSpcReduction="10000"/>
+            <a:normAutofit fontScale="92500" lnSpcReduction="20000"/>
           </a:bodyPr>
           <a:lstStyle/>
           <a:p>
@@ -10072,15 +10210,47 @@
             </a:r>
             <a:r>
               <a:rPr lang="zh-CN" altLang="en-US" dirty="0" smtClean="0"/>
-              <a:t>的连接数据库信息哪里设置？</a:t>
+              <a:t>的连接数据库信息哪里设置</a:t>
+            </a:r>
+            <a:r>
+              <a:rPr lang="zh-CN" altLang="en-US" dirty="0" smtClean="0"/>
+              <a:t>？</a:t>
+            </a:r>
+            <a:endParaRPr lang="en-US" altLang="zh-CN" dirty="0"/>
+          </a:p>
+          <a:p>
+            <a:pPr lvl="1"/>
+            <a:r>
+              <a:rPr lang="zh-CN" altLang="en-US" dirty="0" smtClean="0"/>
+              <a:t>优先：</a:t>
+            </a:r>
+            <a:r>
+              <a:rPr lang="zh-CN" altLang="en-US" dirty="0" smtClean="0"/>
+              <a:t>当前目录下的</a:t>
+            </a:r>
+            <a:r>
+              <a:rPr lang="en-US" altLang="zh-CN" dirty="0" smtClean="0"/>
+              <a:t>diamond-</a:t>
+            </a:r>
+            <a:r>
+              <a:rPr lang="en-US" altLang="zh-CN" dirty="0" err="1" smtClean="0"/>
+              <a:t>jdbc.properties</a:t>
             </a:r>
             <a:endParaRPr lang="en-US" altLang="zh-CN" dirty="0" smtClean="0"/>
           </a:p>
           <a:p>
             <a:pPr lvl="1"/>
             <a:r>
+              <a:rPr lang="zh-CN" altLang="en-US" dirty="0" smtClean="0"/>
+              <a:t>次之：</a:t>
+            </a:r>
+            <a:r>
               <a:rPr lang="en-US" altLang="zh-CN" dirty="0" smtClean="0"/>
-              <a:t>diamond-server/</a:t>
+              <a:t>diamond</a:t>
+            </a:r>
+            <a:r>
+              <a:rPr lang="en-US" altLang="zh-CN" dirty="0" smtClean="0"/>
+              <a:t>-server/</a:t>
             </a:r>
             <a:r>
               <a:rPr lang="en-US" altLang="zh-CN" dirty="0" err="1" smtClean="0"/>
@@ -10088,7 +10258,11 @@
             </a:r>
             <a:r>
               <a:rPr lang="en-US" altLang="zh-CN" dirty="0" smtClean="0"/>
-              <a:t>/main/resources/</a:t>
+              <a:t>/main/resources</a:t>
+            </a:r>
+            <a:r>
+              <a:rPr lang="en-US" altLang="zh-CN" dirty="0" smtClean="0"/>
+              <a:t>/diamond-</a:t>
             </a:r>
             <a:r>
               <a:rPr lang="en-US" altLang="zh-CN" dirty="0" err="1" smtClean="0"/>
@@ -10243,7 +10417,6 @@
               <a:rPr lang="en-US" altLang="zh-CN" dirty="0" smtClean="0"/>
               <a:t>17002</a:t>
             </a:r>
-            <a:endParaRPr lang="en-US" altLang="zh-CN" dirty="0" smtClean="0"/>
           </a:p>
           <a:p>
             <a:pPr lvl="1"/>
@@ -10432,6 +10605,13 @@
   <p:clrMapOvr>
     <a:masterClrMapping/>
   </p:clrMapOvr>
+  <p:timing>
+    <p:tnLst>
+      <p:par>
+        <p:cTn xmlns:p14="http://schemas.microsoft.com/office/powerpoint/2010/main" id="1" dur="indefinite" restart="never" nodeType="tmRoot"/>
+      </p:par>
+    </p:tnLst>
+  </p:timing>
 </p:sld>
 </file>
 
@@ -10478,7 +10658,7 @@
     </a:clrScheme>
     <a:fontScheme name="Office">
       <a:majorFont>
-        <a:latin typeface="Calibri Light" panose="020F0302020204030204"/>
+        <a:latin typeface="Calibri Light"/>
         <a:ea typeface=""/>
         <a:cs typeface=""/>
         <a:font script="Jpan" typeface="ＭＳ Ｐゴシック"/>
@@ -10513,7 +10693,7 @@
         <a:font script="Geor" typeface="Sylfaen"/>
       </a:majorFont>
       <a:minorFont>
-        <a:latin typeface="Calibri" panose="020F0502020204030204"/>
+        <a:latin typeface="Calibri"/>
         <a:ea typeface=""/>
         <a:cs typeface=""/>
         <a:font script="Jpan" typeface="ＭＳ Ｐゴシック"/>
@@ -10690,7 +10870,7 @@
   <a:extraClrSchemeLst/>
   <a:extLst>
     <a:ext uri="{05A4C25C-085E-4340-85A3-A5531E510DB2}">
-      <thm15:themeFamily xmlns:thm15="http://schemas.microsoft.com/office/thememl/2012/main" name="Office Theme" id="{62F939B6-93AF-4DB8-9C6B-D6C7DFDC589F}" vid="{4A3C46E8-61CC-4603-A589-7422A47A8E4A}"/>
+      <thm15:themeFamily xmlns:thm15="http://schemas.microsoft.com/office/thememl/2012/main" xmlns="" name="Office Theme" id="{62F939B6-93AF-4DB8-9C6B-D6C7DFDC589F}" vid="{4A3C46E8-61CC-4603-A589-7422A47A8E4A}"/>
     </a:ext>
   </a:extLst>
 </a:theme>
@@ -10739,7 +10919,7 @@
     </a:clrScheme>
     <a:fontScheme name="Office">
       <a:majorFont>
-        <a:latin typeface="Calibri Light" panose="020F0302020204030204"/>
+        <a:latin typeface="Calibri Light"/>
         <a:ea typeface=""/>
         <a:cs typeface=""/>
         <a:font script="Jpan" typeface="ＭＳ Ｐゴシック"/>
@@ -10774,7 +10954,7 @@
         <a:font script="Geor" typeface="Sylfaen"/>
       </a:majorFont>
       <a:minorFont>
-        <a:latin typeface="Calibri" panose="020F0502020204030204"/>
+        <a:latin typeface="Calibri"/>
         <a:ea typeface=""/>
         <a:cs typeface=""/>
         <a:font script="Jpan" typeface="ＭＳ Ｐゴシック"/>
@@ -10951,7 +11131,7 @@
   <a:extraClrSchemeLst/>
   <a:extLst>
     <a:ext uri="{05A4C25C-085E-4340-85A3-A5531E510DB2}">
-      <thm15:themeFamily xmlns:thm15="http://schemas.microsoft.com/office/thememl/2012/main" name="Office Theme" id="{62F939B6-93AF-4DB8-9C6B-D6C7DFDC589F}" vid="{4A3C46E8-61CC-4603-A589-7422A47A8E4A}"/>
+      <thm15:themeFamily xmlns:thm15="http://schemas.microsoft.com/office/thememl/2012/main" xmlns="" name="Office Theme" id="{62F939B6-93AF-4DB8-9C6B-D6C7DFDC589F}" vid="{4A3C46E8-61CC-4603-A589-7422A47A8E4A}"/>
     </a:ext>
   </a:extLst>
 </a:theme>

--- a/Diamond Miner Intro.pptx
+++ b/Diamond Miner Intro.pptx
@@ -120,7 +120,7 @@
   </p:defaultTextStyle>
   <p:extLst>
     <p:ext uri="{EFAFB233-063F-42B5-8137-9DF3F51BA10A}">
-      <p15:sldGuideLst xmlns:p15="http://schemas.microsoft.com/office/powerpoint/2012/main" xmlns=""/>
+      <p15:sldGuideLst xmlns="" xmlns:p15="http://schemas.microsoft.com/office/powerpoint/2012/main"/>
     </p:ext>
   </p:extLst>
 </p:presentation>
@@ -4957,19 +4957,7 @@
             </a:r>
             <a:r>
               <a:rPr lang="zh-CN" altLang="en-US" dirty="0" smtClean="0"/>
-              <a:t>做</a:t>
-            </a:r>
-            <a:r>
-              <a:rPr lang="zh-CN" altLang="en-US" dirty="0" smtClean="0"/>
-              <a:t>一次本地</a:t>
-            </a:r>
-            <a:r>
-              <a:rPr lang="zh-CN" altLang="en-US" dirty="0" smtClean="0"/>
-              <a:t>容灾</a:t>
-            </a:r>
-            <a:r>
-              <a:rPr lang="zh-CN" altLang="en-US" dirty="0" smtClean="0"/>
-              <a:t>目录配置变更检测</a:t>
+              <a:t>做一次本地容灾目录配置变更检测</a:t>
             </a:r>
             <a:endParaRPr lang="en-US" altLang="zh-CN" dirty="0" smtClean="0"/>
           </a:p>
@@ -5005,15 +4993,7 @@
             </a:r>
             <a:r>
               <a:rPr lang="zh-CN" altLang="en-US" dirty="0" smtClean="0"/>
-              <a:t>做一次</a:t>
-            </a:r>
-            <a:r>
-              <a:rPr lang="zh-CN" altLang="en-US" dirty="0" smtClean="0"/>
-              <a:t>配置</a:t>
-            </a:r>
-            <a:r>
-              <a:rPr lang="zh-CN" altLang="en-US" dirty="0" smtClean="0"/>
-              <a:t>变更检查</a:t>
+              <a:t>做一次配置变更检查</a:t>
             </a:r>
             <a:endParaRPr lang="en-US" altLang="zh-CN" dirty="0" smtClean="0"/>
           </a:p>
@@ -5055,15 +5035,7 @@
             </a:r>
             <a:r>
               <a:rPr lang="zh-CN" altLang="en-US" dirty="0" smtClean="0"/>
-              <a:t>做一次配置</a:t>
-            </a:r>
-            <a:r>
-              <a:rPr lang="zh-CN" altLang="en-US" dirty="0" smtClean="0"/>
-              <a:t>表记录</a:t>
-            </a:r>
-            <a:r>
-              <a:rPr lang="zh-CN" altLang="en-US" dirty="0" smtClean="0"/>
-              <a:t>全量</a:t>
+              <a:t>做一次配置表记录全量</a:t>
             </a:r>
             <a:r>
               <a:rPr lang="en-US" altLang="zh-CN" dirty="0" smtClean="0"/>
@@ -5152,10 +5124,199 @@
           <a:bodyPr/>
           <a:lstStyle/>
           <a:p>
-            <a:endParaRPr lang="zh-CN" altLang="en-US"/>
+            <a:r>
+              <a:rPr lang="zh-CN" altLang="en-US" dirty="0" smtClean="0"/>
+              <a:t>启动集群</a:t>
+            </a:r>
+            <a:endParaRPr lang="en-US" altLang="zh-CN" dirty="0" smtClean="0"/>
+          </a:p>
+          <a:p>
+            <a:pPr lvl="1"/>
+            <a:r>
+              <a:rPr lang="en-US" altLang="zh-CN" dirty="0"/>
+              <a:t>java -</a:t>
+            </a:r>
+            <a:r>
+              <a:rPr lang="en-US" altLang="zh-CN" dirty="0" err="1"/>
+              <a:t>Dport</a:t>
+            </a:r>
+            <a:r>
+              <a:rPr lang="en-US" altLang="zh-CN" dirty="0"/>
+              <a:t>=</a:t>
+            </a:r>
+            <a:r>
+              <a:rPr lang="en-US" altLang="zh-CN" dirty="0" smtClean="0"/>
+              <a:t>1800</a:t>
+            </a:r>
+            <a:r>
+              <a:rPr lang="en-US" altLang="zh-CN" dirty="0" smtClean="0"/>
+              <a:t>1</a:t>
+            </a:r>
+            <a:r>
+              <a:rPr lang="en-US" altLang="zh-CN" dirty="0" smtClean="0"/>
+              <a:t> </a:t>
+            </a:r>
+            <a:r>
+              <a:rPr lang="en-US" altLang="zh-CN" dirty="0"/>
+              <a:t>-jar diamond-server-0.0.1.</a:t>
+            </a:r>
+            <a:r>
+              <a:rPr lang="en-US" altLang="zh-CN" dirty="0" smtClean="0"/>
+              <a:t>war</a:t>
+            </a:r>
+          </a:p>
+          <a:p>
+            <a:pPr lvl="1"/>
+            <a:r>
+              <a:rPr lang="en-US" altLang="zh-CN" dirty="0"/>
+              <a:t>java -</a:t>
+            </a:r>
+            <a:r>
+              <a:rPr lang="en-US" altLang="zh-CN" dirty="0" err="1"/>
+              <a:t>Dport</a:t>
+            </a:r>
+            <a:r>
+              <a:rPr lang="en-US" altLang="zh-CN" dirty="0"/>
+              <a:t>=18002 -jar diamond-server-0.0.1.</a:t>
+            </a:r>
+            <a:r>
+              <a:rPr lang="en-US" altLang="zh-CN" dirty="0" smtClean="0"/>
+              <a:t>war</a:t>
+            </a:r>
+          </a:p>
+          <a:p>
+            <a:r>
+              <a:rPr lang="zh-CN" altLang="en-US" dirty="0" smtClean="0"/>
+              <a:t>设置集群节点</a:t>
+            </a:r>
+            <a:endParaRPr lang="en-US" altLang="zh-CN" dirty="0" smtClean="0"/>
+          </a:p>
+          <a:p>
+            <a:pPr lvl="1"/>
+            <a:r>
+              <a:rPr lang="zh-CN" altLang="en-US" dirty="0" smtClean="0"/>
+              <a:t>添加配置，如图：</a:t>
+            </a:r>
+            <a:endParaRPr lang="en-US" altLang="zh-CN" dirty="0" smtClean="0"/>
+          </a:p>
+          <a:p>
+            <a:endParaRPr lang="en-US" altLang="zh-CN" dirty="0"/>
+          </a:p>
+          <a:p>
+            <a:pPr marL="0" indent="0">
+              <a:buNone/>
+            </a:pPr>
+            <a:endParaRPr lang="en-US" altLang="zh-CN" dirty="0" smtClean="0"/>
+          </a:p>
+          <a:p>
+            <a:r>
+              <a:rPr lang="zh-CN" altLang="en-US" dirty="0" smtClean="0"/>
+              <a:t>客户端：</a:t>
+            </a:r>
+            <a:endParaRPr lang="en-US" altLang="zh-CN" dirty="0"/>
+          </a:p>
+          <a:p>
+            <a:pPr lvl="1"/>
+            <a:r>
+              <a:rPr lang="zh-CN" altLang="zh-CN" dirty="0" smtClean="0"/>
+              <a:t>1</a:t>
+            </a:r>
+            <a:r>
+              <a:rPr lang="en-US" altLang="zh-CN" dirty="0" smtClean="0"/>
+              <a:t>)</a:t>
+            </a:r>
+            <a:r>
+              <a:rPr lang="zh-CN" altLang="en-US" dirty="0" smtClean="0"/>
+              <a:t> </a:t>
+            </a:r>
+            <a:r>
+              <a:rPr lang="en-US" altLang="zh-CN" dirty="0" err="1" smtClean="0"/>
+              <a:t>classpath</a:t>
+            </a:r>
+            <a:r>
+              <a:rPr lang="en-US" altLang="zh-CN" dirty="0" smtClean="0"/>
+              <a:t>:</a:t>
+            </a:r>
+            <a:r>
+              <a:rPr lang="zh-CN" altLang="en-US" dirty="0" smtClean="0"/>
+              <a:t>                </a:t>
+            </a:r>
+            <a:r>
+              <a:rPr lang="en-US" altLang="zh-CN" dirty="0" smtClean="0"/>
+              <a:t>2</a:t>
+            </a:r>
+            <a:r>
+              <a:rPr lang="zh-CN" altLang="en-US" dirty="0" smtClean="0"/>
+              <a:t>) </a:t>
+            </a:r>
+            <a:r>
+              <a:rPr lang="en-US" altLang="zh-CN" dirty="0" smtClean="0"/>
+              <a:t>name</a:t>
+            </a:r>
+            <a:r>
+              <a:rPr lang="zh-CN" altLang="en-US" dirty="0" smtClean="0"/>
+              <a:t>-</a:t>
+            </a:r>
+            <a:r>
+              <a:rPr lang="en-US" altLang="zh-CN" dirty="0" smtClean="0"/>
+              <a:t>server</a:t>
+            </a:r>
+            <a:r>
+              <a:rPr lang="zh-CN" altLang="en-US" dirty="0" smtClean="0"/>
+              <a:t>返回调整</a:t>
+            </a:r>
+            <a:endParaRPr lang="en-US" altLang="zh-CN" dirty="0" smtClean="0"/>
           </a:p>
         </p:txBody>
       </p:sp>
+      <p:pic>
+        <p:nvPicPr>
+          <p:cNvPr id="4" name="图片 3"/>
+          <p:cNvPicPr>
+            <a:picLocks noChangeAspect="1"/>
+          </p:cNvPicPr>
+          <p:nvPr/>
+        </p:nvPicPr>
+        <p:blipFill>
+          <a:blip r:embed="rId2"/>
+          <a:stretch>
+            <a:fillRect/>
+          </a:stretch>
+        </p:blipFill>
+        <p:spPr>
+          <a:xfrm>
+            <a:off x="4040224" y="3074989"/>
+            <a:ext cx="4165600" cy="2019300"/>
+          </a:xfrm>
+          <a:prstGeom prst="rect">
+            <a:avLst/>
+          </a:prstGeom>
+        </p:spPr>
+      </p:pic>
+      <p:pic>
+        <p:nvPicPr>
+          <p:cNvPr id="5" name="图片 4"/>
+          <p:cNvPicPr>
+            <a:picLocks noChangeAspect="1"/>
+          </p:cNvPicPr>
+          <p:nvPr/>
+        </p:nvPicPr>
+        <p:blipFill>
+          <a:blip r:embed="rId3"/>
+          <a:stretch>
+            <a:fillRect/>
+          </a:stretch>
+        </p:blipFill>
+        <p:spPr>
+          <a:xfrm>
+            <a:off x="1397171" y="5656235"/>
+            <a:ext cx="2197100" cy="774700"/>
+          </a:xfrm>
+          <a:prstGeom prst="rect">
+            <a:avLst/>
+          </a:prstGeom>
+        </p:spPr>
+      </p:pic>
     </p:spTree>
     <p:extLst>
       <p:ext uri="{BB962C8B-B14F-4D97-AF65-F5344CB8AC3E}">
@@ -5405,11 +5566,7 @@
             </a:r>
             <a:r>
               <a:rPr lang="en-US" altLang="zh-CN" dirty="0" smtClean="0"/>
-              <a:t>diamond</a:t>
-            </a:r>
-            <a:r>
-              <a:rPr lang="en-US" altLang="zh-CN" dirty="0" smtClean="0"/>
-              <a:t>, </a:t>
+              <a:t>diamond, </a:t>
             </a:r>
             <a:r>
               <a:rPr lang="zh-CN" altLang="en-US" dirty="0" smtClean="0"/>
@@ -5439,7 +5596,6 @@
               <a:rPr lang="en-US" altLang="zh-CN" dirty="0" smtClean="0"/>
               <a:t>)</a:t>
             </a:r>
-            <a:endParaRPr lang="en-US" altLang="zh-CN" dirty="0" smtClean="0"/>
           </a:p>
           <a:p>
             <a:r>
@@ -10210,23 +10366,15 @@
             </a:r>
             <a:r>
               <a:rPr lang="zh-CN" altLang="en-US" dirty="0" smtClean="0"/>
-              <a:t>的连接数据库信息哪里设置</a:t>
-            </a:r>
+              <a:t>的连接数据库信息哪里设置？</a:t>
+            </a:r>
+            <a:endParaRPr lang="en-US" altLang="zh-CN" dirty="0"/>
+          </a:p>
+          <a:p>
+            <a:pPr lvl="1"/>
             <a:r>
               <a:rPr lang="zh-CN" altLang="en-US" dirty="0" smtClean="0"/>
-              <a:t>？</a:t>
-            </a:r>
-            <a:endParaRPr lang="en-US" altLang="zh-CN" dirty="0"/>
-          </a:p>
-          <a:p>
-            <a:pPr lvl="1"/>
-            <a:r>
-              <a:rPr lang="zh-CN" altLang="en-US" dirty="0" smtClean="0"/>
-              <a:t>优先：</a:t>
-            </a:r>
-            <a:r>
-              <a:rPr lang="zh-CN" altLang="en-US" dirty="0" smtClean="0"/>
-              <a:t>当前目录下的</a:t>
+              <a:t>优先：当前目录下的</a:t>
             </a:r>
             <a:r>
               <a:rPr lang="en-US" altLang="zh-CN" dirty="0" smtClean="0"/>
@@ -10246,11 +10394,7 @@
             </a:r>
             <a:r>
               <a:rPr lang="en-US" altLang="zh-CN" dirty="0" smtClean="0"/>
-              <a:t>diamond</a:t>
-            </a:r>
-            <a:r>
-              <a:rPr lang="en-US" altLang="zh-CN" dirty="0" smtClean="0"/>
-              <a:t>-server/</a:t>
+              <a:t>diamond-server/</a:t>
             </a:r>
             <a:r>
               <a:rPr lang="en-US" altLang="zh-CN" dirty="0" err="1" smtClean="0"/>
@@ -10258,11 +10402,7 @@
             </a:r>
             <a:r>
               <a:rPr lang="en-US" altLang="zh-CN" dirty="0" smtClean="0"/>
-              <a:t>/main/resources</a:t>
-            </a:r>
-            <a:r>
-              <a:rPr lang="en-US" altLang="zh-CN" dirty="0" smtClean="0"/>
-              <a:t>/diamond-</a:t>
+              <a:t>/main/resources/diamond-</a:t>
             </a:r>
             <a:r>
               <a:rPr lang="en-US" altLang="zh-CN" dirty="0" err="1" smtClean="0"/>
@@ -10870,7 +11010,7 @@
   <a:extraClrSchemeLst/>
   <a:extLst>
     <a:ext uri="{05A4C25C-085E-4340-85A3-A5531E510DB2}">
-      <thm15:themeFamily xmlns:thm15="http://schemas.microsoft.com/office/thememl/2012/main" xmlns="" name="Office Theme" id="{62F939B6-93AF-4DB8-9C6B-D6C7DFDC589F}" vid="{4A3C46E8-61CC-4603-A589-7422A47A8E4A}"/>
+      <thm15:themeFamily xmlns="" xmlns:thm15="http://schemas.microsoft.com/office/thememl/2012/main" name="Office Theme" id="{62F939B6-93AF-4DB8-9C6B-D6C7DFDC589F}" vid="{4A3C46E8-61CC-4603-A589-7422A47A8E4A}"/>
     </a:ext>
   </a:extLst>
 </a:theme>
@@ -11131,7 +11271,7 @@
   <a:extraClrSchemeLst/>
   <a:extLst>
     <a:ext uri="{05A4C25C-085E-4340-85A3-A5531E510DB2}">
-      <thm15:themeFamily xmlns:thm15="http://schemas.microsoft.com/office/thememl/2012/main" xmlns="" name="Office Theme" id="{62F939B6-93AF-4DB8-9C6B-D6C7DFDC589F}" vid="{4A3C46E8-61CC-4603-A589-7422A47A8E4A}"/>
+      <thm15:themeFamily xmlns="" xmlns:thm15="http://schemas.microsoft.com/office/thememl/2012/main" name="Office Theme" id="{62F939B6-93AF-4DB8-9C6B-D6C7DFDC589F}" vid="{4A3C46E8-61CC-4603-A589-7422A47A8E4A}"/>
     </a:ext>
   </a:extLst>
 </a:theme>

--- a/Diamond Miner Intro.pptx
+++ b/Diamond Miner Intro.pptx
@@ -5,21 +5,22 @@
     <p:sldMasterId id="2147483648" r:id="rId1"/>
   </p:sldMasterIdLst>
   <p:notesMasterIdLst>
-    <p:notesMasterId r:id="rId14"/>
+    <p:notesMasterId r:id="rId15"/>
   </p:notesMasterIdLst>
   <p:sldIdLst>
     <p:sldId id="256" r:id="rId2"/>
-    <p:sldId id="257" r:id="rId3"/>
-    <p:sldId id="258" r:id="rId4"/>
-    <p:sldId id="259" r:id="rId5"/>
-    <p:sldId id="261" r:id="rId6"/>
-    <p:sldId id="260" r:id="rId7"/>
-    <p:sldId id="265" r:id="rId8"/>
-    <p:sldId id="263" r:id="rId9"/>
-    <p:sldId id="262" r:id="rId10"/>
-    <p:sldId id="264" r:id="rId11"/>
-    <p:sldId id="267" r:id="rId12"/>
-    <p:sldId id="266" r:id="rId13"/>
+    <p:sldId id="268" r:id="rId3"/>
+    <p:sldId id="257" r:id="rId4"/>
+    <p:sldId id="258" r:id="rId5"/>
+    <p:sldId id="259" r:id="rId6"/>
+    <p:sldId id="261" r:id="rId7"/>
+    <p:sldId id="260" r:id="rId8"/>
+    <p:sldId id="265" r:id="rId9"/>
+    <p:sldId id="263" r:id="rId10"/>
+    <p:sldId id="262" r:id="rId11"/>
+    <p:sldId id="264" r:id="rId12"/>
+    <p:sldId id="267" r:id="rId13"/>
+    <p:sldId id="266" r:id="rId14"/>
   </p:sldIdLst>
   <p:sldSz cx="12192000" cy="6858000"/>
   <p:notesSz cx="6858000" cy="9144000"/>
@@ -120,7 +121,7 @@
   </p:defaultTextStyle>
   <p:extLst>
     <p:ext uri="{EFAFB233-063F-42B5-8137-9DF3F51BA10A}">
-      <p15:sldGuideLst xmlns="" xmlns:p15="http://schemas.microsoft.com/office/powerpoint/2012/main"/>
+      <p15:sldGuideLst xmlns:p15="http://schemas.microsoft.com/office/powerpoint/2012/main" xmlns=""/>
     </p:ext>
   </p:extLst>
 </p:presentation>
@@ -208,7 +209,7 @@
           <a:p>
             <a:fld id="{598ED131-D27B-49C1-99A8-A301900ED106}" type="datetimeFigureOut">
               <a:rPr lang="zh-CN" altLang="en-US" smtClean="0"/>
-              <a:t>13-10-8</a:t>
+              <a:t>13-10-9</a:t>
             </a:fld>
             <a:endParaRPr lang="zh-CN" altLang="en-US"/>
           </a:p>
@@ -545,7 +546,7 @@
           <a:p>
             <a:fld id="{BF37526F-D1D2-4DF8-8824-76A5E6984942}" type="slidenum">
               <a:rPr lang="zh-CN" altLang="en-US" smtClean="0"/>
-              <a:t>2</a:t>
+              <a:t>3</a:t>
             </a:fld>
             <a:endParaRPr lang="zh-CN" altLang="en-US"/>
           </a:p>
@@ -1523,7 +1524,7 @@
           <a:p>
             <a:fld id="{BF37526F-D1D2-4DF8-8824-76A5E6984942}" type="slidenum">
               <a:rPr lang="zh-CN" altLang="en-US" smtClean="0"/>
-              <a:t>3</a:t>
+              <a:t>4</a:t>
             </a:fld>
             <a:endParaRPr lang="zh-CN" altLang="en-US"/>
           </a:p>
@@ -1637,7 +1638,7 @@
           <a:p>
             <a:fld id="{BF37526F-D1D2-4DF8-8824-76A5E6984942}" type="slidenum">
               <a:rPr lang="zh-CN" altLang="en-US" smtClean="0"/>
-              <a:t>5</a:t>
+              <a:t>6</a:t>
             </a:fld>
             <a:endParaRPr lang="zh-CN" altLang="en-US"/>
           </a:p>
@@ -1773,7 +1774,7 @@
           <a:p>
             <a:fld id="{BF37526F-D1D2-4DF8-8824-76A5E6984942}" type="slidenum">
               <a:rPr lang="zh-CN" altLang="en-US" smtClean="0"/>
-              <a:t>8</a:t>
+              <a:t>9</a:t>
             </a:fld>
             <a:endParaRPr lang="zh-CN" altLang="en-US"/>
           </a:p>
@@ -1857,7 +1858,7 @@
           <a:p>
             <a:fld id="{BF37526F-D1D2-4DF8-8824-76A5E6984942}" type="slidenum">
               <a:rPr lang="zh-CN" altLang="en-US" smtClean="0"/>
-              <a:t>9</a:t>
+              <a:t>10</a:t>
             </a:fld>
             <a:endParaRPr lang="zh-CN" altLang="en-US"/>
           </a:p>
@@ -2007,7 +2008,7 @@
           <a:p>
             <a:fld id="{EB4A138F-191D-4BC7-80AB-52578C8866E8}" type="datetimeFigureOut">
               <a:rPr lang="zh-CN" altLang="en-US" smtClean="0"/>
-              <a:t>13-10-8</a:t>
+              <a:t>13-10-9</a:t>
             </a:fld>
             <a:endParaRPr lang="zh-CN" altLang="en-US"/>
           </a:p>
@@ -2177,7 +2178,7 @@
           <a:p>
             <a:fld id="{EB4A138F-191D-4BC7-80AB-52578C8866E8}" type="datetimeFigureOut">
               <a:rPr lang="zh-CN" altLang="en-US" smtClean="0"/>
-              <a:t>13-10-8</a:t>
+              <a:t>13-10-9</a:t>
             </a:fld>
             <a:endParaRPr lang="zh-CN" altLang="en-US"/>
           </a:p>
@@ -2357,7 +2358,7 @@
           <a:p>
             <a:fld id="{EB4A138F-191D-4BC7-80AB-52578C8866E8}" type="datetimeFigureOut">
               <a:rPr lang="zh-CN" altLang="en-US" smtClean="0"/>
-              <a:t>13-10-8</a:t>
+              <a:t>13-10-9</a:t>
             </a:fld>
             <a:endParaRPr lang="zh-CN" altLang="en-US"/>
           </a:p>
@@ -2527,7 +2528,7 @@
           <a:p>
             <a:fld id="{EB4A138F-191D-4BC7-80AB-52578C8866E8}" type="datetimeFigureOut">
               <a:rPr lang="zh-CN" altLang="en-US" smtClean="0"/>
-              <a:t>13-10-8</a:t>
+              <a:t>13-10-9</a:t>
             </a:fld>
             <a:endParaRPr lang="zh-CN" altLang="en-US"/>
           </a:p>
@@ -2773,7 +2774,7 @@
           <a:p>
             <a:fld id="{EB4A138F-191D-4BC7-80AB-52578C8866E8}" type="datetimeFigureOut">
               <a:rPr lang="zh-CN" altLang="en-US" smtClean="0"/>
-              <a:t>13-10-8</a:t>
+              <a:t>13-10-9</a:t>
             </a:fld>
             <a:endParaRPr lang="zh-CN" altLang="en-US"/>
           </a:p>
@@ -3005,7 +3006,7 @@
           <a:p>
             <a:fld id="{EB4A138F-191D-4BC7-80AB-52578C8866E8}" type="datetimeFigureOut">
               <a:rPr lang="zh-CN" altLang="en-US" smtClean="0"/>
-              <a:t>13-10-8</a:t>
+              <a:t>13-10-9</a:t>
             </a:fld>
             <a:endParaRPr lang="zh-CN" altLang="en-US"/>
           </a:p>
@@ -3372,7 +3373,7 @@
           <a:p>
             <a:fld id="{EB4A138F-191D-4BC7-80AB-52578C8866E8}" type="datetimeFigureOut">
               <a:rPr lang="zh-CN" altLang="en-US" smtClean="0"/>
-              <a:t>13-10-8</a:t>
+              <a:t>13-10-9</a:t>
             </a:fld>
             <a:endParaRPr lang="zh-CN" altLang="en-US"/>
           </a:p>
@@ -3490,7 +3491,7 @@
           <a:p>
             <a:fld id="{EB4A138F-191D-4BC7-80AB-52578C8866E8}" type="datetimeFigureOut">
               <a:rPr lang="zh-CN" altLang="en-US" smtClean="0"/>
-              <a:t>13-10-8</a:t>
+              <a:t>13-10-9</a:t>
             </a:fld>
             <a:endParaRPr lang="zh-CN" altLang="en-US"/>
           </a:p>
@@ -3585,7 +3586,7 @@
           <a:p>
             <a:fld id="{EB4A138F-191D-4BC7-80AB-52578C8866E8}" type="datetimeFigureOut">
               <a:rPr lang="zh-CN" altLang="en-US" smtClean="0"/>
-              <a:t>13-10-8</a:t>
+              <a:t>13-10-9</a:t>
             </a:fld>
             <a:endParaRPr lang="zh-CN" altLang="en-US"/>
           </a:p>
@@ -3862,7 +3863,7 @@
           <a:p>
             <a:fld id="{EB4A138F-191D-4BC7-80AB-52578C8866E8}" type="datetimeFigureOut">
               <a:rPr lang="zh-CN" altLang="en-US" smtClean="0"/>
-              <a:t>13-10-8</a:t>
+              <a:t>13-10-9</a:t>
             </a:fld>
             <a:endParaRPr lang="zh-CN" altLang="en-US"/>
           </a:p>
@@ -4115,7 +4116,7 @@
           <a:p>
             <a:fld id="{EB4A138F-191D-4BC7-80AB-52578C8866E8}" type="datetimeFigureOut">
               <a:rPr lang="zh-CN" altLang="en-US" smtClean="0"/>
-              <a:t>13-10-8</a:t>
+              <a:t>13-10-9</a:t>
             </a:fld>
             <a:endParaRPr lang="zh-CN" altLang="en-US"/>
           </a:p>
@@ -4328,7 +4329,7 @@
           <a:p>
             <a:fld id="{EB4A138F-191D-4BC7-80AB-52578C8866E8}" type="datetimeFigureOut">
               <a:rPr lang="zh-CN" altLang="en-US" smtClean="0"/>
-              <a:t>13-10-8</a:t>
+              <a:t>13-10-9</a:t>
             </a:fld>
             <a:endParaRPr lang="zh-CN" altLang="en-US"/>
           </a:p>
@@ -4863,7 +4864,7 @@
           <a:p>
             <a:r>
               <a:rPr lang="zh-CN" altLang="en-US" dirty="0" smtClean="0"/>
-              <a:t>定时执行任务</a:t>
+              <a:t>了解各种坑，以防被坑</a:t>
             </a:r>
             <a:endParaRPr lang="zh-CN" altLang="en-US" dirty="0"/>
           </a:p>
@@ -4879,65 +4880,256 @@
             <p:ph idx="1"/>
           </p:nvPr>
         </p:nvSpPr>
-        <p:spPr/>
+        <p:spPr>
+          <a:xfrm>
+            <a:off x="838200" y="1503123"/>
+            <a:ext cx="10515600" cy="5185776"/>
+          </a:xfrm>
+        </p:spPr>
         <p:txBody>
-          <a:bodyPr/>
+          <a:bodyPr>
+            <a:normAutofit fontScale="92500" lnSpcReduction="20000"/>
+          </a:bodyPr>
           <a:lstStyle/>
           <a:p>
             <a:r>
+              <a:rPr lang="zh-CN" altLang="en-US" dirty="0" smtClean="0"/>
+              <a:t>坑</a:t>
+            </a:r>
+            <a:r>
               <a:rPr lang="en-US" altLang="zh-CN" dirty="0" smtClean="0"/>
-              <a:t>diamond-client</a:t>
-            </a:r>
+              <a:t>1: diamond-server</a:t>
+            </a:r>
+            <a:r>
+              <a:rPr lang="zh-CN" altLang="en-US" dirty="0" smtClean="0"/>
+              <a:t>的连接数据库信息哪里设置？</a:t>
+            </a:r>
+            <a:endParaRPr lang="en-US" altLang="zh-CN" dirty="0"/>
           </a:p>
           <a:p>
             <a:pPr lvl="1"/>
             <a:r>
               <a:rPr lang="zh-CN" altLang="en-US" dirty="0" smtClean="0"/>
-              <a:t>每</a:t>
-            </a:r>
-            <a:r>
-              <a:rPr lang="en-US" altLang="zh-CN" b="1" dirty="0" smtClean="0">
-                <a:solidFill>
-                  <a:srgbClr val="FF0000"/>
-                </a:solidFill>
-              </a:rPr>
-              <a:t>5</a:t>
-            </a:r>
-            <a:r>
-              <a:rPr lang="zh-CN" altLang="en-US" b="1" dirty="0" smtClean="0">
-                <a:solidFill>
-                  <a:srgbClr val="FF0000"/>
-                </a:solidFill>
-              </a:rPr>
-              <a:t>分钟</a:t>
-            </a:r>
+              <a:t>优先：当前目录下的</a:t>
+            </a:r>
+            <a:r>
+              <a:rPr lang="en-US" altLang="zh-CN" dirty="0" smtClean="0"/>
+              <a:t>diamond-</a:t>
+            </a:r>
+            <a:r>
+              <a:rPr lang="en-US" altLang="zh-CN" dirty="0" err="1" smtClean="0"/>
+              <a:t>jdbc.properties</a:t>
+            </a:r>
+            <a:endParaRPr lang="en-US" altLang="zh-CN" dirty="0" smtClean="0"/>
+          </a:p>
+          <a:p>
+            <a:pPr lvl="1"/>
             <a:r>
               <a:rPr lang="zh-CN" altLang="en-US" dirty="0" smtClean="0"/>
-              <a:t>向</a:t>
+              <a:t>次之：</a:t>
+            </a:r>
+            <a:r>
+              <a:rPr lang="en-US" altLang="zh-CN" dirty="0" smtClean="0"/>
+              <a:t>diamond-server/</a:t>
+            </a:r>
+            <a:r>
+              <a:rPr lang="en-US" altLang="zh-CN" dirty="0" err="1" smtClean="0"/>
+              <a:t>src</a:t>
+            </a:r>
+            <a:r>
+              <a:rPr lang="en-US" altLang="zh-CN" dirty="0" smtClean="0"/>
+              <a:t>/main/resources/diamond-</a:t>
+            </a:r>
+            <a:r>
+              <a:rPr lang="en-US" altLang="zh-CN" dirty="0" err="1" smtClean="0"/>
+              <a:t>jdbc.properties</a:t>
+            </a:r>
+            <a:endParaRPr lang="en-US" altLang="zh-CN" dirty="0"/>
+          </a:p>
+          <a:p>
+            <a:pPr lvl="1"/>
+            <a:endParaRPr lang="en-US" altLang="zh-CN" dirty="0"/>
+          </a:p>
+          <a:p>
+            <a:r>
+              <a:rPr lang="zh-CN" altLang="en-US" dirty="0" smtClean="0"/>
+              <a:t>坑</a:t>
+            </a:r>
+            <a:r>
+              <a:rPr lang="en-US" altLang="zh-CN" dirty="0" smtClean="0"/>
+              <a:t>2: diamond-client</a:t>
+            </a:r>
+            <a:r>
+              <a:rPr lang="zh-CN" altLang="en-US" dirty="0" smtClean="0"/>
+              <a:t>连接</a:t>
+            </a:r>
+            <a:r>
+              <a:rPr lang="en-US" altLang="zh-CN" dirty="0" smtClean="0"/>
+              <a:t>server</a:t>
+            </a:r>
+            <a:r>
+              <a:rPr lang="zh-CN" altLang="en-US" dirty="0" smtClean="0"/>
+              <a:t>信息哪里设置？</a:t>
+            </a:r>
+            <a:endParaRPr lang="en-US" altLang="zh-CN" dirty="0" smtClean="0"/>
+          </a:p>
+          <a:p>
+            <a:pPr lvl="1"/>
+            <a:r>
+              <a:rPr lang="zh-CN" altLang="en-US" dirty="0"/>
+              <a:t>首先</a:t>
+            </a:r>
+            <a:r>
+              <a:rPr lang="zh-CN" altLang="en-US" dirty="0" smtClean="0"/>
+              <a:t>看</a:t>
+            </a:r>
+            <a:r>
+              <a:rPr lang="en-US" altLang="zh-CN" dirty="0"/>
+              <a:t>: </a:t>
+            </a:r>
+            <a:r>
+              <a:rPr lang="en-US" altLang="zh-CN" dirty="0" err="1" smtClean="0"/>
+              <a:t>classpath:NameServer.address</a:t>
+            </a:r>
+            <a:r>
+              <a:rPr lang="zh-CN" altLang="en-US" dirty="0" smtClean="0"/>
+              <a:t>，是否定义</a:t>
+            </a:r>
+            <a:r>
+              <a:rPr lang="en-US" altLang="zh-CN" dirty="0" smtClean="0"/>
+              <a:t>diamond name sever</a:t>
+            </a:r>
+          </a:p>
+          <a:p>
+            <a:pPr lvl="1"/>
+            <a:r>
+              <a:rPr lang="zh-CN" altLang="en-US" dirty="0" smtClean="0"/>
+              <a:t>其次看</a:t>
+            </a:r>
+            <a:r>
+              <a:rPr lang="en-US" altLang="zh-CN" dirty="0" smtClean="0"/>
+              <a:t>: </a:t>
+            </a:r>
+            <a:r>
+              <a:rPr lang="en-US" altLang="zh-CN" dirty="0" err="1" smtClean="0"/>
+              <a:t>a.b.c</a:t>
+            </a:r>
+            <a:r>
+              <a:rPr lang="zh-CN" altLang="en-US" dirty="0" smtClean="0"/>
+              <a:t>在</a:t>
+            </a:r>
+            <a:r>
+              <a:rPr lang="en-US" altLang="zh-CN" dirty="0" smtClean="0"/>
+              <a:t>/</a:t>
+            </a:r>
+            <a:r>
+              <a:rPr lang="en-US" altLang="zh-CN" dirty="0" err="1" smtClean="0"/>
+              <a:t>etc</a:t>
+            </a:r>
+            <a:r>
+              <a:rPr lang="en-US" altLang="zh-CN" dirty="0" smtClean="0"/>
+              <a:t>/hosts</a:t>
+            </a:r>
+            <a:r>
+              <a:rPr lang="zh-CN" altLang="en-US" dirty="0" smtClean="0"/>
+              <a:t>中有没有定义</a:t>
+            </a:r>
+            <a:r>
+              <a:rPr lang="en-US" altLang="zh-CN" dirty="0" smtClean="0"/>
+              <a:t>IP</a:t>
+            </a:r>
+          </a:p>
+          <a:p>
+            <a:pPr lvl="1"/>
+            <a:r>
+              <a:rPr lang="zh-CN" altLang="en-US" dirty="0"/>
+              <a:t>最后</a:t>
+            </a:r>
+            <a:r>
+              <a:rPr lang="zh-CN" altLang="en-US" dirty="0" smtClean="0"/>
+              <a:t>看</a:t>
+            </a:r>
+            <a:r>
+              <a:rPr lang="en-US" altLang="zh-CN" dirty="0"/>
+              <a:t>: </a:t>
+            </a:r>
+            <a:r>
+              <a:rPr lang="en-US" altLang="zh-CN" dirty="0" err="1" smtClean="0"/>
+              <a:t>classpath:DiamondServer.address</a:t>
+            </a:r>
+            <a:endParaRPr lang="en-US" altLang="zh-CN" dirty="0" smtClean="0"/>
+          </a:p>
+          <a:p>
+            <a:pPr lvl="1"/>
+            <a:r>
+              <a:rPr lang="zh-CN" altLang="en-US" dirty="0" smtClean="0"/>
+              <a:t>注意：</a:t>
             </a:r>
             <a:r>
               <a:rPr lang="en-US" altLang="zh-CN" dirty="0" smtClean="0"/>
               <a:t>name-server</a:t>
             </a:r>
             <a:r>
+              <a:rPr lang="zh-CN" altLang="en-US" dirty="0"/>
+              <a:t>的默认端口是</a:t>
+            </a:r>
+            <a:r>
+              <a:rPr lang="en-US" altLang="zh-CN" dirty="0"/>
+              <a:t>17001</a:t>
+            </a:r>
+            <a:r>
+              <a:rPr lang="zh-CN" altLang="en-US" dirty="0"/>
+              <a:t>，</a:t>
+            </a:r>
+            <a:r>
+              <a:rPr lang="en-US" altLang="zh-CN" dirty="0"/>
+              <a:t>diamond-server</a:t>
+            </a:r>
+            <a:r>
+              <a:rPr lang="zh-CN" altLang="en-US" dirty="0"/>
+              <a:t>默认端口是</a:t>
+            </a:r>
+            <a:r>
+              <a:rPr lang="en-US" altLang="zh-CN" dirty="0" smtClean="0"/>
+              <a:t>17002</a:t>
+            </a:r>
+          </a:p>
+          <a:p>
+            <a:pPr lvl="1"/>
+            <a:endParaRPr lang="en-US" altLang="zh-CN" dirty="0"/>
+          </a:p>
+          <a:p>
+            <a:r>
               <a:rPr lang="zh-CN" altLang="en-US" dirty="0" smtClean="0"/>
-              <a:t>同步一次</a:t>
+              <a:t>坑</a:t>
             </a:r>
             <a:r>
               <a:rPr lang="en-US" altLang="zh-CN" dirty="0" smtClean="0"/>
-              <a:t>diamond-server</a:t>
+              <a:t>3: </a:t>
             </a:r>
             <a:r>
               <a:rPr lang="zh-CN" altLang="en-US" dirty="0" smtClean="0"/>
-              <a:t>地址列表</a:t>
+              <a:t>各种超时，也要搞搞清楚</a:t>
             </a:r>
             <a:endParaRPr lang="en-US" altLang="zh-CN" dirty="0" smtClean="0"/>
           </a:p>
           <a:p>
             <a:pPr lvl="1"/>
             <a:r>
+              <a:rPr lang="zh-CN" altLang="en-US" dirty="0"/>
+              <a:t>一</a:t>
+            </a:r>
+            <a:r>
               <a:rPr lang="zh-CN" altLang="en-US" dirty="0" smtClean="0"/>
-              <a:t>每</a:t>
+              <a:t>次</a:t>
+            </a:r>
+            <a:r>
+              <a:rPr lang="en-US" altLang="zh-CN" dirty="0" smtClean="0"/>
+              <a:t>HTTP</a:t>
+            </a:r>
+            <a:r>
+              <a:rPr lang="zh-CN" altLang="en-US" dirty="0" smtClean="0"/>
+              <a:t>请求一个配置，超时为</a:t>
             </a:r>
             <a:r>
               <a:rPr lang="en-US" altLang="zh-CN" b="1" dirty="0" smtClean="0">
@@ -4945,7 +5137,7 @@
                   <a:srgbClr val="FF0000"/>
                 </a:solidFill>
               </a:rPr>
-              <a:t>5</a:t>
+              <a:t>2</a:t>
             </a:r>
             <a:r>
               <a:rPr lang="zh-CN" altLang="en-US" b="1" dirty="0" smtClean="0">
@@ -4953,94 +5145,128 @@
                   <a:srgbClr val="FF0000"/>
                 </a:solidFill>
               </a:rPr>
-              <a:t>秒钟</a:t>
+              <a:t>秒</a:t>
             </a:r>
             <a:r>
               <a:rPr lang="zh-CN" altLang="en-US" dirty="0" smtClean="0"/>
-              <a:t>做一次本地容灾目录配置变更检测</a:t>
+              <a:t>，重试总超时不超过</a:t>
+            </a:r>
+            <a:r>
+              <a:rPr lang="en-US" altLang="zh-CN" b="1" dirty="0" smtClean="0">
+                <a:solidFill>
+                  <a:srgbClr val="FF0000"/>
+                </a:solidFill>
+              </a:rPr>
+              <a:t>10</a:t>
+            </a:r>
+            <a:r>
+              <a:rPr lang="zh-CN" altLang="en-US" b="1" dirty="0" smtClean="0">
+                <a:solidFill>
+                  <a:srgbClr val="FF0000"/>
+                </a:solidFill>
+              </a:rPr>
+              <a:t>秒</a:t>
+            </a:r>
+            <a:endParaRPr lang="en-US" altLang="zh-CN" b="1" dirty="0" smtClean="0">
+              <a:solidFill>
+                <a:srgbClr val="FF0000"/>
+              </a:solidFill>
+            </a:endParaRPr>
+          </a:p>
+          <a:p>
+            <a:pPr lvl="1"/>
+            <a:r>
+              <a:rPr lang="en-US" altLang="zh-CN" dirty="0" smtClean="0"/>
+              <a:t>HTTP</a:t>
+            </a:r>
+            <a:r>
+              <a:rPr lang="zh-CN" altLang="en-US" dirty="0" smtClean="0"/>
+              <a:t>连接超时为</a:t>
+            </a:r>
+            <a:r>
+              <a:rPr lang="en-US" altLang="zh-CN" b="1" dirty="0" smtClean="0">
+                <a:solidFill>
+                  <a:srgbClr val="FF0000"/>
+                </a:solidFill>
+              </a:rPr>
+              <a:t>2</a:t>
+            </a:r>
+            <a:r>
+              <a:rPr lang="zh-CN" altLang="en-US" b="1" dirty="0" smtClean="0">
+                <a:solidFill>
+                  <a:srgbClr val="FF0000"/>
+                </a:solidFill>
+              </a:rPr>
+              <a:t>秒</a:t>
+            </a:r>
+            <a:endParaRPr lang="en-US" altLang="zh-CN" b="1" dirty="0" smtClean="0">
+              <a:solidFill>
+                <a:srgbClr val="FF0000"/>
+              </a:solidFill>
+            </a:endParaRPr>
+          </a:p>
+          <a:p>
+            <a:pPr lvl="1"/>
+            <a:r>
+              <a:rPr lang="zh-CN" altLang="en-US" dirty="0"/>
+              <a:t>用户</a:t>
+            </a:r>
+            <a:r>
+              <a:rPr lang="zh-CN" altLang="en-US" dirty="0" smtClean="0"/>
+              <a:t>缓存读时加载超时为</a:t>
+            </a:r>
+            <a:r>
+              <a:rPr lang="en-US" altLang="zh-CN" b="1" dirty="0" smtClean="0">
+                <a:solidFill>
+                  <a:srgbClr val="FF0000"/>
+                </a:solidFill>
+              </a:rPr>
+              <a:t>2</a:t>
+            </a:r>
+            <a:r>
+              <a:rPr lang="zh-CN" altLang="en-US" b="1" dirty="0" smtClean="0">
+                <a:solidFill>
+                  <a:srgbClr val="FF0000"/>
+                </a:solidFill>
+              </a:rPr>
+              <a:t>秒</a:t>
+            </a:r>
+            <a:endParaRPr lang="en-US" altLang="zh-CN" b="1" dirty="0" smtClean="0">
+              <a:solidFill>
+                <a:srgbClr val="FF0000"/>
+              </a:solidFill>
+            </a:endParaRPr>
+          </a:p>
+          <a:p>
+            <a:pPr lvl="1"/>
+            <a:r>
+              <a:rPr lang="zh-CN" altLang="en-US" dirty="0" smtClean="0"/>
+              <a:t>配置本地缓存访问</a:t>
+            </a:r>
+            <a:r>
+              <a:rPr lang="en-US" altLang="zh-CN" b="1" dirty="0" smtClean="0">
+                <a:solidFill>
+                  <a:srgbClr val="FF0000"/>
+                </a:solidFill>
+              </a:rPr>
+              <a:t>15</a:t>
+            </a:r>
+            <a:r>
+              <a:rPr lang="zh-CN" altLang="en-US" b="1" dirty="0" smtClean="0">
+                <a:solidFill>
+                  <a:srgbClr val="FF0000"/>
+                </a:solidFill>
+              </a:rPr>
+              <a:t>分钟</a:t>
+            </a:r>
+            <a:r>
+              <a:rPr lang="zh-CN" altLang="en-US" dirty="0" smtClean="0"/>
+              <a:t>失效</a:t>
             </a:r>
             <a:endParaRPr lang="en-US" altLang="zh-CN" dirty="0" smtClean="0"/>
           </a:p>
           <a:p>
             <a:pPr lvl="1"/>
-            <a:r>
-              <a:rPr lang="zh-CN" altLang="en-US" dirty="0" smtClean="0"/>
-              <a:t>每</a:t>
-            </a:r>
-            <a:r>
-              <a:rPr lang="en-US" altLang="zh-CN" b="1" dirty="0" smtClean="0">
-                <a:solidFill>
-                  <a:srgbClr val="FF0000"/>
-                </a:solidFill>
-              </a:rPr>
-              <a:t>15</a:t>
-            </a:r>
-            <a:r>
-              <a:rPr lang="zh-CN" altLang="en-US" b="1" dirty="0" smtClean="0">
-                <a:solidFill>
-                  <a:srgbClr val="FF0000"/>
-                </a:solidFill>
-              </a:rPr>
-              <a:t>秒钟</a:t>
-            </a:r>
-            <a:r>
-              <a:rPr lang="zh-CN" altLang="en-US" dirty="0" smtClean="0"/>
-              <a:t>向</a:t>
-            </a:r>
-            <a:r>
-              <a:rPr lang="en-US" altLang="zh-CN" dirty="0" smtClean="0"/>
-              <a:t>diamond-server</a:t>
-            </a:r>
-            <a:r>
-              <a:rPr lang="zh-CN" altLang="en-US" dirty="0" smtClean="0"/>
-              <a:t>做一次配置变更检查</a:t>
-            </a:r>
-            <a:endParaRPr lang="en-US" altLang="zh-CN" dirty="0" smtClean="0"/>
-          </a:p>
-          <a:p>
-            <a:r>
-              <a:rPr lang="en-US" altLang="zh-CN" dirty="0" smtClean="0"/>
-              <a:t>diamond-server</a:t>
-            </a:r>
-          </a:p>
-          <a:p>
-            <a:pPr lvl="1"/>
-            <a:r>
-              <a:rPr lang="zh-CN" altLang="en-US" dirty="0" smtClean="0"/>
-              <a:t>每</a:t>
-            </a:r>
-            <a:r>
-              <a:rPr lang="en-US" altLang="zh-CN" b="1" dirty="0" smtClean="0">
-                <a:solidFill>
-                  <a:srgbClr val="FF0000"/>
-                </a:solidFill>
-              </a:rPr>
-              <a:t>10</a:t>
-            </a:r>
-            <a:r>
-              <a:rPr lang="zh-CN" altLang="en-US" b="1" dirty="0" smtClean="0">
-                <a:solidFill>
-                  <a:srgbClr val="FF0000"/>
-                </a:solidFill>
-              </a:rPr>
-              <a:t>分钟</a:t>
-            </a:r>
-            <a:r>
-              <a:rPr lang="zh-CN" altLang="en-US" dirty="0" smtClean="0"/>
-              <a:t>向</a:t>
-            </a:r>
-            <a:r>
-              <a:rPr lang="en-US" altLang="zh-CN" dirty="0" smtClean="0"/>
-              <a:t>DB</a:t>
-            </a:r>
-            <a:r>
-              <a:rPr lang="zh-CN" altLang="en-US" dirty="0" smtClean="0"/>
-              <a:t>做一次配置表记录全量</a:t>
-            </a:r>
-            <a:r>
-              <a:rPr lang="en-US" altLang="zh-CN" dirty="0" smtClean="0"/>
-              <a:t>DUMP</a:t>
-            </a:r>
             <a:endParaRPr lang="zh-CN" altLang="en-US" dirty="0"/>
           </a:p>
         </p:txBody>
@@ -5048,7 +5274,7 @@
     </p:spTree>
     <p:extLst>
       <p:ext uri="{BB962C8B-B14F-4D97-AF65-F5344CB8AC3E}">
-        <p14:creationId xmlns:p14="http://schemas.microsoft.com/office/powerpoint/2010/main" val="211985212"/>
+        <p14:creationId xmlns:p14="http://schemas.microsoft.com/office/powerpoint/2010/main" val="787077263"/>
       </p:ext>
     </p:extLst>
   </p:cSld>
@@ -5098,12 +5324,8 @@
           <a:lstStyle/>
           <a:p>
             <a:r>
-              <a:rPr lang="en-US" altLang="zh-CN" dirty="0" smtClean="0"/>
-              <a:t>diamond-server</a:t>
-            </a:r>
-            <a:r>
-              <a:rPr lang="zh-CN" altLang="en-US" smtClean="0"/>
-              <a:t>集群部署</a:t>
+              <a:rPr lang="zh-CN" altLang="en-US" dirty="0" smtClean="0"/>
+              <a:t>定时执行任务</a:t>
             </a:r>
             <a:endParaRPr lang="zh-CN" altLang="en-US" dirty="0"/>
           </a:p>
@@ -5125,6 +5347,246 @@
           <a:lstStyle/>
           <a:p>
             <a:r>
+              <a:rPr lang="en-US" altLang="zh-CN" dirty="0" smtClean="0"/>
+              <a:t>diamond-client</a:t>
+            </a:r>
+          </a:p>
+          <a:p>
+            <a:pPr lvl="1"/>
+            <a:r>
+              <a:rPr lang="zh-CN" altLang="en-US" dirty="0" smtClean="0"/>
+              <a:t>每</a:t>
+            </a:r>
+            <a:r>
+              <a:rPr lang="en-US" altLang="zh-CN" b="1" dirty="0" smtClean="0">
+                <a:solidFill>
+                  <a:srgbClr val="FF0000"/>
+                </a:solidFill>
+              </a:rPr>
+              <a:t>5</a:t>
+            </a:r>
+            <a:r>
+              <a:rPr lang="zh-CN" altLang="en-US" b="1" dirty="0" smtClean="0">
+                <a:solidFill>
+                  <a:srgbClr val="FF0000"/>
+                </a:solidFill>
+              </a:rPr>
+              <a:t>分钟</a:t>
+            </a:r>
+            <a:r>
+              <a:rPr lang="zh-CN" altLang="en-US" dirty="0" smtClean="0"/>
+              <a:t>向</a:t>
+            </a:r>
+            <a:r>
+              <a:rPr lang="en-US" altLang="zh-CN" dirty="0" smtClean="0"/>
+              <a:t>name-server</a:t>
+            </a:r>
+            <a:r>
+              <a:rPr lang="zh-CN" altLang="en-US" dirty="0" smtClean="0"/>
+              <a:t>同步一次</a:t>
+            </a:r>
+            <a:r>
+              <a:rPr lang="en-US" altLang="zh-CN" dirty="0" smtClean="0"/>
+              <a:t>diamond-server</a:t>
+            </a:r>
+            <a:r>
+              <a:rPr lang="zh-CN" altLang="en-US" dirty="0" smtClean="0"/>
+              <a:t>地址列表</a:t>
+            </a:r>
+            <a:endParaRPr lang="en-US" altLang="zh-CN" dirty="0" smtClean="0"/>
+          </a:p>
+          <a:p>
+            <a:pPr lvl="1"/>
+            <a:r>
+              <a:rPr lang="zh-CN" altLang="en-US" dirty="0" smtClean="0"/>
+              <a:t>每</a:t>
+            </a:r>
+            <a:r>
+              <a:rPr lang="en-US" altLang="zh-CN" b="1" dirty="0" smtClean="0">
+                <a:solidFill>
+                  <a:srgbClr val="FF0000"/>
+                </a:solidFill>
+              </a:rPr>
+              <a:t>5</a:t>
+            </a:r>
+            <a:r>
+              <a:rPr lang="zh-CN" altLang="en-US" b="1" dirty="0" smtClean="0">
+                <a:solidFill>
+                  <a:srgbClr val="FF0000"/>
+                </a:solidFill>
+              </a:rPr>
+              <a:t>秒钟</a:t>
+            </a:r>
+            <a:r>
+              <a:rPr lang="zh-CN" altLang="en-US" dirty="0" smtClean="0"/>
+              <a:t>做一次本地容灾目录配置变更检测</a:t>
+            </a:r>
+            <a:endParaRPr lang="en-US" altLang="zh-CN" dirty="0" smtClean="0"/>
+          </a:p>
+          <a:p>
+            <a:pPr lvl="1"/>
+            <a:r>
+              <a:rPr lang="zh-CN" altLang="en-US" dirty="0" smtClean="0"/>
+              <a:t>每</a:t>
+            </a:r>
+            <a:r>
+              <a:rPr lang="en-US" altLang="zh-CN" b="1" dirty="0" smtClean="0">
+                <a:solidFill>
+                  <a:srgbClr val="FF0000"/>
+                </a:solidFill>
+              </a:rPr>
+              <a:t>15</a:t>
+            </a:r>
+            <a:r>
+              <a:rPr lang="zh-CN" altLang="en-US" b="1" dirty="0" smtClean="0">
+                <a:solidFill>
+                  <a:srgbClr val="FF0000"/>
+                </a:solidFill>
+              </a:rPr>
+              <a:t>秒钟</a:t>
+            </a:r>
+            <a:r>
+              <a:rPr lang="zh-CN" altLang="en-US" dirty="0" smtClean="0"/>
+              <a:t>向</a:t>
+            </a:r>
+            <a:r>
+              <a:rPr lang="en-US" altLang="zh-CN" dirty="0" smtClean="0"/>
+              <a:t>diamond-server</a:t>
+            </a:r>
+            <a:r>
+              <a:rPr lang="zh-CN" altLang="en-US" dirty="0" smtClean="0"/>
+              <a:t>做一次配置变更检查</a:t>
+            </a:r>
+            <a:endParaRPr lang="en-US" altLang="zh-CN" dirty="0" smtClean="0"/>
+          </a:p>
+          <a:p>
+            <a:r>
+              <a:rPr lang="en-US" altLang="zh-CN" dirty="0" smtClean="0"/>
+              <a:t>diamond-server</a:t>
+            </a:r>
+          </a:p>
+          <a:p>
+            <a:pPr lvl="1"/>
+            <a:r>
+              <a:rPr lang="zh-CN" altLang="en-US" dirty="0" smtClean="0"/>
+              <a:t>每</a:t>
+            </a:r>
+            <a:r>
+              <a:rPr lang="en-US" altLang="zh-CN" b="1" dirty="0" smtClean="0">
+                <a:solidFill>
+                  <a:srgbClr val="FF0000"/>
+                </a:solidFill>
+              </a:rPr>
+              <a:t>10</a:t>
+            </a:r>
+            <a:r>
+              <a:rPr lang="zh-CN" altLang="en-US" b="1" dirty="0" smtClean="0">
+                <a:solidFill>
+                  <a:srgbClr val="FF0000"/>
+                </a:solidFill>
+              </a:rPr>
+              <a:t>分钟</a:t>
+            </a:r>
+            <a:r>
+              <a:rPr lang="zh-CN" altLang="en-US" dirty="0" smtClean="0"/>
+              <a:t>向</a:t>
+            </a:r>
+            <a:r>
+              <a:rPr lang="en-US" altLang="zh-CN" dirty="0" smtClean="0"/>
+              <a:t>DB</a:t>
+            </a:r>
+            <a:r>
+              <a:rPr lang="zh-CN" altLang="en-US" dirty="0" smtClean="0"/>
+              <a:t>做一次配置表记录全量</a:t>
+            </a:r>
+            <a:r>
+              <a:rPr lang="en-US" altLang="zh-CN" dirty="0" smtClean="0"/>
+              <a:t>DUMP</a:t>
+            </a:r>
+            <a:endParaRPr lang="zh-CN" altLang="en-US" dirty="0"/>
+          </a:p>
+        </p:txBody>
+      </p:sp>
+    </p:spTree>
+    <p:extLst>
+      <p:ext uri="{BB962C8B-B14F-4D97-AF65-F5344CB8AC3E}">
+        <p14:creationId xmlns:p14="http://schemas.microsoft.com/office/powerpoint/2010/main" val="211985212"/>
+      </p:ext>
+    </p:extLst>
+  </p:cSld>
+  <p:clrMapOvr>
+    <a:masterClrMapping/>
+  </p:clrMapOvr>
+  <p:timing>
+    <p:tnLst>
+      <p:par>
+        <p:cTn xmlns:p14="http://schemas.microsoft.com/office/powerpoint/2010/main" id="1" dur="indefinite" restart="never" nodeType="tmRoot"/>
+      </p:par>
+    </p:tnLst>
+  </p:timing>
+</p:sld>
+</file>
+
+<file path=ppt/slides/slide12.xml><?xml version="1.0" encoding="utf-8"?>
+<p:sld xmlns:a="http://schemas.openxmlformats.org/drawingml/2006/main" xmlns:r="http://schemas.openxmlformats.org/officeDocument/2006/relationships" xmlns:p="http://schemas.openxmlformats.org/presentationml/2006/main">
+  <p:cSld>
+    <p:spTree>
+      <p:nvGrpSpPr>
+        <p:cNvPr id="1" name=""/>
+        <p:cNvGrpSpPr/>
+        <p:nvPr/>
+      </p:nvGrpSpPr>
+      <p:grpSpPr>
+        <a:xfrm>
+          <a:off x="0" y="0"/>
+          <a:ext cx="0" cy="0"/>
+          <a:chOff x="0" y="0"/>
+          <a:chExt cx="0" cy="0"/>
+        </a:xfrm>
+      </p:grpSpPr>
+      <p:sp>
+        <p:nvSpPr>
+          <p:cNvPr id="2" name="标题 1"/>
+          <p:cNvSpPr>
+            <a:spLocks noGrp="1"/>
+          </p:cNvSpPr>
+          <p:nvPr>
+            <p:ph type="title"/>
+          </p:nvPr>
+        </p:nvSpPr>
+        <p:spPr/>
+        <p:txBody>
+          <a:bodyPr/>
+          <a:lstStyle/>
+          <a:p>
+            <a:r>
+              <a:rPr lang="en-US" altLang="zh-CN" dirty="0" smtClean="0"/>
+              <a:t>diamond-server</a:t>
+            </a:r>
+            <a:r>
+              <a:rPr lang="zh-CN" altLang="en-US" smtClean="0"/>
+              <a:t>集群部署</a:t>
+            </a:r>
+            <a:endParaRPr lang="zh-CN" altLang="en-US" dirty="0"/>
+          </a:p>
+        </p:txBody>
+      </p:sp>
+      <p:sp>
+        <p:nvSpPr>
+          <p:cNvPr id="3" name="内容占位符 2"/>
+          <p:cNvSpPr>
+            <a:spLocks noGrp="1"/>
+          </p:cNvSpPr>
+          <p:nvPr>
+            <p:ph idx="1"/>
+          </p:nvPr>
+        </p:nvSpPr>
+        <p:spPr/>
+        <p:txBody>
+          <a:bodyPr/>
+          <a:lstStyle/>
+          <a:p>
+            <a:r>
               <a:rPr lang="zh-CN" altLang="en-US" dirty="0" smtClean="0"/>
               <a:t>启动集群</a:t>
             </a:r>
@@ -5146,15 +5608,7 @@
             </a:r>
             <a:r>
               <a:rPr lang="en-US" altLang="zh-CN" dirty="0" smtClean="0"/>
-              <a:t>1800</a:t>
-            </a:r>
-            <a:r>
-              <a:rPr lang="en-US" altLang="zh-CN" dirty="0" smtClean="0"/>
-              <a:t>1</a:t>
-            </a:r>
-            <a:r>
-              <a:rPr lang="en-US" altLang="zh-CN" dirty="0" smtClean="0"/>
-              <a:t> </a:t>
+              <a:t>18001 </a:t>
             </a:r>
             <a:r>
               <a:rPr lang="en-US" altLang="zh-CN" dirty="0"/>
@@ -5337,7 +5791,7 @@
 </p:sld>
 </file>
 
-<file path=ppt/slides/slide12.xml><?xml version="1.0" encoding="utf-8"?>
+<file path=ppt/slides/slide13.xml><?xml version="1.0" encoding="utf-8"?>
 <p:sld xmlns:a="http://schemas.openxmlformats.org/drawingml/2006/main" xmlns:r="http://schemas.openxmlformats.org/officeDocument/2006/relationships" xmlns:p="http://schemas.openxmlformats.org/presentationml/2006/main">
   <p:cSld>
     <p:spTree>
@@ -5405,6 +5859,366 @@
 </file>
 
 <file path=ppt/slides/slide2.xml><?xml version="1.0" encoding="utf-8"?>
+<p:sld xmlns:a="http://schemas.openxmlformats.org/drawingml/2006/main" xmlns:r="http://schemas.openxmlformats.org/officeDocument/2006/relationships" xmlns:p="http://schemas.openxmlformats.org/presentationml/2006/main">
+  <p:cSld>
+    <p:spTree>
+      <p:nvGrpSpPr>
+        <p:cNvPr id="1" name=""/>
+        <p:cNvGrpSpPr/>
+        <p:nvPr/>
+      </p:nvGrpSpPr>
+      <p:grpSpPr>
+        <a:xfrm>
+          <a:off x="0" y="0"/>
+          <a:ext cx="0" cy="0"/>
+          <a:chOff x="0" y="0"/>
+          <a:chExt cx="0" cy="0"/>
+        </a:xfrm>
+      </p:grpSpPr>
+      <p:sp>
+        <p:nvSpPr>
+          <p:cNvPr id="4" name="矩形 3"/>
+          <p:cNvSpPr/>
+          <p:nvPr/>
+        </p:nvSpPr>
+        <p:spPr>
+          <a:xfrm>
+            <a:off x="727881" y="466109"/>
+            <a:ext cx="10840775" cy="5909311"/>
+          </a:xfrm>
+          <a:prstGeom prst="rect">
+            <a:avLst/>
+          </a:prstGeom>
+        </p:spPr>
+        <p:txBody>
+          <a:bodyPr wrap="square">
+            <a:spAutoFit/>
+          </a:bodyPr>
+          <a:lstStyle/>
+          <a:p>
+            <a:r>
+              <a:rPr lang="en-US" altLang="zh-TW" dirty="0"/>
+              <a:t>diamond</a:t>
+            </a:r>
+            <a:r>
+              <a:rPr lang="zh-TW" altLang="en-US" dirty="0"/>
+              <a:t>的特点是简单、可靠、易用。</a:t>
+            </a:r>
+          </a:p>
+          <a:p>
+            <a:r>
+              <a:rPr lang="en-US" altLang="zh-TW" dirty="0"/>
+              <a:t>diamond-miner</a:t>
+            </a:r>
+            <a:r>
+              <a:rPr lang="zh-TW" altLang="en-US" dirty="0"/>
+              <a:t>在</a:t>
+            </a:r>
+            <a:r>
+              <a:rPr lang="en-US" altLang="zh-TW" dirty="0"/>
+              <a:t>diamond</a:t>
+            </a:r>
+            <a:r>
+              <a:rPr lang="zh-TW" altLang="en-US" dirty="0"/>
+              <a:t>源代码基础上取其精华去其糟粕，并添加基于</a:t>
+            </a:r>
+            <a:r>
+              <a:rPr lang="en-US" altLang="zh-TW" dirty="0"/>
+              <a:t>diamond</a:t>
+            </a:r>
+            <a:r>
+              <a:rPr lang="zh-TW" altLang="en-US" dirty="0"/>
+              <a:t>的缓存。</a:t>
+            </a:r>
+          </a:p>
+          <a:p>
+            <a:endParaRPr lang="zh-TW" altLang="en-US" dirty="0"/>
+          </a:p>
+          <a:p>
+            <a:r>
+              <a:rPr lang="zh-TW" altLang="en-US" dirty="0"/>
+              <a:t>从此，配置手动刷新不再是难事。</a:t>
+            </a:r>
+          </a:p>
+          <a:p>
+            <a:r>
+              <a:rPr lang="zh-TW" altLang="en-US" dirty="0"/>
+              <a:t>从此，缓存手动刷新也轻而易举。</a:t>
+            </a:r>
+          </a:p>
+          <a:p>
+            <a:r>
+              <a:rPr lang="zh-TW" altLang="en-US" dirty="0"/>
+              <a:t>从此，配置系统有操作界面了，不再摸瞎弄数据库。</a:t>
+            </a:r>
+          </a:p>
+          <a:p>
+            <a:r>
+              <a:rPr lang="zh-TW" altLang="en-US" dirty="0"/>
+              <a:t>从此，高端大气上档次了。</a:t>
+            </a:r>
+          </a:p>
+          <a:p>
+            <a:endParaRPr lang="zh-TW" altLang="en-US" dirty="0"/>
+          </a:p>
+          <a:p>
+            <a:r>
+              <a:rPr lang="zh-TW" altLang="en-US" dirty="0"/>
+              <a:t>欢迎大家吐槽。</a:t>
+            </a:r>
+          </a:p>
+          <a:p>
+            <a:endParaRPr lang="zh-TW" altLang="en-US" dirty="0"/>
+          </a:p>
+          <a:p>
+            <a:r>
+              <a:rPr lang="zh-TW" altLang="en-US" dirty="0"/>
+              <a:t>备注：淘宝原始</a:t>
+            </a:r>
+            <a:r>
+              <a:rPr lang="en-US" altLang="zh-TW" dirty="0"/>
+              <a:t>diamond-client</a:t>
+            </a:r>
+            <a:r>
+              <a:rPr lang="zh-TW" altLang="en-US" dirty="0"/>
+              <a:t>源码实在很烂：逻辑不清晰、结构不明确、</a:t>
+            </a:r>
+            <a:r>
+              <a:rPr lang="en-US" altLang="zh-TW" dirty="0"/>
+              <a:t>API</a:t>
+            </a:r>
+            <a:r>
+              <a:rPr lang="zh-TW" altLang="en-US" dirty="0"/>
+              <a:t>很不友好。</a:t>
+            </a:r>
+          </a:p>
+          <a:p>
+            <a:endParaRPr lang="zh-TW" altLang="en-US" dirty="0"/>
+          </a:p>
+          <a:p>
+            <a:endParaRPr lang="zh-TW" altLang="en-US" dirty="0"/>
+          </a:p>
+          <a:p>
+            <a:r>
+              <a:rPr lang="zh-TW" altLang="en-US" dirty="0"/>
+              <a:t>火箭队改造的钻石矿工</a:t>
+            </a:r>
+            <a:r>
+              <a:rPr lang="en-US" altLang="zh-TW" dirty="0"/>
+              <a:t>PPT:  </a:t>
+            </a:r>
+            <a:r>
+              <a:rPr lang="en-US" altLang="zh-TW" dirty="0">
+                <a:hlinkClick r:id="rId2"/>
+              </a:rPr>
+              <a:t>https://github.com/bingoohuang/diamond-miner/blob/master/Diamond%20Miner%</a:t>
+            </a:r>
+            <a:r>
+              <a:rPr lang="en-US" altLang="zh-TW" dirty="0" smtClean="0">
+                <a:hlinkClick r:id="rId2"/>
+              </a:rPr>
+              <a:t>20Intro.pptx</a:t>
+            </a:r>
+            <a:r>
+              <a:rPr lang="en-US" altLang="zh-TW" dirty="0" smtClean="0"/>
+              <a:t> </a:t>
+            </a:r>
+            <a:endParaRPr lang="en-US" altLang="zh-TW" dirty="0"/>
+          </a:p>
+          <a:p>
+            <a:endParaRPr lang="en-US" altLang="zh-TW" dirty="0"/>
+          </a:p>
+          <a:p>
+            <a:r>
+              <a:rPr lang="en-US" altLang="zh-TW" dirty="0"/>
+              <a:t>diamond</a:t>
+            </a:r>
+            <a:r>
+              <a:rPr lang="zh-TW" altLang="en-US" dirty="0"/>
+              <a:t>专题（一）</a:t>
+            </a:r>
+            <a:r>
+              <a:rPr lang="en-US" altLang="zh-TW" dirty="0"/>
+              <a:t>- </a:t>
+            </a:r>
+            <a:r>
+              <a:rPr lang="zh-TW" altLang="en-US" dirty="0"/>
+              <a:t>简介和快速使用 </a:t>
+            </a:r>
+            <a:r>
+              <a:rPr lang="en-US" altLang="zh-TW" dirty="0">
+                <a:hlinkClick r:id="rId3"/>
+              </a:rPr>
+              <a:t>http://rdc.taobao.com/team/jm/archives/</a:t>
+            </a:r>
+            <a:r>
+              <a:rPr lang="en-US" altLang="zh-TW" dirty="0" smtClean="0">
+                <a:hlinkClick r:id="rId3"/>
+              </a:rPr>
+              <a:t>1588</a:t>
+            </a:r>
+            <a:r>
+              <a:rPr lang="en-US" altLang="zh-TW" dirty="0" smtClean="0"/>
+              <a:t> </a:t>
+            </a:r>
+            <a:endParaRPr lang="en-US" altLang="zh-TW" dirty="0"/>
+          </a:p>
+          <a:p>
+            <a:r>
+              <a:rPr lang="en-US" altLang="zh-TW" dirty="0"/>
+              <a:t>diamond</a:t>
+            </a:r>
+            <a:r>
+              <a:rPr lang="zh-TW" altLang="en-US" dirty="0"/>
+              <a:t>专题（二）</a:t>
+            </a:r>
+            <a:r>
+              <a:rPr lang="en-US" altLang="zh-TW" dirty="0"/>
+              <a:t>- </a:t>
+            </a:r>
+            <a:r>
+              <a:rPr lang="zh-TW" altLang="en-US" dirty="0"/>
+              <a:t>核心原理介绍 </a:t>
+            </a:r>
+            <a:r>
+              <a:rPr lang="en-US" altLang="zh-TW" dirty="0">
+                <a:hlinkClick r:id="rId4"/>
+              </a:rPr>
+              <a:t>http://rdc.taobao.com/team/jm/archives/</a:t>
+            </a:r>
+            <a:r>
+              <a:rPr lang="en-US" altLang="zh-TW" dirty="0" smtClean="0">
+                <a:hlinkClick r:id="rId4"/>
+              </a:rPr>
+              <a:t>1592</a:t>
+            </a:r>
+            <a:r>
+              <a:rPr lang="en-US" altLang="zh-TW" dirty="0" smtClean="0"/>
+              <a:t> </a:t>
+            </a:r>
+            <a:endParaRPr lang="en-US" altLang="zh-TW" dirty="0"/>
+          </a:p>
+          <a:p>
+            <a:r>
+              <a:rPr lang="en-US" altLang="zh-TW" dirty="0"/>
+              <a:t>diamond</a:t>
+            </a:r>
+            <a:r>
+              <a:rPr lang="zh-TW" altLang="en-US" dirty="0"/>
+              <a:t>专题（三）</a:t>
+            </a:r>
+            <a:r>
+              <a:rPr lang="en-US" altLang="zh-TW" dirty="0"/>
+              <a:t>- diamond</a:t>
+            </a:r>
+            <a:r>
+              <a:rPr lang="zh-TW" altLang="en-US" dirty="0"/>
+              <a:t>架构 </a:t>
+            </a:r>
+            <a:r>
+              <a:rPr lang="en-US" altLang="zh-TW" dirty="0">
+                <a:hlinkClick r:id="rId5"/>
+              </a:rPr>
+              <a:t>http://rdc.taobao.com/team/jm/archives/</a:t>
+            </a:r>
+            <a:r>
+              <a:rPr lang="en-US" altLang="zh-TW" dirty="0" smtClean="0">
+                <a:hlinkClick r:id="rId5"/>
+              </a:rPr>
+              <a:t>1606</a:t>
+            </a:r>
+            <a:r>
+              <a:rPr lang="en-US" altLang="zh-TW" dirty="0" smtClean="0"/>
+              <a:t>   </a:t>
+            </a:r>
+            <a:endParaRPr lang="en-US" altLang="zh-TW" dirty="0"/>
+          </a:p>
+          <a:p>
+            <a:r>
+              <a:rPr lang="en-US" altLang="zh-TW" dirty="0"/>
+              <a:t>diamond</a:t>
+            </a:r>
+            <a:r>
+              <a:rPr lang="zh-TW" altLang="en-US" dirty="0"/>
+              <a:t>专题（四）</a:t>
+            </a:r>
+            <a:r>
+              <a:rPr lang="en-US" altLang="zh-TW" dirty="0"/>
+              <a:t>- </a:t>
+            </a:r>
+            <a:r>
+              <a:rPr lang="zh-TW" altLang="en-US" dirty="0"/>
+              <a:t>容灾机制 </a:t>
+            </a:r>
+            <a:r>
+              <a:rPr lang="en-US" altLang="zh-TW" dirty="0">
+                <a:hlinkClick r:id="rId6"/>
+              </a:rPr>
+              <a:t>http://rdc.taobao.com/team/jm/archives/</a:t>
+            </a:r>
+            <a:r>
+              <a:rPr lang="en-US" altLang="zh-TW" dirty="0" smtClean="0">
+                <a:hlinkClick r:id="rId6"/>
+              </a:rPr>
+              <a:t>1617</a:t>
+            </a:r>
+            <a:r>
+              <a:rPr lang="en-US" altLang="zh-TW" dirty="0" smtClean="0"/>
+              <a:t> </a:t>
+            </a:r>
+            <a:endParaRPr lang="en-US" altLang="zh-TW" dirty="0"/>
+          </a:p>
+          <a:p>
+            <a:r>
+              <a:rPr lang="en-US" altLang="zh-TW" dirty="0" err="1"/>
+              <a:t>ZooKeeper</a:t>
+            </a:r>
+            <a:r>
+              <a:rPr lang="zh-TW" altLang="en-US" dirty="0"/>
+              <a:t>和</a:t>
+            </a:r>
+            <a:r>
+              <a:rPr lang="en-US" altLang="zh-TW" dirty="0"/>
+              <a:t>Diamond</a:t>
+            </a:r>
+            <a:r>
+              <a:rPr lang="zh-TW" altLang="en-US" dirty="0"/>
+              <a:t>有什么不同  </a:t>
+            </a:r>
+            <a:r>
+              <a:rPr lang="en-US" altLang="zh-TW" dirty="0">
+                <a:hlinkClick r:id="rId7"/>
+              </a:rPr>
+              <a:t>http://rdc.taobao.com/team/jm</a:t>
+            </a:r>
+            <a:r>
+              <a:rPr lang="en-US" altLang="zh-TW" dirty="0" smtClean="0">
+                <a:hlinkClick r:id="rId7"/>
+              </a:rPr>
+              <a:t>/archives/2561</a:t>
+            </a:r>
+            <a:r>
+              <a:rPr lang="en-US" altLang="zh-TW" dirty="0" smtClean="0"/>
+              <a:t> </a:t>
+            </a:r>
+            <a:endParaRPr lang="zh-CN" altLang="en-US" dirty="0"/>
+          </a:p>
+        </p:txBody>
+      </p:sp>
+    </p:spTree>
+    <p:extLst>
+      <p:ext uri="{BB962C8B-B14F-4D97-AF65-F5344CB8AC3E}">
+        <p14:creationId xmlns:p14="http://schemas.microsoft.com/office/powerpoint/2010/main" val="2347923769"/>
+      </p:ext>
+    </p:extLst>
+  </p:cSld>
+  <p:clrMapOvr>
+    <a:masterClrMapping/>
+  </p:clrMapOvr>
+</p:sld>
+</file>
+
+<file path=ppt/slides/slide3.xml><?xml version="1.0" encoding="utf-8"?>
 <p:sld xmlns:a="http://schemas.openxmlformats.org/drawingml/2006/main" xmlns:r="http://schemas.openxmlformats.org/officeDocument/2006/relationships" xmlns:p="http://schemas.openxmlformats.org/presentationml/2006/main">
   <p:cSld>
     <p:spTree>
@@ -5493,7 +6307,7 @@
 </p:sld>
 </file>
 
-<file path=ppt/slides/slide3.xml><?xml version="1.0" encoding="utf-8"?>
+<file path=ppt/slides/slide4.xml><?xml version="1.0" encoding="utf-8"?>
 <p:sld xmlns:a="http://schemas.openxmlformats.org/drawingml/2006/main" xmlns:r="http://schemas.openxmlformats.org/officeDocument/2006/relationships" xmlns:p="http://schemas.openxmlformats.org/presentationml/2006/main">
   <p:cSld>
     <p:spTree>
@@ -8712,7 +9526,7 @@
 </p:sld>
 </file>
 
-<file path=ppt/slides/slide4.xml><?xml version="1.0" encoding="utf-8"?>
+<file path=ppt/slides/slide5.xml><?xml version="1.0" encoding="utf-8"?>
 <p:sld xmlns:a="http://schemas.openxmlformats.org/drawingml/2006/main" xmlns:r="http://schemas.openxmlformats.org/officeDocument/2006/relationships" xmlns:p="http://schemas.openxmlformats.org/presentationml/2006/main">
   <p:cSld>
     <p:spTree>
@@ -8901,7 +9715,7 @@
 </p:sld>
 </file>
 
-<file path=ppt/slides/slide5.xml><?xml version="1.0" encoding="utf-8"?>
+<file path=ppt/slides/slide6.xml><?xml version="1.0" encoding="utf-8"?>
 <p:sld xmlns:a="http://schemas.openxmlformats.org/drawingml/2006/main" xmlns:r="http://schemas.openxmlformats.org/officeDocument/2006/relationships" xmlns:p="http://schemas.openxmlformats.org/presentationml/2006/main">
   <p:cSld>
     <p:spTree>
@@ -9036,7 +9850,7 @@
 </p:sld>
 </file>
 
-<file path=ppt/slides/slide6.xml><?xml version="1.0" encoding="utf-8"?>
+<file path=ppt/slides/slide7.xml><?xml version="1.0" encoding="utf-8"?>
 <p:sld xmlns:a="http://schemas.openxmlformats.org/drawingml/2006/main" xmlns:r="http://schemas.openxmlformats.org/officeDocument/2006/relationships" xmlns:p="http://schemas.openxmlformats.org/presentationml/2006/main">
   <p:cSld>
     <p:spTree>
@@ -9577,7 +10391,7 @@
 </p:sld>
 </file>
 
-<file path=ppt/slides/slide7.xml><?xml version="1.0" encoding="utf-8"?>
+<file path=ppt/slides/slide8.xml><?xml version="1.0" encoding="utf-8"?>
 <p:sld xmlns:a="http://schemas.openxmlformats.org/drawingml/2006/main" xmlns:r="http://schemas.openxmlformats.org/officeDocument/2006/relationships" xmlns:p="http://schemas.openxmlformats.org/presentationml/2006/main">
   <p:cSld>
     <p:spTree>
@@ -9946,7 +10760,7 @@
 </p:sld>
 </file>
 
-<file path=ppt/slides/slide8.xml><?xml version="1.0" encoding="utf-8"?>
+<file path=ppt/slides/slide9.xml><?xml version="1.0" encoding="utf-8"?>
 <p:sld xmlns:a="http://schemas.openxmlformats.org/drawingml/2006/main" xmlns:r="http://schemas.openxmlformats.org/officeDocument/2006/relationships" xmlns:p="http://schemas.openxmlformats.org/presentationml/2006/main">
   <p:cSld>
     <p:spTree>
@@ -10278,467 +11092,6 @@
     <p:extLst>
       <p:ext uri="{BB962C8B-B14F-4D97-AF65-F5344CB8AC3E}">
         <p14:creationId xmlns:p14="http://schemas.microsoft.com/office/powerpoint/2010/main" val="858243957"/>
-      </p:ext>
-    </p:extLst>
-  </p:cSld>
-  <p:clrMapOvr>
-    <a:masterClrMapping/>
-  </p:clrMapOvr>
-  <p:timing>
-    <p:tnLst>
-      <p:par>
-        <p:cTn xmlns:p14="http://schemas.microsoft.com/office/powerpoint/2010/main" id="1" dur="indefinite" restart="never" nodeType="tmRoot"/>
-      </p:par>
-    </p:tnLst>
-  </p:timing>
-</p:sld>
-</file>
-
-<file path=ppt/slides/slide9.xml><?xml version="1.0" encoding="utf-8"?>
-<p:sld xmlns:a="http://schemas.openxmlformats.org/drawingml/2006/main" xmlns:r="http://schemas.openxmlformats.org/officeDocument/2006/relationships" xmlns:p="http://schemas.openxmlformats.org/presentationml/2006/main">
-  <p:cSld>
-    <p:spTree>
-      <p:nvGrpSpPr>
-        <p:cNvPr id="1" name=""/>
-        <p:cNvGrpSpPr/>
-        <p:nvPr/>
-      </p:nvGrpSpPr>
-      <p:grpSpPr>
-        <a:xfrm>
-          <a:off x="0" y="0"/>
-          <a:ext cx="0" cy="0"/>
-          <a:chOff x="0" y="0"/>
-          <a:chExt cx="0" cy="0"/>
-        </a:xfrm>
-      </p:grpSpPr>
-      <p:sp>
-        <p:nvSpPr>
-          <p:cNvPr id="2" name="标题 1"/>
-          <p:cNvSpPr>
-            <a:spLocks noGrp="1"/>
-          </p:cNvSpPr>
-          <p:nvPr>
-            <p:ph type="title"/>
-          </p:nvPr>
-        </p:nvSpPr>
-        <p:spPr/>
-        <p:txBody>
-          <a:bodyPr/>
-          <a:lstStyle/>
-          <a:p>
-            <a:r>
-              <a:rPr lang="zh-CN" altLang="en-US" dirty="0" smtClean="0"/>
-              <a:t>了解各种坑，以防被坑</a:t>
-            </a:r>
-            <a:endParaRPr lang="zh-CN" altLang="en-US" dirty="0"/>
-          </a:p>
-        </p:txBody>
-      </p:sp>
-      <p:sp>
-        <p:nvSpPr>
-          <p:cNvPr id="3" name="内容占位符 2"/>
-          <p:cNvSpPr>
-            <a:spLocks noGrp="1"/>
-          </p:cNvSpPr>
-          <p:nvPr>
-            <p:ph idx="1"/>
-          </p:nvPr>
-        </p:nvSpPr>
-        <p:spPr>
-          <a:xfrm>
-            <a:off x="838200" y="1503123"/>
-            <a:ext cx="10515600" cy="5185776"/>
-          </a:xfrm>
-        </p:spPr>
-        <p:txBody>
-          <a:bodyPr>
-            <a:normAutofit fontScale="92500" lnSpcReduction="20000"/>
-          </a:bodyPr>
-          <a:lstStyle/>
-          <a:p>
-            <a:r>
-              <a:rPr lang="zh-CN" altLang="en-US" dirty="0" smtClean="0"/>
-              <a:t>坑</a:t>
-            </a:r>
-            <a:r>
-              <a:rPr lang="en-US" altLang="zh-CN" dirty="0" smtClean="0"/>
-              <a:t>1: diamond-server</a:t>
-            </a:r>
-            <a:r>
-              <a:rPr lang="zh-CN" altLang="en-US" dirty="0" smtClean="0"/>
-              <a:t>的连接数据库信息哪里设置？</a:t>
-            </a:r>
-            <a:endParaRPr lang="en-US" altLang="zh-CN" dirty="0"/>
-          </a:p>
-          <a:p>
-            <a:pPr lvl="1"/>
-            <a:r>
-              <a:rPr lang="zh-CN" altLang="en-US" dirty="0" smtClean="0"/>
-              <a:t>优先：当前目录下的</a:t>
-            </a:r>
-            <a:r>
-              <a:rPr lang="en-US" altLang="zh-CN" dirty="0" smtClean="0"/>
-              <a:t>diamond-</a:t>
-            </a:r>
-            <a:r>
-              <a:rPr lang="en-US" altLang="zh-CN" dirty="0" err="1" smtClean="0"/>
-              <a:t>jdbc.properties</a:t>
-            </a:r>
-            <a:endParaRPr lang="en-US" altLang="zh-CN" dirty="0" smtClean="0"/>
-          </a:p>
-          <a:p>
-            <a:pPr lvl="1"/>
-            <a:r>
-              <a:rPr lang="zh-CN" altLang="en-US" dirty="0" smtClean="0"/>
-              <a:t>次之：</a:t>
-            </a:r>
-            <a:r>
-              <a:rPr lang="en-US" altLang="zh-CN" dirty="0" smtClean="0"/>
-              <a:t>diamond-server/</a:t>
-            </a:r>
-            <a:r>
-              <a:rPr lang="en-US" altLang="zh-CN" dirty="0" err="1" smtClean="0"/>
-              <a:t>src</a:t>
-            </a:r>
-            <a:r>
-              <a:rPr lang="en-US" altLang="zh-CN" dirty="0" smtClean="0"/>
-              <a:t>/main/resources/diamond-</a:t>
-            </a:r>
-            <a:r>
-              <a:rPr lang="en-US" altLang="zh-CN" dirty="0" err="1" smtClean="0"/>
-              <a:t>jdbc.properties</a:t>
-            </a:r>
-            <a:endParaRPr lang="en-US" altLang="zh-CN" dirty="0"/>
-          </a:p>
-          <a:p>
-            <a:pPr lvl="1"/>
-            <a:endParaRPr lang="en-US" altLang="zh-CN" dirty="0"/>
-          </a:p>
-          <a:p>
-            <a:r>
-              <a:rPr lang="zh-CN" altLang="en-US" dirty="0" smtClean="0"/>
-              <a:t>坑</a:t>
-            </a:r>
-            <a:r>
-              <a:rPr lang="en-US" altLang="zh-CN" dirty="0" smtClean="0"/>
-              <a:t>2: diamond-client</a:t>
-            </a:r>
-            <a:r>
-              <a:rPr lang="zh-CN" altLang="en-US" dirty="0" smtClean="0"/>
-              <a:t>连接</a:t>
-            </a:r>
-            <a:r>
-              <a:rPr lang="en-US" altLang="zh-CN" dirty="0" smtClean="0"/>
-              <a:t>server</a:t>
-            </a:r>
-            <a:r>
-              <a:rPr lang="zh-CN" altLang="en-US" dirty="0" smtClean="0"/>
-              <a:t>信息哪里设置？</a:t>
-            </a:r>
-            <a:endParaRPr lang="en-US" altLang="zh-CN" dirty="0" smtClean="0"/>
-          </a:p>
-          <a:p>
-            <a:pPr lvl="1"/>
-            <a:r>
-              <a:rPr lang="zh-CN" altLang="en-US" dirty="0"/>
-              <a:t>首先</a:t>
-            </a:r>
-            <a:r>
-              <a:rPr lang="zh-CN" altLang="en-US" dirty="0" smtClean="0"/>
-              <a:t>看</a:t>
-            </a:r>
-            <a:r>
-              <a:rPr lang="en-US" altLang="zh-CN" dirty="0"/>
-              <a:t>: </a:t>
-            </a:r>
-            <a:r>
-              <a:rPr lang="en-US" altLang="zh-CN" dirty="0" err="1" smtClean="0"/>
-              <a:t>classpath:NameServer.address</a:t>
-            </a:r>
-            <a:r>
-              <a:rPr lang="zh-CN" altLang="en-US" dirty="0" smtClean="0"/>
-              <a:t>，是否定义</a:t>
-            </a:r>
-            <a:r>
-              <a:rPr lang="en-US" altLang="zh-CN" dirty="0" smtClean="0"/>
-              <a:t>diamond name sever</a:t>
-            </a:r>
-          </a:p>
-          <a:p>
-            <a:pPr lvl="1"/>
-            <a:r>
-              <a:rPr lang="zh-CN" altLang="en-US" dirty="0" smtClean="0"/>
-              <a:t>其次看</a:t>
-            </a:r>
-            <a:r>
-              <a:rPr lang="en-US" altLang="zh-CN" dirty="0" smtClean="0"/>
-              <a:t>: </a:t>
-            </a:r>
-            <a:r>
-              <a:rPr lang="en-US" altLang="zh-CN" dirty="0" err="1" smtClean="0"/>
-              <a:t>a.b.c</a:t>
-            </a:r>
-            <a:r>
-              <a:rPr lang="zh-CN" altLang="en-US" dirty="0" smtClean="0"/>
-              <a:t>在</a:t>
-            </a:r>
-            <a:r>
-              <a:rPr lang="en-US" altLang="zh-CN" dirty="0" smtClean="0"/>
-              <a:t>/</a:t>
-            </a:r>
-            <a:r>
-              <a:rPr lang="en-US" altLang="zh-CN" dirty="0" err="1" smtClean="0"/>
-              <a:t>etc</a:t>
-            </a:r>
-            <a:r>
-              <a:rPr lang="en-US" altLang="zh-CN" dirty="0" smtClean="0"/>
-              <a:t>/hosts</a:t>
-            </a:r>
-            <a:r>
-              <a:rPr lang="zh-CN" altLang="en-US" dirty="0" smtClean="0"/>
-              <a:t>中有没有定义</a:t>
-            </a:r>
-            <a:r>
-              <a:rPr lang="en-US" altLang="zh-CN" dirty="0" smtClean="0"/>
-              <a:t>IP</a:t>
-            </a:r>
-          </a:p>
-          <a:p>
-            <a:pPr lvl="1"/>
-            <a:r>
-              <a:rPr lang="zh-CN" altLang="en-US" dirty="0"/>
-              <a:t>最后</a:t>
-            </a:r>
-            <a:r>
-              <a:rPr lang="zh-CN" altLang="en-US" dirty="0" smtClean="0"/>
-              <a:t>看</a:t>
-            </a:r>
-            <a:r>
-              <a:rPr lang="en-US" altLang="zh-CN" dirty="0"/>
-              <a:t>: </a:t>
-            </a:r>
-            <a:r>
-              <a:rPr lang="en-US" altLang="zh-CN" dirty="0" err="1" smtClean="0"/>
-              <a:t>classpath:DiamondServer.address</a:t>
-            </a:r>
-            <a:endParaRPr lang="en-US" altLang="zh-CN" dirty="0" smtClean="0"/>
-          </a:p>
-          <a:p>
-            <a:pPr lvl="1"/>
-            <a:r>
-              <a:rPr lang="zh-CN" altLang="en-US" dirty="0" smtClean="0"/>
-              <a:t>注意：</a:t>
-            </a:r>
-            <a:r>
-              <a:rPr lang="en-US" altLang="zh-CN" dirty="0" smtClean="0"/>
-              <a:t>name-server</a:t>
-            </a:r>
-            <a:r>
-              <a:rPr lang="zh-CN" altLang="en-US" dirty="0"/>
-              <a:t>的默认端口是</a:t>
-            </a:r>
-            <a:r>
-              <a:rPr lang="en-US" altLang="zh-CN" dirty="0"/>
-              <a:t>17001</a:t>
-            </a:r>
-            <a:r>
-              <a:rPr lang="zh-CN" altLang="en-US" dirty="0"/>
-              <a:t>，</a:t>
-            </a:r>
-            <a:r>
-              <a:rPr lang="en-US" altLang="zh-CN" dirty="0"/>
-              <a:t>diamond-server</a:t>
-            </a:r>
-            <a:r>
-              <a:rPr lang="zh-CN" altLang="en-US" dirty="0"/>
-              <a:t>默认端口是</a:t>
-            </a:r>
-            <a:r>
-              <a:rPr lang="en-US" altLang="zh-CN" dirty="0" smtClean="0"/>
-              <a:t>17002</a:t>
-            </a:r>
-          </a:p>
-          <a:p>
-            <a:pPr lvl="1"/>
-            <a:endParaRPr lang="en-US" altLang="zh-CN" dirty="0"/>
-          </a:p>
-          <a:p>
-            <a:r>
-              <a:rPr lang="zh-CN" altLang="en-US" dirty="0" smtClean="0"/>
-              <a:t>坑</a:t>
-            </a:r>
-            <a:r>
-              <a:rPr lang="en-US" altLang="zh-CN" dirty="0" smtClean="0"/>
-              <a:t>3: </a:t>
-            </a:r>
-            <a:r>
-              <a:rPr lang="zh-CN" altLang="en-US" dirty="0" smtClean="0"/>
-              <a:t>各种超时，也要搞搞清楚</a:t>
-            </a:r>
-            <a:endParaRPr lang="en-US" altLang="zh-CN" dirty="0" smtClean="0"/>
-          </a:p>
-          <a:p>
-            <a:pPr lvl="1"/>
-            <a:r>
-              <a:rPr lang="zh-CN" altLang="en-US" dirty="0"/>
-              <a:t>一</a:t>
-            </a:r>
-            <a:r>
-              <a:rPr lang="zh-CN" altLang="en-US" dirty="0" smtClean="0"/>
-              <a:t>次</a:t>
-            </a:r>
-            <a:r>
-              <a:rPr lang="en-US" altLang="zh-CN" dirty="0" smtClean="0"/>
-              <a:t>HTTP</a:t>
-            </a:r>
-            <a:r>
-              <a:rPr lang="zh-CN" altLang="en-US" dirty="0" smtClean="0"/>
-              <a:t>请求一个配置，超时为</a:t>
-            </a:r>
-            <a:r>
-              <a:rPr lang="en-US" altLang="zh-CN" b="1" dirty="0" smtClean="0">
-                <a:solidFill>
-                  <a:srgbClr val="FF0000"/>
-                </a:solidFill>
-              </a:rPr>
-              <a:t>2</a:t>
-            </a:r>
-            <a:r>
-              <a:rPr lang="zh-CN" altLang="en-US" b="1" dirty="0" smtClean="0">
-                <a:solidFill>
-                  <a:srgbClr val="FF0000"/>
-                </a:solidFill>
-              </a:rPr>
-              <a:t>秒</a:t>
-            </a:r>
-            <a:r>
-              <a:rPr lang="zh-CN" altLang="en-US" dirty="0" smtClean="0"/>
-              <a:t>，重试总超时不超过</a:t>
-            </a:r>
-            <a:r>
-              <a:rPr lang="en-US" altLang="zh-CN" b="1" dirty="0" smtClean="0">
-                <a:solidFill>
-                  <a:srgbClr val="FF0000"/>
-                </a:solidFill>
-              </a:rPr>
-              <a:t>10</a:t>
-            </a:r>
-            <a:r>
-              <a:rPr lang="zh-CN" altLang="en-US" b="1" dirty="0" smtClean="0">
-                <a:solidFill>
-                  <a:srgbClr val="FF0000"/>
-                </a:solidFill>
-              </a:rPr>
-              <a:t>秒</a:t>
-            </a:r>
-            <a:endParaRPr lang="en-US" altLang="zh-CN" b="1" dirty="0" smtClean="0">
-              <a:solidFill>
-                <a:srgbClr val="FF0000"/>
-              </a:solidFill>
-            </a:endParaRPr>
-          </a:p>
-          <a:p>
-            <a:pPr lvl="1"/>
-            <a:r>
-              <a:rPr lang="en-US" altLang="zh-CN" dirty="0" smtClean="0"/>
-              <a:t>HTTP</a:t>
-            </a:r>
-            <a:r>
-              <a:rPr lang="zh-CN" altLang="en-US" dirty="0" smtClean="0"/>
-              <a:t>连接超时为</a:t>
-            </a:r>
-            <a:r>
-              <a:rPr lang="en-US" altLang="zh-CN" b="1" dirty="0" smtClean="0">
-                <a:solidFill>
-                  <a:srgbClr val="FF0000"/>
-                </a:solidFill>
-              </a:rPr>
-              <a:t>2</a:t>
-            </a:r>
-            <a:r>
-              <a:rPr lang="zh-CN" altLang="en-US" b="1" dirty="0" smtClean="0">
-                <a:solidFill>
-                  <a:srgbClr val="FF0000"/>
-                </a:solidFill>
-              </a:rPr>
-              <a:t>秒</a:t>
-            </a:r>
-            <a:endParaRPr lang="en-US" altLang="zh-CN" b="1" dirty="0" smtClean="0">
-              <a:solidFill>
-                <a:srgbClr val="FF0000"/>
-              </a:solidFill>
-            </a:endParaRPr>
-          </a:p>
-          <a:p>
-            <a:pPr lvl="1"/>
-            <a:r>
-              <a:rPr lang="zh-CN" altLang="en-US" dirty="0"/>
-              <a:t>用户</a:t>
-            </a:r>
-            <a:r>
-              <a:rPr lang="zh-CN" altLang="en-US" dirty="0" smtClean="0"/>
-              <a:t>缓存读时加载超时为</a:t>
-            </a:r>
-            <a:r>
-              <a:rPr lang="en-US" altLang="zh-CN" b="1" dirty="0" smtClean="0">
-                <a:solidFill>
-                  <a:srgbClr val="FF0000"/>
-                </a:solidFill>
-              </a:rPr>
-              <a:t>2</a:t>
-            </a:r>
-            <a:r>
-              <a:rPr lang="zh-CN" altLang="en-US" b="1" dirty="0" smtClean="0">
-                <a:solidFill>
-                  <a:srgbClr val="FF0000"/>
-                </a:solidFill>
-              </a:rPr>
-              <a:t>秒</a:t>
-            </a:r>
-            <a:endParaRPr lang="en-US" altLang="zh-CN" b="1" dirty="0" smtClean="0">
-              <a:solidFill>
-                <a:srgbClr val="FF0000"/>
-              </a:solidFill>
-            </a:endParaRPr>
-          </a:p>
-          <a:p>
-            <a:pPr lvl="1"/>
-            <a:r>
-              <a:rPr lang="zh-CN" altLang="en-US" dirty="0" smtClean="0"/>
-              <a:t>配置本地缓存访问</a:t>
-            </a:r>
-            <a:r>
-              <a:rPr lang="en-US" altLang="zh-CN" b="1" dirty="0" smtClean="0">
-                <a:solidFill>
-                  <a:srgbClr val="FF0000"/>
-                </a:solidFill>
-              </a:rPr>
-              <a:t>15</a:t>
-            </a:r>
-            <a:r>
-              <a:rPr lang="zh-CN" altLang="en-US" b="1" dirty="0" smtClean="0">
-                <a:solidFill>
-                  <a:srgbClr val="FF0000"/>
-                </a:solidFill>
-              </a:rPr>
-              <a:t>分钟</a:t>
-            </a:r>
-            <a:r>
-              <a:rPr lang="zh-CN" altLang="en-US" dirty="0" smtClean="0"/>
-              <a:t>失效</a:t>
-            </a:r>
-            <a:endParaRPr lang="en-US" altLang="zh-CN" dirty="0" smtClean="0"/>
-          </a:p>
-          <a:p>
-            <a:pPr lvl="1"/>
-            <a:endParaRPr lang="zh-CN" altLang="en-US" dirty="0"/>
-          </a:p>
-        </p:txBody>
-      </p:sp>
-    </p:spTree>
-    <p:extLst>
-      <p:ext uri="{BB962C8B-B14F-4D97-AF65-F5344CB8AC3E}">
-        <p14:creationId xmlns:p14="http://schemas.microsoft.com/office/powerpoint/2010/main" val="787077263"/>
       </p:ext>
     </p:extLst>
   </p:cSld>
@@ -11010,7 +11363,7 @@
   <a:extraClrSchemeLst/>
   <a:extLst>
     <a:ext uri="{05A4C25C-085E-4340-85A3-A5531E510DB2}">
-      <thm15:themeFamily xmlns="" xmlns:thm15="http://schemas.microsoft.com/office/thememl/2012/main" name="Office Theme" id="{62F939B6-93AF-4DB8-9C6B-D6C7DFDC589F}" vid="{4A3C46E8-61CC-4603-A589-7422A47A8E4A}"/>
+      <thm15:themeFamily xmlns:thm15="http://schemas.microsoft.com/office/thememl/2012/main" xmlns="" name="Office Theme" id="{62F939B6-93AF-4DB8-9C6B-D6C7DFDC589F}" vid="{4A3C46E8-61CC-4603-A589-7422A47A8E4A}"/>
     </a:ext>
   </a:extLst>
 </a:theme>
@@ -11271,7 +11624,7 @@
   <a:extraClrSchemeLst/>
   <a:extLst>
     <a:ext uri="{05A4C25C-085E-4340-85A3-A5531E510DB2}">
-      <thm15:themeFamily xmlns="" xmlns:thm15="http://schemas.microsoft.com/office/thememl/2012/main" name="Office Theme" id="{62F939B6-93AF-4DB8-9C6B-D6C7DFDC589F}" vid="{4A3C46E8-61CC-4603-A589-7422A47A8E4A}"/>
+      <thm15:themeFamily xmlns:thm15="http://schemas.microsoft.com/office/thememl/2012/main" xmlns="" name="Office Theme" id="{62F939B6-93AF-4DB8-9C6B-D6C7DFDC589F}" vid="{4A3C46E8-61CC-4603-A589-7422A47A8E4A}"/>
     </a:ext>
   </a:extLst>
 </a:theme>

--- a/Diamond Miner Intro.pptx
+++ b/Diamond Miner Intro.pptx
@@ -5,7 +5,7 @@
     <p:sldMasterId id="2147483648" r:id="rId1"/>
   </p:sldMasterIdLst>
   <p:notesMasterIdLst>
-    <p:notesMasterId r:id="rId15"/>
+    <p:notesMasterId r:id="rId16"/>
   </p:notesMasterIdLst>
   <p:sldIdLst>
     <p:sldId id="256" r:id="rId2"/>
@@ -20,7 +20,8 @@
     <p:sldId id="262" r:id="rId11"/>
     <p:sldId id="264" r:id="rId12"/>
     <p:sldId id="267" r:id="rId13"/>
-    <p:sldId id="266" r:id="rId14"/>
+    <p:sldId id="269" r:id="rId14"/>
+    <p:sldId id="266" r:id="rId15"/>
   </p:sldIdLst>
   <p:sldSz cx="12192000" cy="6858000"/>
   <p:notesSz cx="6858000" cy="9144000"/>
@@ -121,7 +122,7 @@
   </p:defaultTextStyle>
   <p:extLst>
     <p:ext uri="{EFAFB233-063F-42B5-8137-9DF3F51BA10A}">
-      <p15:sldGuideLst xmlns:p15="http://schemas.microsoft.com/office/powerpoint/2012/main" xmlns=""/>
+      <p15:sldGuideLst xmlns="" xmlns:p15="http://schemas.microsoft.com/office/powerpoint/2012/main"/>
     </p:ext>
   </p:extLst>
 </p:presentation>
@@ -209,7 +210,7 @@
           <a:p>
             <a:fld id="{598ED131-D27B-49C1-99A8-A301900ED106}" type="datetimeFigureOut">
               <a:rPr lang="zh-CN" altLang="en-US" smtClean="0"/>
-              <a:t>13-10-9</a:t>
+              <a:t>13-10-10</a:t>
             </a:fld>
             <a:endParaRPr lang="zh-CN" altLang="en-US"/>
           </a:p>
@@ -2008,7 +2009,7 @@
           <a:p>
             <a:fld id="{EB4A138F-191D-4BC7-80AB-52578C8866E8}" type="datetimeFigureOut">
               <a:rPr lang="zh-CN" altLang="en-US" smtClean="0"/>
-              <a:t>13-10-9</a:t>
+              <a:t>13-10-10</a:t>
             </a:fld>
             <a:endParaRPr lang="zh-CN" altLang="en-US"/>
           </a:p>
@@ -2178,7 +2179,7 @@
           <a:p>
             <a:fld id="{EB4A138F-191D-4BC7-80AB-52578C8866E8}" type="datetimeFigureOut">
               <a:rPr lang="zh-CN" altLang="en-US" smtClean="0"/>
-              <a:t>13-10-9</a:t>
+              <a:t>13-10-10</a:t>
             </a:fld>
             <a:endParaRPr lang="zh-CN" altLang="en-US"/>
           </a:p>
@@ -2358,7 +2359,7 @@
           <a:p>
             <a:fld id="{EB4A138F-191D-4BC7-80AB-52578C8866E8}" type="datetimeFigureOut">
               <a:rPr lang="zh-CN" altLang="en-US" smtClean="0"/>
-              <a:t>13-10-9</a:t>
+              <a:t>13-10-10</a:t>
             </a:fld>
             <a:endParaRPr lang="zh-CN" altLang="en-US"/>
           </a:p>
@@ -2528,7 +2529,7 @@
           <a:p>
             <a:fld id="{EB4A138F-191D-4BC7-80AB-52578C8866E8}" type="datetimeFigureOut">
               <a:rPr lang="zh-CN" altLang="en-US" smtClean="0"/>
-              <a:t>13-10-9</a:t>
+              <a:t>13-10-10</a:t>
             </a:fld>
             <a:endParaRPr lang="zh-CN" altLang="en-US"/>
           </a:p>
@@ -2774,7 +2775,7 @@
           <a:p>
             <a:fld id="{EB4A138F-191D-4BC7-80AB-52578C8866E8}" type="datetimeFigureOut">
               <a:rPr lang="zh-CN" altLang="en-US" smtClean="0"/>
-              <a:t>13-10-9</a:t>
+              <a:t>13-10-10</a:t>
             </a:fld>
             <a:endParaRPr lang="zh-CN" altLang="en-US"/>
           </a:p>
@@ -3006,7 +3007,7 @@
           <a:p>
             <a:fld id="{EB4A138F-191D-4BC7-80AB-52578C8866E8}" type="datetimeFigureOut">
               <a:rPr lang="zh-CN" altLang="en-US" smtClean="0"/>
-              <a:t>13-10-9</a:t>
+              <a:t>13-10-10</a:t>
             </a:fld>
             <a:endParaRPr lang="zh-CN" altLang="en-US"/>
           </a:p>
@@ -3373,7 +3374,7 @@
           <a:p>
             <a:fld id="{EB4A138F-191D-4BC7-80AB-52578C8866E8}" type="datetimeFigureOut">
               <a:rPr lang="zh-CN" altLang="en-US" smtClean="0"/>
-              <a:t>13-10-9</a:t>
+              <a:t>13-10-10</a:t>
             </a:fld>
             <a:endParaRPr lang="zh-CN" altLang="en-US"/>
           </a:p>
@@ -3491,7 +3492,7 @@
           <a:p>
             <a:fld id="{EB4A138F-191D-4BC7-80AB-52578C8866E8}" type="datetimeFigureOut">
               <a:rPr lang="zh-CN" altLang="en-US" smtClean="0"/>
-              <a:t>13-10-9</a:t>
+              <a:t>13-10-10</a:t>
             </a:fld>
             <a:endParaRPr lang="zh-CN" altLang="en-US"/>
           </a:p>
@@ -3586,7 +3587,7 @@
           <a:p>
             <a:fld id="{EB4A138F-191D-4BC7-80AB-52578C8866E8}" type="datetimeFigureOut">
               <a:rPr lang="zh-CN" altLang="en-US" smtClean="0"/>
-              <a:t>13-10-9</a:t>
+              <a:t>13-10-10</a:t>
             </a:fld>
             <a:endParaRPr lang="zh-CN" altLang="en-US"/>
           </a:p>
@@ -3863,7 +3864,7 @@
           <a:p>
             <a:fld id="{EB4A138F-191D-4BC7-80AB-52578C8866E8}" type="datetimeFigureOut">
               <a:rPr lang="zh-CN" altLang="en-US" smtClean="0"/>
-              <a:t>13-10-9</a:t>
+              <a:t>13-10-10</a:t>
             </a:fld>
             <a:endParaRPr lang="zh-CN" altLang="en-US"/>
           </a:p>
@@ -4116,7 +4117,7 @@
           <a:p>
             <a:fld id="{EB4A138F-191D-4BC7-80AB-52578C8866E8}" type="datetimeFigureOut">
               <a:rPr lang="zh-CN" altLang="en-US" smtClean="0"/>
-              <a:t>13-10-9</a:t>
+              <a:t>13-10-10</a:t>
             </a:fld>
             <a:endParaRPr lang="zh-CN" altLang="en-US"/>
           </a:p>
@@ -4329,7 +4330,7 @@
           <a:p>
             <a:fld id="{EB4A138F-191D-4BC7-80AB-52578C8866E8}" type="datetimeFigureOut">
               <a:rPr lang="zh-CN" altLang="en-US" smtClean="0"/>
-              <a:t>13-10-9</a:t>
+              <a:t>13-10-10</a:t>
             </a:fld>
             <a:endParaRPr lang="zh-CN" altLang="en-US"/>
           </a:p>
@@ -5810,6 +5811,168 @@
       </p:grpSpPr>
       <p:sp>
         <p:nvSpPr>
+          <p:cNvPr id="2" name="标题 1"/>
+          <p:cNvSpPr>
+            <a:spLocks noGrp="1"/>
+          </p:cNvSpPr>
+          <p:nvPr>
+            <p:ph type="title"/>
+          </p:nvPr>
+        </p:nvSpPr>
+        <p:spPr/>
+        <p:txBody>
+          <a:bodyPr/>
+          <a:lstStyle/>
+          <a:p>
+            <a:r>
+              <a:rPr kumimoji="1" lang="en-US" altLang="zh-CN" dirty="0"/>
+              <a:t>diamond-</a:t>
+            </a:r>
+            <a:r>
+              <a:rPr kumimoji="1" lang="en-US" altLang="zh-CN" dirty="0" smtClean="0"/>
+              <a:t>miner</a:t>
+            </a:r>
+            <a:r>
+              <a:rPr kumimoji="1" lang="zh-CN" altLang="en-US" dirty="0" smtClean="0"/>
+              <a:t>真正的好处</a:t>
+            </a:r>
+            <a:endParaRPr kumimoji="1" lang="zh-CN" altLang="en-US" dirty="0"/>
+          </a:p>
+        </p:txBody>
+      </p:sp>
+      <p:sp>
+        <p:nvSpPr>
+          <p:cNvPr id="3" name="内容占位符 2"/>
+          <p:cNvSpPr>
+            <a:spLocks noGrp="1"/>
+          </p:cNvSpPr>
+          <p:nvPr>
+            <p:ph idx="1"/>
+          </p:nvPr>
+        </p:nvSpPr>
+        <p:spPr/>
+        <p:txBody>
+          <a:bodyPr/>
+          <a:lstStyle/>
+          <a:p>
+            <a:r>
+              <a:rPr kumimoji="1" lang="en-US" altLang="zh-CN" dirty="0" smtClean="0"/>
+              <a:t>1</a:t>
+            </a:r>
+            <a:r>
+              <a:rPr kumimoji="1" lang="en-US" altLang="zh-CN" dirty="0"/>
+              <a:t>) </a:t>
+            </a:r>
+            <a:r>
+              <a:rPr kumimoji="1" lang="zh-CN" altLang="en-US" dirty="0" smtClean="0"/>
+              <a:t> </a:t>
+            </a:r>
+            <a:r>
+              <a:rPr kumimoji="1" lang="zh-CN" altLang="en-US" dirty="0" smtClean="0"/>
+              <a:t>有一个</a:t>
+            </a:r>
+            <a:r>
+              <a:rPr kumimoji="1" lang="zh-CN" altLang="en-US" dirty="0"/>
+              <a:t>配置的管理界面了 </a:t>
+            </a:r>
+            <a:endParaRPr kumimoji="1" lang="en-US" altLang="zh-CN" dirty="0" smtClean="0"/>
+          </a:p>
+          <a:p>
+            <a:r>
+              <a:rPr kumimoji="1" lang="en-US" altLang="zh-CN" dirty="0" smtClean="0"/>
+              <a:t>2</a:t>
+            </a:r>
+            <a:r>
+              <a:rPr kumimoji="1" lang="en-US" altLang="zh-CN" dirty="0"/>
+              <a:t>) </a:t>
+            </a:r>
+            <a:r>
+              <a:rPr kumimoji="1" lang="en-US" altLang="zh-CN" dirty="0" smtClean="0"/>
+              <a:t> </a:t>
+            </a:r>
+            <a:r>
+              <a:rPr kumimoji="1" lang="zh-CN" altLang="en-US" dirty="0" smtClean="0"/>
+              <a:t>手动</a:t>
+            </a:r>
+            <a:r>
+              <a:rPr kumimoji="1" lang="zh-CN" altLang="en-US" dirty="0" smtClean="0"/>
+              <a:t>刷新配置很</a:t>
+            </a:r>
+            <a:r>
+              <a:rPr kumimoji="1" lang="zh-CN" altLang="en-US" dirty="0"/>
+              <a:t>方便</a:t>
+            </a:r>
+            <a:r>
+              <a:rPr kumimoji="1" lang="zh-CN" altLang="en-US" dirty="0" smtClean="0"/>
+              <a:t>了</a:t>
+            </a:r>
+            <a:endParaRPr kumimoji="1" lang="en-US" altLang="zh-CN" dirty="0" smtClean="0"/>
+          </a:p>
+          <a:p>
+            <a:r>
+              <a:rPr kumimoji="1" lang="en-US" altLang="zh-CN" dirty="0"/>
+              <a:t>3) </a:t>
+            </a:r>
+            <a:r>
+              <a:rPr kumimoji="1" lang="zh-CN" altLang="en-US" dirty="0" smtClean="0"/>
+              <a:t> 最大亮点：</a:t>
+            </a:r>
+            <a:r>
+              <a:rPr kumimoji="1" lang="zh-CN" altLang="en-US" dirty="0" smtClean="0"/>
+              <a:t>有本地</a:t>
+            </a:r>
+            <a:r>
+              <a:rPr kumimoji="1" lang="en-US" altLang="zh-CN" dirty="0" smtClean="0"/>
+              <a:t>snapshot</a:t>
+            </a:r>
+            <a:r>
+              <a:rPr kumimoji="1" lang="zh-CN" altLang="en-US" dirty="0"/>
+              <a:t>，在服务器挂掉期间，照样能</a:t>
+            </a:r>
+            <a:r>
+              <a:rPr kumimoji="1" lang="zh-CN" altLang="en-US" dirty="0" smtClean="0"/>
+              <a:t>使用</a:t>
+            </a:r>
+            <a:r>
+              <a:rPr kumimoji="1" lang="zh-CN" altLang="en-US" dirty="0" smtClean="0"/>
+              <a:t>。</a:t>
+            </a:r>
+            <a:endParaRPr kumimoji="1" lang="zh-CN" altLang="en-US" dirty="0"/>
+          </a:p>
+        </p:txBody>
+      </p:sp>
+    </p:spTree>
+    <p:extLst>
+      <p:ext uri="{BB962C8B-B14F-4D97-AF65-F5344CB8AC3E}">
+        <p14:creationId xmlns:p14="http://schemas.microsoft.com/office/powerpoint/2010/main" val="4216499280"/>
+      </p:ext>
+    </p:extLst>
+  </p:cSld>
+  <p:clrMapOvr>
+    <a:masterClrMapping/>
+  </p:clrMapOvr>
+</p:sld>
+</file>
+
+<file path=ppt/slides/slide14.xml><?xml version="1.0" encoding="utf-8"?>
+<p:sld xmlns:a="http://schemas.openxmlformats.org/drawingml/2006/main" xmlns:r="http://schemas.openxmlformats.org/officeDocument/2006/relationships" xmlns:p="http://schemas.openxmlformats.org/presentationml/2006/main">
+  <p:cSld>
+    <p:spTree>
+      <p:nvGrpSpPr>
+        <p:cNvPr id="1" name=""/>
+        <p:cNvGrpSpPr/>
+        <p:nvPr/>
+      </p:nvGrpSpPr>
+      <p:grpSpPr>
+        <a:xfrm>
+          <a:off x="0" y="0"/>
+          <a:ext cx="0" cy="0"/>
+          <a:chOff x="0" y="0"/>
+          <a:chExt cx="0" cy="0"/>
+        </a:xfrm>
+      </p:grpSpPr>
+      <p:sp>
+        <p:nvSpPr>
           <p:cNvPr id="4" name="文本框 3"/>
           <p:cNvSpPr txBox="1"/>
           <p:nvPr/>
@@ -5884,7 +6047,7 @@
         <p:spPr>
           <a:xfrm>
             <a:off x="727881" y="466109"/>
-            <a:ext cx="10840775" cy="5909311"/>
+            <a:ext cx="10840775" cy="6001644"/>
           </a:xfrm>
           <a:prstGeom prst="rect">
             <a:avLst/>
@@ -5936,25 +6099,41 @@
           </a:p>
           <a:p>
             <a:r>
-              <a:rPr lang="zh-TW" altLang="en-US" dirty="0"/>
+              <a:rPr lang="zh-TW" altLang="en-US" sz="2400" dirty="0">
+                <a:solidFill>
+                  <a:srgbClr val="FF0000"/>
+                </a:solidFill>
+              </a:rPr>
               <a:t>从此，配置手动刷新不再是难事。</a:t>
             </a:r>
           </a:p>
           <a:p>
             <a:r>
-              <a:rPr lang="zh-TW" altLang="en-US" dirty="0"/>
+              <a:rPr lang="zh-TW" altLang="en-US" sz="2400" dirty="0">
+                <a:solidFill>
+                  <a:srgbClr val="FF0000"/>
+                </a:solidFill>
+              </a:rPr>
               <a:t>从此，缓存手动刷新也轻而易举。</a:t>
             </a:r>
           </a:p>
           <a:p>
             <a:r>
-              <a:rPr lang="zh-TW" altLang="en-US" dirty="0"/>
+              <a:rPr lang="zh-TW" altLang="en-US" sz="2400" dirty="0">
+                <a:solidFill>
+                  <a:srgbClr val="FF0000"/>
+                </a:solidFill>
+              </a:rPr>
               <a:t>从此，配置系统有操作界面了，不再摸瞎弄数据库。</a:t>
             </a:r>
           </a:p>
           <a:p>
             <a:r>
-              <a:rPr lang="zh-TW" altLang="en-US" dirty="0"/>
+              <a:rPr lang="zh-TW" altLang="en-US" sz="2400" dirty="0">
+                <a:solidFill>
+                  <a:srgbClr val="FF0000"/>
+                </a:solidFill>
+              </a:rPr>
               <a:t>从此，高端大气上档次了。</a:t>
             </a:r>
           </a:p>
@@ -5989,10 +6168,12 @@
             </a:r>
             <a:r>
               <a:rPr lang="zh-TW" altLang="en-US" dirty="0"/>
-              <a:t>很不友好。</a:t>
-            </a:r>
-          </a:p>
-          <a:p>
+              <a:t>很不友好</a:t>
+            </a:r>
+            <a:r>
+              <a:rPr lang="zh-TW" altLang="en-US" dirty="0" smtClean="0"/>
+              <a:t>。</a:t>
+            </a:r>
             <a:endParaRPr lang="zh-TW" altLang="en-US" dirty="0"/>
           </a:p>
           <a:p>
@@ -11363,7 +11544,7 @@
   <a:extraClrSchemeLst/>
   <a:extLst>
     <a:ext uri="{05A4C25C-085E-4340-85A3-A5531E510DB2}">
-      <thm15:themeFamily xmlns:thm15="http://schemas.microsoft.com/office/thememl/2012/main" xmlns="" name="Office Theme" id="{62F939B6-93AF-4DB8-9C6B-D6C7DFDC589F}" vid="{4A3C46E8-61CC-4603-A589-7422A47A8E4A}"/>
+      <thm15:themeFamily xmlns="" xmlns:thm15="http://schemas.microsoft.com/office/thememl/2012/main" name="Office Theme" id="{62F939B6-93AF-4DB8-9C6B-D6C7DFDC589F}" vid="{4A3C46E8-61CC-4603-A589-7422A47A8E4A}"/>
     </a:ext>
   </a:extLst>
 </a:theme>
@@ -11624,7 +11805,7 @@
   <a:extraClrSchemeLst/>
   <a:extLst>
     <a:ext uri="{05A4C25C-085E-4340-85A3-A5531E510DB2}">
-      <thm15:themeFamily xmlns:thm15="http://schemas.microsoft.com/office/thememl/2012/main" xmlns="" name="Office Theme" id="{62F939B6-93AF-4DB8-9C6B-D6C7DFDC589F}" vid="{4A3C46E8-61CC-4603-A589-7422A47A8E4A}"/>
+      <thm15:themeFamily xmlns="" xmlns:thm15="http://schemas.microsoft.com/office/thememl/2012/main" name="Office Theme" id="{62F939B6-93AF-4DB8-9C6B-D6C7DFDC589F}" vid="{4A3C46E8-61CC-4603-A589-7422A47A8E4A}"/>
     </a:ext>
   </a:extLst>
 </a:theme>

--- a/Diamond Miner Intro.pptx
+++ b/Diamond Miner Intro.pptx
@@ -2,7 +2,7 @@
 <file path=ppt/presentation.xml><?xml version="1.0" encoding="utf-8"?>
 <p:presentation xmlns:a="http://schemas.openxmlformats.org/drawingml/2006/main" xmlns:r="http://schemas.openxmlformats.org/officeDocument/2006/relationships" xmlns:p="http://schemas.openxmlformats.org/presentationml/2006/main" saveSubsetFonts="1">
   <p:sldMasterIdLst>
-    <p:sldMasterId id="2147483648" r:id="rId1"/>
+    <p:sldMasterId id="2147483660" r:id="rId1"/>
   </p:sldMasterIdLst>
   <p:notesMasterIdLst>
     <p:notesMasterId r:id="rId16"/>
@@ -13,7 +13,7 @@
     <p:sldId id="257" r:id="rId4"/>
     <p:sldId id="258" r:id="rId5"/>
     <p:sldId id="259" r:id="rId6"/>
-    <p:sldId id="261" r:id="rId7"/>
+    <p:sldId id="270" r:id="rId7"/>
     <p:sldId id="260" r:id="rId8"/>
     <p:sldId id="265" r:id="rId9"/>
     <p:sldId id="263" r:id="rId10"/>
@@ -23,7 +23,7 @@
     <p:sldId id="269" r:id="rId14"/>
     <p:sldId id="266" r:id="rId15"/>
   </p:sldIdLst>
-  <p:sldSz cx="12192000" cy="6858000"/>
+  <p:sldSz cx="9144000" cy="6858000" type="screen4x3"/>
   <p:notesSz cx="6858000" cy="9144000"/>
   <p:defaultTextStyle>
     <a:defPPr>
@@ -122,7 +122,18 @@
   </p:defaultTextStyle>
   <p:extLst>
     <p:ext uri="{EFAFB233-063F-42B5-8137-9DF3F51BA10A}">
-      <p15:sldGuideLst xmlns="" xmlns:p15="http://schemas.microsoft.com/office/powerpoint/2012/main"/>
+      <p15:sldGuideLst xmlns:p15="http://schemas.microsoft.com/office/powerpoint/2012/main">
+        <p15:guide id="1" orient="horz" pos="2160" userDrawn="1">
+          <p15:clr>
+            <a:srgbClr val="A4A3A4"/>
+          </p15:clr>
+        </p15:guide>
+        <p15:guide id="2" pos="2880" userDrawn="1">
+          <p15:clr>
+            <a:srgbClr val="A4A3A4"/>
+          </p15:clr>
+        </p15:guide>
+      </p15:sldGuideLst>
     </p:ext>
   </p:extLst>
 </p:presentation>
@@ -210,7 +221,7 @@
           <a:p>
             <a:fld id="{598ED131-D27B-49C1-99A8-A301900ED106}" type="datetimeFigureOut">
               <a:rPr lang="zh-CN" altLang="en-US" smtClean="0"/>
-              <a:t>13-10-10</a:t>
+              <a:t>2014/10/21</a:t>
             </a:fld>
             <a:endParaRPr lang="zh-CN" altLang="en-US"/>
           </a:p>
@@ -228,8 +239,8 @@
         </p:nvSpPr>
         <p:spPr>
           <a:xfrm>
-            <a:off x="685800" y="1143000"/>
-            <a:ext cx="5486400" cy="3086100"/>
+            <a:off x="1371600" y="1143000"/>
+            <a:ext cx="4114800" cy="3086100"/>
           </a:xfrm>
           <a:prstGeom prst="rect">
             <a:avLst/>
@@ -505,7 +516,12 @@
             <p:ph type="sldImg"/>
           </p:nvPr>
         </p:nvSpPr>
-        <p:spPr/>
+        <p:spPr>
+          <a:xfrm>
+            <a:off x="1371600" y="1143000"/>
+            <a:ext cx="4114800" cy="3086100"/>
+          </a:xfrm>
+        </p:spPr>
       </p:sp>
       <p:sp>
         <p:nvSpPr>
@@ -593,7 +609,12 @@
             <p:ph type="sldImg"/>
           </p:nvPr>
         </p:nvSpPr>
-        <p:spPr/>
+        <p:spPr>
+          <a:xfrm>
+            <a:off x="1371600" y="1143000"/>
+            <a:ext cx="4114800" cy="3086100"/>
+          </a:xfrm>
+        </p:spPr>
       </p:sp>
       <p:sp>
         <p:nvSpPr>
@@ -1588,36 +1609,6 @@
           <a:bodyPr/>
           <a:lstStyle/>
           <a:p>
-            <a:r>
-              <a:rPr lang="en-US" altLang="zh-CN" dirty="0" smtClean="0">
-                <a:hlinkClick r:id="rId3"/>
-              </a:rPr>
-              <a:t>http://localhost:17002/diamond-server/</a:t>
-            </a:r>
-            <a:r>
-              <a:rPr lang="en-US" altLang="zh-CN" dirty="0" smtClean="0"/>
-              <a:t> </a:t>
-            </a:r>
-          </a:p>
-          <a:p>
-            <a:r>
-              <a:rPr lang="zh-CN" altLang="en-US" dirty="0" smtClean="0"/>
-              <a:t>用户名</a:t>
-            </a:r>
-            <a:r>
-              <a:rPr lang="en-US" altLang="zh-CN" dirty="0" smtClean="0"/>
-              <a:t>/</a:t>
-            </a:r>
-            <a:r>
-              <a:rPr lang="zh-CN" altLang="en-US" dirty="0" smtClean="0"/>
-              <a:t>密码</a:t>
-            </a:r>
-            <a:r>
-              <a:rPr lang="en-US" altLang="zh-CN" dirty="0" smtClean="0"/>
-              <a:t>: admin/admin</a:t>
-            </a:r>
-          </a:p>
-          <a:p>
             <a:endParaRPr lang="zh-CN" altLang="en-US" dirty="0"/>
           </a:p>
         </p:txBody>
@@ -1639,7 +1630,7 @@
           <a:p>
             <a:fld id="{BF37526F-D1D2-4DF8-8824-76A5E6984942}" type="slidenum">
               <a:rPr lang="zh-CN" altLang="en-US" smtClean="0"/>
-              <a:t>6</a:t>
+              <a:t>7</a:t>
             </a:fld>
             <a:endParaRPr lang="zh-CN" altLang="en-US"/>
           </a:p>
@@ -1648,7 +1639,7 @@
     </p:spTree>
     <p:extLst>
       <p:ext uri="{BB962C8B-B14F-4D97-AF65-F5344CB8AC3E}">
-        <p14:creationId xmlns:p14="http://schemas.microsoft.com/office/powerpoint/2010/main" val="481704261"/>
+        <p14:creationId xmlns:p14="http://schemas.microsoft.com/office/powerpoint/2010/main" val="1584144217"/>
       </p:ext>
     </p:extLst>
   </p:cSld>
@@ -1685,7 +1676,12 @@
             <p:ph type="sldImg"/>
           </p:nvPr>
         </p:nvSpPr>
-        <p:spPr/>
+        <p:spPr>
+          <a:xfrm>
+            <a:off x="1371600" y="1143000"/>
+            <a:ext cx="4114800" cy="3086100"/>
+          </a:xfrm>
+        </p:spPr>
       </p:sp>
       <p:sp>
         <p:nvSpPr>
@@ -1821,7 +1817,12 @@
             <p:ph type="sldImg"/>
           </p:nvPr>
         </p:nvSpPr>
-        <p:spPr/>
+        <p:spPr>
+          <a:xfrm>
+            <a:off x="1371600" y="1143000"/>
+            <a:ext cx="4114800" cy="3086100"/>
+          </a:xfrm>
+        </p:spPr>
       </p:sp>
       <p:sp>
         <p:nvSpPr>
@@ -1897,7 +1898,7 @@
       </p:grpSpPr>
       <p:sp>
         <p:nvSpPr>
-          <p:cNvPr id="2" name="标题 1"/>
+          <p:cNvPr id="2" name="Title 1"/>
           <p:cNvSpPr>
             <a:spLocks noGrp="1"/>
           </p:cNvSpPr>
@@ -1907,8 +1908,8 @@
         </p:nvSpPr>
         <p:spPr>
           <a:xfrm>
-            <a:off x="1524000" y="1122363"/>
-            <a:ext cx="9144000" cy="2387600"/>
+            <a:off x="685800" y="1122363"/>
+            <a:ext cx="7772400" cy="2387600"/>
           </a:xfrm>
         </p:spPr>
         <p:txBody>
@@ -1923,13 +1924,13 @@
               <a:rPr lang="zh-CN" altLang="en-US" smtClean="0"/>
               <a:t>单击此处编辑母版标题样式</a:t>
             </a:r>
-            <a:endParaRPr lang="zh-CN" altLang="en-US"/>
+            <a:endParaRPr lang="en-US" dirty="0"/>
           </a:p>
         </p:txBody>
       </p:sp>
       <p:sp>
         <p:nvSpPr>
-          <p:cNvPr id="3" name="副标题 2"/>
+          <p:cNvPr id="3" name="Subtitle 2"/>
           <p:cNvSpPr>
             <a:spLocks noGrp="1"/>
           </p:cNvSpPr>
@@ -1939,8 +1940,8 @@
         </p:nvSpPr>
         <p:spPr>
           <a:xfrm>
-            <a:off x="1524000" y="3602038"/>
-            <a:ext cx="9144000" cy="1655762"/>
+            <a:off x="1143000" y="3602038"/>
+            <a:ext cx="6858000" cy="1655762"/>
           </a:xfrm>
         </p:spPr>
         <p:txBody>
@@ -1988,13 +1989,13 @@
               <a:rPr lang="zh-CN" altLang="en-US" smtClean="0"/>
               <a:t>单击此处编辑母版副标题样式</a:t>
             </a:r>
-            <a:endParaRPr lang="zh-CN" altLang="en-US"/>
+            <a:endParaRPr lang="en-US" dirty="0"/>
           </a:p>
         </p:txBody>
       </p:sp>
       <p:sp>
         <p:nvSpPr>
-          <p:cNvPr id="4" name="日期占位符 3"/>
+          <p:cNvPr id="4" name="Date Placeholder 3"/>
           <p:cNvSpPr>
             <a:spLocks noGrp="1"/>
           </p:cNvSpPr>
@@ -2009,7 +2010,7 @@
           <a:p>
             <a:fld id="{EB4A138F-191D-4BC7-80AB-52578C8866E8}" type="datetimeFigureOut">
               <a:rPr lang="zh-CN" altLang="en-US" smtClean="0"/>
-              <a:t>13-10-10</a:t>
+              <a:t>2014/10/21</a:t>
             </a:fld>
             <a:endParaRPr lang="zh-CN" altLang="en-US"/>
           </a:p>
@@ -2017,7 +2018,7 @@
       </p:sp>
       <p:sp>
         <p:nvSpPr>
-          <p:cNvPr id="5" name="页脚占位符 4"/>
+          <p:cNvPr id="5" name="Footer Placeholder 4"/>
           <p:cNvSpPr>
             <a:spLocks noGrp="1"/>
           </p:cNvSpPr>
@@ -2036,7 +2037,7 @@
       </p:sp>
       <p:sp>
         <p:nvSpPr>
-          <p:cNvPr id="6" name="灯片编号占位符 5"/>
+          <p:cNvPr id="6" name="Slide Number Placeholder 5"/>
           <p:cNvSpPr>
             <a:spLocks noGrp="1"/>
           </p:cNvSpPr>
@@ -2060,7 +2061,7 @@
     </p:spTree>
     <p:extLst>
       <p:ext uri="{BB962C8B-B14F-4D97-AF65-F5344CB8AC3E}">
-        <p14:creationId xmlns:p14="http://schemas.microsoft.com/office/powerpoint/2010/main" val="4005000653"/>
+        <p14:creationId xmlns:p14="http://schemas.microsoft.com/office/powerpoint/2010/main" val="3381518290"/>
       </p:ext>
     </p:extLst>
   </p:cSld>
@@ -2089,7 +2090,7 @@
       </p:grpSpPr>
       <p:sp>
         <p:nvSpPr>
-          <p:cNvPr id="2" name="标题 1"/>
+          <p:cNvPr id="2" name="Title 1"/>
           <p:cNvSpPr>
             <a:spLocks noGrp="1"/>
           </p:cNvSpPr>
@@ -2106,13 +2107,13 @@
               <a:rPr lang="zh-CN" altLang="en-US" smtClean="0"/>
               <a:t>单击此处编辑母版标题样式</a:t>
             </a:r>
-            <a:endParaRPr lang="zh-CN" altLang="en-US"/>
+            <a:endParaRPr lang="en-US" dirty="0"/>
           </a:p>
         </p:txBody>
       </p:sp>
       <p:sp>
         <p:nvSpPr>
-          <p:cNvPr id="3" name="竖排文字占位符 2"/>
+          <p:cNvPr id="3" name="Vertical Text Placeholder 2"/>
           <p:cNvSpPr>
             <a:spLocks noGrp="1"/>
           </p:cNvSpPr>
@@ -2158,13 +2159,13 @@
               <a:rPr lang="zh-CN" altLang="en-US" smtClean="0"/>
               <a:t>第五级</a:t>
             </a:r>
-            <a:endParaRPr lang="zh-CN" altLang="en-US"/>
+            <a:endParaRPr lang="en-US" dirty="0"/>
           </a:p>
         </p:txBody>
       </p:sp>
       <p:sp>
         <p:nvSpPr>
-          <p:cNvPr id="4" name="日期占位符 3"/>
+          <p:cNvPr id="4" name="Date Placeholder 3"/>
           <p:cNvSpPr>
             <a:spLocks noGrp="1"/>
           </p:cNvSpPr>
@@ -2179,7 +2180,7 @@
           <a:p>
             <a:fld id="{EB4A138F-191D-4BC7-80AB-52578C8866E8}" type="datetimeFigureOut">
               <a:rPr lang="zh-CN" altLang="en-US" smtClean="0"/>
-              <a:t>13-10-10</a:t>
+              <a:t>2014/10/21</a:t>
             </a:fld>
             <a:endParaRPr lang="zh-CN" altLang="en-US"/>
           </a:p>
@@ -2187,7 +2188,7 @@
       </p:sp>
       <p:sp>
         <p:nvSpPr>
-          <p:cNvPr id="5" name="页脚占位符 4"/>
+          <p:cNvPr id="5" name="Footer Placeholder 4"/>
           <p:cNvSpPr>
             <a:spLocks noGrp="1"/>
           </p:cNvSpPr>
@@ -2206,7 +2207,7 @@
       </p:sp>
       <p:sp>
         <p:nvSpPr>
-          <p:cNvPr id="6" name="灯片编号占位符 5"/>
+          <p:cNvPr id="6" name="Slide Number Placeholder 5"/>
           <p:cNvSpPr>
             <a:spLocks noGrp="1"/>
           </p:cNvSpPr>
@@ -2230,7 +2231,7 @@
     </p:spTree>
     <p:extLst>
       <p:ext uri="{BB962C8B-B14F-4D97-AF65-F5344CB8AC3E}">
-        <p14:creationId xmlns:p14="http://schemas.microsoft.com/office/powerpoint/2010/main" val="4120608256"/>
+        <p14:creationId xmlns:p14="http://schemas.microsoft.com/office/powerpoint/2010/main" val="1924255082"/>
       </p:ext>
     </p:extLst>
   </p:cSld>
@@ -2259,7 +2260,7 @@
       </p:grpSpPr>
       <p:sp>
         <p:nvSpPr>
-          <p:cNvPr id="2" name="竖排标题 1"/>
+          <p:cNvPr id="2" name="Vertical Title 1"/>
           <p:cNvSpPr>
             <a:spLocks noGrp="1"/>
           </p:cNvSpPr>
@@ -2269,8 +2270,8 @@
         </p:nvSpPr>
         <p:spPr>
           <a:xfrm>
-            <a:off x="8724900" y="365125"/>
-            <a:ext cx="2628900" cy="5811838"/>
+            <a:off x="6543675" y="365125"/>
+            <a:ext cx="1971675" cy="5811838"/>
           </a:xfrm>
         </p:spPr>
         <p:txBody>
@@ -2281,13 +2282,13 @@
               <a:rPr lang="zh-CN" altLang="en-US" smtClean="0"/>
               <a:t>单击此处编辑母版标题样式</a:t>
             </a:r>
-            <a:endParaRPr lang="zh-CN" altLang="en-US"/>
+            <a:endParaRPr lang="en-US" dirty="0"/>
           </a:p>
         </p:txBody>
       </p:sp>
       <p:sp>
         <p:nvSpPr>
-          <p:cNvPr id="3" name="竖排文字占位符 2"/>
+          <p:cNvPr id="3" name="Vertical Text Placeholder 2"/>
           <p:cNvSpPr>
             <a:spLocks noGrp="1"/>
           </p:cNvSpPr>
@@ -2297,8 +2298,8 @@
         </p:nvSpPr>
         <p:spPr>
           <a:xfrm>
-            <a:off x="838200" y="365125"/>
-            <a:ext cx="7734300" cy="5811838"/>
+            <a:off x="628650" y="365125"/>
+            <a:ext cx="5800725" cy="5811838"/>
           </a:xfrm>
         </p:spPr>
         <p:txBody>
@@ -2338,13 +2339,13 @@
               <a:rPr lang="zh-CN" altLang="en-US" smtClean="0"/>
               <a:t>第五级</a:t>
             </a:r>
-            <a:endParaRPr lang="zh-CN" altLang="en-US"/>
+            <a:endParaRPr lang="en-US" dirty="0"/>
           </a:p>
         </p:txBody>
       </p:sp>
       <p:sp>
         <p:nvSpPr>
-          <p:cNvPr id="4" name="日期占位符 3"/>
+          <p:cNvPr id="4" name="Date Placeholder 3"/>
           <p:cNvSpPr>
             <a:spLocks noGrp="1"/>
           </p:cNvSpPr>
@@ -2359,7 +2360,7 @@
           <a:p>
             <a:fld id="{EB4A138F-191D-4BC7-80AB-52578C8866E8}" type="datetimeFigureOut">
               <a:rPr lang="zh-CN" altLang="en-US" smtClean="0"/>
-              <a:t>13-10-10</a:t>
+              <a:t>2014/10/21</a:t>
             </a:fld>
             <a:endParaRPr lang="zh-CN" altLang="en-US"/>
           </a:p>
@@ -2367,7 +2368,7 @@
       </p:sp>
       <p:sp>
         <p:nvSpPr>
-          <p:cNvPr id="5" name="页脚占位符 4"/>
+          <p:cNvPr id="5" name="Footer Placeholder 4"/>
           <p:cNvSpPr>
             <a:spLocks noGrp="1"/>
           </p:cNvSpPr>
@@ -2386,7 +2387,7 @@
       </p:sp>
       <p:sp>
         <p:nvSpPr>
-          <p:cNvPr id="6" name="灯片编号占位符 5"/>
+          <p:cNvPr id="6" name="Slide Number Placeholder 5"/>
           <p:cNvSpPr>
             <a:spLocks noGrp="1"/>
           </p:cNvSpPr>
@@ -2410,7 +2411,7 @@
     </p:spTree>
     <p:extLst>
       <p:ext uri="{BB962C8B-B14F-4D97-AF65-F5344CB8AC3E}">
-        <p14:creationId xmlns:p14="http://schemas.microsoft.com/office/powerpoint/2010/main" val="1572727849"/>
+        <p14:creationId xmlns:p14="http://schemas.microsoft.com/office/powerpoint/2010/main" val="61293307"/>
       </p:ext>
     </p:extLst>
   </p:cSld>
@@ -2439,7 +2440,7 @@
       </p:grpSpPr>
       <p:sp>
         <p:nvSpPr>
-          <p:cNvPr id="2" name="标题 1"/>
+          <p:cNvPr id="2" name="Title 1"/>
           <p:cNvSpPr>
             <a:spLocks noGrp="1"/>
           </p:cNvSpPr>
@@ -2456,13 +2457,13 @@
               <a:rPr lang="zh-CN" altLang="en-US" smtClean="0"/>
               <a:t>单击此处编辑母版标题样式</a:t>
             </a:r>
-            <a:endParaRPr lang="zh-CN" altLang="en-US"/>
+            <a:endParaRPr lang="en-US" dirty="0"/>
           </a:p>
         </p:txBody>
       </p:sp>
       <p:sp>
         <p:nvSpPr>
-          <p:cNvPr id="3" name="内容占位符 2"/>
+          <p:cNvPr id="3" name="Content Placeholder 2"/>
           <p:cNvSpPr>
             <a:spLocks noGrp="1"/>
           </p:cNvSpPr>
@@ -2508,13 +2509,13 @@
               <a:rPr lang="zh-CN" altLang="en-US" smtClean="0"/>
               <a:t>第五级</a:t>
             </a:r>
-            <a:endParaRPr lang="zh-CN" altLang="en-US"/>
+            <a:endParaRPr lang="en-US" dirty="0"/>
           </a:p>
         </p:txBody>
       </p:sp>
       <p:sp>
         <p:nvSpPr>
-          <p:cNvPr id="4" name="日期占位符 3"/>
+          <p:cNvPr id="4" name="Date Placeholder 3"/>
           <p:cNvSpPr>
             <a:spLocks noGrp="1"/>
           </p:cNvSpPr>
@@ -2529,7 +2530,7 @@
           <a:p>
             <a:fld id="{EB4A138F-191D-4BC7-80AB-52578C8866E8}" type="datetimeFigureOut">
               <a:rPr lang="zh-CN" altLang="en-US" smtClean="0"/>
-              <a:t>13-10-10</a:t>
+              <a:t>2014/10/21</a:t>
             </a:fld>
             <a:endParaRPr lang="zh-CN" altLang="en-US"/>
           </a:p>
@@ -2537,7 +2538,7 @@
       </p:sp>
       <p:sp>
         <p:nvSpPr>
-          <p:cNvPr id="5" name="页脚占位符 4"/>
+          <p:cNvPr id="5" name="Footer Placeholder 4"/>
           <p:cNvSpPr>
             <a:spLocks noGrp="1"/>
           </p:cNvSpPr>
@@ -2556,7 +2557,7 @@
       </p:sp>
       <p:sp>
         <p:nvSpPr>
-          <p:cNvPr id="6" name="灯片编号占位符 5"/>
+          <p:cNvPr id="6" name="Slide Number Placeholder 5"/>
           <p:cNvSpPr>
             <a:spLocks noGrp="1"/>
           </p:cNvSpPr>
@@ -2580,7 +2581,7 @@
     </p:spTree>
     <p:extLst>
       <p:ext uri="{BB962C8B-B14F-4D97-AF65-F5344CB8AC3E}">
-        <p14:creationId xmlns:p14="http://schemas.microsoft.com/office/powerpoint/2010/main" val="3239277277"/>
+        <p14:creationId xmlns:p14="http://schemas.microsoft.com/office/powerpoint/2010/main" val="3482665555"/>
       </p:ext>
     </p:extLst>
   </p:cSld>
@@ -2609,7 +2610,7 @@
       </p:grpSpPr>
       <p:sp>
         <p:nvSpPr>
-          <p:cNvPr id="2" name="标题 1"/>
+          <p:cNvPr id="2" name="Title 1"/>
           <p:cNvSpPr>
             <a:spLocks noGrp="1"/>
           </p:cNvSpPr>
@@ -2619,8 +2620,8 @@
         </p:nvSpPr>
         <p:spPr>
           <a:xfrm>
-            <a:off x="831850" y="1709738"/>
-            <a:ext cx="10515600" cy="2852737"/>
+            <a:off x="623888" y="1709739"/>
+            <a:ext cx="7886700" cy="2852737"/>
           </a:xfrm>
         </p:spPr>
         <p:txBody>
@@ -2635,13 +2636,13 @@
               <a:rPr lang="zh-CN" altLang="en-US" smtClean="0"/>
               <a:t>单击此处编辑母版标题样式</a:t>
             </a:r>
-            <a:endParaRPr lang="zh-CN" altLang="en-US"/>
+            <a:endParaRPr lang="en-US" dirty="0"/>
           </a:p>
         </p:txBody>
       </p:sp>
       <p:sp>
         <p:nvSpPr>
-          <p:cNvPr id="3" name="文本占位符 2"/>
+          <p:cNvPr id="3" name="Text Placeholder 2"/>
           <p:cNvSpPr>
             <a:spLocks noGrp="1"/>
           </p:cNvSpPr>
@@ -2651,8 +2652,8 @@
         </p:nvSpPr>
         <p:spPr>
           <a:xfrm>
-            <a:off x="831850" y="4589463"/>
-            <a:ext cx="10515600" cy="1500187"/>
+            <a:off x="623888" y="4589464"/>
+            <a:ext cx="7886700" cy="1500187"/>
           </a:xfrm>
         </p:spPr>
         <p:txBody>
@@ -2662,9 +2663,7 @@
               <a:buNone/>
               <a:defRPr sz="2400">
                 <a:solidFill>
-                  <a:schemeClr val="tx1">
-                    <a:tint val="75000"/>
-                  </a:schemeClr>
+                  <a:schemeClr val="tx1"/>
                 </a:solidFill>
               </a:defRPr>
             </a:lvl1pPr>
@@ -2760,7 +2759,7 @@
       </p:sp>
       <p:sp>
         <p:nvSpPr>
-          <p:cNvPr id="4" name="日期占位符 3"/>
+          <p:cNvPr id="4" name="Date Placeholder 3"/>
           <p:cNvSpPr>
             <a:spLocks noGrp="1"/>
           </p:cNvSpPr>
@@ -2775,7 +2774,7 @@
           <a:p>
             <a:fld id="{EB4A138F-191D-4BC7-80AB-52578C8866E8}" type="datetimeFigureOut">
               <a:rPr lang="zh-CN" altLang="en-US" smtClean="0"/>
-              <a:t>13-10-10</a:t>
+              <a:t>2014/10/21</a:t>
             </a:fld>
             <a:endParaRPr lang="zh-CN" altLang="en-US"/>
           </a:p>
@@ -2783,7 +2782,7 @@
       </p:sp>
       <p:sp>
         <p:nvSpPr>
-          <p:cNvPr id="5" name="页脚占位符 4"/>
+          <p:cNvPr id="5" name="Footer Placeholder 4"/>
           <p:cNvSpPr>
             <a:spLocks noGrp="1"/>
           </p:cNvSpPr>
@@ -2802,7 +2801,7 @@
       </p:sp>
       <p:sp>
         <p:nvSpPr>
-          <p:cNvPr id="6" name="灯片编号占位符 5"/>
+          <p:cNvPr id="6" name="Slide Number Placeholder 5"/>
           <p:cNvSpPr>
             <a:spLocks noGrp="1"/>
           </p:cNvSpPr>
@@ -2826,7 +2825,7 @@
     </p:spTree>
     <p:extLst>
       <p:ext uri="{BB962C8B-B14F-4D97-AF65-F5344CB8AC3E}">
-        <p14:creationId xmlns:p14="http://schemas.microsoft.com/office/powerpoint/2010/main" val="4169380084"/>
+        <p14:creationId xmlns:p14="http://schemas.microsoft.com/office/powerpoint/2010/main" val="2866450885"/>
       </p:ext>
     </p:extLst>
   </p:cSld>
@@ -2855,7 +2854,7 @@
       </p:grpSpPr>
       <p:sp>
         <p:nvSpPr>
-          <p:cNvPr id="2" name="标题 1"/>
+          <p:cNvPr id="2" name="Title 1"/>
           <p:cNvSpPr>
             <a:spLocks noGrp="1"/>
           </p:cNvSpPr>
@@ -2872,13 +2871,13 @@
               <a:rPr lang="zh-CN" altLang="en-US" smtClean="0"/>
               <a:t>单击此处编辑母版标题样式</a:t>
             </a:r>
-            <a:endParaRPr lang="zh-CN" altLang="en-US"/>
+            <a:endParaRPr lang="en-US" dirty="0"/>
           </a:p>
         </p:txBody>
       </p:sp>
       <p:sp>
         <p:nvSpPr>
-          <p:cNvPr id="3" name="内容占位符 2"/>
+          <p:cNvPr id="3" name="Content Placeholder 2"/>
           <p:cNvSpPr>
             <a:spLocks noGrp="1"/>
           </p:cNvSpPr>
@@ -2888,8 +2887,8 @@
         </p:nvSpPr>
         <p:spPr>
           <a:xfrm>
-            <a:off x="838200" y="1825625"/>
-            <a:ext cx="5181600" cy="4351338"/>
+            <a:off x="628650" y="1825625"/>
+            <a:ext cx="3886200" cy="4351338"/>
           </a:xfrm>
         </p:spPr>
         <p:txBody>
@@ -2929,13 +2928,13 @@
               <a:rPr lang="zh-CN" altLang="en-US" smtClean="0"/>
               <a:t>第五级</a:t>
             </a:r>
-            <a:endParaRPr lang="zh-CN" altLang="en-US"/>
+            <a:endParaRPr lang="en-US" dirty="0"/>
           </a:p>
         </p:txBody>
       </p:sp>
       <p:sp>
         <p:nvSpPr>
-          <p:cNvPr id="4" name="内容占位符 3"/>
+          <p:cNvPr id="4" name="Content Placeholder 3"/>
           <p:cNvSpPr>
             <a:spLocks noGrp="1"/>
           </p:cNvSpPr>
@@ -2945,8 +2944,8 @@
         </p:nvSpPr>
         <p:spPr>
           <a:xfrm>
-            <a:off x="6172200" y="1825625"/>
-            <a:ext cx="5181600" cy="4351338"/>
+            <a:off x="4629150" y="1825625"/>
+            <a:ext cx="3886200" cy="4351338"/>
           </a:xfrm>
         </p:spPr>
         <p:txBody>
@@ -2986,13 +2985,13 @@
               <a:rPr lang="zh-CN" altLang="en-US" smtClean="0"/>
               <a:t>第五级</a:t>
             </a:r>
-            <a:endParaRPr lang="zh-CN" altLang="en-US"/>
+            <a:endParaRPr lang="en-US" dirty="0"/>
           </a:p>
         </p:txBody>
       </p:sp>
       <p:sp>
         <p:nvSpPr>
-          <p:cNvPr id="5" name="日期占位符 4"/>
+          <p:cNvPr id="5" name="Date Placeholder 4"/>
           <p:cNvSpPr>
             <a:spLocks noGrp="1"/>
           </p:cNvSpPr>
@@ -3007,7 +3006,7 @@
           <a:p>
             <a:fld id="{EB4A138F-191D-4BC7-80AB-52578C8866E8}" type="datetimeFigureOut">
               <a:rPr lang="zh-CN" altLang="en-US" smtClean="0"/>
-              <a:t>13-10-10</a:t>
+              <a:t>2014/10/21</a:t>
             </a:fld>
             <a:endParaRPr lang="zh-CN" altLang="en-US"/>
           </a:p>
@@ -3015,7 +3014,7 @@
       </p:sp>
       <p:sp>
         <p:nvSpPr>
-          <p:cNvPr id="6" name="页脚占位符 5"/>
+          <p:cNvPr id="6" name="Footer Placeholder 5"/>
           <p:cNvSpPr>
             <a:spLocks noGrp="1"/>
           </p:cNvSpPr>
@@ -3034,7 +3033,7 @@
       </p:sp>
       <p:sp>
         <p:nvSpPr>
-          <p:cNvPr id="7" name="灯片编号占位符 6"/>
+          <p:cNvPr id="7" name="Slide Number Placeholder 6"/>
           <p:cNvSpPr>
             <a:spLocks noGrp="1"/>
           </p:cNvSpPr>
@@ -3058,7 +3057,7 @@
     </p:spTree>
     <p:extLst>
       <p:ext uri="{BB962C8B-B14F-4D97-AF65-F5344CB8AC3E}">
-        <p14:creationId xmlns:p14="http://schemas.microsoft.com/office/powerpoint/2010/main" val="1766687956"/>
+        <p14:creationId xmlns:p14="http://schemas.microsoft.com/office/powerpoint/2010/main" val="1007359509"/>
       </p:ext>
     </p:extLst>
   </p:cSld>
@@ -3087,7 +3086,7 @@
       </p:grpSpPr>
       <p:sp>
         <p:nvSpPr>
-          <p:cNvPr id="2" name="标题 1"/>
+          <p:cNvPr id="2" name="Title 1"/>
           <p:cNvSpPr>
             <a:spLocks noGrp="1"/>
           </p:cNvSpPr>
@@ -3097,8 +3096,8 @@
         </p:nvSpPr>
         <p:spPr>
           <a:xfrm>
-            <a:off x="839788" y="365125"/>
-            <a:ext cx="10515600" cy="1325563"/>
+            <a:off x="629841" y="365126"/>
+            <a:ext cx="7886700" cy="1325563"/>
           </a:xfrm>
         </p:spPr>
         <p:txBody>
@@ -3109,13 +3108,13 @@
               <a:rPr lang="zh-CN" altLang="en-US" smtClean="0"/>
               <a:t>单击此处编辑母版标题样式</a:t>
             </a:r>
-            <a:endParaRPr lang="zh-CN" altLang="en-US"/>
+            <a:endParaRPr lang="en-US" dirty="0"/>
           </a:p>
         </p:txBody>
       </p:sp>
       <p:sp>
         <p:nvSpPr>
-          <p:cNvPr id="3" name="文本占位符 2"/>
+          <p:cNvPr id="3" name="Text Placeholder 2"/>
           <p:cNvSpPr>
             <a:spLocks noGrp="1"/>
           </p:cNvSpPr>
@@ -3125,8 +3124,8 @@
         </p:nvSpPr>
         <p:spPr>
           <a:xfrm>
-            <a:off x="839788" y="1681163"/>
-            <a:ext cx="5157787" cy="823912"/>
+            <a:off x="629842" y="1681163"/>
+            <a:ext cx="3868340" cy="823912"/>
           </a:xfrm>
         </p:spPr>
         <p:txBody>
@@ -3180,7 +3179,7 @@
       </p:sp>
       <p:sp>
         <p:nvSpPr>
-          <p:cNvPr id="4" name="内容占位符 3"/>
+          <p:cNvPr id="4" name="Content Placeholder 3"/>
           <p:cNvSpPr>
             <a:spLocks noGrp="1"/>
           </p:cNvSpPr>
@@ -3190,8 +3189,8 @@
         </p:nvSpPr>
         <p:spPr>
           <a:xfrm>
-            <a:off x="839788" y="2505075"/>
-            <a:ext cx="5157787" cy="3684588"/>
+            <a:off x="629842" y="2505075"/>
+            <a:ext cx="3868340" cy="3684588"/>
           </a:xfrm>
         </p:spPr>
         <p:txBody>
@@ -3231,13 +3230,13 @@
               <a:rPr lang="zh-CN" altLang="en-US" smtClean="0"/>
               <a:t>第五级</a:t>
             </a:r>
-            <a:endParaRPr lang="zh-CN" altLang="en-US"/>
+            <a:endParaRPr lang="en-US" dirty="0"/>
           </a:p>
         </p:txBody>
       </p:sp>
       <p:sp>
         <p:nvSpPr>
-          <p:cNvPr id="5" name="文本占位符 4"/>
+          <p:cNvPr id="5" name="Text Placeholder 4"/>
           <p:cNvSpPr>
             <a:spLocks noGrp="1"/>
           </p:cNvSpPr>
@@ -3247,8 +3246,8 @@
         </p:nvSpPr>
         <p:spPr>
           <a:xfrm>
-            <a:off x="6172200" y="1681163"/>
-            <a:ext cx="5183188" cy="823912"/>
+            <a:off x="4629150" y="1681163"/>
+            <a:ext cx="3887391" cy="823912"/>
           </a:xfrm>
         </p:spPr>
         <p:txBody>
@@ -3302,7 +3301,7 @@
       </p:sp>
       <p:sp>
         <p:nvSpPr>
-          <p:cNvPr id="6" name="内容占位符 5"/>
+          <p:cNvPr id="6" name="Content Placeholder 5"/>
           <p:cNvSpPr>
             <a:spLocks noGrp="1"/>
           </p:cNvSpPr>
@@ -3312,8 +3311,8 @@
         </p:nvSpPr>
         <p:spPr>
           <a:xfrm>
-            <a:off x="6172200" y="2505075"/>
-            <a:ext cx="5183188" cy="3684588"/>
+            <a:off x="4629150" y="2505075"/>
+            <a:ext cx="3887391" cy="3684588"/>
           </a:xfrm>
         </p:spPr>
         <p:txBody>
@@ -3353,13 +3352,13 @@
               <a:rPr lang="zh-CN" altLang="en-US" smtClean="0"/>
               <a:t>第五级</a:t>
             </a:r>
-            <a:endParaRPr lang="zh-CN" altLang="en-US"/>
+            <a:endParaRPr lang="en-US" dirty="0"/>
           </a:p>
         </p:txBody>
       </p:sp>
       <p:sp>
         <p:nvSpPr>
-          <p:cNvPr id="7" name="日期占位符 6"/>
+          <p:cNvPr id="7" name="Date Placeholder 6"/>
           <p:cNvSpPr>
             <a:spLocks noGrp="1"/>
           </p:cNvSpPr>
@@ -3374,7 +3373,7 @@
           <a:p>
             <a:fld id="{EB4A138F-191D-4BC7-80AB-52578C8866E8}" type="datetimeFigureOut">
               <a:rPr lang="zh-CN" altLang="en-US" smtClean="0"/>
-              <a:t>13-10-10</a:t>
+              <a:t>2014/10/21</a:t>
             </a:fld>
             <a:endParaRPr lang="zh-CN" altLang="en-US"/>
           </a:p>
@@ -3382,7 +3381,7 @@
       </p:sp>
       <p:sp>
         <p:nvSpPr>
-          <p:cNvPr id="8" name="页脚占位符 7"/>
+          <p:cNvPr id="8" name="Footer Placeholder 7"/>
           <p:cNvSpPr>
             <a:spLocks noGrp="1"/>
           </p:cNvSpPr>
@@ -3401,7 +3400,7 @@
       </p:sp>
       <p:sp>
         <p:nvSpPr>
-          <p:cNvPr id="9" name="灯片编号占位符 8"/>
+          <p:cNvPr id="9" name="Slide Number Placeholder 8"/>
           <p:cNvSpPr>
             <a:spLocks noGrp="1"/>
           </p:cNvSpPr>
@@ -3425,7 +3424,7 @@
     </p:spTree>
     <p:extLst>
       <p:ext uri="{BB962C8B-B14F-4D97-AF65-F5344CB8AC3E}">
-        <p14:creationId xmlns:p14="http://schemas.microsoft.com/office/powerpoint/2010/main" val="1545013727"/>
+        <p14:creationId xmlns:p14="http://schemas.microsoft.com/office/powerpoint/2010/main" val="1242551770"/>
       </p:ext>
     </p:extLst>
   </p:cSld>
@@ -3454,7 +3453,7 @@
       </p:grpSpPr>
       <p:sp>
         <p:nvSpPr>
-          <p:cNvPr id="2" name="标题 1"/>
+          <p:cNvPr id="2" name="Title 1"/>
           <p:cNvSpPr>
             <a:spLocks noGrp="1"/>
           </p:cNvSpPr>
@@ -3465,19 +3464,23 @@
         <p:spPr/>
         <p:txBody>
           <a:bodyPr/>
-          <a:lstStyle/>
+          <a:lstStyle>
+            <a:lvl1pPr algn="ctr">
+              <a:defRPr/>
+            </a:lvl1pPr>
+          </a:lstStyle>
           <a:p>
             <a:r>
               <a:rPr lang="zh-CN" altLang="en-US" smtClean="0"/>
               <a:t>单击此处编辑母版标题样式</a:t>
             </a:r>
-            <a:endParaRPr lang="zh-CN" altLang="en-US"/>
+            <a:endParaRPr lang="en-US" dirty="0"/>
           </a:p>
         </p:txBody>
       </p:sp>
       <p:sp>
         <p:nvSpPr>
-          <p:cNvPr id="3" name="日期占位符 2"/>
+          <p:cNvPr id="3" name="Date Placeholder 2"/>
           <p:cNvSpPr>
             <a:spLocks noGrp="1"/>
           </p:cNvSpPr>
@@ -3492,7 +3495,7 @@
           <a:p>
             <a:fld id="{EB4A138F-191D-4BC7-80AB-52578C8866E8}" type="datetimeFigureOut">
               <a:rPr lang="zh-CN" altLang="en-US" smtClean="0"/>
-              <a:t>13-10-10</a:t>
+              <a:t>2014/10/21</a:t>
             </a:fld>
             <a:endParaRPr lang="zh-CN" altLang="en-US"/>
           </a:p>
@@ -3500,7 +3503,7 @@
       </p:sp>
       <p:sp>
         <p:nvSpPr>
-          <p:cNvPr id="4" name="页脚占位符 3"/>
+          <p:cNvPr id="4" name="Footer Placeholder 3"/>
           <p:cNvSpPr>
             <a:spLocks noGrp="1"/>
           </p:cNvSpPr>
@@ -3519,7 +3522,7 @@
       </p:sp>
       <p:sp>
         <p:nvSpPr>
-          <p:cNvPr id="5" name="灯片编号占位符 4"/>
+          <p:cNvPr id="5" name="Slide Number Placeholder 4"/>
           <p:cNvSpPr>
             <a:spLocks noGrp="1"/>
           </p:cNvSpPr>
@@ -3543,7 +3546,7 @@
     </p:spTree>
     <p:extLst>
       <p:ext uri="{BB962C8B-B14F-4D97-AF65-F5344CB8AC3E}">
-        <p14:creationId xmlns:p14="http://schemas.microsoft.com/office/powerpoint/2010/main" val="3520172640"/>
+        <p14:creationId xmlns:p14="http://schemas.microsoft.com/office/powerpoint/2010/main" val="1991999637"/>
       </p:ext>
     </p:extLst>
   </p:cSld>
@@ -3572,7 +3575,7 @@
       </p:grpSpPr>
       <p:sp>
         <p:nvSpPr>
-          <p:cNvPr id="2" name="日期占位符 1"/>
+          <p:cNvPr id="2" name="Date Placeholder 1"/>
           <p:cNvSpPr>
             <a:spLocks noGrp="1"/>
           </p:cNvSpPr>
@@ -3587,7 +3590,7 @@
           <a:p>
             <a:fld id="{EB4A138F-191D-4BC7-80AB-52578C8866E8}" type="datetimeFigureOut">
               <a:rPr lang="zh-CN" altLang="en-US" smtClean="0"/>
-              <a:t>13-10-10</a:t>
+              <a:t>2014/10/21</a:t>
             </a:fld>
             <a:endParaRPr lang="zh-CN" altLang="en-US"/>
           </a:p>
@@ -3595,7 +3598,7 @@
       </p:sp>
       <p:sp>
         <p:nvSpPr>
-          <p:cNvPr id="3" name="页脚占位符 2"/>
+          <p:cNvPr id="3" name="Footer Placeholder 2"/>
           <p:cNvSpPr>
             <a:spLocks noGrp="1"/>
           </p:cNvSpPr>
@@ -3614,7 +3617,7 @@
       </p:sp>
       <p:sp>
         <p:nvSpPr>
-          <p:cNvPr id="4" name="灯片编号占位符 3"/>
+          <p:cNvPr id="4" name="Slide Number Placeholder 3"/>
           <p:cNvSpPr>
             <a:spLocks noGrp="1"/>
           </p:cNvSpPr>
@@ -3638,7 +3641,7 @@
     </p:spTree>
     <p:extLst>
       <p:ext uri="{BB962C8B-B14F-4D97-AF65-F5344CB8AC3E}">
-        <p14:creationId xmlns:p14="http://schemas.microsoft.com/office/powerpoint/2010/main" val="2339727170"/>
+        <p14:creationId xmlns:p14="http://schemas.microsoft.com/office/powerpoint/2010/main" val="3606031771"/>
       </p:ext>
     </p:extLst>
   </p:cSld>
@@ -3667,7 +3670,7 @@
       </p:grpSpPr>
       <p:sp>
         <p:nvSpPr>
-          <p:cNvPr id="2" name="标题 1"/>
+          <p:cNvPr id="2" name="Title 1"/>
           <p:cNvSpPr>
             <a:spLocks noGrp="1"/>
           </p:cNvSpPr>
@@ -3677,8 +3680,8 @@
         </p:nvSpPr>
         <p:spPr>
           <a:xfrm>
-            <a:off x="839788" y="457200"/>
-            <a:ext cx="3932237" cy="1600200"/>
+            <a:off x="629841" y="457200"/>
+            <a:ext cx="2949178" cy="1600200"/>
           </a:xfrm>
         </p:spPr>
         <p:txBody>
@@ -3693,13 +3696,13 @@
               <a:rPr lang="zh-CN" altLang="en-US" smtClean="0"/>
               <a:t>单击此处编辑母版标题样式</a:t>
             </a:r>
-            <a:endParaRPr lang="zh-CN" altLang="en-US"/>
+            <a:endParaRPr lang="en-US" dirty="0"/>
           </a:p>
         </p:txBody>
       </p:sp>
       <p:sp>
         <p:nvSpPr>
-          <p:cNvPr id="3" name="内容占位符 2"/>
+          <p:cNvPr id="3" name="Content Placeholder 2"/>
           <p:cNvSpPr>
             <a:spLocks noGrp="1"/>
           </p:cNvSpPr>
@@ -3709,8 +3712,8 @@
         </p:nvSpPr>
         <p:spPr>
           <a:xfrm>
-            <a:off x="5183188" y="987425"/>
-            <a:ext cx="6172200" cy="4873625"/>
+            <a:off x="3887391" y="987426"/>
+            <a:ext cx="4629150" cy="4873625"/>
           </a:xfrm>
         </p:spPr>
         <p:txBody>
@@ -3778,13 +3781,13 @@
               <a:rPr lang="zh-CN" altLang="en-US" smtClean="0"/>
               <a:t>第五级</a:t>
             </a:r>
-            <a:endParaRPr lang="zh-CN" altLang="en-US"/>
+            <a:endParaRPr lang="en-US" dirty="0"/>
           </a:p>
         </p:txBody>
       </p:sp>
       <p:sp>
         <p:nvSpPr>
-          <p:cNvPr id="4" name="文本占位符 3"/>
+          <p:cNvPr id="4" name="Text Placeholder 3"/>
           <p:cNvSpPr>
             <a:spLocks noGrp="1"/>
           </p:cNvSpPr>
@@ -3794,8 +3797,8 @@
         </p:nvSpPr>
         <p:spPr>
           <a:xfrm>
-            <a:off x="839788" y="2057400"/>
-            <a:ext cx="3932237" cy="3811588"/>
+            <a:off x="629841" y="2057400"/>
+            <a:ext cx="2949178" cy="3811588"/>
           </a:xfrm>
         </p:spPr>
         <p:txBody>
@@ -3849,7 +3852,7 @@
       </p:sp>
       <p:sp>
         <p:nvSpPr>
-          <p:cNvPr id="5" name="日期占位符 4"/>
+          <p:cNvPr id="5" name="Date Placeholder 4"/>
           <p:cNvSpPr>
             <a:spLocks noGrp="1"/>
           </p:cNvSpPr>
@@ -3864,7 +3867,7 @@
           <a:p>
             <a:fld id="{EB4A138F-191D-4BC7-80AB-52578C8866E8}" type="datetimeFigureOut">
               <a:rPr lang="zh-CN" altLang="en-US" smtClean="0"/>
-              <a:t>13-10-10</a:t>
+              <a:t>2014/10/21</a:t>
             </a:fld>
             <a:endParaRPr lang="zh-CN" altLang="en-US"/>
           </a:p>
@@ -3872,7 +3875,7 @@
       </p:sp>
       <p:sp>
         <p:nvSpPr>
-          <p:cNvPr id="6" name="页脚占位符 5"/>
+          <p:cNvPr id="6" name="Footer Placeholder 5"/>
           <p:cNvSpPr>
             <a:spLocks noGrp="1"/>
           </p:cNvSpPr>
@@ -3891,7 +3894,7 @@
       </p:sp>
       <p:sp>
         <p:nvSpPr>
-          <p:cNvPr id="7" name="灯片编号占位符 6"/>
+          <p:cNvPr id="7" name="Slide Number Placeholder 6"/>
           <p:cNvSpPr>
             <a:spLocks noGrp="1"/>
           </p:cNvSpPr>
@@ -3915,7 +3918,7 @@
     </p:spTree>
     <p:extLst>
       <p:ext uri="{BB962C8B-B14F-4D97-AF65-F5344CB8AC3E}">
-        <p14:creationId xmlns:p14="http://schemas.microsoft.com/office/powerpoint/2010/main" val="436374305"/>
+        <p14:creationId xmlns:p14="http://schemas.microsoft.com/office/powerpoint/2010/main" val="1182736815"/>
       </p:ext>
     </p:extLst>
   </p:cSld>
@@ -3944,7 +3947,7 @@
       </p:grpSpPr>
       <p:sp>
         <p:nvSpPr>
-          <p:cNvPr id="2" name="标题 1"/>
+          <p:cNvPr id="2" name="Title 1"/>
           <p:cNvSpPr>
             <a:spLocks noGrp="1"/>
           </p:cNvSpPr>
@@ -3954,8 +3957,8 @@
         </p:nvSpPr>
         <p:spPr>
           <a:xfrm>
-            <a:off x="839788" y="457200"/>
-            <a:ext cx="3932237" cy="1600200"/>
+            <a:off x="629841" y="457200"/>
+            <a:ext cx="2949178" cy="1600200"/>
           </a:xfrm>
         </p:spPr>
         <p:txBody>
@@ -3970,15 +3973,15 @@
               <a:rPr lang="zh-CN" altLang="en-US" smtClean="0"/>
               <a:t>单击此处编辑母版标题样式</a:t>
             </a:r>
-            <a:endParaRPr lang="zh-CN" altLang="en-US"/>
+            <a:endParaRPr lang="en-US" dirty="0"/>
           </a:p>
         </p:txBody>
       </p:sp>
       <p:sp>
         <p:nvSpPr>
-          <p:cNvPr id="3" name="图片占位符 2"/>
+          <p:cNvPr id="3" name="Picture Placeholder 2"/>
           <p:cNvSpPr>
-            <a:spLocks noGrp="1"/>
+            <a:spLocks noGrp="1" noChangeAspect="1"/>
           </p:cNvSpPr>
           <p:nvPr>
             <p:ph type="pic" idx="1"/>
@@ -3986,12 +3989,12 @@
         </p:nvSpPr>
         <p:spPr>
           <a:xfrm>
-            <a:off x="5183188" y="987425"/>
-            <a:ext cx="6172200" cy="4873625"/>
+            <a:off x="3887391" y="987426"/>
+            <a:ext cx="4629150" cy="4873625"/>
           </a:xfrm>
         </p:spPr>
         <p:txBody>
-          <a:bodyPr/>
+          <a:bodyPr anchor="t"/>
           <a:lstStyle>
             <a:lvl1pPr marL="0" indent="0">
               <a:buNone/>
@@ -4031,13 +4034,17 @@
             </a:lvl9pPr>
           </a:lstStyle>
           <a:p>
-            <a:endParaRPr lang="zh-CN" altLang="en-US"/>
+            <a:r>
+              <a:rPr lang="zh-CN" altLang="en-US" smtClean="0"/>
+              <a:t>单击图标添加图片</a:t>
+            </a:r>
+            <a:endParaRPr lang="en-US" dirty="0"/>
           </a:p>
         </p:txBody>
       </p:sp>
       <p:sp>
         <p:nvSpPr>
-          <p:cNvPr id="4" name="文本占位符 3"/>
+          <p:cNvPr id="4" name="Text Placeholder 3"/>
           <p:cNvSpPr>
             <a:spLocks noGrp="1"/>
           </p:cNvSpPr>
@@ -4047,8 +4054,8 @@
         </p:nvSpPr>
         <p:spPr>
           <a:xfrm>
-            <a:off x="839788" y="2057400"/>
-            <a:ext cx="3932237" cy="3811588"/>
+            <a:off x="629841" y="2057400"/>
+            <a:ext cx="2949178" cy="3811588"/>
           </a:xfrm>
         </p:spPr>
         <p:txBody>
@@ -4102,7 +4109,7 @@
       </p:sp>
       <p:sp>
         <p:nvSpPr>
-          <p:cNvPr id="5" name="日期占位符 4"/>
+          <p:cNvPr id="5" name="Date Placeholder 4"/>
           <p:cNvSpPr>
             <a:spLocks noGrp="1"/>
           </p:cNvSpPr>
@@ -4117,7 +4124,7 @@
           <a:p>
             <a:fld id="{EB4A138F-191D-4BC7-80AB-52578C8866E8}" type="datetimeFigureOut">
               <a:rPr lang="zh-CN" altLang="en-US" smtClean="0"/>
-              <a:t>13-10-10</a:t>
+              <a:t>2014/10/21</a:t>
             </a:fld>
             <a:endParaRPr lang="zh-CN" altLang="en-US"/>
           </a:p>
@@ -4125,7 +4132,7 @@
       </p:sp>
       <p:sp>
         <p:nvSpPr>
-          <p:cNvPr id="6" name="页脚占位符 5"/>
+          <p:cNvPr id="6" name="Footer Placeholder 5"/>
           <p:cNvSpPr>
             <a:spLocks noGrp="1"/>
           </p:cNvSpPr>
@@ -4144,7 +4151,7 @@
       </p:sp>
       <p:sp>
         <p:nvSpPr>
-          <p:cNvPr id="7" name="灯片编号占位符 6"/>
+          <p:cNvPr id="7" name="Slide Number Placeholder 6"/>
           <p:cNvSpPr>
             <a:spLocks noGrp="1"/>
           </p:cNvSpPr>
@@ -4168,7 +4175,7 @@
     </p:spTree>
     <p:extLst>
       <p:ext uri="{BB962C8B-B14F-4D97-AF65-F5344CB8AC3E}">
-        <p14:creationId xmlns:p14="http://schemas.microsoft.com/office/powerpoint/2010/main" val="3922664692"/>
+        <p14:creationId xmlns:p14="http://schemas.microsoft.com/office/powerpoint/2010/main" val="3050447204"/>
       </p:ext>
     </p:extLst>
   </p:cSld>
@@ -4202,7 +4209,7 @@
       </p:grpSpPr>
       <p:sp>
         <p:nvSpPr>
-          <p:cNvPr id="2" name="标题占位符 1"/>
+          <p:cNvPr id="2" name="Title Placeholder 1"/>
           <p:cNvSpPr>
             <a:spLocks noGrp="1"/>
           </p:cNvSpPr>
@@ -4212,8 +4219,8 @@
         </p:nvSpPr>
         <p:spPr>
           <a:xfrm>
-            <a:off x="838200" y="365125"/>
-            <a:ext cx="10515600" cy="1325563"/>
+            <a:off x="628650" y="365126"/>
+            <a:ext cx="7886700" cy="1325563"/>
           </a:xfrm>
           <a:prstGeom prst="rect">
             <a:avLst/>
@@ -4229,13 +4236,13 @@
               <a:rPr lang="zh-CN" altLang="en-US" smtClean="0"/>
               <a:t>单击此处编辑母版标题样式</a:t>
             </a:r>
-            <a:endParaRPr lang="zh-CN" altLang="en-US"/>
+            <a:endParaRPr lang="en-US" dirty="0"/>
           </a:p>
         </p:txBody>
       </p:sp>
       <p:sp>
         <p:nvSpPr>
-          <p:cNvPr id="3" name="文本占位符 2"/>
+          <p:cNvPr id="3" name="Text Placeholder 2"/>
           <p:cNvSpPr>
             <a:spLocks noGrp="1"/>
           </p:cNvSpPr>
@@ -4245,8 +4252,8 @@
         </p:nvSpPr>
         <p:spPr>
           <a:xfrm>
-            <a:off x="838200" y="1825625"/>
-            <a:ext cx="10515600" cy="4351338"/>
+            <a:off x="628650" y="1825625"/>
+            <a:ext cx="7886700" cy="4351338"/>
           </a:xfrm>
           <a:prstGeom prst="rect">
             <a:avLst/>
@@ -4291,13 +4298,13 @@
               <a:rPr lang="zh-CN" altLang="en-US" smtClean="0"/>
               <a:t>第五级</a:t>
             </a:r>
-            <a:endParaRPr lang="zh-CN" altLang="en-US"/>
+            <a:endParaRPr lang="en-US" dirty="0"/>
           </a:p>
         </p:txBody>
       </p:sp>
       <p:sp>
         <p:nvSpPr>
-          <p:cNvPr id="4" name="日期占位符 3"/>
+          <p:cNvPr id="4" name="Date Placeholder 3"/>
           <p:cNvSpPr>
             <a:spLocks noGrp="1"/>
           </p:cNvSpPr>
@@ -4307,8 +4314,8 @@
         </p:nvSpPr>
         <p:spPr>
           <a:xfrm>
-            <a:off x="838200" y="6356350"/>
-            <a:ext cx="2743200" cy="365125"/>
+            <a:off x="628650" y="6356351"/>
+            <a:ext cx="2057400" cy="365125"/>
           </a:xfrm>
           <a:prstGeom prst="rect">
             <a:avLst/>
@@ -4330,7 +4337,7 @@
           <a:p>
             <a:fld id="{EB4A138F-191D-4BC7-80AB-52578C8866E8}" type="datetimeFigureOut">
               <a:rPr lang="zh-CN" altLang="en-US" smtClean="0"/>
-              <a:t>13-10-10</a:t>
+              <a:t>2014/10/21</a:t>
             </a:fld>
             <a:endParaRPr lang="zh-CN" altLang="en-US"/>
           </a:p>
@@ -4338,7 +4345,7 @@
       </p:sp>
       <p:sp>
         <p:nvSpPr>
-          <p:cNvPr id="5" name="页脚占位符 4"/>
+          <p:cNvPr id="5" name="Footer Placeholder 4"/>
           <p:cNvSpPr>
             <a:spLocks noGrp="1"/>
           </p:cNvSpPr>
@@ -4348,8 +4355,8 @@
         </p:nvSpPr>
         <p:spPr>
           <a:xfrm>
-            <a:off x="4038600" y="6356350"/>
-            <a:ext cx="4114800" cy="365125"/>
+            <a:off x="3028950" y="6356351"/>
+            <a:ext cx="3086100" cy="365125"/>
           </a:xfrm>
           <a:prstGeom prst="rect">
             <a:avLst/>
@@ -4375,7 +4382,7 @@
       </p:sp>
       <p:sp>
         <p:nvSpPr>
-          <p:cNvPr id="6" name="灯片编号占位符 5"/>
+          <p:cNvPr id="6" name="Slide Number Placeholder 5"/>
           <p:cNvSpPr>
             <a:spLocks noGrp="1"/>
           </p:cNvSpPr>
@@ -4385,8 +4392,8 @@
         </p:nvSpPr>
         <p:spPr>
           <a:xfrm>
-            <a:off x="8610600" y="6356350"/>
-            <a:ext cx="2743200" cy="365125"/>
+            <a:off x="6457950" y="6356351"/>
+            <a:ext cx="2057400" cy="365125"/>
           </a:xfrm>
           <a:prstGeom prst="rect">
             <a:avLst/>
@@ -4417,23 +4424,23 @@
     </p:spTree>
     <p:extLst>
       <p:ext uri="{BB962C8B-B14F-4D97-AF65-F5344CB8AC3E}">
-        <p14:creationId xmlns:p14="http://schemas.microsoft.com/office/powerpoint/2010/main" val="1828670432"/>
+        <p14:creationId xmlns:p14="http://schemas.microsoft.com/office/powerpoint/2010/main" val="3477362049"/>
       </p:ext>
     </p:extLst>
   </p:cSld>
   <p:clrMap bg1="lt1" tx1="dk1" bg2="lt2" tx2="dk2" accent1="accent1" accent2="accent2" accent3="accent3" accent4="accent4" accent5="accent5" accent6="accent6" hlink="hlink" folHlink="folHlink"/>
   <p:sldLayoutIdLst>
-    <p:sldLayoutId id="2147483649" r:id="rId1"/>
-    <p:sldLayoutId id="2147483650" r:id="rId2"/>
-    <p:sldLayoutId id="2147483651" r:id="rId3"/>
-    <p:sldLayoutId id="2147483652" r:id="rId4"/>
-    <p:sldLayoutId id="2147483653" r:id="rId5"/>
-    <p:sldLayoutId id="2147483654" r:id="rId6"/>
-    <p:sldLayoutId id="2147483655" r:id="rId7"/>
-    <p:sldLayoutId id="2147483656" r:id="rId8"/>
-    <p:sldLayoutId id="2147483657" r:id="rId9"/>
-    <p:sldLayoutId id="2147483658" r:id="rId10"/>
-    <p:sldLayoutId id="2147483659" r:id="rId11"/>
+    <p:sldLayoutId id="2147483661" r:id="rId1"/>
+    <p:sldLayoutId id="2147483662" r:id="rId2"/>
+    <p:sldLayoutId id="2147483663" r:id="rId3"/>
+    <p:sldLayoutId id="2147483664" r:id="rId4"/>
+    <p:sldLayoutId id="2147483665" r:id="rId5"/>
+    <p:sldLayoutId id="2147483666" r:id="rId6"/>
+    <p:sldLayoutId id="2147483667" r:id="rId7"/>
+    <p:sldLayoutId id="2147483668" r:id="rId8"/>
+    <p:sldLayoutId id="2147483669" r:id="rId9"/>
+    <p:sldLayoutId id="2147483670" r:id="rId10"/>
+    <p:sldLayoutId id="2147483671" r:id="rId11"/>
   </p:sldLayoutIdLst>
   <p:txStyles>
     <p:titleStyle>
@@ -4621,7 +4628,7 @@
     </p:bodyStyle>
     <p:otherStyle>
       <a:defPPr>
-        <a:defRPr lang="zh-CN"/>
+        <a:defRPr lang="en-US"/>
       </a:defPPr>
       <a:lvl1pPr marL="0" algn="l" defTabSz="914400" rtl="0" eaLnBrk="1" latinLnBrk="0" hangingPunct="1">
         <a:defRPr sz="1800" kern="1200">
@@ -4824,7 +4831,7 @@
   <p:timing>
     <p:tnLst>
       <p:par>
-        <p:cTn xmlns:p14="http://schemas.microsoft.com/office/powerpoint/2010/main" id="1" dur="indefinite" restart="never" nodeType="tmRoot"/>
+        <p:cTn id="1" dur="indefinite" restart="never" nodeType="tmRoot"/>
       </p:par>
     </p:tnLst>
   </p:timing>
@@ -4883,292 +4890,81 @@
         </p:nvSpPr>
         <p:spPr>
           <a:xfrm>
-            <a:off x="838200" y="1503123"/>
-            <a:ext cx="10515600" cy="5185776"/>
+            <a:off x="628650" y="1690689"/>
+            <a:ext cx="7886700" cy="3889332"/>
           </a:xfrm>
         </p:spPr>
         <p:txBody>
           <a:bodyPr>
-            <a:normAutofit fontScale="92500" lnSpcReduction="20000"/>
+            <a:noAutofit/>
           </a:bodyPr>
           <a:lstStyle/>
           <a:p>
             <a:r>
-              <a:rPr lang="zh-CN" altLang="en-US" dirty="0" smtClean="0"/>
+              <a:rPr lang="zh-CN" altLang="en-US" sz="2000" dirty="0" smtClean="0"/>
               <a:t>坑</a:t>
             </a:r>
             <a:r>
-              <a:rPr lang="en-US" altLang="zh-CN" dirty="0" smtClean="0"/>
+              <a:rPr lang="en-US" altLang="zh-CN" sz="2000" dirty="0" smtClean="0"/>
               <a:t>1: diamond-server</a:t>
             </a:r>
             <a:r>
-              <a:rPr lang="zh-CN" altLang="en-US" dirty="0" smtClean="0"/>
+              <a:rPr lang="zh-CN" altLang="en-US" sz="2000" dirty="0" smtClean="0"/>
               <a:t>的连接数据库信息哪里设置？</a:t>
             </a:r>
-            <a:endParaRPr lang="en-US" altLang="zh-CN" dirty="0"/>
+            <a:endParaRPr lang="en-US" altLang="zh-CN" sz="2000" dirty="0"/>
           </a:p>
           <a:p>
             <a:pPr lvl="1"/>
             <a:r>
-              <a:rPr lang="zh-CN" altLang="en-US" dirty="0" smtClean="0"/>
-              <a:t>优先：当前目录下的</a:t>
-            </a:r>
-            <a:r>
-              <a:rPr lang="en-US" altLang="zh-CN" dirty="0" smtClean="0"/>
+              <a:rPr lang="zh-CN" altLang="en-US" sz="1600" dirty="0" smtClean="0"/>
+              <a:t>优先：当前</a:t>
+            </a:r>
+            <a:r>
+              <a:rPr lang="zh-CN" altLang="en-US" sz="1600" dirty="0" smtClean="0"/>
+              <a:t>目录下的</a:t>
+            </a:r>
+            <a:r>
+              <a:rPr lang="en-US" altLang="zh-CN" sz="1600" dirty="0" smtClean="0"/>
               <a:t>diamond-</a:t>
             </a:r>
             <a:r>
-              <a:rPr lang="en-US" altLang="zh-CN" dirty="0" err="1" smtClean="0"/>
+              <a:rPr lang="en-US" altLang="zh-CN" sz="1600" dirty="0" err="1" smtClean="0"/>
               <a:t>jdbc.properties</a:t>
             </a:r>
-            <a:endParaRPr lang="en-US" altLang="zh-CN" dirty="0" smtClean="0"/>
+            <a:endParaRPr lang="en-US" altLang="zh-CN" sz="1600" dirty="0" smtClean="0"/>
           </a:p>
           <a:p>
             <a:pPr lvl="1"/>
             <a:r>
-              <a:rPr lang="zh-CN" altLang="en-US" dirty="0" smtClean="0"/>
+              <a:rPr lang="zh-CN" altLang="en-US" sz="1600" dirty="0" smtClean="0"/>
               <a:t>次之：</a:t>
             </a:r>
             <a:r>
-              <a:rPr lang="en-US" altLang="zh-CN" dirty="0" smtClean="0"/>
-              <a:t>diamond-server/</a:t>
-            </a:r>
-            <a:r>
-              <a:rPr lang="en-US" altLang="zh-CN" dirty="0" err="1" smtClean="0"/>
-              <a:t>src</a:t>
-            </a:r>
-            <a:r>
-              <a:rPr lang="en-US" altLang="zh-CN" dirty="0" smtClean="0"/>
-              <a:t>/main/resources/diamond-</a:t>
-            </a:r>
-            <a:r>
-              <a:rPr lang="en-US" altLang="zh-CN" dirty="0" err="1" smtClean="0"/>
+              <a:rPr lang="en-US" altLang="zh-CN" sz="1600" dirty="0" smtClean="0">
+                <a:solidFill>
+                  <a:srgbClr val="FF0000"/>
+                </a:solidFill>
+              </a:rPr>
+              <a:t>${USER_HOME</a:t>
+            </a:r>
+            <a:r>
+              <a:rPr lang="en-US" altLang="zh-CN" sz="1600" dirty="0">
+                <a:solidFill>
+                  <a:srgbClr val="FF0000"/>
+                </a:solidFill>
+              </a:rPr>
+              <a:t>}/.diamond-server/diamond-</a:t>
+            </a:r>
+            <a:r>
+              <a:rPr lang="en-US" altLang="zh-CN" sz="1600" dirty="0" err="1">
+                <a:solidFill>
+                  <a:srgbClr val="FF0000"/>
+                </a:solidFill>
+              </a:rPr>
               <a:t>jdbc.properties</a:t>
             </a:r>
-            <a:endParaRPr lang="en-US" altLang="zh-CN" dirty="0"/>
-          </a:p>
-          <a:p>
-            <a:pPr lvl="1"/>
-            <a:endParaRPr lang="en-US" altLang="zh-CN" dirty="0"/>
-          </a:p>
-          <a:p>
-            <a:r>
-              <a:rPr lang="zh-CN" altLang="en-US" dirty="0" smtClean="0"/>
-              <a:t>坑</a:t>
-            </a:r>
-            <a:r>
-              <a:rPr lang="en-US" altLang="zh-CN" dirty="0" smtClean="0"/>
-              <a:t>2: diamond-client</a:t>
-            </a:r>
-            <a:r>
-              <a:rPr lang="zh-CN" altLang="en-US" dirty="0" smtClean="0"/>
-              <a:t>连接</a:t>
-            </a:r>
-            <a:r>
-              <a:rPr lang="en-US" altLang="zh-CN" dirty="0" smtClean="0"/>
-              <a:t>server</a:t>
-            </a:r>
-            <a:r>
-              <a:rPr lang="zh-CN" altLang="en-US" dirty="0" smtClean="0"/>
-              <a:t>信息哪里设置？</a:t>
-            </a:r>
-            <a:endParaRPr lang="en-US" altLang="zh-CN" dirty="0" smtClean="0"/>
-          </a:p>
-          <a:p>
-            <a:pPr lvl="1"/>
-            <a:r>
-              <a:rPr lang="zh-CN" altLang="en-US" dirty="0"/>
-              <a:t>首先</a:t>
-            </a:r>
-            <a:r>
-              <a:rPr lang="zh-CN" altLang="en-US" dirty="0" smtClean="0"/>
-              <a:t>看</a:t>
-            </a:r>
-            <a:r>
-              <a:rPr lang="en-US" altLang="zh-CN" dirty="0"/>
-              <a:t>: </a:t>
-            </a:r>
-            <a:r>
-              <a:rPr lang="en-US" altLang="zh-CN" dirty="0" err="1" smtClean="0"/>
-              <a:t>classpath:NameServer.address</a:t>
-            </a:r>
-            <a:r>
-              <a:rPr lang="zh-CN" altLang="en-US" dirty="0" smtClean="0"/>
-              <a:t>，是否定义</a:t>
-            </a:r>
-            <a:r>
-              <a:rPr lang="en-US" altLang="zh-CN" dirty="0" smtClean="0"/>
-              <a:t>diamond name sever</a:t>
-            </a:r>
-          </a:p>
-          <a:p>
-            <a:pPr lvl="1"/>
-            <a:r>
-              <a:rPr lang="zh-CN" altLang="en-US" dirty="0" smtClean="0"/>
-              <a:t>其次看</a:t>
-            </a:r>
-            <a:r>
-              <a:rPr lang="en-US" altLang="zh-CN" dirty="0" smtClean="0"/>
-              <a:t>: </a:t>
-            </a:r>
-            <a:r>
-              <a:rPr lang="en-US" altLang="zh-CN" dirty="0" err="1" smtClean="0"/>
-              <a:t>a.b.c</a:t>
-            </a:r>
-            <a:r>
-              <a:rPr lang="zh-CN" altLang="en-US" dirty="0" smtClean="0"/>
-              <a:t>在</a:t>
-            </a:r>
-            <a:r>
-              <a:rPr lang="en-US" altLang="zh-CN" dirty="0" smtClean="0"/>
-              <a:t>/</a:t>
-            </a:r>
-            <a:r>
-              <a:rPr lang="en-US" altLang="zh-CN" dirty="0" err="1" smtClean="0"/>
-              <a:t>etc</a:t>
-            </a:r>
-            <a:r>
-              <a:rPr lang="en-US" altLang="zh-CN" dirty="0" smtClean="0"/>
-              <a:t>/hosts</a:t>
-            </a:r>
-            <a:r>
-              <a:rPr lang="zh-CN" altLang="en-US" dirty="0" smtClean="0"/>
-              <a:t>中有没有定义</a:t>
-            </a:r>
-            <a:r>
-              <a:rPr lang="en-US" altLang="zh-CN" dirty="0" smtClean="0"/>
-              <a:t>IP</a:t>
-            </a:r>
-          </a:p>
-          <a:p>
-            <a:pPr lvl="1"/>
-            <a:r>
-              <a:rPr lang="zh-CN" altLang="en-US" dirty="0"/>
-              <a:t>最后</a:t>
-            </a:r>
-            <a:r>
-              <a:rPr lang="zh-CN" altLang="en-US" dirty="0" smtClean="0"/>
-              <a:t>看</a:t>
-            </a:r>
-            <a:r>
-              <a:rPr lang="en-US" altLang="zh-CN" dirty="0"/>
-              <a:t>: </a:t>
-            </a:r>
-            <a:r>
-              <a:rPr lang="en-US" altLang="zh-CN" dirty="0" err="1" smtClean="0"/>
-              <a:t>classpath:DiamondServer.address</a:t>
-            </a:r>
-            <a:endParaRPr lang="en-US" altLang="zh-CN" dirty="0" smtClean="0"/>
-          </a:p>
-          <a:p>
-            <a:pPr lvl="1"/>
-            <a:r>
-              <a:rPr lang="zh-CN" altLang="en-US" dirty="0" smtClean="0"/>
-              <a:t>注意：</a:t>
-            </a:r>
-            <a:r>
-              <a:rPr lang="en-US" altLang="zh-CN" dirty="0" smtClean="0"/>
-              <a:t>name-server</a:t>
-            </a:r>
-            <a:r>
-              <a:rPr lang="zh-CN" altLang="en-US" dirty="0"/>
-              <a:t>的默认端口是</a:t>
-            </a:r>
-            <a:r>
-              <a:rPr lang="en-US" altLang="zh-CN" dirty="0"/>
-              <a:t>17001</a:t>
-            </a:r>
-            <a:r>
-              <a:rPr lang="zh-CN" altLang="en-US" dirty="0"/>
-              <a:t>，</a:t>
-            </a:r>
-            <a:r>
-              <a:rPr lang="en-US" altLang="zh-CN" dirty="0"/>
-              <a:t>diamond-server</a:t>
-            </a:r>
-            <a:r>
-              <a:rPr lang="zh-CN" altLang="en-US" dirty="0"/>
-              <a:t>默认端口是</a:t>
-            </a:r>
-            <a:r>
-              <a:rPr lang="en-US" altLang="zh-CN" dirty="0" smtClean="0"/>
-              <a:t>17002</a:t>
-            </a:r>
-          </a:p>
-          <a:p>
-            <a:pPr lvl="1"/>
-            <a:endParaRPr lang="en-US" altLang="zh-CN" dirty="0"/>
-          </a:p>
-          <a:p>
-            <a:r>
-              <a:rPr lang="zh-CN" altLang="en-US" dirty="0" smtClean="0"/>
-              <a:t>坑</a:t>
-            </a:r>
-            <a:r>
-              <a:rPr lang="en-US" altLang="zh-CN" dirty="0" smtClean="0"/>
-              <a:t>3: </a:t>
-            </a:r>
-            <a:r>
-              <a:rPr lang="zh-CN" altLang="en-US" dirty="0" smtClean="0"/>
-              <a:t>各种超时，也要搞搞清楚</a:t>
-            </a:r>
-            <a:endParaRPr lang="en-US" altLang="zh-CN" dirty="0" smtClean="0"/>
-          </a:p>
-          <a:p>
-            <a:pPr lvl="1"/>
-            <a:r>
-              <a:rPr lang="zh-CN" altLang="en-US" dirty="0"/>
-              <a:t>一</a:t>
-            </a:r>
-            <a:r>
-              <a:rPr lang="zh-CN" altLang="en-US" dirty="0" smtClean="0"/>
-              <a:t>次</a:t>
-            </a:r>
-            <a:r>
-              <a:rPr lang="en-US" altLang="zh-CN" dirty="0" smtClean="0"/>
-              <a:t>HTTP</a:t>
-            </a:r>
-            <a:r>
-              <a:rPr lang="zh-CN" altLang="en-US" dirty="0" smtClean="0"/>
-              <a:t>请求一个配置，超时为</a:t>
-            </a:r>
-            <a:r>
-              <a:rPr lang="en-US" altLang="zh-CN" b="1" dirty="0" smtClean="0">
-                <a:solidFill>
-                  <a:srgbClr val="FF0000"/>
-                </a:solidFill>
-              </a:rPr>
-              <a:t>2</a:t>
-            </a:r>
-            <a:r>
-              <a:rPr lang="zh-CN" altLang="en-US" b="1" dirty="0" smtClean="0">
-                <a:solidFill>
-                  <a:srgbClr val="FF0000"/>
-                </a:solidFill>
-              </a:rPr>
-              <a:t>秒</a:t>
-            </a:r>
-            <a:r>
-              <a:rPr lang="zh-CN" altLang="en-US" dirty="0" smtClean="0"/>
-              <a:t>，重试总超时不超过</a:t>
-            </a:r>
-            <a:r>
-              <a:rPr lang="en-US" altLang="zh-CN" b="1" dirty="0" smtClean="0">
-                <a:solidFill>
-                  <a:srgbClr val="FF0000"/>
-                </a:solidFill>
-              </a:rPr>
-              <a:t>10</a:t>
-            </a:r>
-            <a:r>
-              <a:rPr lang="zh-CN" altLang="en-US" b="1" dirty="0" smtClean="0">
-                <a:solidFill>
-                  <a:srgbClr val="FF0000"/>
-                </a:solidFill>
-              </a:rPr>
-              <a:t>秒</a:t>
-            </a:r>
-            <a:endParaRPr lang="en-US" altLang="zh-CN" b="1" dirty="0" smtClean="0">
+            <a:endParaRPr lang="en-US" altLang="zh-CN" sz="1600" dirty="0" smtClean="0">
               <a:solidFill>
                 <a:srgbClr val="FF0000"/>
               </a:solidFill>
@@ -5177,62 +4973,304 @@
           <a:p>
             <a:pPr lvl="1"/>
             <a:r>
-              <a:rPr lang="en-US" altLang="zh-CN" dirty="0" smtClean="0"/>
-              <a:t>HTTP</a:t>
-            </a:r>
-            <a:r>
-              <a:rPr lang="zh-CN" altLang="en-US" dirty="0" smtClean="0"/>
-              <a:t>连接超时为</a:t>
-            </a:r>
-            <a:r>
-              <a:rPr lang="en-US" altLang="zh-CN" b="1" dirty="0" smtClean="0">
+              <a:rPr lang="zh-CN" altLang="en-US" sz="1600" dirty="0"/>
+              <a:t>再</a:t>
+            </a:r>
+            <a:r>
+              <a:rPr lang="zh-CN" altLang="en-US" sz="1600" dirty="0" smtClean="0"/>
+              <a:t>次之：</a:t>
+            </a:r>
+            <a:r>
+              <a:rPr lang="en-US" altLang="zh-CN" sz="1600" dirty="0" err="1" smtClean="0"/>
+              <a:t>CLASSPATH:diamond-jdbc.properties</a:t>
+            </a:r>
+            <a:endParaRPr lang="en-US" altLang="zh-CN" sz="1600" dirty="0"/>
+          </a:p>
+          <a:p>
+            <a:r>
+              <a:rPr lang="zh-CN" altLang="en-US" sz="2000" dirty="0" smtClean="0"/>
+              <a:t>坑</a:t>
+            </a:r>
+            <a:r>
+              <a:rPr lang="en-US" altLang="zh-CN" sz="2000" dirty="0" smtClean="0"/>
+              <a:t>2: diamond-client</a:t>
+            </a:r>
+            <a:r>
+              <a:rPr lang="zh-CN" altLang="en-US" sz="2000" dirty="0" smtClean="0"/>
+              <a:t>连接</a:t>
+            </a:r>
+            <a:r>
+              <a:rPr lang="en-US" altLang="zh-CN" sz="2000" dirty="0" smtClean="0"/>
+              <a:t>server</a:t>
+            </a:r>
+            <a:r>
+              <a:rPr lang="zh-CN" altLang="en-US" sz="2000" dirty="0" smtClean="0"/>
+              <a:t>信息哪里设置？</a:t>
+            </a:r>
+            <a:endParaRPr lang="en-US" altLang="zh-CN" sz="2000" dirty="0" smtClean="0"/>
+          </a:p>
+          <a:p>
+            <a:pPr lvl="1"/>
+            <a:r>
+              <a:rPr lang="zh-CN" altLang="en-US" sz="1600" dirty="0"/>
+              <a:t>首先</a:t>
+            </a:r>
+            <a:r>
+              <a:rPr lang="zh-CN" altLang="en-US" sz="1600" dirty="0" smtClean="0"/>
+              <a:t>看</a:t>
+            </a:r>
+            <a:r>
+              <a:rPr lang="en-US" altLang="zh-CN" sz="1600" dirty="0"/>
+              <a:t>: </a:t>
+            </a:r>
+            <a:r>
+              <a:rPr lang="en-US" altLang="zh-CN" sz="1600" dirty="0" smtClean="0"/>
+              <a:t>diamond-</a:t>
+            </a:r>
+            <a:r>
+              <a:rPr lang="en-US" altLang="zh-CN" sz="1600" dirty="0" err="1" smtClean="0"/>
+              <a:t>client.properties</a:t>
+            </a:r>
+            <a:r>
+              <a:rPr lang="zh-CN" altLang="en-US" sz="1600" dirty="0" smtClean="0"/>
+              <a:t>中定义的</a:t>
+            </a:r>
+            <a:r>
+              <a:rPr lang="en-US" altLang="zh-CN" sz="1600" dirty="0" err="1"/>
+              <a:t>NameServer.address</a:t>
+            </a:r>
+            <a:endParaRPr lang="en-US" altLang="zh-CN" sz="1600" dirty="0" smtClean="0"/>
+          </a:p>
+          <a:p>
+            <a:pPr lvl="1"/>
+            <a:r>
+              <a:rPr lang="zh-CN" altLang="en-US" sz="1600" dirty="0" smtClean="0"/>
+              <a:t>其次看</a:t>
+            </a:r>
+            <a:r>
+              <a:rPr lang="en-US" altLang="zh-CN" sz="1600" dirty="0" smtClean="0"/>
+              <a:t>: </a:t>
+            </a:r>
+            <a:r>
+              <a:rPr lang="en-US" altLang="zh-CN" sz="1600" dirty="0" smtClean="0"/>
+              <a:t>diamond-</a:t>
+            </a:r>
+            <a:r>
+              <a:rPr lang="en-US" altLang="zh-CN" sz="1600" dirty="0" err="1" smtClean="0"/>
+              <a:t>client.properties</a:t>
+            </a:r>
+            <a:r>
+              <a:rPr lang="zh-CN" altLang="en-US" sz="1600" dirty="0" smtClean="0"/>
+              <a:t>中定义的</a:t>
+            </a:r>
+            <a:r>
+              <a:rPr lang="en-US" altLang="zh-CN" sz="1600" dirty="0" err="1"/>
+              <a:t>DiamondServer.address</a:t>
+            </a:r>
+            <a:endParaRPr lang="en-US" altLang="zh-CN" sz="1600" dirty="0"/>
+          </a:p>
+          <a:p>
+            <a:pPr lvl="1"/>
+            <a:r>
+              <a:rPr lang="zh-CN" altLang="en-US" sz="1600" dirty="0" smtClean="0"/>
+              <a:t>最后看：</a:t>
+            </a:r>
+            <a:r>
+              <a:rPr lang="en-US" altLang="zh-CN" sz="1600" dirty="0" err="1" smtClean="0">
                 <a:solidFill>
                   <a:srgbClr val="FF0000"/>
                 </a:solidFill>
               </a:rPr>
-              <a:t>2</a:t>
-            </a:r>
-            <a:r>
-              <a:rPr lang="zh-CN" altLang="en-US" b="1" dirty="0" smtClean="0">
+              <a:t>a.b.c</a:t>
+            </a:r>
+            <a:r>
+              <a:rPr lang="zh-CN" altLang="en-US" sz="1600" dirty="0" smtClean="0">
                 <a:solidFill>
                   <a:srgbClr val="FF0000"/>
                 </a:solidFill>
               </a:rPr>
-              <a:t>秒</a:t>
-            </a:r>
-            <a:endParaRPr lang="en-US" altLang="zh-CN" b="1" dirty="0" smtClean="0">
+              <a:t>在</a:t>
+            </a:r>
+            <a:r>
+              <a:rPr lang="en-US" altLang="zh-CN" sz="1600" dirty="0" smtClean="0">
+                <a:solidFill>
+                  <a:srgbClr val="FF0000"/>
+                </a:solidFill>
+              </a:rPr>
+              <a:t>/</a:t>
+            </a:r>
+            <a:r>
+              <a:rPr lang="en-US" altLang="zh-CN" sz="1600" dirty="0" err="1" smtClean="0">
+                <a:solidFill>
+                  <a:srgbClr val="FF0000"/>
+                </a:solidFill>
+              </a:rPr>
+              <a:t>etc</a:t>
+            </a:r>
+            <a:r>
+              <a:rPr lang="en-US" altLang="zh-CN" sz="1600" dirty="0" smtClean="0">
+                <a:solidFill>
+                  <a:srgbClr val="FF0000"/>
+                </a:solidFill>
+              </a:rPr>
+              <a:t>/hosts</a:t>
+            </a:r>
+            <a:r>
+              <a:rPr lang="zh-CN" altLang="en-US" sz="1600" dirty="0" smtClean="0"/>
+              <a:t>中有没有</a:t>
+            </a:r>
+            <a:r>
+              <a:rPr lang="zh-CN" altLang="en-US" sz="1600" dirty="0" smtClean="0"/>
+              <a:t>定义</a:t>
+            </a:r>
+            <a:endParaRPr lang="en-US" altLang="zh-CN" sz="1600" dirty="0" smtClean="0"/>
+          </a:p>
+          <a:p>
+            <a:pPr lvl="1"/>
+            <a:r>
+              <a:rPr lang="zh-CN" altLang="en-US" sz="1600" dirty="0" smtClean="0"/>
+              <a:t>注意</a:t>
+            </a:r>
+            <a:r>
+              <a:rPr lang="zh-CN" altLang="en-US" sz="1600" dirty="0" smtClean="0"/>
+              <a:t>：</a:t>
+            </a:r>
+            <a:r>
+              <a:rPr lang="en-US" altLang="zh-CN" sz="1600" dirty="0" smtClean="0">
+                <a:solidFill>
+                  <a:srgbClr val="FF0000"/>
+                </a:solidFill>
+              </a:rPr>
+              <a:t>name-server</a:t>
+            </a:r>
+            <a:r>
+              <a:rPr lang="zh-CN" altLang="en-US" sz="1600" dirty="0">
+                <a:solidFill>
+                  <a:srgbClr val="FF0000"/>
+                </a:solidFill>
+              </a:rPr>
+              <a:t>的默认端口是</a:t>
+            </a:r>
+            <a:r>
+              <a:rPr lang="en-US" altLang="zh-CN" sz="1600" dirty="0">
+                <a:solidFill>
+                  <a:srgbClr val="FF0000"/>
+                </a:solidFill>
+              </a:rPr>
+              <a:t>17001</a:t>
+            </a:r>
+            <a:r>
+              <a:rPr lang="zh-CN" altLang="en-US" sz="1600" dirty="0">
+                <a:solidFill>
+                  <a:srgbClr val="FF0000"/>
+                </a:solidFill>
+              </a:rPr>
+              <a:t>，</a:t>
+            </a:r>
+            <a:r>
+              <a:rPr lang="en-US" altLang="zh-CN" sz="1600" dirty="0">
+                <a:solidFill>
+                  <a:srgbClr val="FF0000"/>
+                </a:solidFill>
+              </a:rPr>
+              <a:t>diamond-server</a:t>
+            </a:r>
+            <a:r>
+              <a:rPr lang="zh-CN" altLang="en-US" sz="1600" dirty="0">
+                <a:solidFill>
+                  <a:srgbClr val="FF0000"/>
+                </a:solidFill>
+              </a:rPr>
+              <a:t>默认端口是</a:t>
+            </a:r>
+            <a:r>
+              <a:rPr lang="en-US" altLang="zh-CN" sz="1600" dirty="0" smtClean="0">
+                <a:solidFill>
+                  <a:srgbClr val="FF0000"/>
+                </a:solidFill>
+              </a:rPr>
+              <a:t>17002</a:t>
+            </a:r>
+            <a:endParaRPr lang="en-US" altLang="zh-CN" sz="1600" dirty="0">
               <a:solidFill>
                 <a:srgbClr val="FF0000"/>
               </a:solidFill>
             </a:endParaRPr>
           </a:p>
           <a:p>
+            <a:r>
+              <a:rPr lang="zh-CN" altLang="en-US" sz="2000" dirty="0" smtClean="0"/>
+              <a:t>坑</a:t>
+            </a:r>
+            <a:r>
+              <a:rPr lang="en-US" altLang="zh-CN" sz="2000" dirty="0" smtClean="0"/>
+              <a:t>3: </a:t>
+            </a:r>
+            <a:r>
+              <a:rPr lang="zh-CN" altLang="en-US" sz="2000" dirty="0" smtClean="0"/>
+              <a:t>各种超时，也要搞搞清楚</a:t>
+            </a:r>
+            <a:endParaRPr lang="en-US" altLang="zh-CN" sz="2000" dirty="0" smtClean="0"/>
+          </a:p>
+          <a:p>
             <a:pPr lvl="1"/>
             <a:r>
-              <a:rPr lang="zh-CN" altLang="en-US" dirty="0"/>
-              <a:t>用户</a:t>
-            </a:r>
-            <a:r>
-              <a:rPr lang="zh-CN" altLang="en-US" dirty="0" smtClean="0"/>
-              <a:t>缓存读时加载超时为</a:t>
-            </a:r>
-            <a:r>
-              <a:rPr lang="en-US" altLang="zh-CN" b="1" dirty="0" smtClean="0">
+              <a:rPr lang="zh-CN" altLang="en-US" sz="1600" dirty="0"/>
+              <a:t>一</a:t>
+            </a:r>
+            <a:r>
+              <a:rPr lang="zh-CN" altLang="en-US" sz="1600" dirty="0" smtClean="0"/>
+              <a:t>次</a:t>
+            </a:r>
+            <a:r>
+              <a:rPr lang="en-US" altLang="zh-CN" sz="1600" dirty="0" smtClean="0"/>
+              <a:t>HTTP</a:t>
+            </a:r>
+            <a:r>
+              <a:rPr lang="zh-CN" altLang="en-US" sz="1600" dirty="0" smtClean="0"/>
+              <a:t>请求一个配置，超时</a:t>
+            </a:r>
+            <a:r>
+              <a:rPr lang="zh-CN" altLang="en-US" sz="1600" dirty="0" smtClean="0"/>
+              <a:t>为</a:t>
+            </a:r>
+            <a:r>
+              <a:rPr lang="en-US" altLang="zh-CN" sz="1600" b="1" dirty="0" smtClean="0">
                 <a:solidFill>
                   <a:srgbClr val="FF0000"/>
                 </a:solidFill>
               </a:rPr>
-              <a:t>2</a:t>
-            </a:r>
-            <a:r>
-              <a:rPr lang="zh-CN" altLang="en-US" b="1" dirty="0" smtClean="0">
+              <a:t>3</a:t>
+            </a:r>
+            <a:r>
+              <a:rPr lang="zh-CN" altLang="en-US" sz="1600" b="1" dirty="0" smtClean="0">
                 <a:solidFill>
                   <a:srgbClr val="FF0000"/>
                 </a:solidFill>
               </a:rPr>
               <a:t>秒</a:t>
             </a:r>
-            <a:endParaRPr lang="en-US" altLang="zh-CN" b="1" dirty="0" smtClean="0">
+            <a:r>
+              <a:rPr lang="zh-CN" altLang="en-US" sz="1600" dirty="0" smtClean="0"/>
+              <a:t>，重试总超时不超过</a:t>
+            </a:r>
+            <a:r>
+              <a:rPr lang="en-US" altLang="zh-CN" sz="1600" b="1" dirty="0" smtClean="0">
+                <a:solidFill>
+                  <a:srgbClr val="FF0000"/>
+                </a:solidFill>
+              </a:rPr>
+              <a:t>15</a:t>
+            </a:r>
+            <a:r>
+              <a:rPr lang="zh-CN" altLang="en-US" sz="1600" b="1" dirty="0" smtClean="0">
+                <a:solidFill>
+                  <a:srgbClr val="FF0000"/>
+                </a:solidFill>
+              </a:rPr>
+              <a:t>秒</a:t>
+            </a:r>
+            <a:endParaRPr lang="en-US" altLang="zh-CN" sz="1600" b="1" dirty="0" smtClean="0">
               <a:solidFill>
                 <a:srgbClr val="FF0000"/>
               </a:solidFill>
@@ -5241,11 +5279,83 @@
           <a:p>
             <a:pPr lvl="1"/>
             <a:r>
-              <a:rPr lang="zh-CN" altLang="en-US" dirty="0" smtClean="0"/>
+              <a:rPr lang="en-US" altLang="zh-CN" sz="1600" dirty="0" smtClean="0"/>
+              <a:t>HTTP</a:t>
+            </a:r>
+            <a:r>
+              <a:rPr lang="zh-CN" altLang="en-US" sz="1600" dirty="0" smtClean="0"/>
+              <a:t>连接超时</a:t>
+            </a:r>
+            <a:r>
+              <a:rPr lang="zh-CN" altLang="en-US" sz="1600" dirty="0" smtClean="0"/>
+              <a:t>为</a:t>
+            </a:r>
+            <a:r>
+              <a:rPr lang="en-US" altLang="zh-CN" sz="1600" b="1" dirty="0" smtClean="0">
+                <a:solidFill>
+                  <a:srgbClr val="FF0000"/>
+                </a:solidFill>
+              </a:rPr>
+              <a:t>3</a:t>
+            </a:r>
+            <a:r>
+              <a:rPr lang="zh-CN" altLang="en-US" sz="1600" b="1" dirty="0" smtClean="0">
+                <a:solidFill>
+                  <a:srgbClr val="FF0000"/>
+                </a:solidFill>
+              </a:rPr>
+              <a:t>秒</a:t>
+            </a:r>
+            <a:endParaRPr lang="en-US" altLang="zh-CN" sz="1600" b="1" dirty="0" smtClean="0">
+              <a:solidFill>
+                <a:srgbClr val="FF0000"/>
+              </a:solidFill>
+            </a:endParaRPr>
+          </a:p>
+          <a:p>
+            <a:pPr lvl="1"/>
+            <a:r>
+              <a:rPr lang="zh-CN" altLang="en-US" sz="1600" dirty="0"/>
+              <a:t>用户</a:t>
+            </a:r>
+            <a:r>
+              <a:rPr lang="zh-CN" altLang="en-US" sz="1600" dirty="0" smtClean="0"/>
+              <a:t>缓存读时加载超时</a:t>
+            </a:r>
+            <a:r>
+              <a:rPr lang="zh-CN" altLang="en-US" sz="1600" dirty="0" smtClean="0"/>
+              <a:t>为</a:t>
+            </a:r>
+            <a:r>
+              <a:rPr lang="en-US" altLang="zh-CN" sz="1600" b="1" dirty="0">
+                <a:solidFill>
+                  <a:srgbClr val="FF0000"/>
+                </a:solidFill>
+              </a:rPr>
+              <a:t>3</a:t>
+            </a:r>
+            <a:r>
+              <a:rPr lang="zh-CN" altLang="en-US" sz="1600" b="1" dirty="0" smtClean="0">
+                <a:solidFill>
+                  <a:srgbClr val="FF0000"/>
+                </a:solidFill>
+              </a:rPr>
+              <a:t>秒</a:t>
+            </a:r>
+            <a:endParaRPr lang="en-US" altLang="zh-CN" sz="1600" b="1" dirty="0" smtClean="0">
+              <a:solidFill>
+                <a:srgbClr val="FF0000"/>
+              </a:solidFill>
+            </a:endParaRPr>
+          </a:p>
+          <a:p>
+            <a:pPr lvl="1"/>
+            <a:r>
+              <a:rPr lang="zh-CN" altLang="en-US" sz="1600" dirty="0" smtClean="0"/>
               <a:t>配置本地缓存访问</a:t>
             </a:r>
             <a:r>
-              <a:rPr lang="en-US" altLang="zh-CN" b="1" dirty="0" smtClean="0">
+              <a:rPr lang="en-US" altLang="zh-CN" sz="1600" b="1" dirty="0" smtClean="0">
                 <a:solidFill>
                   <a:srgbClr val="FF0000"/>
                 </a:solidFill>
@@ -5253,7 +5363,7 @@
               <a:t>15</a:t>
             </a:r>
             <a:r>
-              <a:rPr lang="zh-CN" altLang="en-US" b="1" dirty="0" smtClean="0">
+              <a:rPr lang="zh-CN" altLang="en-US" sz="1600" b="1" dirty="0" smtClean="0">
                 <a:solidFill>
                   <a:srgbClr val="FF0000"/>
                 </a:solidFill>
@@ -5261,14 +5371,14 @@
               <a:t>分钟</a:t>
             </a:r>
             <a:r>
-              <a:rPr lang="zh-CN" altLang="en-US" dirty="0" smtClean="0"/>
+              <a:rPr lang="zh-CN" altLang="en-US" sz="1600" dirty="0" smtClean="0"/>
               <a:t>失效</a:t>
             </a:r>
-            <a:endParaRPr lang="en-US" altLang="zh-CN" dirty="0" smtClean="0"/>
+            <a:endParaRPr lang="en-US" altLang="zh-CN" sz="1600" dirty="0" smtClean="0"/>
           </a:p>
           <a:p>
             <a:pPr lvl="1"/>
-            <a:endParaRPr lang="zh-CN" altLang="en-US" dirty="0"/>
+            <a:endParaRPr lang="zh-CN" altLang="en-US" sz="1600" dirty="0"/>
           </a:p>
         </p:txBody>
       </p:sp>
@@ -5285,7 +5395,7 @@
   <p:timing>
     <p:tnLst>
       <p:par>
-        <p:cTn xmlns:p14="http://schemas.microsoft.com/office/powerpoint/2010/main" id="1" dur="indefinite" restart="never" nodeType="tmRoot"/>
+        <p:cTn id="1" dur="indefinite" restart="never" nodeType="tmRoot"/>
       </p:par>
     </p:tnLst>
   </p:timing>
@@ -5342,7 +5452,12 @@
             <p:ph idx="1"/>
           </p:nvPr>
         </p:nvSpPr>
-        <p:spPr/>
+        <p:spPr>
+          <a:xfrm>
+            <a:off x="628650" y="1825625"/>
+            <a:ext cx="8413750" cy="4351338"/>
+          </a:xfrm>
+        </p:spPr>
         <p:txBody>
           <a:bodyPr/>
           <a:lstStyle/>
@@ -5461,10 +5576,14 @@
             <a:endParaRPr lang="en-US" altLang="zh-CN" dirty="0" smtClean="0"/>
           </a:p>
           <a:p>
+            <a:endParaRPr lang="en-US" altLang="zh-CN" dirty="0" smtClean="0"/>
+          </a:p>
+          <a:p>
             <a:r>
               <a:rPr lang="en-US" altLang="zh-CN" dirty="0" smtClean="0"/>
               <a:t>diamond-server</a:t>
             </a:r>
+            <a:endParaRPr lang="en-US" altLang="zh-CN" dirty="0" smtClean="0"/>
           </a:p>
           <a:p>
             <a:pPr lvl="1"/>
@@ -5521,7 +5640,7 @@
   <p:timing>
     <p:tnLst>
       <p:par>
-        <p:cTn xmlns:p14="http://schemas.microsoft.com/office/powerpoint/2010/main" id="1" dur="indefinite" restart="never" nodeType="tmRoot"/>
+        <p:cTn id="1" dur="indefinite" restart="never" nodeType="tmRoot"/>
       </p:par>
     </p:tnLst>
   </p:timing>
@@ -5740,8 +5859,8 @@
         </p:blipFill>
         <p:spPr>
           <a:xfrm>
-            <a:off x="4040224" y="3074989"/>
-            <a:ext cx="4165600" cy="2019300"/>
+            <a:off x="3969968" y="3163492"/>
+            <a:ext cx="3124200" cy="1514475"/>
           </a:xfrm>
           <a:prstGeom prst="rect">
             <a:avLst/>
@@ -5764,8 +5883,8 @@
         </p:blipFill>
         <p:spPr>
           <a:xfrm>
-            <a:off x="1397171" y="5656235"/>
-            <a:ext cx="2197100" cy="774700"/>
+            <a:off x="1391387" y="4096942"/>
+            <a:ext cx="1647825" cy="581025"/>
           </a:xfrm>
           <a:prstGeom prst="rect">
             <a:avLst/>
@@ -5785,7 +5904,7 @@
   <p:timing>
     <p:tnLst>
       <p:par>
-        <p:cTn xmlns:p14="http://schemas.microsoft.com/office/powerpoint/2010/main" id="1" dur="indefinite" restart="never" nodeType="tmRoot"/>
+        <p:cTn id="1" dur="indefinite" restart="never" nodeType="tmRoot"/>
       </p:par>
     </p:tnLst>
   </p:timing>
@@ -5865,11 +5984,7 @@
             </a:r>
             <a:r>
               <a:rPr kumimoji="1" lang="zh-CN" altLang="en-US" dirty="0" smtClean="0"/>
-              <a:t> </a:t>
-            </a:r>
-            <a:r>
-              <a:rPr kumimoji="1" lang="zh-CN" altLang="en-US" dirty="0" smtClean="0"/>
-              <a:t>有一个</a:t>
+              <a:t> 有一个</a:t>
             </a:r>
             <a:r>
               <a:rPr kumimoji="1" lang="zh-CN" altLang="en-US" dirty="0"/>
@@ -5892,11 +6007,7 @@
             </a:r>
             <a:r>
               <a:rPr kumimoji="1" lang="zh-CN" altLang="en-US" dirty="0" smtClean="0"/>
-              <a:t>手动</a:t>
-            </a:r>
-            <a:r>
-              <a:rPr kumimoji="1" lang="zh-CN" altLang="en-US" dirty="0" smtClean="0"/>
-              <a:t>刷新配置很</a:t>
+              <a:t>手动刷新配置很</a:t>
             </a:r>
             <a:r>
               <a:rPr kumimoji="1" lang="zh-CN" altLang="en-US" dirty="0"/>
@@ -5915,11 +6026,7 @@
             </a:r>
             <a:r>
               <a:rPr kumimoji="1" lang="zh-CN" altLang="en-US" dirty="0" smtClean="0"/>
-              <a:t> 最大亮点：</a:t>
-            </a:r>
-            <a:r>
-              <a:rPr kumimoji="1" lang="zh-CN" altLang="en-US" dirty="0" smtClean="0"/>
-              <a:t>有本地</a:t>
+              <a:t> 最大亮点：有本地</a:t>
             </a:r>
             <a:r>
               <a:rPr kumimoji="1" lang="en-US" altLang="zh-CN" dirty="0" smtClean="0"/>
@@ -5933,9 +6040,16 @@
               <a:rPr kumimoji="1" lang="zh-CN" altLang="en-US" dirty="0" smtClean="0"/>
               <a:t>使用</a:t>
             </a:r>
+            <a:endParaRPr kumimoji="1" lang="en-US" altLang="zh-CN" dirty="0" smtClean="0"/>
+          </a:p>
+          <a:p>
+            <a:r>
+              <a:rPr kumimoji="1" lang="en-US" altLang="zh-CN" dirty="0" smtClean="0"/>
+              <a:t>4) </a:t>
+            </a:r>
             <a:r>
               <a:rPr kumimoji="1" lang="zh-CN" altLang="en-US" dirty="0" smtClean="0"/>
-              <a:t>。</a:t>
+              <a:t>开源，什么小毛小病，自己很容易修复</a:t>
             </a:r>
             <a:endParaRPr kumimoji="1" lang="zh-CN" altLang="en-US" dirty="0"/>
           </a:p>
@@ -5979,8 +6093,8 @@
         </p:nvSpPr>
         <p:spPr>
           <a:xfrm>
-            <a:off x="3444658" y="1853852"/>
-            <a:ext cx="6275116" cy="2646878"/>
+            <a:off x="2583494" y="2247639"/>
+            <a:ext cx="4752904" cy="2008242"/>
           </a:xfrm>
           <a:prstGeom prst="rect">
             <a:avLst/>
@@ -5994,10 +6108,10 @@
           <a:lstStyle/>
           <a:p>
             <a:r>
-              <a:rPr lang="en-US" altLang="zh-CN" sz="16600" dirty="0" smtClean="0"/>
+              <a:rPr lang="en-US" altLang="zh-CN" sz="12450" dirty="0"/>
               <a:t>TODO?</a:t>
             </a:r>
-            <a:endParaRPr lang="zh-CN" altLang="en-US" sz="16600" dirty="0"/>
+            <a:endParaRPr lang="zh-CN" altLang="en-US" sz="12450" dirty="0"/>
           </a:p>
         </p:txBody>
       </p:sp>
@@ -6014,7 +6128,7 @@
   <p:timing>
     <p:tnLst>
       <p:par>
-        <p:cTn xmlns:p14="http://schemas.microsoft.com/office/powerpoint/2010/main" id="1" dur="indefinite" restart="never" nodeType="tmRoot"/>
+        <p:cTn id="1" dur="indefinite" restart="never" nodeType="tmRoot"/>
       </p:par>
     </p:tnLst>
   </p:timing>
@@ -6046,8 +6160,8 @@
         </p:nvSpPr>
         <p:spPr>
           <a:xfrm>
-            <a:off x="727881" y="466109"/>
-            <a:ext cx="10840775" cy="6001644"/>
+            <a:off x="545912" y="762332"/>
+            <a:ext cx="8445688" cy="5509200"/>
           </a:xfrm>
           <a:prstGeom prst="rect">
             <a:avLst/>
@@ -6060,42 +6174,42 @@
           <a:lstStyle/>
           <a:p>
             <a:r>
-              <a:rPr lang="en-US" altLang="zh-TW" dirty="0"/>
+              <a:rPr lang="en-US" altLang="zh-TW" sz="1600" dirty="0"/>
               <a:t>diamond</a:t>
             </a:r>
             <a:r>
-              <a:rPr lang="zh-TW" altLang="en-US" dirty="0"/>
+              <a:rPr lang="zh-TW" altLang="en-US" sz="1600" dirty="0"/>
               <a:t>的特点是简单、可靠、易用。</a:t>
             </a:r>
           </a:p>
           <a:p>
             <a:r>
-              <a:rPr lang="en-US" altLang="zh-TW" dirty="0"/>
+              <a:rPr lang="en-US" altLang="zh-TW" sz="1600" dirty="0"/>
               <a:t>diamond-miner</a:t>
             </a:r>
             <a:r>
-              <a:rPr lang="zh-TW" altLang="en-US" dirty="0"/>
+              <a:rPr lang="zh-TW" altLang="en-US" sz="1600" dirty="0"/>
               <a:t>在</a:t>
             </a:r>
             <a:r>
-              <a:rPr lang="en-US" altLang="zh-TW" dirty="0"/>
+              <a:rPr lang="en-US" altLang="zh-TW" sz="1600" dirty="0"/>
               <a:t>diamond</a:t>
             </a:r>
             <a:r>
-              <a:rPr lang="zh-TW" altLang="en-US" dirty="0"/>
+              <a:rPr lang="zh-TW" altLang="en-US" sz="1600" dirty="0"/>
               <a:t>源代码基础上取其精华去其糟粕，并添加基于</a:t>
             </a:r>
             <a:r>
-              <a:rPr lang="en-US" altLang="zh-TW" dirty="0"/>
+              <a:rPr lang="en-US" altLang="zh-TW" sz="1600" dirty="0"/>
               <a:t>diamond</a:t>
             </a:r>
             <a:r>
-              <a:rPr lang="zh-TW" altLang="en-US" dirty="0"/>
+              <a:rPr lang="zh-TW" altLang="en-US" sz="1600" dirty="0"/>
               <a:t>的缓存。</a:t>
             </a:r>
           </a:p>
           <a:p>
-            <a:endParaRPr lang="zh-TW" altLang="en-US" dirty="0"/>
+            <a:endParaRPr lang="zh-TW" altLang="en-US" sz="1600" dirty="0"/>
           </a:p>
           <a:p>
             <a:r>
@@ -6138,251 +6252,251 @@
             </a:r>
           </a:p>
           <a:p>
-            <a:endParaRPr lang="zh-TW" altLang="en-US" dirty="0"/>
-          </a:p>
-          <a:p>
-            <a:r>
-              <a:rPr lang="zh-TW" altLang="en-US" dirty="0"/>
+            <a:endParaRPr lang="zh-TW" altLang="en-US" sz="1600" dirty="0"/>
+          </a:p>
+          <a:p>
+            <a:r>
+              <a:rPr lang="zh-TW" altLang="en-US" sz="1600" dirty="0"/>
               <a:t>欢迎大家吐槽。</a:t>
             </a:r>
           </a:p>
           <a:p>
-            <a:endParaRPr lang="zh-TW" altLang="en-US" dirty="0"/>
-          </a:p>
-          <a:p>
-            <a:r>
-              <a:rPr lang="zh-TW" altLang="en-US" dirty="0"/>
+            <a:endParaRPr lang="zh-TW" altLang="en-US" sz="1600" dirty="0"/>
+          </a:p>
+          <a:p>
+            <a:r>
+              <a:rPr lang="zh-TW" altLang="en-US" sz="1600" dirty="0"/>
               <a:t>备注：淘宝原始</a:t>
             </a:r>
             <a:r>
-              <a:rPr lang="en-US" altLang="zh-TW" dirty="0"/>
+              <a:rPr lang="en-US" altLang="zh-TW" sz="1600" dirty="0"/>
               <a:t>diamond-client</a:t>
             </a:r>
             <a:r>
-              <a:rPr lang="zh-TW" altLang="en-US" dirty="0"/>
+              <a:rPr lang="zh-TW" altLang="en-US" sz="1600" dirty="0"/>
               <a:t>源码实在很烂：逻辑不清晰、结构不明确、</a:t>
             </a:r>
             <a:r>
-              <a:rPr lang="en-US" altLang="zh-TW" dirty="0"/>
+              <a:rPr lang="en-US" altLang="zh-TW" sz="1600" dirty="0"/>
               <a:t>API</a:t>
             </a:r>
             <a:r>
-              <a:rPr lang="zh-TW" altLang="en-US" dirty="0"/>
+              <a:rPr lang="zh-TW" altLang="en-US" sz="1600" dirty="0"/>
               <a:t>很不友好</a:t>
             </a:r>
             <a:r>
-              <a:rPr lang="zh-TW" altLang="en-US" dirty="0" smtClean="0"/>
+              <a:rPr lang="zh-TW" altLang="en-US" sz="1600" dirty="0"/>
               <a:t>。</a:t>
             </a:r>
-            <a:endParaRPr lang="zh-TW" altLang="en-US" dirty="0"/>
-          </a:p>
-          <a:p>
-            <a:endParaRPr lang="zh-TW" altLang="en-US" dirty="0"/>
-          </a:p>
-          <a:p>
-            <a:r>
-              <a:rPr lang="zh-TW" altLang="en-US" dirty="0"/>
+            <a:endParaRPr lang="zh-TW" altLang="en-US" sz="1600" dirty="0"/>
+          </a:p>
+          <a:p>
+            <a:endParaRPr lang="zh-TW" altLang="en-US" sz="1600" dirty="0"/>
+          </a:p>
+          <a:p>
+            <a:r>
+              <a:rPr lang="zh-TW" altLang="en-US" sz="1600" dirty="0"/>
               <a:t>火箭队改造的钻石矿工</a:t>
             </a:r>
             <a:r>
-              <a:rPr lang="en-US" altLang="zh-TW" dirty="0"/>
+              <a:rPr lang="en-US" altLang="zh-TW" sz="1600" dirty="0"/>
               <a:t>PPT:  </a:t>
             </a:r>
             <a:r>
-              <a:rPr lang="en-US" altLang="zh-TW" dirty="0">
+              <a:rPr lang="en-US" altLang="zh-TW" sz="1600" dirty="0">
                 <a:hlinkClick r:id="rId2"/>
               </a:rPr>
               <a:t>https://github.com/bingoohuang/diamond-miner/blob/master/Diamond%20Miner%</a:t>
             </a:r>
             <a:r>
-              <a:rPr lang="en-US" altLang="zh-TW" dirty="0" smtClean="0">
+              <a:rPr lang="en-US" altLang="zh-TW" sz="1600" dirty="0">
                 <a:hlinkClick r:id="rId2"/>
               </a:rPr>
               <a:t>20Intro.pptx</a:t>
             </a:r>
             <a:r>
-              <a:rPr lang="en-US" altLang="zh-TW" dirty="0" smtClean="0"/>
+              <a:rPr lang="en-US" altLang="zh-TW" sz="1600" dirty="0"/>
               <a:t> </a:t>
             </a:r>
-            <a:endParaRPr lang="en-US" altLang="zh-TW" dirty="0"/>
-          </a:p>
-          <a:p>
-            <a:endParaRPr lang="en-US" altLang="zh-TW" dirty="0"/>
-          </a:p>
-          <a:p>
-            <a:r>
-              <a:rPr lang="en-US" altLang="zh-TW" dirty="0"/>
+            <a:endParaRPr lang="en-US" altLang="zh-TW" sz="1600" dirty="0"/>
+          </a:p>
+          <a:p>
+            <a:endParaRPr lang="en-US" altLang="zh-TW" sz="1600" dirty="0"/>
+          </a:p>
+          <a:p>
+            <a:r>
+              <a:rPr lang="en-US" altLang="zh-TW" sz="1600" dirty="0"/>
               <a:t>diamond</a:t>
             </a:r>
             <a:r>
-              <a:rPr lang="zh-TW" altLang="en-US" dirty="0"/>
+              <a:rPr lang="zh-TW" altLang="en-US" sz="1600" dirty="0"/>
               <a:t>专题（一）</a:t>
             </a:r>
             <a:r>
-              <a:rPr lang="en-US" altLang="zh-TW" dirty="0"/>
+              <a:rPr lang="en-US" altLang="zh-TW" sz="1600" dirty="0"/>
               <a:t>- </a:t>
             </a:r>
             <a:r>
-              <a:rPr lang="zh-TW" altLang="en-US" dirty="0"/>
+              <a:rPr lang="zh-TW" altLang="en-US" sz="1600" dirty="0"/>
               <a:t>简介和快速使用 </a:t>
             </a:r>
             <a:r>
-              <a:rPr lang="en-US" altLang="zh-TW" dirty="0">
+              <a:rPr lang="en-US" altLang="zh-TW" sz="1600" dirty="0">
                 <a:hlinkClick r:id="rId3"/>
               </a:rPr>
               <a:t>http://rdc.taobao.com/team/jm/archives/</a:t>
             </a:r>
             <a:r>
-              <a:rPr lang="en-US" altLang="zh-TW" dirty="0" smtClean="0">
+              <a:rPr lang="en-US" altLang="zh-TW" sz="1600" dirty="0">
                 <a:hlinkClick r:id="rId3"/>
               </a:rPr>
               <a:t>1588</a:t>
             </a:r>
             <a:r>
-              <a:rPr lang="en-US" altLang="zh-TW" dirty="0" smtClean="0"/>
+              <a:rPr lang="en-US" altLang="zh-TW" sz="1600" dirty="0"/>
               <a:t> </a:t>
             </a:r>
-            <a:endParaRPr lang="en-US" altLang="zh-TW" dirty="0"/>
-          </a:p>
-          <a:p>
-            <a:r>
-              <a:rPr lang="en-US" altLang="zh-TW" dirty="0"/>
+            <a:endParaRPr lang="en-US" altLang="zh-TW" sz="1600" dirty="0"/>
+          </a:p>
+          <a:p>
+            <a:r>
+              <a:rPr lang="en-US" altLang="zh-TW" sz="1600" dirty="0"/>
               <a:t>diamond</a:t>
             </a:r>
             <a:r>
-              <a:rPr lang="zh-TW" altLang="en-US" dirty="0"/>
+              <a:rPr lang="zh-TW" altLang="en-US" sz="1600" dirty="0"/>
               <a:t>专题（二）</a:t>
             </a:r>
             <a:r>
-              <a:rPr lang="en-US" altLang="zh-TW" dirty="0"/>
+              <a:rPr lang="en-US" altLang="zh-TW" sz="1600" dirty="0"/>
               <a:t>- </a:t>
             </a:r>
             <a:r>
-              <a:rPr lang="zh-TW" altLang="en-US" dirty="0"/>
+              <a:rPr lang="zh-TW" altLang="en-US" sz="1600" dirty="0"/>
               <a:t>核心原理介绍 </a:t>
             </a:r>
             <a:r>
-              <a:rPr lang="en-US" altLang="zh-TW" dirty="0">
+              <a:rPr lang="en-US" altLang="zh-TW" sz="1600" dirty="0">
                 <a:hlinkClick r:id="rId4"/>
               </a:rPr>
               <a:t>http://rdc.taobao.com/team/jm/archives/</a:t>
             </a:r>
             <a:r>
-              <a:rPr lang="en-US" altLang="zh-TW" dirty="0" smtClean="0">
+              <a:rPr lang="en-US" altLang="zh-TW" sz="1600" dirty="0">
                 <a:hlinkClick r:id="rId4"/>
               </a:rPr>
               <a:t>1592</a:t>
             </a:r>
             <a:r>
-              <a:rPr lang="en-US" altLang="zh-TW" dirty="0" smtClean="0"/>
+              <a:rPr lang="en-US" altLang="zh-TW" sz="1600" dirty="0"/>
               <a:t> </a:t>
             </a:r>
-            <a:endParaRPr lang="en-US" altLang="zh-TW" dirty="0"/>
-          </a:p>
-          <a:p>
-            <a:r>
-              <a:rPr lang="en-US" altLang="zh-TW" dirty="0"/>
+            <a:endParaRPr lang="en-US" altLang="zh-TW" sz="1600" dirty="0"/>
+          </a:p>
+          <a:p>
+            <a:r>
+              <a:rPr lang="en-US" altLang="zh-TW" sz="1600" dirty="0"/>
               <a:t>diamond</a:t>
             </a:r>
             <a:r>
-              <a:rPr lang="zh-TW" altLang="en-US" dirty="0"/>
+              <a:rPr lang="zh-TW" altLang="en-US" sz="1600" dirty="0"/>
               <a:t>专题（三）</a:t>
             </a:r>
             <a:r>
-              <a:rPr lang="en-US" altLang="zh-TW" dirty="0"/>
+              <a:rPr lang="en-US" altLang="zh-TW" sz="1600" dirty="0"/>
               <a:t>- diamond</a:t>
             </a:r>
             <a:r>
-              <a:rPr lang="zh-TW" altLang="en-US" dirty="0"/>
+              <a:rPr lang="zh-TW" altLang="en-US" sz="1600" dirty="0"/>
               <a:t>架构 </a:t>
             </a:r>
             <a:r>
-              <a:rPr lang="en-US" altLang="zh-TW" dirty="0">
+              <a:rPr lang="en-US" altLang="zh-TW" sz="1600" dirty="0">
                 <a:hlinkClick r:id="rId5"/>
               </a:rPr>
               <a:t>http://rdc.taobao.com/team/jm/archives/</a:t>
             </a:r>
             <a:r>
-              <a:rPr lang="en-US" altLang="zh-TW" dirty="0" smtClean="0">
+              <a:rPr lang="en-US" altLang="zh-TW" sz="1600" dirty="0">
                 <a:hlinkClick r:id="rId5"/>
               </a:rPr>
               <a:t>1606</a:t>
             </a:r>
             <a:r>
-              <a:rPr lang="en-US" altLang="zh-TW" dirty="0" smtClean="0"/>
+              <a:rPr lang="en-US" altLang="zh-TW" sz="1600" dirty="0"/>
               <a:t>   </a:t>
             </a:r>
-            <a:endParaRPr lang="en-US" altLang="zh-TW" dirty="0"/>
-          </a:p>
-          <a:p>
-            <a:r>
-              <a:rPr lang="en-US" altLang="zh-TW" dirty="0"/>
+            <a:endParaRPr lang="en-US" altLang="zh-TW" sz="1600" dirty="0"/>
+          </a:p>
+          <a:p>
+            <a:r>
+              <a:rPr lang="en-US" altLang="zh-TW" sz="1600" dirty="0"/>
               <a:t>diamond</a:t>
             </a:r>
             <a:r>
-              <a:rPr lang="zh-TW" altLang="en-US" dirty="0"/>
+              <a:rPr lang="zh-TW" altLang="en-US" sz="1600" dirty="0"/>
               <a:t>专题（四）</a:t>
             </a:r>
             <a:r>
-              <a:rPr lang="en-US" altLang="zh-TW" dirty="0"/>
+              <a:rPr lang="en-US" altLang="zh-TW" sz="1600" dirty="0"/>
               <a:t>- </a:t>
             </a:r>
             <a:r>
-              <a:rPr lang="zh-TW" altLang="en-US" dirty="0"/>
+              <a:rPr lang="zh-TW" altLang="en-US" sz="1600" dirty="0"/>
               <a:t>容灾机制 </a:t>
             </a:r>
             <a:r>
-              <a:rPr lang="en-US" altLang="zh-TW" dirty="0">
+              <a:rPr lang="en-US" altLang="zh-TW" sz="1600" dirty="0">
                 <a:hlinkClick r:id="rId6"/>
               </a:rPr>
               <a:t>http://rdc.taobao.com/team/jm/archives/</a:t>
             </a:r>
             <a:r>
-              <a:rPr lang="en-US" altLang="zh-TW" dirty="0" smtClean="0">
+              <a:rPr lang="en-US" altLang="zh-TW" sz="1600" dirty="0">
                 <a:hlinkClick r:id="rId6"/>
               </a:rPr>
               <a:t>1617</a:t>
             </a:r>
             <a:r>
-              <a:rPr lang="en-US" altLang="zh-TW" dirty="0" smtClean="0"/>
+              <a:rPr lang="en-US" altLang="zh-TW" sz="1600" dirty="0"/>
               <a:t> </a:t>
             </a:r>
-            <a:endParaRPr lang="en-US" altLang="zh-TW" dirty="0"/>
-          </a:p>
-          <a:p>
-            <a:r>
-              <a:rPr lang="en-US" altLang="zh-TW" dirty="0" err="1"/>
+            <a:endParaRPr lang="en-US" altLang="zh-TW" sz="1600" dirty="0"/>
+          </a:p>
+          <a:p>
+            <a:r>
+              <a:rPr lang="en-US" altLang="zh-TW" sz="1600" dirty="0" err="1"/>
               <a:t>ZooKeeper</a:t>
             </a:r>
             <a:r>
-              <a:rPr lang="zh-TW" altLang="en-US" dirty="0"/>
+              <a:rPr lang="zh-TW" altLang="en-US" sz="1600" dirty="0"/>
               <a:t>和</a:t>
             </a:r>
             <a:r>
-              <a:rPr lang="en-US" altLang="zh-TW" dirty="0"/>
+              <a:rPr lang="en-US" altLang="zh-TW" sz="1600" dirty="0"/>
               <a:t>Diamond</a:t>
             </a:r>
             <a:r>
-              <a:rPr lang="zh-TW" altLang="en-US" dirty="0"/>
+              <a:rPr lang="zh-TW" altLang="en-US" sz="1600" dirty="0"/>
               <a:t>有什么不同  </a:t>
             </a:r>
             <a:r>
-              <a:rPr lang="en-US" altLang="zh-TW" dirty="0">
+              <a:rPr lang="en-US" altLang="zh-TW" sz="1600" dirty="0">
                 <a:hlinkClick r:id="rId7"/>
               </a:rPr>
               <a:t>http://rdc.taobao.com/team/jm</a:t>
             </a:r>
             <a:r>
-              <a:rPr lang="en-US" altLang="zh-TW" dirty="0" smtClean="0">
+              <a:rPr lang="en-US" altLang="zh-TW" sz="1600" dirty="0">
                 <a:hlinkClick r:id="rId7"/>
               </a:rPr>
               <a:t>/archives/2561</a:t>
             </a:r>
             <a:r>
-              <a:rPr lang="en-US" altLang="zh-TW" dirty="0" smtClean="0"/>
+              <a:rPr lang="en-US" altLang="zh-TW" sz="1600" dirty="0"/>
               <a:t> </a:t>
             </a:r>
-            <a:endParaRPr lang="zh-CN" altLang="en-US" dirty="0"/>
+            <a:endParaRPr lang="zh-CN" altLang="en-US" sz="1600" dirty="0"/>
           </a:p>
         </p:txBody>
       </p:sp>
@@ -6428,8 +6542,8 @@
         </p:nvSpPr>
         <p:spPr>
           <a:xfrm>
-            <a:off x="838200" y="365125"/>
-            <a:ext cx="10505303" cy="1325563"/>
+            <a:off x="514351" y="254039"/>
+            <a:ext cx="7878977" cy="994172"/>
           </a:xfrm>
         </p:spPr>
         <p:txBody>
@@ -6460,8 +6574,8 @@
         </p:blipFill>
         <p:spPr>
           <a:xfrm>
-            <a:off x="3171695" y="521278"/>
-            <a:ext cx="6343008" cy="5924919"/>
+            <a:off x="2378771" y="1248211"/>
+            <a:ext cx="4757256" cy="4443689"/>
           </a:xfrm>
           <a:prstGeom prst="rect">
             <a:avLst/>
@@ -6481,7 +6595,7 @@
   <p:timing>
     <p:tnLst>
       <p:par>
-        <p:cTn xmlns:p14="http://schemas.microsoft.com/office/powerpoint/2010/main" id="1" dur="indefinite" restart="never" nodeType="tmRoot"/>
+        <p:cTn id="1" dur="indefinite" restart="never" nodeType="tmRoot"/>
       </p:par>
     </p:tnLst>
   </p:timing>
@@ -6550,9 +6664,16 @@
             <p:ph idx="1"/>
           </p:nvPr>
         </p:nvSpPr>
-        <p:spPr/>
+        <p:spPr>
+          <a:xfrm>
+            <a:off x="628650" y="1482725"/>
+            <a:ext cx="7886700" cy="1260475"/>
+          </a:xfrm>
+        </p:spPr>
         <p:txBody>
-          <a:bodyPr/>
+          <a:bodyPr>
+            <a:normAutofit lnSpcReduction="10000"/>
+          </a:bodyPr>
           <a:lstStyle/>
           <a:p>
             <a:r>
@@ -6614,34 +6735,34 @@
           <p:nvPr>
             <p:extLst>
               <p:ext uri="{D42A27DB-BD31-4B8C-83A1-F6EECF244321}">
-                <p14:modId xmlns:p14="http://schemas.microsoft.com/office/powerpoint/2010/main" val="2029833825"/>
+                <p14:modId xmlns:p14="http://schemas.microsoft.com/office/powerpoint/2010/main" val="378642981"/>
               </p:ext>
             </p:extLst>
           </p:nvPr>
         </p:nvGraphicFramePr>
         <p:xfrm>
-          <a:off x="962025" y="2804202"/>
-          <a:ext cx="8545231" cy="3901440"/>
+          <a:off x="721519" y="2960402"/>
+          <a:ext cx="6408924" cy="2628900"/>
         </p:xfrm>
         <a:graphic>
           <a:graphicData uri="http://schemas.openxmlformats.org/drawingml/2006/table">
             <a:tbl>
               <a:tblPr/>
               <a:tblGrid>
-                <a:gridCol w="2357372"/>
-                <a:gridCol w="1866378"/>
-                <a:gridCol w="789140"/>
-                <a:gridCol w="2154477"/>
-                <a:gridCol w="1377864"/>
+                <a:gridCol w="1768029"/>
+                <a:gridCol w="1399784"/>
+                <a:gridCol w="591855"/>
+                <a:gridCol w="636913"/>
+                <a:gridCol w="2012343"/>
               </a:tblGrid>
-              <a:tr h="324750">
+              <a:tr h="251460">
                 <a:tc>
                   <a:txBody>
                     <a:bodyPr/>
                     <a:lstStyle/>
                     <a:p>
                       <a:r>
-                        <a:rPr lang="en-US" sz="1600" b="1" dirty="0">
+                        <a:rPr lang="en-US" sz="1200" b="1" dirty="0">
                           <a:solidFill>
                             <a:srgbClr val="000000"/>
                           </a:solidFill>
@@ -6651,7 +6772,7 @@
                       </a:r>
                     </a:p>
                   </a:txBody>
-                  <a:tcPr anchor="ctr">
+                  <a:tcPr marL="68580" marR="68580" marT="34290" marB="34290" anchor="ctr">
                     <a:lnL w="12700" cap="flat" cmpd="sng" algn="ctr">
                       <a:solidFill>
                         <a:srgbClr val="000000"/>
@@ -6699,7 +6820,7 @@
                     <a:lstStyle/>
                     <a:p>
                       <a:r>
-                        <a:rPr lang="en-US" sz="1600" b="1">
+                        <a:rPr lang="en-US" sz="1200" b="1">
                           <a:solidFill>
                             <a:srgbClr val="000000"/>
                           </a:solidFill>
@@ -6709,7 +6830,7 @@
                       </a:r>
                     </a:p>
                   </a:txBody>
-                  <a:tcPr anchor="ctr">
+                  <a:tcPr marL="68580" marR="68580" marT="34290" marB="34290" anchor="ctr">
                     <a:lnL w="12700" cap="flat" cmpd="sng" algn="ctr">
                       <a:solidFill>
                         <a:srgbClr val="000000"/>
@@ -6757,7 +6878,7 @@
                     <a:lstStyle/>
                     <a:p>
                       <a:r>
-                        <a:rPr lang="en-US" sz="1600" b="1">
+                        <a:rPr lang="en-US" sz="1200" b="1">
                           <a:solidFill>
                             <a:srgbClr val="000000"/>
                           </a:solidFill>
@@ -6767,7 +6888,7 @@
                       </a:r>
                     </a:p>
                   </a:txBody>
-                  <a:tcPr anchor="ctr">
+                  <a:tcPr marL="68580" marR="68580" marT="34290" marB="34290" anchor="ctr">
                     <a:lnL w="12700" cap="flat" cmpd="sng" algn="ctr">
                       <a:solidFill>
                         <a:srgbClr val="000000"/>
@@ -6815,7 +6936,7 @@
                     <a:lstStyle/>
                     <a:p>
                       <a:r>
-                        <a:rPr lang="en-US" sz="1600" b="1">
+                        <a:rPr lang="en-US" sz="1200" b="1">
                           <a:solidFill>
                             <a:srgbClr val="000000"/>
                           </a:solidFill>
@@ -6825,7 +6946,7 @@
                       </a:r>
                     </a:p>
                   </a:txBody>
-                  <a:tcPr anchor="ctr">
+                  <a:tcPr marL="68580" marR="68580" marT="34290" marB="34290" anchor="ctr">
                     <a:lnL w="12700" cap="flat" cmpd="sng" algn="ctr">
                       <a:solidFill>
                         <a:srgbClr val="000000"/>
@@ -6873,7 +6994,7 @@
                     <a:lstStyle/>
                     <a:p>
                       <a:r>
-                        <a:rPr lang="en-US" sz="1600" b="1">
+                        <a:rPr lang="en-US" sz="1200" b="1">
                           <a:solidFill>
                             <a:srgbClr val="000000"/>
                           </a:solidFill>
@@ -6883,7 +7004,7 @@
                       </a:r>
                     </a:p>
                   </a:txBody>
-                  <a:tcPr anchor="ctr">
+                  <a:tcPr marL="68580" marR="68580" marT="34290" marB="34290" anchor="ctr">
                     <a:lnL w="12700" cap="flat" cmpd="sng" algn="ctr">
                       <a:solidFill>
                         <a:srgbClr val="000000"/>
@@ -6926,14 +7047,14 @@
                   </a:tcPr>
                 </a:tc>
               </a:tr>
-              <a:tr h="324750">
+              <a:tr h="297180">
                 <a:tc>
                   <a:txBody>
                     <a:bodyPr/>
                     <a:lstStyle/>
                     <a:p>
                       <a:r>
-                        <a:rPr lang="en-US" sz="2000" dirty="0">
+                        <a:rPr lang="en-US" sz="1500" dirty="0">
                           <a:solidFill>
                             <a:srgbClr val="0000FF"/>
                           </a:solidFill>
@@ -6943,7 +7064,7 @@
                       </a:r>
                     </a:p>
                   </a:txBody>
-                  <a:tcPr anchor="ctr">
+                  <a:tcPr marL="68580" marR="68580" marT="34290" marB="34290" anchor="ctr">
                     <a:lnL w="12700" cap="flat" cmpd="sng" algn="ctr">
                       <a:solidFill>
                         <a:srgbClr val="000000"/>
@@ -6991,17 +7112,32 @@
                     <a:lstStyle/>
                     <a:p>
                       <a:r>
-                        <a:rPr lang="en-US" sz="2000">
+                        <a:rPr lang="en-US" sz="1500" dirty="0" err="1" smtClean="0">
                           <a:solidFill>
                             <a:srgbClr val="000000"/>
                           </a:solidFill>
                           <a:effectLst/>
                         </a:rPr>
-                        <a:t>bigint(64)</a:t>
+                        <a:t>varchar</a:t>
                       </a:r>
+                      <a:r>
+                        <a:rPr lang="en-US" sz="1500" dirty="0" smtClean="0">
+                          <a:solidFill>
+                            <a:srgbClr val="000000"/>
+                          </a:solidFill>
+                          <a:effectLst/>
+                        </a:rPr>
+                        <a:t>(255)</a:t>
+                      </a:r>
+                      <a:endParaRPr lang="en-US" sz="1500" dirty="0">
+                        <a:solidFill>
+                          <a:srgbClr val="000000"/>
+                        </a:solidFill>
+                        <a:effectLst/>
+                      </a:endParaRPr>
                     </a:p>
                   </a:txBody>
-                  <a:tcPr anchor="ctr">
+                  <a:tcPr marL="68580" marR="68580" marT="34290" marB="34290" anchor="ctr">
                     <a:lnL w="12700" cap="flat" cmpd="sng" algn="ctr">
                       <a:solidFill>
                         <a:srgbClr val="000000"/>
@@ -7049,7 +7185,7 @@
                     <a:lstStyle/>
                     <a:p>
                       <a:r>
-                        <a:rPr lang="en-US" sz="1600" dirty="0">
+                        <a:rPr lang="en-US" sz="1200" dirty="0">
                           <a:solidFill>
                             <a:srgbClr val="000000"/>
                           </a:solidFill>
@@ -7059,7 +7195,7 @@
                       </a:r>
                     </a:p>
                   </a:txBody>
-                  <a:tcPr anchor="ctr">
+                  <a:tcPr marL="68580" marR="68580" marT="34290" marB="34290" anchor="ctr">
                     <a:lnL w="12700" cap="flat" cmpd="sng" algn="ctr">
                       <a:solidFill>
                         <a:srgbClr val="000000"/>
@@ -7107,7 +7243,7 @@
                     <a:lstStyle/>
                     <a:p>
                       <a:r>
-                        <a:rPr lang="zh-CN" altLang="en-US" sz="1600">
+                        <a:rPr lang="zh-CN" altLang="en-US" sz="1200">
                           <a:solidFill>
                             <a:srgbClr val="000000"/>
                           </a:solidFill>
@@ -7117,7 +7253,7 @@
                       </a:r>
                     </a:p>
                   </a:txBody>
-                  <a:tcPr anchor="ctr">
+                  <a:tcPr marL="68580" marR="68580" marT="34290" marB="34290" anchor="ctr">
                     <a:lnL w="12700" cap="flat" cmpd="sng" algn="ctr">
                       <a:solidFill>
                         <a:srgbClr val="000000"/>
@@ -7165,17 +7301,23 @@
                     <a:lstStyle/>
                     <a:p>
                       <a:r>
-                        <a:rPr lang="zh-CN" altLang="en-US" sz="1600">
+                        <a:rPr lang="en-US" altLang="zh-CN" sz="1200" dirty="0" err="1" smtClean="0">
                           <a:solidFill>
                             <a:srgbClr val="000000"/>
                           </a:solidFill>
                           <a:effectLst/>
                         </a:rPr>
-                        <a:t>递增序号 </a:t>
+                        <a:t>group_id^data_id</a:t>
                       </a:r>
+                      <a:endParaRPr lang="zh-CN" altLang="en-US" sz="1200" dirty="0">
+                        <a:solidFill>
+                          <a:srgbClr val="000000"/>
+                        </a:solidFill>
+                        <a:effectLst/>
+                      </a:endParaRPr>
                     </a:p>
                   </a:txBody>
-                  <a:tcPr anchor="ctr">
+                  <a:tcPr marL="68580" marR="68580" marT="34290" marB="34290" anchor="ctr">
                     <a:lnL w="12700" cap="flat" cmpd="sng" algn="ctr">
                       <a:solidFill>
                         <a:srgbClr val="000000"/>
@@ -7218,14 +7360,14 @@
                   </a:tcPr>
                 </a:tc>
               </a:tr>
-              <a:tr h="324750">
+              <a:tr h="297180">
                 <a:tc>
                   <a:txBody>
                     <a:bodyPr/>
                     <a:lstStyle/>
                     <a:p>
                       <a:r>
-                        <a:rPr lang="en-US" sz="2000" dirty="0" err="1">
+                        <a:rPr lang="en-US" sz="1500" dirty="0" err="1">
                           <a:solidFill>
                             <a:srgbClr val="0000FF"/>
                           </a:solidFill>
@@ -7233,7 +7375,7 @@
                         </a:rPr>
                         <a:t>data_id</a:t>
                       </a:r>
-                      <a:endParaRPr lang="en-US" sz="2000" dirty="0">
+                      <a:endParaRPr lang="en-US" sz="1500" dirty="0">
                         <a:solidFill>
                           <a:srgbClr val="0000FF"/>
                         </a:solidFill>
@@ -7241,7 +7383,7 @@
                       </a:endParaRPr>
                     </a:p>
                   </a:txBody>
-                  <a:tcPr anchor="ctr">
+                  <a:tcPr marL="68580" marR="68580" marT="34290" marB="34290" anchor="ctr">
                     <a:lnL w="12700" cap="flat" cmpd="sng" algn="ctr">
                       <a:solidFill>
                         <a:srgbClr val="000000"/>
@@ -7289,7 +7431,7 @@
                     <a:lstStyle/>
                     <a:p>
                       <a:r>
-                        <a:rPr lang="en-US" sz="2000" dirty="0" err="1">
+                        <a:rPr lang="en-US" sz="1500" dirty="0" err="1">
                           <a:solidFill>
                             <a:srgbClr val="000000"/>
                           </a:solidFill>
@@ -7298,7 +7440,7 @@
                         <a:t>varchar</a:t>
                       </a:r>
                       <a:r>
-                        <a:rPr lang="en-US" sz="2000" dirty="0">
+                        <a:rPr lang="en-US" sz="1500" dirty="0">
                           <a:solidFill>
                             <a:srgbClr val="000000"/>
                           </a:solidFill>
@@ -7308,7 +7450,7 @@
                       </a:r>
                     </a:p>
                   </a:txBody>
-                  <a:tcPr anchor="ctr">
+                  <a:tcPr marL="68580" marR="68580" marT="34290" marB="34290" anchor="ctr">
                     <a:lnL w="12700" cap="flat" cmpd="sng" algn="ctr">
                       <a:solidFill>
                         <a:srgbClr val="000000"/>
@@ -7356,7 +7498,7 @@
                     <a:lstStyle/>
                     <a:p>
                       <a:r>
-                        <a:rPr lang="en-US" sz="1600">
+                        <a:rPr lang="en-US" sz="1200">
                           <a:solidFill>
                             <a:srgbClr val="000000"/>
                           </a:solidFill>
@@ -7366,7 +7508,7 @@
                       </a:r>
                     </a:p>
                   </a:txBody>
-                  <a:tcPr anchor="ctr">
+                  <a:tcPr marL="68580" marR="68580" marT="34290" marB="34290" anchor="ctr">
                     <a:lnL w="12700" cap="flat" cmpd="sng" algn="ctr">
                       <a:solidFill>
                         <a:srgbClr val="000000"/>
@@ -7414,7 +7556,7 @@
                     <a:lstStyle/>
                     <a:p>
                       <a:r>
-                        <a:rPr lang="zh-CN" altLang="en-US" sz="1600">
+                        <a:rPr lang="zh-CN" altLang="en-US" sz="1200">
                           <a:solidFill>
                             <a:srgbClr val="000000"/>
                           </a:solidFill>
@@ -7424,7 +7566,7 @@
                       </a:r>
                     </a:p>
                   </a:txBody>
-                  <a:tcPr anchor="ctr">
+                  <a:tcPr marL="68580" marR="68580" marT="34290" marB="34290" anchor="ctr">
                     <a:lnL w="12700" cap="flat" cmpd="sng" algn="ctr">
                       <a:solidFill>
                         <a:srgbClr val="000000"/>
@@ -7472,7 +7614,7 @@
                     <a:lstStyle/>
                     <a:p>
                       <a:r>
-                        <a:rPr lang="en-US" sz="1600">
+                        <a:rPr lang="en-US" sz="1200">
                           <a:solidFill>
                             <a:srgbClr val="000000"/>
                           </a:solidFill>
@@ -7482,7 +7624,7 @@
                       </a:r>
                     </a:p>
                   </a:txBody>
-                  <a:tcPr anchor="ctr">
+                  <a:tcPr marL="68580" marR="68580" marT="34290" marB="34290" anchor="ctr">
                     <a:lnL w="12700" cap="flat" cmpd="sng" algn="ctr">
                       <a:solidFill>
                         <a:srgbClr val="000000"/>
@@ -7525,14 +7667,14 @@
                   </a:tcPr>
                 </a:tc>
               </a:tr>
-              <a:tr h="324750">
+              <a:tr h="297180">
                 <a:tc>
                   <a:txBody>
                     <a:bodyPr/>
                     <a:lstStyle/>
                     <a:p>
                       <a:r>
-                        <a:rPr lang="en-US" sz="2000" dirty="0" err="1">
+                        <a:rPr lang="en-US" sz="1500" dirty="0" err="1">
                           <a:solidFill>
                             <a:srgbClr val="0000FF"/>
                           </a:solidFill>
@@ -7540,7 +7682,7 @@
                         </a:rPr>
                         <a:t>group_id</a:t>
                       </a:r>
-                      <a:endParaRPr lang="en-US" sz="2000" dirty="0">
+                      <a:endParaRPr lang="en-US" sz="1500" dirty="0">
                         <a:solidFill>
                           <a:srgbClr val="0000FF"/>
                         </a:solidFill>
@@ -7548,7 +7690,7 @@
                       </a:endParaRPr>
                     </a:p>
                   </a:txBody>
-                  <a:tcPr anchor="ctr">
+                  <a:tcPr marL="68580" marR="68580" marT="34290" marB="34290" anchor="ctr">
                     <a:lnL w="12700" cap="flat" cmpd="sng" algn="ctr">
                       <a:solidFill>
                         <a:srgbClr val="000000"/>
@@ -7596,7 +7738,7 @@
                     <a:lstStyle/>
                     <a:p>
                       <a:r>
-                        <a:rPr lang="en-US" sz="2000">
+                        <a:rPr lang="en-US" sz="1500">
                           <a:solidFill>
                             <a:srgbClr val="000000"/>
                           </a:solidFill>
@@ -7606,7 +7748,7 @@
                       </a:r>
                     </a:p>
                   </a:txBody>
-                  <a:tcPr anchor="ctr">
+                  <a:tcPr marL="68580" marR="68580" marT="34290" marB="34290" anchor="ctr">
                     <a:lnL w="12700" cap="flat" cmpd="sng" algn="ctr">
                       <a:solidFill>
                         <a:srgbClr val="000000"/>
@@ -7654,7 +7796,7 @@
                     <a:lstStyle/>
                     <a:p>
                       <a:r>
-                        <a:rPr lang="en-US" sz="1600">
+                        <a:rPr lang="en-US" sz="1200">
                           <a:solidFill>
                             <a:srgbClr val="000000"/>
                           </a:solidFill>
@@ -7664,7 +7806,7 @@
                       </a:r>
                     </a:p>
                   </a:txBody>
-                  <a:tcPr anchor="ctr">
+                  <a:tcPr marL="68580" marR="68580" marT="34290" marB="34290" anchor="ctr">
                     <a:lnL w="12700" cap="flat" cmpd="sng" algn="ctr">
                       <a:solidFill>
                         <a:srgbClr val="000000"/>
@@ -7712,7 +7854,7 @@
                     <a:lstStyle/>
                     <a:p>
                       <a:r>
-                        <a:rPr lang="zh-CN" altLang="en-US" sz="1600">
+                        <a:rPr lang="zh-CN" altLang="en-US" sz="1200">
                           <a:solidFill>
                             <a:srgbClr val="000000"/>
                           </a:solidFill>
@@ -7722,7 +7864,7 @@
                       </a:r>
                     </a:p>
                   </a:txBody>
-                  <a:tcPr anchor="ctr">
+                  <a:tcPr marL="68580" marR="68580" marT="34290" marB="34290" anchor="ctr">
                     <a:lnL w="12700" cap="flat" cmpd="sng" algn="ctr">
                       <a:solidFill>
                         <a:srgbClr val="000000"/>
@@ -7770,7 +7912,7 @@
                     <a:lstStyle/>
                     <a:p>
                       <a:r>
-                        <a:rPr lang="zh-CN" altLang="en-US" sz="1600">
+                        <a:rPr lang="zh-CN" altLang="en-US" sz="1200">
                           <a:solidFill>
                             <a:srgbClr val="000000"/>
                           </a:solidFill>
@@ -7779,7 +7921,7 @@
                         <a:t>分组</a:t>
                       </a:r>
                       <a:r>
-                        <a:rPr lang="en-US" sz="1600">
+                        <a:rPr lang="en-US" sz="1200">
                           <a:solidFill>
                             <a:srgbClr val="000000"/>
                           </a:solidFill>
@@ -7789,7 +7931,7 @@
                       </a:r>
                     </a:p>
                   </a:txBody>
-                  <a:tcPr anchor="ctr">
+                  <a:tcPr marL="68580" marR="68580" marT="34290" marB="34290" anchor="ctr">
                     <a:lnL w="12700" cap="flat" cmpd="sng" algn="ctr">
                       <a:solidFill>
                         <a:srgbClr val="000000"/>
@@ -7832,14 +7974,14 @@
                   </a:tcPr>
                 </a:tc>
               </a:tr>
-              <a:tr h="324750">
+              <a:tr h="297180">
                 <a:tc>
                   <a:txBody>
                     <a:bodyPr/>
                     <a:lstStyle/>
                     <a:p>
                       <a:r>
-                        <a:rPr lang="en-US" sz="2000" dirty="0">
+                        <a:rPr lang="en-US" sz="1500" dirty="0">
                           <a:solidFill>
                             <a:srgbClr val="0000FF"/>
                           </a:solidFill>
@@ -7849,7 +7991,7 @@
                       </a:r>
                     </a:p>
                   </a:txBody>
-                  <a:tcPr anchor="ctr">
+                  <a:tcPr marL="68580" marR="68580" marT="34290" marB="34290" anchor="ctr">
                     <a:lnL w="12700" cap="flat" cmpd="sng" algn="ctr">
                       <a:solidFill>
                         <a:srgbClr val="000000"/>
@@ -7897,7 +8039,7 @@
                     <a:lstStyle/>
                     <a:p>
                       <a:r>
-                        <a:rPr lang="en-US" sz="2000">
+                        <a:rPr lang="en-US" sz="1500">
                           <a:solidFill>
                             <a:srgbClr val="000000"/>
                           </a:solidFill>
@@ -7907,7 +8049,7 @@
                       </a:r>
                     </a:p>
                   </a:txBody>
-                  <a:tcPr anchor="ctr">
+                  <a:tcPr marL="68580" marR="68580" marT="34290" marB="34290" anchor="ctr">
                     <a:lnL w="12700" cap="flat" cmpd="sng" algn="ctr">
                       <a:solidFill>
                         <a:srgbClr val="000000"/>
@@ -7955,7 +8097,7 @@
                     <a:lstStyle/>
                     <a:p>
                       <a:r>
-                        <a:rPr lang="en-US" sz="1600">
+                        <a:rPr lang="en-US" sz="1200">
                           <a:solidFill>
                             <a:srgbClr val="000000"/>
                           </a:solidFill>
@@ -7965,7 +8107,7 @@
                       </a:r>
                     </a:p>
                   </a:txBody>
-                  <a:tcPr anchor="ctr">
+                  <a:tcPr marL="68580" marR="68580" marT="34290" marB="34290" anchor="ctr">
                     <a:lnL w="12700" cap="flat" cmpd="sng" algn="ctr">
                       <a:solidFill>
                         <a:srgbClr val="000000"/>
@@ -8013,7 +8155,7 @@
                     <a:lstStyle/>
                     <a:p>
                       <a:r>
-                        <a:rPr lang="zh-CN" altLang="en-US" sz="1600">
+                        <a:rPr lang="zh-CN" altLang="en-US" sz="1200">
                           <a:solidFill>
                             <a:srgbClr val="000000"/>
                           </a:solidFill>
@@ -8023,7 +8165,7 @@
                       </a:r>
                     </a:p>
                   </a:txBody>
-                  <a:tcPr anchor="ctr">
+                  <a:tcPr marL="68580" marR="68580" marT="34290" marB="34290" anchor="ctr">
                     <a:lnL w="12700" cap="flat" cmpd="sng" algn="ctr">
                       <a:solidFill>
                         <a:srgbClr val="000000"/>
@@ -8071,7 +8213,7 @@
                     <a:lstStyle/>
                     <a:p>
                       <a:r>
-                        <a:rPr lang="zh-CN" altLang="en-US" sz="1600">
+                        <a:rPr lang="zh-CN" altLang="en-US" sz="1200">
                           <a:solidFill>
                             <a:srgbClr val="000000"/>
                           </a:solidFill>
@@ -8081,7 +8223,7 @@
                       </a:r>
                     </a:p>
                   </a:txBody>
-                  <a:tcPr anchor="ctr">
+                  <a:tcPr marL="68580" marR="68580" marT="34290" marB="34290" anchor="ctr">
                     <a:lnL w="12700" cap="flat" cmpd="sng" algn="ctr">
                       <a:solidFill>
                         <a:srgbClr val="000000"/>
@@ -8124,24 +8266,24 @@
                   </a:tcPr>
                 </a:tc>
               </a:tr>
-              <a:tr h="324750">
+              <a:tr h="297180">
                 <a:tc>
                   <a:txBody>
                     <a:bodyPr/>
                     <a:lstStyle/>
                     <a:p>
                       <a:r>
-                        <a:rPr lang="en-US" sz="2000" dirty="0">
+                        <a:rPr lang="en-US" sz="1500" dirty="0">
                           <a:solidFill>
                             <a:srgbClr val="0000FF"/>
                           </a:solidFill>
                           <a:effectLst/>
                         </a:rPr>
-                        <a:t>md5</a:t>
+                        <a:t>description</a:t>
                       </a:r>
                     </a:p>
                   </a:txBody>
-                  <a:tcPr anchor="ctr">
+                  <a:tcPr marL="68580" marR="68580" marT="34290" marB="34290" anchor="ctr">
                     <a:lnL w="12700" cap="flat" cmpd="sng" algn="ctr">
                       <a:solidFill>
                         <a:srgbClr val="000000"/>
@@ -8189,17 +8331,26 @@
                     <a:lstStyle/>
                     <a:p>
                       <a:r>
-                        <a:rPr lang="en-US" sz="2000">
+                        <a:rPr lang="en-US" sz="1500" dirty="0" err="1">
                           <a:solidFill>
                             <a:srgbClr val="000000"/>
                           </a:solidFill>
                           <a:effectLst/>
                         </a:rPr>
-                        <a:t>varchar(32)</a:t>
+                        <a:t>varchar</a:t>
+                      </a:r>
+                      <a:r>
+                        <a:rPr lang="en-US" sz="1500" dirty="0">
+                          <a:solidFill>
+                            <a:srgbClr val="000000"/>
+                          </a:solidFill>
+                          <a:effectLst/>
+                        </a:rPr>
+                        <a:t>(256)</a:t>
                       </a:r>
                     </a:p>
                   </a:txBody>
-                  <a:tcPr anchor="ctr">
+                  <a:tcPr marL="68580" marR="68580" marT="34290" marB="34290" anchor="ctr">
                     <a:lnL w="12700" cap="flat" cmpd="sng" algn="ctr">
                       <a:solidFill>
                         <a:srgbClr val="000000"/>
@@ -8247,17 +8398,17 @@
                     <a:lstStyle/>
                     <a:p>
                       <a:r>
-                        <a:rPr lang="en-US" sz="1600" dirty="0">
+                        <a:rPr lang="en-US" sz="1200">
                           <a:solidFill>
                             <a:srgbClr val="000000"/>
                           </a:solidFill>
                           <a:effectLst/>
                         </a:rPr>
-                        <a:t>No </a:t>
+                        <a:t>Yes </a:t>
                       </a:r>
                     </a:p>
                   </a:txBody>
-                  <a:tcPr anchor="ctr">
+                  <a:tcPr marL="68580" marR="68580" marT="34290" marB="34290" anchor="ctr">
                     <a:lnL w="12700" cap="flat" cmpd="sng" algn="ctr">
                       <a:solidFill>
                         <a:srgbClr val="000000"/>
@@ -8305,7 +8456,16 @@
                     <a:lstStyle/>
                     <a:p>
                       <a:r>
-                        <a:rPr lang="zh-CN" altLang="en-US" sz="1600">
+                        <a:rPr lang="en-US" sz="1200" i="1">
+                          <a:solidFill>
+                            <a:srgbClr val="000000"/>
+                          </a:solidFill>
+                          <a:effectLst/>
+                        </a:rPr>
+                        <a:t>NULL</a:t>
+                      </a:r>
+                      <a:r>
+                        <a:rPr lang="en-US" sz="1200">
                           <a:solidFill>
                             <a:srgbClr val="000000"/>
                           </a:solidFill>
@@ -8315,7 +8475,7 @@
                       </a:r>
                     </a:p>
                   </a:txBody>
-                  <a:tcPr anchor="ctr">
+                  <a:tcPr marL="68580" marR="68580" marT="34290" marB="34290" anchor="ctr">
                     <a:lnL w="12700" cap="flat" cmpd="sng" algn="ctr">
                       <a:solidFill>
                         <a:srgbClr val="000000"/>
@@ -8363,26 +8523,17 @@
                     <a:lstStyle/>
                     <a:p>
                       <a:r>
-                        <a:rPr lang="zh-CN" altLang="en-US" sz="1600">
+                        <a:rPr lang="zh-CN" altLang="en-US" sz="1200">
                           <a:solidFill>
                             <a:srgbClr val="000000"/>
                           </a:solidFill>
                           <a:effectLst/>
                         </a:rPr>
-                        <a:t>配置</a:t>
-                      </a:r>
-                      <a:r>
-                        <a:rPr lang="en-US" sz="1600">
-                          <a:solidFill>
-                            <a:srgbClr val="000000"/>
-                          </a:solidFill>
-                          <a:effectLst/>
-                        </a:rPr>
-                        <a:t>MD5 </a:t>
+                        <a:t>备注 </a:t>
                       </a:r>
                     </a:p>
                   </a:txBody>
-                  <a:tcPr anchor="ctr">
+                  <a:tcPr marL="68580" marR="68580" marT="34290" marB="34290" anchor="ctr">
                     <a:lnL w="12700" cap="flat" cmpd="sng" algn="ctr">
                       <a:solidFill>
                         <a:srgbClr val="000000"/>
@@ -8425,24 +8576,24 @@
                   </a:tcPr>
                 </a:tc>
               </a:tr>
-              <a:tr h="324750">
+              <a:tr h="297180">
                 <a:tc>
                   <a:txBody>
                     <a:bodyPr/>
                     <a:lstStyle/>
                     <a:p>
                       <a:r>
-                        <a:rPr lang="en-US" sz="2000" dirty="0">
+                        <a:rPr lang="en-US" sz="1500">
                           <a:solidFill>
                             <a:srgbClr val="0000FF"/>
                           </a:solidFill>
                           <a:effectLst/>
                         </a:rPr>
-                        <a:t>description</a:t>
+                        <a:t>valid</a:t>
                       </a:r>
                     </a:p>
                   </a:txBody>
-                  <a:tcPr anchor="ctr">
+                  <a:tcPr marL="68580" marR="68580" marT="34290" marB="34290" anchor="ctr">
                     <a:lnL w="12700" cap="flat" cmpd="sng" algn="ctr">
                       <a:solidFill>
                         <a:srgbClr val="000000"/>
@@ -8490,26 +8641,26 @@
                     <a:lstStyle/>
                     <a:p>
                       <a:r>
-                        <a:rPr lang="en-US" sz="2000" dirty="0" err="1">
+                        <a:rPr lang="en-US" sz="1500" dirty="0" err="1">
                           <a:solidFill>
                             <a:srgbClr val="000000"/>
                           </a:solidFill>
                           <a:effectLst/>
                         </a:rPr>
-                        <a:t>varchar</a:t>
+                        <a:t>tinyint</a:t>
                       </a:r>
                       <a:r>
-                        <a:rPr lang="en-US" sz="2000" dirty="0">
+                        <a:rPr lang="en-US" sz="1500" dirty="0">
                           <a:solidFill>
                             <a:srgbClr val="000000"/>
                           </a:solidFill>
                           <a:effectLst/>
                         </a:rPr>
-                        <a:t>(256)</a:t>
+                        <a:t>(1)</a:t>
                       </a:r>
                     </a:p>
                   </a:txBody>
-                  <a:tcPr anchor="ctr">
+                  <a:tcPr marL="68580" marR="68580" marT="34290" marB="34290" anchor="ctr">
                     <a:lnL w="12700" cap="flat" cmpd="sng" algn="ctr">
                       <a:solidFill>
                         <a:srgbClr val="000000"/>
@@ -8557,17 +8708,17 @@
                     <a:lstStyle/>
                     <a:p>
                       <a:r>
-                        <a:rPr lang="en-US" sz="1600">
+                        <a:rPr lang="en-US" sz="1200">
                           <a:solidFill>
                             <a:srgbClr val="000000"/>
                           </a:solidFill>
                           <a:effectLst/>
                         </a:rPr>
-                        <a:t>Yes </a:t>
+                        <a:t>No </a:t>
                       </a:r>
                     </a:p>
                   </a:txBody>
-                  <a:tcPr anchor="ctr">
+                  <a:tcPr marL="68580" marR="68580" marT="34290" marB="34290" anchor="ctr">
                     <a:lnL w="12700" cap="flat" cmpd="sng" algn="ctr">
                       <a:solidFill>
                         <a:srgbClr val="000000"/>
@@ -8615,26 +8766,17 @@
                     <a:lstStyle/>
                     <a:p>
                       <a:r>
-                        <a:rPr lang="en-US" sz="1600" i="1">
+                        <a:rPr lang="en-US" altLang="zh-CN" sz="1200">
                           <a:solidFill>
                             <a:srgbClr val="000000"/>
                           </a:solidFill>
                           <a:effectLst/>
                         </a:rPr>
-                        <a:t>NULL</a:t>
-                      </a:r>
-                      <a:r>
-                        <a:rPr lang="en-US" sz="1600">
-                          <a:solidFill>
-                            <a:srgbClr val="000000"/>
-                          </a:solidFill>
-                          <a:effectLst/>
-                        </a:rPr>
-                        <a:t> </a:t>
+                        <a:t>1 </a:t>
                       </a:r>
                     </a:p>
                   </a:txBody>
-                  <a:tcPr anchor="ctr">
+                  <a:tcPr marL="68580" marR="68580" marT="34290" marB="34290" anchor="ctr">
                     <a:lnL w="12700" cap="flat" cmpd="sng" algn="ctr">
                       <a:solidFill>
                         <a:srgbClr val="000000"/>
@@ -8682,17 +8824,17 @@
                     <a:lstStyle/>
                     <a:p>
                       <a:r>
-                        <a:rPr lang="zh-CN" altLang="en-US" sz="1600">
+                        <a:rPr lang="zh-CN" altLang="en-US" sz="1200">
                           <a:solidFill>
                             <a:srgbClr val="000000"/>
                           </a:solidFill>
                           <a:effectLst/>
                         </a:rPr>
-                        <a:t>备注 </a:t>
+                        <a:t>是否有效 </a:t>
                       </a:r>
                     </a:p>
                   </a:txBody>
-                  <a:tcPr anchor="ctr">
+                  <a:tcPr marL="68580" marR="68580" marT="34290" marB="34290" anchor="ctr">
                     <a:lnL w="12700" cap="flat" cmpd="sng" algn="ctr">
                       <a:solidFill>
                         <a:srgbClr val="000000"/>
@@ -8735,24 +8877,30 @@
                   </a:tcPr>
                 </a:tc>
               </a:tr>
-              <a:tr h="324750">
+              <a:tr h="297180">
                 <a:tc>
                   <a:txBody>
                     <a:bodyPr/>
                     <a:lstStyle/>
                     <a:p>
                       <a:r>
-                        <a:rPr lang="en-US" sz="2000">
+                        <a:rPr lang="en-US" sz="1500" dirty="0" err="1">
                           <a:solidFill>
                             <a:srgbClr val="0000FF"/>
                           </a:solidFill>
                           <a:effectLst/>
                         </a:rPr>
-                        <a:t>valid</a:t>
+                        <a:t>gmt_create</a:t>
                       </a:r>
+                      <a:endParaRPr lang="en-US" sz="1500" dirty="0">
+                        <a:solidFill>
+                          <a:srgbClr val="0000FF"/>
+                        </a:solidFill>
+                        <a:effectLst/>
+                      </a:endParaRPr>
                     </a:p>
                   </a:txBody>
-                  <a:tcPr anchor="ctr">
+                  <a:tcPr marL="68580" marR="68580" marT="34290" marB="34290" anchor="ctr">
                     <a:lnL w="12700" cap="flat" cmpd="sng" algn="ctr">
                       <a:solidFill>
                         <a:srgbClr val="000000"/>
@@ -8800,26 +8948,23 @@
                     <a:lstStyle/>
                     <a:p>
                       <a:r>
-                        <a:rPr lang="en-US" sz="2000" dirty="0" err="1">
+                        <a:rPr lang="en-US" sz="1500" dirty="0" err="1">
                           <a:solidFill>
                             <a:srgbClr val="000000"/>
                           </a:solidFill>
                           <a:effectLst/>
                         </a:rPr>
-                        <a:t>tinyint</a:t>
+                        <a:t>datetime</a:t>
                       </a:r>
-                      <a:r>
-                        <a:rPr lang="en-US" sz="2000" dirty="0">
-                          <a:solidFill>
-                            <a:srgbClr val="000000"/>
-                          </a:solidFill>
-                          <a:effectLst/>
-                        </a:rPr>
-                        <a:t>(1)</a:t>
-                      </a:r>
+                      <a:endParaRPr lang="en-US" sz="1500" dirty="0">
+                        <a:solidFill>
+                          <a:srgbClr val="000000"/>
+                        </a:solidFill>
+                        <a:effectLst/>
+                      </a:endParaRPr>
                     </a:p>
                   </a:txBody>
-                  <a:tcPr anchor="ctr">
+                  <a:tcPr marL="68580" marR="68580" marT="34290" marB="34290" anchor="ctr">
                     <a:lnL w="12700" cap="flat" cmpd="sng" algn="ctr">
                       <a:solidFill>
                         <a:srgbClr val="000000"/>
@@ -8867,7 +9012,7 @@
                     <a:lstStyle/>
                     <a:p>
                       <a:r>
-                        <a:rPr lang="en-US" sz="1600">
+                        <a:rPr lang="en-US" sz="1200">
                           <a:solidFill>
                             <a:srgbClr val="000000"/>
                           </a:solidFill>
@@ -8877,7 +9022,7 @@
                       </a:r>
                     </a:p>
                   </a:txBody>
-                  <a:tcPr anchor="ctr">
+                  <a:tcPr marL="68580" marR="68580" marT="34290" marB="34290" anchor="ctr">
                     <a:lnL w="12700" cap="flat" cmpd="sng" algn="ctr">
                       <a:solidFill>
                         <a:srgbClr val="000000"/>
@@ -8925,17 +9070,17 @@
                     <a:lstStyle/>
                     <a:p>
                       <a:r>
-                        <a:rPr lang="en-US" altLang="zh-CN" sz="1600">
+                        <a:rPr lang="en-US" altLang="zh-CN" sz="1200" dirty="0">
                           <a:solidFill>
                             <a:srgbClr val="000000"/>
                           </a:solidFill>
                           <a:effectLst/>
                         </a:rPr>
-                        <a:t>1 </a:t>
+                        <a:t> </a:t>
                       </a:r>
                     </a:p>
                   </a:txBody>
-                  <a:tcPr anchor="ctr">
+                  <a:tcPr marL="68580" marR="68580" marT="34290" marB="34290" anchor="ctr">
                     <a:lnL w="12700" cap="flat" cmpd="sng" algn="ctr">
                       <a:solidFill>
                         <a:srgbClr val="000000"/>
@@ -8983,17 +9128,17 @@
                     <a:lstStyle/>
                     <a:p>
                       <a:r>
-                        <a:rPr lang="zh-CN" altLang="en-US" sz="1600">
+                        <a:rPr lang="zh-CN" altLang="en-US" sz="1200">
                           <a:solidFill>
                             <a:srgbClr val="000000"/>
                           </a:solidFill>
                           <a:effectLst/>
                         </a:rPr>
-                        <a:t>是否有效 </a:t>
+                        <a:t>创建时间 </a:t>
                       </a:r>
                     </a:p>
                   </a:txBody>
-                  <a:tcPr anchor="ctr">
+                  <a:tcPr marL="68580" marR="68580" marT="34290" marB="34290" anchor="ctr">
                     <a:lnL w="12700" cap="flat" cmpd="sng" algn="ctr">
                       <a:solidFill>
                         <a:srgbClr val="000000"/>
@@ -9036,22 +9181,22 @@
                   </a:tcPr>
                 </a:tc>
               </a:tr>
-              <a:tr h="324750">
+              <a:tr h="297180">
                 <a:tc>
                   <a:txBody>
                     <a:bodyPr/>
                     <a:lstStyle/>
                     <a:p>
                       <a:r>
-                        <a:rPr lang="en-US" sz="2000" dirty="0" err="1">
+                        <a:rPr lang="en-US" sz="1500" dirty="0" err="1">
                           <a:solidFill>
                             <a:srgbClr val="0000FF"/>
                           </a:solidFill>
                           <a:effectLst/>
                         </a:rPr>
-                        <a:t>gmt_create</a:t>
+                        <a:t>gmt_modified</a:t>
                       </a:r>
-                      <a:endParaRPr lang="en-US" sz="2000" dirty="0">
+                      <a:endParaRPr lang="en-US" sz="1500" dirty="0">
                         <a:solidFill>
                           <a:srgbClr val="0000FF"/>
                         </a:solidFill>
@@ -9059,7 +9204,7 @@
                       </a:endParaRPr>
                     </a:p>
                   </a:txBody>
-                  <a:tcPr anchor="ctr">
+                  <a:tcPr marL="68580" marR="68580" marT="34290" marB="34290" anchor="ctr">
                     <a:lnL w="12700" cap="flat" cmpd="sng" algn="ctr">
                       <a:solidFill>
                         <a:srgbClr val="000000"/>
@@ -9107,7 +9252,7 @@
                     <a:lstStyle/>
                     <a:p>
                       <a:r>
-                        <a:rPr lang="en-US" sz="2000" dirty="0" err="1">
+                        <a:rPr lang="en-US" sz="1500" dirty="0" err="1">
                           <a:solidFill>
                             <a:srgbClr val="000000"/>
                           </a:solidFill>
@@ -9115,7 +9260,7 @@
                         </a:rPr>
                         <a:t>datetime</a:t>
                       </a:r>
-                      <a:endParaRPr lang="en-US" sz="2000" dirty="0">
+                      <a:endParaRPr lang="en-US" sz="1500" dirty="0">
                         <a:solidFill>
                           <a:srgbClr val="000000"/>
                         </a:solidFill>
@@ -9123,7 +9268,7 @@
                       </a:endParaRPr>
                     </a:p>
                   </a:txBody>
-                  <a:tcPr anchor="ctr">
+                  <a:tcPr marL="68580" marR="68580" marT="34290" marB="34290" anchor="ctr">
                     <a:lnL w="12700" cap="flat" cmpd="sng" algn="ctr">
                       <a:solidFill>
                         <a:srgbClr val="000000"/>
@@ -9171,7 +9316,7 @@
                     <a:lstStyle/>
                     <a:p>
                       <a:r>
-                        <a:rPr lang="en-US" sz="1600">
+                        <a:rPr lang="en-US" sz="1200" dirty="0">
                           <a:solidFill>
                             <a:srgbClr val="000000"/>
                           </a:solidFill>
@@ -9181,7 +9326,62 @@
                       </a:r>
                     </a:p>
                   </a:txBody>
-                  <a:tcPr anchor="ctr">
+                  <a:tcPr marL="68580" marR="68580" marT="34290" marB="34290" anchor="ctr">
+                    <a:lnL w="12700" cap="flat" cmpd="sng" algn="ctr">
+                      <a:solidFill>
+                        <a:srgbClr val="000000"/>
+                      </a:solidFill>
+                      <a:prstDash val="solid"/>
+                      <a:round/>
+                      <a:headEnd type="none" w="med" len="med"/>
+                      <a:tailEnd type="none" w="med" len="med"/>
+                    </a:lnL>
+                    <a:lnR w="12700" cap="flat" cmpd="sng" algn="ctr">
+                      <a:solidFill>
+                        <a:srgbClr val="000000"/>
+                      </a:solidFill>
+                      <a:prstDash val="solid"/>
+                      <a:round/>
+                      <a:headEnd type="none" w="med" len="med"/>
+                      <a:tailEnd type="none" w="med" len="med"/>
+                    </a:lnR>
+                    <a:lnT w="12700" cap="flat" cmpd="sng" algn="ctr">
+                      <a:solidFill>
+                        <a:srgbClr val="000000"/>
+                      </a:solidFill>
+                      <a:prstDash val="solid"/>
+                      <a:round/>
+                      <a:headEnd type="none" w="med" len="med"/>
+                      <a:tailEnd type="none" w="med" len="med"/>
+                    </a:lnT>
+                    <a:lnB w="12700" cap="flat" cmpd="sng" algn="ctr">
+                      <a:solidFill>
+                        <a:srgbClr val="000000"/>
+                      </a:solidFill>
+                      <a:prstDash val="solid"/>
+                      <a:round/>
+                      <a:headEnd type="none" w="med" len="med"/>
+                      <a:tailEnd type="none" w="med" len="med"/>
+                    </a:lnB>
+                    <a:solidFill>
+                      <a:srgbClr val="FFFFFF"/>
+                    </a:solidFill>
+                  </a:tcPr>
+                </a:tc>
+                <a:tc>
+                  <a:txBody>
+                    <a:bodyPr/>
+                    <a:lstStyle/>
+                    <a:p>
+                      <a:endParaRPr lang="en-US" altLang="zh-CN" sz="1200" dirty="0">
+                        <a:solidFill>
+                          <a:srgbClr val="000000"/>
+                        </a:solidFill>
+                        <a:effectLst/>
+                      </a:endParaRPr>
+                    </a:p>
+                  </a:txBody>
+                  <a:tcPr marL="68580" marR="68580" marT="34290" marB="34290" anchor="ctr">
                     <a:lnL w="12700" cap="flat" cmpd="sng" algn="ctr">
                       <a:solidFill>
                         <a:srgbClr val="000000"/>
@@ -9229,369 +9429,7 @@
                     <a:lstStyle/>
                     <a:p>
                       <a:r>
-                        <a:rPr lang="en-US" altLang="zh-CN" sz="1600">
-                          <a:solidFill>
-                            <a:srgbClr val="000000"/>
-                          </a:solidFill>
-                          <a:effectLst/>
-                        </a:rPr>
-                        <a:t>2010-05-05 00:00:00 </a:t>
-                      </a:r>
-                    </a:p>
-                  </a:txBody>
-                  <a:tcPr anchor="ctr">
-                    <a:lnL w="12700" cap="flat" cmpd="sng" algn="ctr">
-                      <a:solidFill>
-                        <a:srgbClr val="000000"/>
-                      </a:solidFill>
-                      <a:prstDash val="solid"/>
-                      <a:round/>
-                      <a:headEnd type="none" w="med" len="med"/>
-                      <a:tailEnd type="none" w="med" len="med"/>
-                    </a:lnL>
-                    <a:lnR w="12700" cap="flat" cmpd="sng" algn="ctr">
-                      <a:solidFill>
-                        <a:srgbClr val="000000"/>
-                      </a:solidFill>
-                      <a:prstDash val="solid"/>
-                      <a:round/>
-                      <a:headEnd type="none" w="med" len="med"/>
-                      <a:tailEnd type="none" w="med" len="med"/>
-                    </a:lnR>
-                    <a:lnT w="12700" cap="flat" cmpd="sng" algn="ctr">
-                      <a:solidFill>
-                        <a:srgbClr val="000000"/>
-                      </a:solidFill>
-                      <a:prstDash val="solid"/>
-                      <a:round/>
-                      <a:headEnd type="none" w="med" len="med"/>
-                      <a:tailEnd type="none" w="med" len="med"/>
-                    </a:lnT>
-                    <a:lnB w="12700" cap="flat" cmpd="sng" algn="ctr">
-                      <a:solidFill>
-                        <a:srgbClr val="000000"/>
-                      </a:solidFill>
-                      <a:prstDash val="solid"/>
-                      <a:round/>
-                      <a:headEnd type="none" w="med" len="med"/>
-                      <a:tailEnd type="none" w="med" len="med"/>
-                    </a:lnB>
-                    <a:solidFill>
-                      <a:srgbClr val="FFFFFF"/>
-                    </a:solidFill>
-                  </a:tcPr>
-                </a:tc>
-                <a:tc>
-                  <a:txBody>
-                    <a:bodyPr/>
-                    <a:lstStyle/>
-                    <a:p>
-                      <a:r>
-                        <a:rPr lang="zh-CN" altLang="en-US" sz="1600">
-                          <a:solidFill>
-                            <a:srgbClr val="000000"/>
-                          </a:solidFill>
-                          <a:effectLst/>
-                        </a:rPr>
-                        <a:t>创建时间 </a:t>
-                      </a:r>
-                    </a:p>
-                  </a:txBody>
-                  <a:tcPr anchor="ctr">
-                    <a:lnL w="12700" cap="flat" cmpd="sng" algn="ctr">
-                      <a:solidFill>
-                        <a:srgbClr val="000000"/>
-                      </a:solidFill>
-                      <a:prstDash val="solid"/>
-                      <a:round/>
-                      <a:headEnd type="none" w="med" len="med"/>
-                      <a:tailEnd type="none" w="med" len="med"/>
-                    </a:lnL>
-                    <a:lnR w="12700" cap="flat" cmpd="sng" algn="ctr">
-                      <a:solidFill>
-                        <a:srgbClr val="000000"/>
-                      </a:solidFill>
-                      <a:prstDash val="solid"/>
-                      <a:round/>
-                      <a:headEnd type="none" w="med" len="med"/>
-                      <a:tailEnd type="none" w="med" len="med"/>
-                    </a:lnR>
-                    <a:lnT w="12700" cap="flat" cmpd="sng" algn="ctr">
-                      <a:solidFill>
-                        <a:srgbClr val="000000"/>
-                      </a:solidFill>
-                      <a:prstDash val="solid"/>
-                      <a:round/>
-                      <a:headEnd type="none" w="med" len="med"/>
-                      <a:tailEnd type="none" w="med" len="med"/>
-                    </a:lnT>
-                    <a:lnB w="12700" cap="flat" cmpd="sng" algn="ctr">
-                      <a:solidFill>
-                        <a:srgbClr val="000000"/>
-                      </a:solidFill>
-                      <a:prstDash val="solid"/>
-                      <a:round/>
-                      <a:headEnd type="none" w="med" len="med"/>
-                      <a:tailEnd type="none" w="med" len="med"/>
-                    </a:lnB>
-                    <a:solidFill>
-                      <a:srgbClr val="FFFFFF"/>
-                    </a:solidFill>
-                  </a:tcPr>
-                </a:tc>
-              </a:tr>
-              <a:tr h="324750">
-                <a:tc>
-                  <a:txBody>
-                    <a:bodyPr/>
-                    <a:lstStyle/>
-                    <a:p>
-                      <a:r>
-                        <a:rPr lang="en-US" sz="2000" dirty="0" err="1">
-                          <a:solidFill>
-                            <a:srgbClr val="0000FF"/>
-                          </a:solidFill>
-                          <a:effectLst/>
-                        </a:rPr>
-                        <a:t>gmt_modified</a:t>
-                      </a:r>
-                      <a:endParaRPr lang="en-US" sz="2000" dirty="0">
-                        <a:solidFill>
-                          <a:srgbClr val="0000FF"/>
-                        </a:solidFill>
-                        <a:effectLst/>
-                      </a:endParaRPr>
-                    </a:p>
-                  </a:txBody>
-                  <a:tcPr anchor="ctr">
-                    <a:lnL w="12700" cap="flat" cmpd="sng" algn="ctr">
-                      <a:solidFill>
-                        <a:srgbClr val="000000"/>
-                      </a:solidFill>
-                      <a:prstDash val="solid"/>
-                      <a:round/>
-                      <a:headEnd type="none" w="med" len="med"/>
-                      <a:tailEnd type="none" w="med" len="med"/>
-                    </a:lnL>
-                    <a:lnR w="12700" cap="flat" cmpd="sng" algn="ctr">
-                      <a:solidFill>
-                        <a:srgbClr val="000000"/>
-                      </a:solidFill>
-                      <a:prstDash val="solid"/>
-                      <a:round/>
-                      <a:headEnd type="none" w="med" len="med"/>
-                      <a:tailEnd type="none" w="med" len="med"/>
-                    </a:lnR>
-                    <a:lnT w="12700" cap="flat" cmpd="sng" algn="ctr">
-                      <a:solidFill>
-                        <a:srgbClr val="000000"/>
-                      </a:solidFill>
-                      <a:prstDash val="solid"/>
-                      <a:round/>
-                      <a:headEnd type="none" w="med" len="med"/>
-                      <a:tailEnd type="none" w="med" len="med"/>
-                    </a:lnT>
-                    <a:lnB w="12700" cap="flat" cmpd="sng" algn="ctr">
-                      <a:solidFill>
-                        <a:srgbClr val="000000"/>
-                      </a:solidFill>
-                      <a:prstDash val="solid"/>
-                      <a:round/>
-                      <a:headEnd type="none" w="med" len="med"/>
-                      <a:tailEnd type="none" w="med" len="med"/>
-                    </a:lnB>
-                    <a:solidFill>
-                      <a:srgbClr val="FFFFFF"/>
-                    </a:solidFill>
-                  </a:tcPr>
-                </a:tc>
-                <a:tc>
-                  <a:txBody>
-                    <a:bodyPr/>
-                    <a:lstStyle/>
-                    <a:p>
-                      <a:r>
-                        <a:rPr lang="en-US" sz="2000" dirty="0" err="1">
-                          <a:solidFill>
-                            <a:srgbClr val="000000"/>
-                          </a:solidFill>
-                          <a:effectLst/>
-                        </a:rPr>
-                        <a:t>datetime</a:t>
-                      </a:r>
-                      <a:endParaRPr lang="en-US" sz="2000" dirty="0">
-                        <a:solidFill>
-                          <a:srgbClr val="000000"/>
-                        </a:solidFill>
-                        <a:effectLst/>
-                      </a:endParaRPr>
-                    </a:p>
-                  </a:txBody>
-                  <a:tcPr anchor="ctr">
-                    <a:lnL w="12700" cap="flat" cmpd="sng" algn="ctr">
-                      <a:solidFill>
-                        <a:srgbClr val="000000"/>
-                      </a:solidFill>
-                      <a:prstDash val="solid"/>
-                      <a:round/>
-                      <a:headEnd type="none" w="med" len="med"/>
-                      <a:tailEnd type="none" w="med" len="med"/>
-                    </a:lnL>
-                    <a:lnR w="12700" cap="flat" cmpd="sng" algn="ctr">
-                      <a:solidFill>
-                        <a:srgbClr val="000000"/>
-                      </a:solidFill>
-                      <a:prstDash val="solid"/>
-                      <a:round/>
-                      <a:headEnd type="none" w="med" len="med"/>
-                      <a:tailEnd type="none" w="med" len="med"/>
-                    </a:lnR>
-                    <a:lnT w="12700" cap="flat" cmpd="sng" algn="ctr">
-                      <a:solidFill>
-                        <a:srgbClr val="000000"/>
-                      </a:solidFill>
-                      <a:prstDash val="solid"/>
-                      <a:round/>
-                      <a:headEnd type="none" w="med" len="med"/>
-                      <a:tailEnd type="none" w="med" len="med"/>
-                    </a:lnT>
-                    <a:lnB w="12700" cap="flat" cmpd="sng" algn="ctr">
-                      <a:solidFill>
-                        <a:srgbClr val="000000"/>
-                      </a:solidFill>
-                      <a:prstDash val="solid"/>
-                      <a:round/>
-                      <a:headEnd type="none" w="med" len="med"/>
-                      <a:tailEnd type="none" w="med" len="med"/>
-                    </a:lnB>
-                    <a:solidFill>
-                      <a:srgbClr val="FFFFFF"/>
-                    </a:solidFill>
-                  </a:tcPr>
-                </a:tc>
-                <a:tc>
-                  <a:txBody>
-                    <a:bodyPr/>
-                    <a:lstStyle/>
-                    <a:p>
-                      <a:r>
-                        <a:rPr lang="en-US" sz="1600" dirty="0">
-                          <a:solidFill>
-                            <a:srgbClr val="000000"/>
-                          </a:solidFill>
-                          <a:effectLst/>
-                        </a:rPr>
-                        <a:t>No </a:t>
-                      </a:r>
-                    </a:p>
-                  </a:txBody>
-                  <a:tcPr anchor="ctr">
-                    <a:lnL w="12700" cap="flat" cmpd="sng" algn="ctr">
-                      <a:solidFill>
-                        <a:srgbClr val="000000"/>
-                      </a:solidFill>
-                      <a:prstDash val="solid"/>
-                      <a:round/>
-                      <a:headEnd type="none" w="med" len="med"/>
-                      <a:tailEnd type="none" w="med" len="med"/>
-                    </a:lnL>
-                    <a:lnR w="12700" cap="flat" cmpd="sng" algn="ctr">
-                      <a:solidFill>
-                        <a:srgbClr val="000000"/>
-                      </a:solidFill>
-                      <a:prstDash val="solid"/>
-                      <a:round/>
-                      <a:headEnd type="none" w="med" len="med"/>
-                      <a:tailEnd type="none" w="med" len="med"/>
-                    </a:lnR>
-                    <a:lnT w="12700" cap="flat" cmpd="sng" algn="ctr">
-                      <a:solidFill>
-                        <a:srgbClr val="000000"/>
-                      </a:solidFill>
-                      <a:prstDash val="solid"/>
-                      <a:round/>
-                      <a:headEnd type="none" w="med" len="med"/>
-                      <a:tailEnd type="none" w="med" len="med"/>
-                    </a:lnT>
-                    <a:lnB w="12700" cap="flat" cmpd="sng" algn="ctr">
-                      <a:solidFill>
-                        <a:srgbClr val="000000"/>
-                      </a:solidFill>
-                      <a:prstDash val="solid"/>
-                      <a:round/>
-                      <a:headEnd type="none" w="med" len="med"/>
-                      <a:tailEnd type="none" w="med" len="med"/>
-                    </a:lnB>
-                    <a:solidFill>
-                      <a:srgbClr val="FFFFFF"/>
-                    </a:solidFill>
-                  </a:tcPr>
-                </a:tc>
-                <a:tc>
-                  <a:txBody>
-                    <a:bodyPr/>
-                    <a:lstStyle/>
-                    <a:p>
-                      <a:r>
-                        <a:rPr lang="en-US" altLang="zh-CN" sz="1600">
-                          <a:solidFill>
-                            <a:srgbClr val="000000"/>
-                          </a:solidFill>
-                          <a:effectLst/>
-                        </a:rPr>
-                        <a:t>2010-05-05 00:00:00 </a:t>
-                      </a:r>
-                    </a:p>
-                  </a:txBody>
-                  <a:tcPr anchor="ctr">
-                    <a:lnL w="12700" cap="flat" cmpd="sng" algn="ctr">
-                      <a:solidFill>
-                        <a:srgbClr val="000000"/>
-                      </a:solidFill>
-                      <a:prstDash val="solid"/>
-                      <a:round/>
-                      <a:headEnd type="none" w="med" len="med"/>
-                      <a:tailEnd type="none" w="med" len="med"/>
-                    </a:lnL>
-                    <a:lnR w="12700" cap="flat" cmpd="sng" algn="ctr">
-                      <a:solidFill>
-                        <a:srgbClr val="000000"/>
-                      </a:solidFill>
-                      <a:prstDash val="solid"/>
-                      <a:round/>
-                      <a:headEnd type="none" w="med" len="med"/>
-                      <a:tailEnd type="none" w="med" len="med"/>
-                    </a:lnR>
-                    <a:lnT w="12700" cap="flat" cmpd="sng" algn="ctr">
-                      <a:solidFill>
-                        <a:srgbClr val="000000"/>
-                      </a:solidFill>
-                      <a:prstDash val="solid"/>
-                      <a:round/>
-                      <a:headEnd type="none" w="med" len="med"/>
-                      <a:tailEnd type="none" w="med" len="med"/>
-                    </a:lnT>
-                    <a:lnB w="12700" cap="flat" cmpd="sng" algn="ctr">
-                      <a:solidFill>
-                        <a:srgbClr val="000000"/>
-                      </a:solidFill>
-                      <a:prstDash val="solid"/>
-                      <a:round/>
-                      <a:headEnd type="none" w="med" len="med"/>
-                      <a:tailEnd type="none" w="med" len="med"/>
-                    </a:lnB>
-                    <a:solidFill>
-                      <a:srgbClr val="FFFFFF"/>
-                    </a:solidFill>
-                  </a:tcPr>
-                </a:tc>
-                <a:tc>
-                  <a:txBody>
-                    <a:bodyPr/>
-                    <a:lstStyle/>
-                    <a:p>
-                      <a:r>
-                        <a:rPr lang="zh-CN" altLang="en-US" sz="1600" dirty="0">
+                        <a:rPr lang="zh-CN" altLang="en-US" sz="1200" dirty="0">
                           <a:solidFill>
                             <a:srgbClr val="000000"/>
                           </a:solidFill>
@@ -9601,7 +9439,7 @@
                       </a:r>
                     </a:p>
                   </a:txBody>
-                  <a:tcPr anchor="ctr">
+                  <a:tcPr marL="68580" marR="68580" marT="34290" marB="34290" anchor="ctr">
                     <a:lnL w="12700" cap="flat" cmpd="sng" algn="ctr">
                       <a:solidFill>
                         <a:srgbClr val="000000"/>
@@ -9658,8 +9496,8 @@
         </p:nvSpPr>
         <p:spPr bwMode="auto">
           <a:xfrm>
-            <a:off x="962025" y="5984875"/>
-            <a:ext cx="304800" cy="304800"/>
+            <a:off x="721519" y="5345906"/>
+            <a:ext cx="228600" cy="228600"/>
           </a:xfrm>
           <a:prstGeom prst="rect">
             <a:avLst/>
@@ -9667,7 +9505,7 @@
           <a:noFill/>
           <a:extLst>
             <a:ext uri="{909E8E84-426E-40dd-AFC4-6F175D3DCCD1}">
-              <a14:hiddenFill xmlns:a14="http://schemas.microsoft.com/office/drawing/2010/main">
+              <a14:hiddenFill xmlns:a14="http://schemas.microsoft.com/office/drawing/2010/main" xmlns="">
                 <a:solidFill>
                   <a:srgbClr val="FFFFFF"/>
                 </a:solidFill>
@@ -9676,14 +9514,14 @@
           </a:extLst>
         </p:spPr>
         <p:txBody>
-          <a:bodyPr vert="horz" wrap="square" lIns="91440" tIns="45720" rIns="91440" bIns="45720" numCol="1" anchor="t" anchorCtr="0" compatLnSpc="1">
+          <a:bodyPr vert="horz" wrap="square" lIns="68580" tIns="34290" rIns="68580" bIns="34290" numCol="1" anchor="t" anchorCtr="0" compatLnSpc="1">
             <a:prstTxWarp prst="textNoShape">
               <a:avLst/>
             </a:prstTxWarp>
           </a:bodyPr>
           <a:lstStyle/>
           <a:p>
-            <a:endParaRPr lang="zh-CN" altLang="en-US"/>
+            <a:endParaRPr lang="zh-CN" altLang="en-US" sz="1350"/>
           </a:p>
         </p:txBody>
       </p:sp>
@@ -9700,7 +9538,7 @@
   <p:timing>
     <p:tnLst>
       <p:par>
-        <p:cTn xmlns:p14="http://schemas.microsoft.com/office/powerpoint/2010/main" id="1" dur="indefinite" restart="never" nodeType="tmRoot"/>
+        <p:cTn id="1" dur="indefinite" restart="never" nodeType="tmRoot"/>
       </p:par>
     </p:tnLst>
   </p:timing>
@@ -9889,7 +9727,7 @@
   <p:timing>
     <p:tnLst>
       <p:par>
-        <p:cTn xmlns:p14="http://schemas.microsoft.com/office/powerpoint/2010/main" id="1" dur="indefinite" restart="never" nodeType="tmRoot"/>
+        <p:cTn id="1" dur="indefinite" restart="never" nodeType="tmRoot"/>
       </p:par>
     </p:tnLst>
   </p:timing>
@@ -9913,46 +9751,6 @@
           <a:chExt cx="0" cy="0"/>
         </a:xfrm>
       </p:grpSpPr>
-      <p:sp>
-        <p:nvSpPr>
-          <p:cNvPr id="2" name="标题 1"/>
-          <p:cNvSpPr>
-            <a:spLocks noGrp="1"/>
-          </p:cNvSpPr>
-          <p:nvPr>
-            <p:ph type="title"/>
-          </p:nvPr>
-        </p:nvSpPr>
-        <p:spPr>
-          <a:xfrm>
-            <a:off x="838200" y="51810"/>
-            <a:ext cx="10515600" cy="1325563"/>
-          </a:xfrm>
-        </p:spPr>
-        <p:txBody>
-          <a:bodyPr/>
-          <a:lstStyle/>
-          <a:p>
-            <a:r>
-              <a:rPr lang="zh-CN" altLang="en-US" dirty="0"/>
-              <a:t>快速</a:t>
-            </a:r>
-            <a:r>
-              <a:rPr lang="zh-CN" altLang="en-US" dirty="0" smtClean="0"/>
-              <a:t>入门</a:t>
-            </a:r>
-            <a:r>
-              <a:rPr lang="en-US" altLang="zh-CN" dirty="0" smtClean="0"/>
-              <a:t>: diamond-server</a:t>
-            </a:r>
-            <a:r>
-              <a:rPr lang="zh-CN" altLang="en-US" dirty="0" smtClean="0"/>
-              <a:t>控制台</a:t>
-            </a:r>
-            <a:endParaRPr lang="zh-CN" altLang="en-US" dirty="0"/>
-          </a:p>
-        </p:txBody>
-      </p:sp>
       <p:pic>
         <p:nvPicPr>
           <p:cNvPr id="4" name="图片 3"/>
@@ -9962,72 +9760,31 @@
           <p:nvPr/>
         </p:nvPicPr>
         <p:blipFill>
-          <a:blip r:embed="rId3"/>
+          <a:blip r:embed="rId2"/>
           <a:stretch>
             <a:fillRect/>
           </a:stretch>
         </p:blipFill>
         <p:spPr>
           <a:xfrm>
-            <a:off x="838200" y="1017252"/>
-            <a:ext cx="8164132" cy="5654889"/>
+            <a:off x="0" y="484188"/>
+            <a:ext cx="8845239" cy="5789611"/>
           </a:xfrm>
           <a:prstGeom prst="rect">
             <a:avLst/>
           </a:prstGeom>
-          <a:ln w="12700">
-            <a:solidFill>
-              <a:schemeClr val="tx1"/>
-            </a:solidFill>
-          </a:ln>
-        </p:spPr>
-      </p:pic>
-      <p:pic>
-        <p:nvPicPr>
-          <p:cNvPr id="6" name="图片 5"/>
-          <p:cNvPicPr>
-            <a:picLocks noChangeAspect="1"/>
-          </p:cNvPicPr>
-          <p:nvPr/>
-        </p:nvPicPr>
-        <p:blipFill>
-          <a:blip r:embed="rId4"/>
-          <a:stretch>
-            <a:fillRect/>
-          </a:stretch>
-        </p:blipFill>
-        <p:spPr>
-          <a:xfrm>
-            <a:off x="1104900" y="3844696"/>
-            <a:ext cx="9982200" cy="2924175"/>
-          </a:xfrm>
-          <a:prstGeom prst="rect">
-            <a:avLst/>
-          </a:prstGeom>
-          <a:ln w="12700">
-            <a:solidFill>
-              <a:schemeClr val="tx1"/>
-            </a:solidFill>
-          </a:ln>
         </p:spPr>
       </p:pic>
     </p:spTree>
     <p:extLst>
       <p:ext uri="{BB962C8B-B14F-4D97-AF65-F5344CB8AC3E}">
-        <p14:creationId xmlns:p14="http://schemas.microsoft.com/office/powerpoint/2010/main" val="216684956"/>
+        <p14:creationId xmlns:p14="http://schemas.microsoft.com/office/powerpoint/2010/main" val="16069261"/>
       </p:ext>
     </p:extLst>
   </p:cSld>
   <p:clrMapOvr>
     <a:masterClrMapping/>
   </p:clrMapOvr>
-  <p:timing>
-    <p:tnLst>
-      <p:par>
-        <p:cTn xmlns:p14="http://schemas.microsoft.com/office/powerpoint/2010/main" id="1" dur="indefinite" restart="never" nodeType="tmRoot"/>
-      </p:par>
-    </p:tnLst>
-  </p:timing>
 </p:sld>
 </file>
 
@@ -10083,8 +9840,8 @@
         </p:nvSpPr>
         <p:spPr>
           <a:xfrm>
-            <a:off x="473380" y="2190721"/>
-            <a:ext cx="10070926" cy="1200329"/>
+            <a:off x="494735" y="1690689"/>
+            <a:ext cx="7553195" cy="715581"/>
           </a:xfrm>
           <a:prstGeom prst="rect">
             <a:avLst/>
@@ -10097,7 +9854,7 @@
           <a:lstStyle/>
           <a:p>
             <a:r>
-              <a:rPr lang="en-US" altLang="zh-CN" dirty="0">
+              <a:rPr lang="en-US" altLang="zh-CN" sz="1350" dirty="0">
                 <a:solidFill>
                   <a:srgbClr val="000000"/>
                 </a:solidFill>
@@ -10107,7 +9864,7 @@
               <a:t>String </a:t>
             </a:r>
             <a:r>
-              <a:rPr lang="en-US" altLang="zh-CN" dirty="0" err="1">
+              <a:rPr lang="en-US" altLang="zh-CN" sz="1350" dirty="0" err="1">
                 <a:solidFill>
                   <a:srgbClr val="000000"/>
                 </a:solidFill>
@@ -10117,7 +9874,7 @@
               <a:t>solrUrl</a:t>
             </a:r>
             <a:r>
-              <a:rPr lang="en-US" altLang="zh-CN" dirty="0">
+              <a:rPr lang="en-US" altLang="zh-CN" sz="1350" dirty="0">
                 <a:solidFill>
                   <a:srgbClr val="000000"/>
                 </a:solidFill>
@@ -10127,57 +9884,57 @@
               <a:t> = </a:t>
             </a:r>
             <a:r>
-              <a:rPr lang="en-US" altLang="zh-CN" dirty="0" err="1">
-                <a:solidFill>
-                  <a:srgbClr val="000000"/>
+              <a:rPr lang="en-US" altLang="zh-CN" sz="1350" dirty="0" smtClean="0">
+                <a:solidFill>
+                  <a:srgbClr val="0000FF"/>
                 </a:solidFill>
                 <a:latin typeface="Consolas" panose="020B0609020204030204" pitchFamily="49" charset="0"/>
                 <a:cs typeface="Consolas" panose="020B0609020204030204" pitchFamily="49" charset="0"/>
               </a:rPr>
-              <a:t>DiamondMiner.</a:t>
-            </a:r>
-            <a:r>
-              <a:rPr lang="en-US" altLang="zh-CN" dirty="0" err="1">
-                <a:solidFill>
-                  <a:srgbClr val="FF0000"/>
+              <a:t>new</a:t>
+            </a:r>
+            <a:r>
+              <a:rPr lang="en-US" altLang="zh-CN" sz="1350" dirty="0" smtClean="0">
+                <a:solidFill>
+                  <a:srgbClr val="000000"/>
                 </a:solidFill>
                 <a:latin typeface="Consolas" panose="020B0609020204030204" pitchFamily="49" charset="0"/>
                 <a:cs typeface="Consolas" panose="020B0609020204030204" pitchFamily="49" charset="0"/>
               </a:rPr>
-              <a:t>getString</a:t>
-            </a:r>
-            <a:r>
-              <a:rPr lang="en-US" altLang="zh-CN" dirty="0">
-                <a:solidFill>
-                  <a:srgbClr val="000000"/>
+              <a:t> Miner().</a:t>
+            </a:r>
+            <a:r>
+              <a:rPr lang="en-US" altLang="zh-CN" sz="1350" dirty="0" err="1" smtClean="0">
+                <a:solidFill>
+                  <a:srgbClr val="FF0000"/>
                 </a:solidFill>
                 <a:latin typeface="Consolas" panose="020B0609020204030204" pitchFamily="49" charset="0"/>
                 <a:cs typeface="Consolas" panose="020B0609020204030204" pitchFamily="49" charset="0"/>
               </a:rPr>
-              <a:t>(</a:t>
-            </a:r>
-            <a:r>
-              <a:rPr lang="en-US" altLang="zh-CN" dirty="0">
-                <a:solidFill>
-                  <a:srgbClr val="0000FF"/>
+              <a:t>getString</a:t>
+            </a:r>
+            <a:r>
+              <a:rPr lang="en-US" altLang="zh-CN" sz="1350" dirty="0" smtClean="0">
+                <a:solidFill>
+                  <a:srgbClr val="000000"/>
                 </a:solidFill>
                 <a:latin typeface="Consolas" panose="020B0609020204030204" pitchFamily="49" charset="0"/>
                 <a:cs typeface="Consolas" panose="020B0609020204030204" pitchFamily="49" charset="0"/>
               </a:rPr>
-              <a:t>"SOLR_URL</a:t>
-            </a:r>
-            <a:r>
-              <a:rPr lang="en-US" altLang="zh-CN" dirty="0" smtClean="0">
+              <a:t>(</a:t>
+            </a:r>
+            <a:r>
+              <a:rPr lang="en-US" altLang="zh-CN" sz="1350" dirty="0" smtClean="0">
                 <a:solidFill>
                   <a:srgbClr val="0000FF"/>
                 </a:solidFill>
                 <a:latin typeface="Consolas" panose="020B0609020204030204" pitchFamily="49" charset="0"/>
                 <a:cs typeface="Consolas" panose="020B0609020204030204" pitchFamily="49" charset="0"/>
               </a:rPr>
-              <a:t>"</a:t>
-            </a:r>
-            <a:r>
-              <a:rPr lang="en-US" altLang="zh-CN" dirty="0" smtClean="0">
+              <a:t>“solr.url"</a:t>
+            </a:r>
+            <a:r>
+              <a:rPr lang="en-US" altLang="zh-CN" sz="1350" dirty="0" smtClean="0">
                 <a:solidFill>
                   <a:srgbClr val="000000"/>
                 </a:solidFill>
@@ -10186,9 +9943,7 @@
               </a:rPr>
               <a:t>);</a:t>
             </a:r>
-          </a:p>
-          <a:p>
-            <a:endParaRPr lang="en-US" altLang="zh-CN" dirty="0">
+            <a:endParaRPr lang="en-US" altLang="zh-CN" sz="1350" dirty="0">
               <a:solidFill>
                 <a:srgbClr val="000000"/>
               </a:solidFill>
@@ -10198,20 +9953,20 @@
           </a:p>
           <a:p>
             <a:r>
-              <a:rPr lang="en-US" altLang="zh-CN" dirty="0">
+              <a:rPr lang="en-US" altLang="zh-CN" sz="1350" dirty="0">
                 <a:latin typeface="Consolas" panose="020B0609020204030204" pitchFamily="49" charset="0"/>
                 <a:cs typeface="Consolas" panose="020B0609020204030204" pitchFamily="49" charset="0"/>
               </a:rPr>
               <a:t/>
             </a:r>
             <a:br>
-              <a:rPr lang="en-US" altLang="zh-CN" dirty="0">
+              <a:rPr lang="en-US" altLang="zh-CN" sz="1350" dirty="0">
                 <a:latin typeface="Consolas" panose="020B0609020204030204" pitchFamily="49" charset="0"/>
                 <a:cs typeface="Consolas" panose="020B0609020204030204" pitchFamily="49" charset="0"/>
               </a:rPr>
             </a:br>
             <a:r>
-              <a:rPr lang="en-US" altLang="zh-CN" dirty="0">
+              <a:rPr lang="en-US" altLang="zh-CN" sz="1350" dirty="0">
                 <a:solidFill>
                   <a:srgbClr val="000000"/>
                 </a:solidFill>
@@ -10221,7 +9976,7 @@
               <a:t>String </a:t>
             </a:r>
             <a:r>
-              <a:rPr lang="en-US" altLang="zh-CN" dirty="0" err="1">
+              <a:rPr lang="en-US" altLang="zh-CN" sz="1350" dirty="0" err="1">
                 <a:solidFill>
                   <a:srgbClr val="000000"/>
                 </a:solidFill>
@@ -10231,7 +9986,7 @@
               <a:t>solrUrl</a:t>
             </a:r>
             <a:r>
-              <a:rPr lang="en-US" altLang="zh-CN" dirty="0">
+              <a:rPr lang="en-US" altLang="zh-CN" sz="1350" dirty="0">
                 <a:solidFill>
                   <a:srgbClr val="000000"/>
                 </a:solidFill>
@@ -10241,76 +9996,96 @@
               <a:t> = </a:t>
             </a:r>
             <a:r>
-              <a:rPr lang="en-US" altLang="zh-CN" dirty="0" err="1">
-                <a:solidFill>
-                  <a:srgbClr val="000000"/>
+              <a:rPr lang="en-US" altLang="zh-CN" sz="1350" dirty="0" smtClean="0">
+                <a:solidFill>
+                  <a:srgbClr val="0000FF"/>
                 </a:solidFill>
                 <a:latin typeface="Consolas" panose="020B0609020204030204" pitchFamily="49" charset="0"/>
                 <a:cs typeface="Consolas" panose="020B0609020204030204" pitchFamily="49" charset="0"/>
               </a:rPr>
-              <a:t>DiamondMiner.</a:t>
-            </a:r>
-            <a:r>
-              <a:rPr lang="en-US" altLang="zh-CN" dirty="0" err="1">
-                <a:solidFill>
-                  <a:srgbClr val="FF0000"/>
+              <a:t>new</a:t>
+            </a:r>
+            <a:r>
+              <a:rPr lang="en-US" altLang="zh-CN" sz="1350" dirty="0" smtClean="0">
+                <a:solidFill>
+                  <a:srgbClr val="000000"/>
                 </a:solidFill>
                 <a:latin typeface="Consolas" panose="020B0609020204030204" pitchFamily="49" charset="0"/>
                 <a:cs typeface="Consolas" panose="020B0609020204030204" pitchFamily="49" charset="0"/>
               </a:rPr>
-              <a:t>getStone</a:t>
-            </a:r>
-            <a:r>
-              <a:rPr lang="en-US" altLang="zh-CN" dirty="0">
-                <a:solidFill>
-                  <a:srgbClr val="000000"/>
+              <a:t> Miner().</a:t>
+            </a:r>
+            <a:r>
+              <a:rPr lang="en-US" altLang="zh-CN" sz="1350" dirty="0" err="1" smtClean="0">
+                <a:solidFill>
+                  <a:srgbClr val="FF0000"/>
                 </a:solidFill>
                 <a:latin typeface="Consolas" panose="020B0609020204030204" pitchFamily="49" charset="0"/>
                 <a:cs typeface="Consolas" panose="020B0609020204030204" pitchFamily="49" charset="0"/>
               </a:rPr>
-              <a:t>(</a:t>
-            </a:r>
-            <a:r>
-              <a:rPr lang="en-US" altLang="zh-CN" dirty="0">
-                <a:solidFill>
-                  <a:srgbClr val="0000FF"/>
+              <a:t>getStone</a:t>
+            </a:r>
+            <a:r>
+              <a:rPr lang="en-US" altLang="zh-CN" sz="1350" dirty="0" smtClean="0">
+                <a:solidFill>
+                  <a:srgbClr val="000000"/>
                 </a:solidFill>
                 <a:latin typeface="Consolas" panose="020B0609020204030204" pitchFamily="49" charset="0"/>
                 <a:cs typeface="Consolas" panose="020B0609020204030204" pitchFamily="49" charset="0"/>
               </a:rPr>
-              <a:t>"DEFAULT_GROUP"</a:t>
-            </a:r>
-            <a:r>
-              <a:rPr lang="en-US" altLang="zh-CN" dirty="0">
-                <a:solidFill>
-                  <a:srgbClr val="000000"/>
+              <a:t>(</a:t>
+            </a:r>
+            <a:r>
+              <a:rPr lang="en-US" altLang="zh-CN" sz="1350" dirty="0" smtClean="0">
+                <a:solidFill>
+                  <a:srgbClr val="0000FF"/>
                 </a:solidFill>
                 <a:latin typeface="Consolas" panose="020B0609020204030204" pitchFamily="49" charset="0"/>
                 <a:cs typeface="Consolas" panose="020B0609020204030204" pitchFamily="49" charset="0"/>
               </a:rPr>
-              <a:t>, </a:t>
-            </a:r>
-            <a:r>
-              <a:rPr lang="en-US" altLang="zh-CN" dirty="0">
-                <a:solidFill>
-                  <a:srgbClr val="0000FF"/>
+              <a:t>“order"</a:t>
+            </a:r>
+            <a:r>
+              <a:rPr lang="en-US" altLang="zh-CN" sz="1350" dirty="0" smtClean="0">
+                <a:solidFill>
+                  <a:srgbClr val="000000"/>
                 </a:solidFill>
                 <a:latin typeface="Consolas" panose="020B0609020204030204" pitchFamily="49" charset="0"/>
                 <a:cs typeface="Consolas" panose="020B0609020204030204" pitchFamily="49" charset="0"/>
               </a:rPr>
-              <a:t>"SOLR_URL"</a:t>
-            </a:r>
-            <a:r>
-              <a:rPr lang="en-US" altLang="zh-CN" dirty="0">
+              <a:t>,</a:t>
+            </a:r>
+            <a:r>
+              <a:rPr lang="en-US" altLang="zh-CN" sz="1350" dirty="0">
                 <a:solidFill>
                   <a:srgbClr val="000000"/>
                 </a:solidFill>
                 <a:latin typeface="Consolas" panose="020B0609020204030204" pitchFamily="49" charset="0"/>
                 <a:cs typeface="Consolas" panose="020B0609020204030204" pitchFamily="49" charset="0"/>
               </a:rPr>
+              <a:t> </a:t>
+            </a:r>
+            <a:r>
+              <a:rPr lang="en-US" altLang="zh-CN" sz="1350" dirty="0" smtClean="0">
+                <a:solidFill>
+                  <a:srgbClr val="0000FF"/>
+                </a:solidFill>
+                <a:latin typeface="Consolas" panose="020B0609020204030204" pitchFamily="49" charset="0"/>
+                <a:cs typeface="Consolas" panose="020B0609020204030204" pitchFamily="49" charset="0"/>
+              </a:rPr>
+              <a:t>“solr.url"</a:t>
+            </a:r>
+            <a:r>
+              <a:rPr lang="en-US" altLang="zh-CN" sz="1350" dirty="0" smtClean="0">
+                <a:solidFill>
+                  <a:srgbClr val="000000"/>
+                </a:solidFill>
+                <a:latin typeface="Consolas" panose="020B0609020204030204" pitchFamily="49" charset="0"/>
+                <a:cs typeface="Consolas" panose="020B0609020204030204" pitchFamily="49" charset="0"/>
+              </a:rPr>
               <a:t>);</a:t>
             </a:r>
-            <a:endParaRPr lang="zh-CN" altLang="en-US" dirty="0">
+            <a:endParaRPr lang="zh-CN" altLang="en-US" sz="1350" dirty="0">
               <a:latin typeface="Consolas" panose="020B0609020204030204" pitchFamily="49" charset="0"/>
               <a:cs typeface="Consolas" panose="020B0609020204030204" pitchFamily="49" charset="0"/>
             </a:endParaRPr>
@@ -10325,8 +10100,8 @@
         </p:nvSpPr>
         <p:spPr>
           <a:xfrm>
-            <a:off x="515133" y="4256803"/>
-            <a:ext cx="11161734" cy="1477328"/>
+            <a:off x="494735" y="2919553"/>
+            <a:ext cx="8371301" cy="923330"/>
           </a:xfrm>
           <a:prstGeom prst="rect">
             <a:avLst/>
@@ -10339,7 +10114,7 @@
           <a:lstStyle/>
           <a:p>
             <a:r>
-              <a:rPr lang="en-US" altLang="zh-CN" dirty="0">
+              <a:rPr lang="en-US" altLang="zh-CN" sz="1350" dirty="0">
                 <a:solidFill>
                   <a:srgbClr val="000000"/>
                 </a:solidFill>
@@ -10349,7 +10124,7 @@
               <a:t>String </a:t>
             </a:r>
             <a:r>
-              <a:rPr lang="en-US" altLang="zh-CN" dirty="0" err="1">
+              <a:rPr lang="en-US" altLang="zh-CN" sz="1350" dirty="0" err="1">
                 <a:solidFill>
                   <a:srgbClr val="000000"/>
                 </a:solidFill>
@@ -10359,7 +10134,7 @@
               <a:t>cacheUpdater</a:t>
             </a:r>
             <a:r>
-              <a:rPr lang="en-US" altLang="zh-CN" dirty="0">
+              <a:rPr lang="en-US" altLang="zh-CN" sz="1350" dirty="0">
                 <a:solidFill>
                   <a:srgbClr val="000000"/>
                 </a:solidFill>
@@ -10369,183 +10144,194 @@
               <a:t> = </a:t>
             </a:r>
             <a:r>
-              <a:rPr lang="en-US" altLang="zh-CN" dirty="0" err="1">
-                <a:solidFill>
-                  <a:srgbClr val="000000"/>
+              <a:rPr lang="en-US" altLang="zh-CN" sz="1350" dirty="0" smtClean="0">
+                <a:solidFill>
+                  <a:srgbClr val="0000FF"/>
                 </a:solidFill>
                 <a:latin typeface="Consolas" panose="020B0609020204030204" pitchFamily="49" charset="0"/>
                 <a:cs typeface="Consolas" panose="020B0609020204030204" pitchFamily="49" charset="0"/>
               </a:rPr>
-              <a:t>DiamondMiner.</a:t>
-            </a:r>
-            <a:r>
-              <a:rPr lang="en-US" altLang="zh-CN" dirty="0" err="1">
-                <a:solidFill>
-                  <a:srgbClr val="FF0000"/>
+              <a:t>new</a:t>
+            </a:r>
+            <a:r>
+              <a:rPr lang="en-US" altLang="zh-CN" sz="1350" dirty="0" smtClean="0">
+                <a:solidFill>
+                  <a:srgbClr val="000000"/>
                 </a:solidFill>
                 <a:latin typeface="Consolas" panose="020B0609020204030204" pitchFamily="49" charset="0"/>
                 <a:cs typeface="Consolas" panose="020B0609020204030204" pitchFamily="49" charset="0"/>
               </a:rPr>
-              <a:t>getString</a:t>
-            </a:r>
-            <a:r>
-              <a:rPr lang="en-US" altLang="zh-CN" dirty="0">
-                <a:solidFill>
-                  <a:srgbClr val="000000"/>
+              <a:t> Miner().</a:t>
+            </a:r>
+            <a:r>
+              <a:rPr lang="en-US" altLang="zh-CN" sz="1350" dirty="0" err="1" smtClean="0">
+                <a:solidFill>
+                  <a:srgbClr val="FF0000"/>
                 </a:solidFill>
                 <a:latin typeface="Consolas" panose="020B0609020204030204" pitchFamily="49" charset="0"/>
                 <a:cs typeface="Consolas" panose="020B0609020204030204" pitchFamily="49" charset="0"/>
               </a:rPr>
-              <a:t>(</a:t>
-            </a:r>
-            <a:r>
-              <a:rPr lang="en-US" altLang="zh-CN" dirty="0">
-                <a:solidFill>
-                  <a:srgbClr val="0000FF"/>
+              <a:t>getString</a:t>
+            </a:r>
+            <a:r>
+              <a:rPr lang="en-US" altLang="zh-CN" sz="1350" dirty="0">
+                <a:solidFill>
+                  <a:srgbClr val="000000"/>
                 </a:solidFill>
                 <a:latin typeface="Consolas" panose="020B0609020204030204" pitchFamily="49" charset="0"/>
                 <a:cs typeface="Consolas" panose="020B0609020204030204" pitchFamily="49" charset="0"/>
               </a:rPr>
-              <a:t>"foo"</a:t>
-            </a:r>
-            <a:r>
-              <a:rPr lang="en-US" altLang="zh-CN" dirty="0">
-                <a:solidFill>
-                  <a:srgbClr val="000000"/>
+              <a:t>(</a:t>
+            </a:r>
+            <a:r>
+              <a:rPr lang="en-US" altLang="zh-CN" sz="1350" dirty="0">
+                <a:solidFill>
+                  <a:srgbClr val="0000FF"/>
                 </a:solidFill>
                 <a:latin typeface="Consolas" panose="020B0609020204030204" pitchFamily="49" charset="0"/>
                 <a:cs typeface="Consolas" panose="020B0609020204030204" pitchFamily="49" charset="0"/>
               </a:rPr>
-              <a:t>);</a:t>
-            </a:r>
-            <a:r>
-              <a:rPr lang="en-US" altLang="zh-CN" dirty="0">
+              <a:t>"foo"</a:t>
+            </a:r>
+            <a:r>
+              <a:rPr lang="en-US" altLang="zh-CN" sz="1350" dirty="0">
+                <a:solidFill>
+                  <a:srgbClr val="000000"/>
+                </a:solidFill>
                 <a:latin typeface="Consolas" panose="020B0609020204030204" pitchFamily="49" charset="0"/>
                 <a:cs typeface="Consolas" panose="020B0609020204030204" pitchFamily="49" charset="0"/>
               </a:rPr>
-              <a:t/>
-            </a:r>
-            <a:br>
-              <a:rPr lang="en-US" altLang="zh-CN" dirty="0">
+              <a:t>);</a:t>
+            </a:r>
+            <a:r>
+              <a:rPr lang="en-US" altLang="zh-CN" sz="1350" dirty="0">
                 <a:latin typeface="Consolas" panose="020B0609020204030204" pitchFamily="49" charset="0"/>
                 <a:cs typeface="Consolas" panose="020B0609020204030204" pitchFamily="49" charset="0"/>
               </a:rPr>
-            </a:br>
-            <a:r>
-              <a:rPr lang="en-US" altLang="zh-CN" i="1" dirty="0">
-                <a:solidFill>
-                  <a:srgbClr val="008800"/>
-                </a:solidFill>
+              <a:t/>
+            </a:r>
+            <a:br>
+              <a:rPr lang="en-US" altLang="zh-CN" sz="1350" dirty="0">
                 <a:latin typeface="Consolas" panose="020B0609020204030204" pitchFamily="49" charset="0"/>
                 <a:cs typeface="Consolas" panose="020B0609020204030204" pitchFamily="49" charset="0"/>
               </a:rPr>
-              <a:t>// @org.n3r.diamond.client.DemoUpdater("${bar}") @Timestamp("${bar}-09-31 08:41:26.335</a:t>
-            </a:r>
-            <a:r>
-              <a:rPr lang="en-US" altLang="zh-CN" i="1" dirty="0" smtClean="0">
+            </a:br>
+            <a:r>
+              <a:rPr lang="en-US" altLang="zh-CN" sz="1350" i="1" dirty="0">
                 <a:solidFill>
                   <a:srgbClr val="008800"/>
                 </a:solidFill>
                 <a:latin typeface="Consolas" panose="020B0609020204030204" pitchFamily="49" charset="0"/>
                 <a:cs typeface="Consolas" panose="020B0609020204030204" pitchFamily="49" charset="0"/>
               </a:rPr>
-              <a:t>")</a:t>
-            </a:r>
-          </a:p>
-          <a:p>
-            <a:endParaRPr lang="en-US" altLang="zh-CN" i="1" dirty="0">
-              <a:solidFill>
-                <a:srgbClr val="008800"/>
-              </a:solidFill>
-              <a:latin typeface="Consolas" panose="020B0609020204030204" pitchFamily="49" charset="0"/>
-              <a:cs typeface="Consolas" panose="020B0609020204030204" pitchFamily="49" charset="0"/>
-            </a:endParaRPr>
-          </a:p>
-          <a:p>
-            <a:r>
-              <a:rPr lang="en-US" altLang="zh-CN" dirty="0">
+              <a:t>// @org.n3r.diamond.client.DemoUpdater("${bar}") @Timestamp("${bar}-09-31 08:41:26.335</a:t>
+            </a:r>
+            <a:r>
+              <a:rPr lang="en-US" altLang="zh-CN" sz="1350" i="1" dirty="0">
+                <a:solidFill>
+                  <a:srgbClr val="008800"/>
+                </a:solidFill>
                 <a:latin typeface="Consolas" panose="020B0609020204030204" pitchFamily="49" charset="0"/>
                 <a:cs typeface="Consolas" panose="020B0609020204030204" pitchFamily="49" charset="0"/>
               </a:rPr>
-              <a:t/>
-            </a:r>
-            <a:br>
-              <a:rPr lang="en-US" altLang="zh-CN" dirty="0">
+              <a:t>")</a:t>
+            </a:r>
+          </a:p>
+          <a:p>
+            <a:r>
+              <a:rPr lang="en-US" altLang="zh-CN" sz="1350" dirty="0">
                 <a:latin typeface="Consolas" panose="020B0609020204030204" pitchFamily="49" charset="0"/>
                 <a:cs typeface="Consolas" panose="020B0609020204030204" pitchFamily="49" charset="0"/>
               </a:rPr>
-            </a:br>
-            <a:r>
-              <a:rPr lang="en-US" altLang="zh-CN" dirty="0" err="1">
-                <a:solidFill>
-                  <a:srgbClr val="000000"/>
-                </a:solidFill>
+              <a:t/>
+            </a:r>
+            <a:br>
+              <a:rPr lang="en-US" altLang="zh-CN" sz="1350" dirty="0">
                 <a:latin typeface="Consolas" panose="020B0609020204030204" pitchFamily="49" charset="0"/>
                 <a:cs typeface="Consolas" panose="020B0609020204030204" pitchFamily="49" charset="0"/>
               </a:rPr>
-              <a:t>DemoCacheBean</a:t>
-            </a:r>
-            <a:r>
-              <a:rPr lang="en-US" altLang="zh-CN" dirty="0">
+            </a:br>
+            <a:r>
+              <a:rPr lang="en-US" altLang="zh-CN" sz="1350" dirty="0" err="1">
                 <a:solidFill>
                   <a:srgbClr val="000000"/>
                 </a:solidFill>
                 <a:latin typeface="Consolas" panose="020B0609020204030204" pitchFamily="49" charset="0"/>
                 <a:cs typeface="Consolas" panose="020B0609020204030204" pitchFamily="49" charset="0"/>
               </a:rPr>
-              <a:t> cached = </a:t>
-            </a:r>
-            <a:r>
-              <a:rPr lang="en-US" altLang="zh-CN" dirty="0" err="1">
+              <a:t>DemoCacheBean</a:t>
+            </a:r>
+            <a:r>
+              <a:rPr lang="en-US" altLang="zh-CN" sz="1350" dirty="0">
                 <a:solidFill>
                   <a:srgbClr val="000000"/>
                 </a:solidFill>
                 <a:latin typeface="Consolas" panose="020B0609020204030204" pitchFamily="49" charset="0"/>
                 <a:cs typeface="Consolas" panose="020B0609020204030204" pitchFamily="49" charset="0"/>
               </a:rPr>
-              <a:t>DiamondMiner.</a:t>
-            </a:r>
-            <a:r>
-              <a:rPr lang="en-US" altLang="zh-CN" dirty="0" err="1">
-                <a:solidFill>
-                  <a:srgbClr val="FF0000"/>
+              <a:t> cached = </a:t>
+            </a:r>
+            <a:r>
+              <a:rPr lang="en-US" altLang="zh-CN" sz="1350" dirty="0" smtClean="0">
+                <a:solidFill>
+                  <a:srgbClr val="0000FF"/>
                 </a:solidFill>
                 <a:latin typeface="Consolas" panose="020B0609020204030204" pitchFamily="49" charset="0"/>
                 <a:cs typeface="Consolas" panose="020B0609020204030204" pitchFamily="49" charset="0"/>
               </a:rPr>
-              <a:t>getCache</a:t>
-            </a:r>
-            <a:r>
-              <a:rPr lang="en-US" altLang="zh-CN" dirty="0">
+              <a:t>new</a:t>
+            </a:r>
+            <a:r>
+              <a:rPr lang="en-US" altLang="zh-CN" sz="1350" dirty="0" smtClean="0">
                 <a:solidFill>
                   <a:srgbClr val="000000"/>
                 </a:solidFill>
                 <a:latin typeface="Consolas" panose="020B0609020204030204" pitchFamily="49" charset="0"/>
                 <a:cs typeface="Consolas" panose="020B0609020204030204" pitchFamily="49" charset="0"/>
               </a:rPr>
-              <a:t>(</a:t>
-            </a:r>
-            <a:r>
-              <a:rPr lang="en-US" altLang="zh-CN" dirty="0">
-                <a:solidFill>
-                  <a:srgbClr val="0000FF"/>
+              <a:t> Miner().</a:t>
+            </a:r>
+            <a:r>
+              <a:rPr lang="en-US" altLang="zh-CN" sz="1350" dirty="0" err="1" smtClean="0">
+                <a:solidFill>
+                  <a:srgbClr val="FF0000"/>
                 </a:solidFill>
                 <a:latin typeface="Consolas" panose="020B0609020204030204" pitchFamily="49" charset="0"/>
                 <a:cs typeface="Consolas" panose="020B0609020204030204" pitchFamily="49" charset="0"/>
               </a:rPr>
-              <a:t>"foo"</a:t>
-            </a:r>
-            <a:r>
-              <a:rPr lang="en-US" altLang="zh-CN" dirty="0">
+              <a:t>getCache</a:t>
+            </a:r>
+            <a:r>
+              <a:rPr lang="en-US" altLang="zh-CN" sz="1350" dirty="0">
                 <a:solidFill>
                   <a:srgbClr val="000000"/>
                 </a:solidFill>
                 <a:latin typeface="Consolas" panose="020B0609020204030204" pitchFamily="49" charset="0"/>
                 <a:cs typeface="Consolas" panose="020B0609020204030204" pitchFamily="49" charset="0"/>
               </a:rPr>
+              <a:t>(</a:t>
+            </a:r>
+            <a:r>
+              <a:rPr lang="en-US" altLang="zh-CN" sz="1350" dirty="0">
+                <a:solidFill>
+                  <a:srgbClr val="0000FF"/>
+                </a:solidFill>
+                <a:latin typeface="Consolas" panose="020B0609020204030204" pitchFamily="49" charset="0"/>
+                <a:cs typeface="Consolas" panose="020B0609020204030204" pitchFamily="49" charset="0"/>
+              </a:rPr>
+              <a:t>"foo"</a:t>
+            </a:r>
+            <a:r>
+              <a:rPr lang="en-US" altLang="zh-CN" sz="1350" dirty="0">
+                <a:solidFill>
+                  <a:srgbClr val="000000"/>
+                </a:solidFill>
+                <a:latin typeface="Consolas" panose="020B0609020204030204" pitchFamily="49" charset="0"/>
+                <a:cs typeface="Consolas" panose="020B0609020204030204" pitchFamily="49" charset="0"/>
+              </a:rPr>
               <a:t>);</a:t>
             </a:r>
-            <a:endParaRPr lang="zh-CN" altLang="en-US" dirty="0">
+            <a:endParaRPr lang="zh-CN" altLang="en-US" sz="1350" dirty="0">
               <a:latin typeface="Consolas" panose="020B0609020204030204" pitchFamily="49" charset="0"/>
               <a:cs typeface="Consolas" panose="020B0609020204030204" pitchFamily="49" charset="0"/>
             </a:endParaRPr>
@@ -10565,7 +10351,7 @@
   <p:timing>
     <p:tnLst>
       <p:par>
-        <p:cTn xmlns:p14="http://schemas.microsoft.com/office/powerpoint/2010/main" id="1" dur="indefinite" restart="never" nodeType="tmRoot"/>
+        <p:cTn id="1" dur="indefinite" restart="never" nodeType="tmRoot"/>
       </p:par>
     </p:tnLst>
   </p:timing>
@@ -10632,8 +10418,8 @@
         </p:blipFill>
         <p:spPr>
           <a:xfrm>
-            <a:off x="559362" y="2034436"/>
-            <a:ext cx="2438400" cy="2438400"/>
+            <a:off x="419522" y="2383077"/>
+            <a:ext cx="1828800" cy="1828800"/>
           </a:xfrm>
           <a:prstGeom prst="rect">
             <a:avLst/>
@@ -10648,8 +10434,8 @@
         </p:nvSpPr>
         <p:spPr>
           <a:xfrm>
-            <a:off x="1140003" y="4816584"/>
-            <a:ext cx="1569660" cy="369332"/>
+            <a:off x="855002" y="4469688"/>
+            <a:ext cx="1223412" cy="300082"/>
           </a:xfrm>
           <a:prstGeom prst="rect">
             <a:avLst/>
@@ -10663,10 +10449,10 @@
           <a:lstStyle/>
           <a:p>
             <a:r>
-              <a:rPr lang="zh-CN" altLang="en-US" dirty="0" smtClean="0"/>
+              <a:rPr lang="zh-CN" altLang="en-US" sz="1350" dirty="0"/>
               <a:t>本地容灾目录</a:t>
             </a:r>
-            <a:endParaRPr lang="zh-CN" altLang="en-US" dirty="0"/>
+            <a:endParaRPr lang="zh-CN" altLang="en-US" sz="1350" dirty="0"/>
           </a:p>
         </p:txBody>
       </p:sp>
@@ -10685,8 +10471,8 @@
         </p:blipFill>
         <p:spPr>
           <a:xfrm>
-            <a:off x="5426034" y="2376200"/>
-            <a:ext cx="2066442" cy="1754872"/>
+            <a:off x="4069525" y="2639400"/>
+            <a:ext cx="1549832" cy="1316154"/>
           </a:xfrm>
           <a:prstGeom prst="rect">
             <a:avLst/>
@@ -10701,8 +10487,8 @@
         </p:nvSpPr>
         <p:spPr>
           <a:xfrm>
-            <a:off x="6739002" y="3669407"/>
-            <a:ext cx="665791" cy="461665"/>
+            <a:off x="5054254" y="3609307"/>
+            <a:ext cx="499343" cy="646331"/>
           </a:xfrm>
           <a:prstGeom prst="rect">
             <a:avLst/>
@@ -10718,10 +10504,10 @@
           <a:lstStyle/>
           <a:p>
             <a:r>
-              <a:rPr lang="en-US" altLang="zh-CN" sz="2400" b="1" dirty="0" smtClean="0"/>
+              <a:rPr lang="en-US" altLang="zh-CN" b="1" dirty="0"/>
               <a:t>API</a:t>
             </a:r>
-            <a:endParaRPr lang="zh-CN" altLang="en-US" sz="2400" b="1" dirty="0"/>
+            <a:endParaRPr lang="zh-CN" altLang="en-US" b="1" dirty="0"/>
           </a:p>
         </p:txBody>
       </p:sp>
@@ -10741,8 +10527,8 @@
         </p:blipFill>
         <p:spPr>
           <a:xfrm>
-            <a:off x="9194238" y="2376200"/>
-            <a:ext cx="1905000" cy="1754872"/>
+            <a:off x="6895679" y="2639400"/>
+            <a:ext cx="1428750" cy="1316154"/>
           </a:xfrm>
           <a:prstGeom prst="rect">
             <a:avLst/>
@@ -10765,8 +10551,8 @@
         </p:blipFill>
         <p:spPr>
           <a:xfrm>
-            <a:off x="4192864" y="2644036"/>
-            <a:ext cx="1219200" cy="1219200"/>
+            <a:off x="3144648" y="2840277"/>
+            <a:ext cx="914400" cy="914400"/>
           </a:xfrm>
           <a:prstGeom prst="rect">
             <a:avLst/>
@@ -10781,8 +10567,8 @@
         </p:nvSpPr>
         <p:spPr>
           <a:xfrm>
-            <a:off x="4321614" y="4810647"/>
-            <a:ext cx="3291157" cy="369332"/>
+            <a:off x="3241213" y="4465235"/>
+            <a:ext cx="2516971" cy="300082"/>
           </a:xfrm>
           <a:prstGeom prst="rect">
             <a:avLst/>
@@ -10796,18 +10582,18 @@
           <a:lstStyle/>
           <a:p>
             <a:r>
-              <a:rPr lang="zh-CN" altLang="en-US" dirty="0" smtClean="0"/>
+              <a:rPr lang="zh-CN" altLang="en-US" sz="1350" dirty="0"/>
               <a:t>带有缓存的</a:t>
             </a:r>
             <a:r>
-              <a:rPr lang="en-US" altLang="zh-CN" dirty="0" smtClean="0"/>
+              <a:rPr lang="en-US" altLang="zh-CN" sz="1350" dirty="0"/>
               <a:t>diamond-server</a:t>
             </a:r>
             <a:r>
-              <a:rPr lang="zh-CN" altLang="en-US" dirty="0" smtClean="0"/>
+              <a:rPr lang="zh-CN" altLang="en-US" sz="1350" dirty="0"/>
               <a:t>请求</a:t>
             </a:r>
-            <a:endParaRPr lang="zh-CN" altLang="en-US" dirty="0"/>
+            <a:endParaRPr lang="zh-CN" altLang="en-US" sz="1350" dirty="0"/>
           </a:p>
         </p:txBody>
       </p:sp>
@@ -10819,8 +10605,8 @@
         </p:nvSpPr>
         <p:spPr>
           <a:xfrm>
-            <a:off x="9361908" y="4810647"/>
-            <a:ext cx="1107996" cy="369332"/>
+            <a:off x="7021432" y="4465235"/>
+            <a:ext cx="877163" cy="300082"/>
           </a:xfrm>
           <a:prstGeom prst="rect">
             <a:avLst/>
@@ -10834,10 +10620,10 @@
           <a:lstStyle/>
           <a:p>
             <a:r>
-              <a:rPr lang="zh-CN" altLang="en-US" dirty="0" smtClean="0"/>
+              <a:rPr lang="zh-CN" altLang="en-US" sz="1350" dirty="0"/>
               <a:t>本地快照</a:t>
             </a:r>
-            <a:endParaRPr lang="zh-CN" altLang="en-US" dirty="0"/>
+            <a:endParaRPr lang="zh-CN" altLang="en-US" sz="1350" dirty="0"/>
           </a:p>
         </p:txBody>
       </p:sp>
@@ -10849,8 +10635,8 @@
         </p:nvSpPr>
         <p:spPr>
           <a:xfrm>
-            <a:off x="2903572" y="3190287"/>
-            <a:ext cx="876822" cy="609600"/>
+            <a:off x="2177679" y="3249965"/>
+            <a:ext cx="657617" cy="457200"/>
           </a:xfrm>
           <a:prstGeom prst="stripedRightArrow">
             <a:avLst/>
@@ -10877,7 +10663,7 @@
           <a:lstStyle/>
           <a:p>
             <a:pPr algn="ctr"/>
-            <a:endParaRPr lang="zh-CN" altLang="en-US"/>
+            <a:endParaRPr lang="zh-CN" altLang="en-US" sz="1350"/>
           </a:p>
         </p:txBody>
       </p:sp>
@@ -10889,8 +10675,8 @@
         </p:nvSpPr>
         <p:spPr>
           <a:xfrm>
-            <a:off x="8041331" y="3190287"/>
-            <a:ext cx="876822" cy="609600"/>
+            <a:off x="6030998" y="3249965"/>
+            <a:ext cx="657617" cy="457200"/>
           </a:xfrm>
           <a:prstGeom prst="stripedRightArrow">
             <a:avLst/>
@@ -10917,7 +10703,7 @@
           <a:lstStyle/>
           <a:p>
             <a:pPr algn="ctr"/>
-            <a:endParaRPr lang="zh-CN" altLang="en-US"/>
+            <a:endParaRPr lang="zh-CN" altLang="en-US" sz="1350"/>
           </a:p>
         </p:txBody>
       </p:sp>
@@ -10934,7 +10720,7 @@
   <p:timing>
     <p:tnLst>
       <p:par>
-        <p:cTn xmlns:p14="http://schemas.microsoft.com/office/powerpoint/2010/main" id="1" dur="indefinite" restart="never" nodeType="tmRoot"/>
+        <p:cTn id="1" dur="indefinite" restart="never" nodeType="tmRoot"/>
       </p:par>
     </p:tnLst>
   </p:timing>
@@ -11001,8 +10787,8 @@
         </p:nvSpPr>
         <p:spPr>
           <a:xfrm>
-            <a:off x="838200" y="2123100"/>
-            <a:ext cx="4635718" cy="2308324"/>
+            <a:off x="628650" y="2449575"/>
+            <a:ext cx="3476789" cy="1754326"/>
           </a:xfrm>
           <a:prstGeom prst="rect">
             <a:avLst/>
@@ -11030,14 +10816,14 @@
           <a:lstStyle/>
           <a:p>
             <a:r>
-              <a:rPr lang="zh-CN" altLang="en-US" dirty="0" smtClean="0">
+              <a:rPr lang="zh-CN" altLang="en-US" sz="1350" dirty="0">
                 <a:latin typeface="Consolas" panose="020B0609020204030204" pitchFamily="49" charset="0"/>
                 <a:cs typeface="Consolas" panose="020B0609020204030204" pitchFamily="49" charset="0"/>
               </a:rPr>
               <a:t>.</a:t>
             </a:r>
             <a:r>
-              <a:rPr lang="zh-CN" altLang="en-US" dirty="0">
+              <a:rPr lang="zh-CN" altLang="en-US" sz="1350" dirty="0">
                 <a:latin typeface="Consolas" panose="020B0609020204030204" pitchFamily="49" charset="0"/>
                 <a:cs typeface="Consolas" panose="020B0609020204030204" pitchFamily="49" charset="0"/>
               </a:rPr>
@@ -11046,7 +10832,7 @@
           </a:p>
           <a:p>
             <a:r>
-              <a:rPr lang="zh-CN" altLang="en-US" dirty="0">
+              <a:rPr lang="zh-CN" altLang="en-US" sz="1350" dirty="0">
                 <a:latin typeface="Consolas" panose="020B0609020204030204" pitchFamily="49" charset="0"/>
                 <a:cs typeface="Consolas" panose="020B0609020204030204" pitchFamily="49" charset="0"/>
               </a:rPr>
@@ -11055,7 +10841,7 @@
           </a:p>
           <a:p>
             <a:r>
-              <a:rPr lang="zh-CN" altLang="en-US" dirty="0">
+              <a:rPr lang="zh-CN" altLang="en-US" sz="1350" dirty="0">
                 <a:latin typeface="Consolas" panose="020B0609020204030204" pitchFamily="49" charset="0"/>
                 <a:cs typeface="Consolas" panose="020B0609020204030204" pitchFamily="49" charset="0"/>
               </a:rPr>
@@ -11064,7 +10850,7 @@
           </a:p>
           <a:p>
             <a:r>
-              <a:rPr lang="zh-CN" altLang="en-US" dirty="0">
+              <a:rPr lang="zh-CN" altLang="en-US" sz="1350" dirty="0">
                 <a:latin typeface="Consolas" panose="020B0609020204030204" pitchFamily="49" charset="0"/>
                 <a:cs typeface="Consolas" panose="020B0609020204030204" pitchFamily="49" charset="0"/>
               </a:rPr>
@@ -11073,7 +10859,7 @@
           </a:p>
           <a:p>
             <a:r>
-              <a:rPr lang="zh-CN" altLang="en-US" dirty="0">
+              <a:rPr lang="zh-CN" altLang="en-US" sz="1350" dirty="0">
                 <a:latin typeface="Consolas" panose="020B0609020204030204" pitchFamily="49" charset="0"/>
                 <a:cs typeface="Consolas" panose="020B0609020204030204" pitchFamily="49" charset="0"/>
               </a:rPr>
@@ -11082,7 +10868,7 @@
           </a:p>
           <a:p>
             <a:r>
-              <a:rPr lang="zh-CN" altLang="en-US" dirty="0">
+              <a:rPr lang="zh-CN" altLang="en-US" sz="1350" dirty="0">
                 <a:latin typeface="Consolas" panose="020B0609020204030204" pitchFamily="49" charset="0"/>
                 <a:cs typeface="Consolas" panose="020B0609020204030204" pitchFamily="49" charset="0"/>
               </a:rPr>
@@ -11091,7 +10877,7 @@
           </a:p>
           <a:p>
             <a:r>
-              <a:rPr lang="zh-CN" altLang="en-US" dirty="0">
+              <a:rPr lang="zh-CN" altLang="en-US" sz="1350" dirty="0">
                 <a:latin typeface="Consolas" panose="020B0609020204030204" pitchFamily="49" charset="0"/>
                 <a:cs typeface="Consolas" panose="020B0609020204030204" pitchFamily="49" charset="0"/>
               </a:rPr>
@@ -11100,7 +10886,7 @@
           </a:p>
           <a:p>
             <a:r>
-              <a:rPr lang="zh-CN" altLang="en-US" dirty="0">
+              <a:rPr lang="zh-CN" altLang="en-US" sz="1350" dirty="0">
                 <a:latin typeface="Consolas" panose="020B0609020204030204" pitchFamily="49" charset="0"/>
                 <a:cs typeface="Consolas" panose="020B0609020204030204" pitchFamily="49" charset="0"/>
               </a:rPr>
@@ -11117,8 +10903,8 @@
         </p:nvSpPr>
         <p:spPr>
           <a:xfrm>
-            <a:off x="6096000" y="2123100"/>
-            <a:ext cx="4824285" cy="3139321"/>
+            <a:off x="4572002" y="2449576"/>
+            <a:ext cx="3618214" cy="2377574"/>
           </a:xfrm>
           <a:prstGeom prst="rect">
             <a:avLst/>
@@ -11145,14 +10931,14 @@
           <a:lstStyle/>
           <a:p>
             <a:r>
-              <a:rPr lang="zh-CN" altLang="en-US" dirty="0" smtClean="0">
+              <a:rPr lang="zh-CN" altLang="en-US" sz="1350" dirty="0">
                 <a:latin typeface="Consolas" panose="020B0609020204030204" pitchFamily="49" charset="0"/>
                 <a:cs typeface="Consolas" panose="020B0609020204030204" pitchFamily="49" charset="0"/>
               </a:rPr>
               <a:t>.</a:t>
             </a:r>
             <a:r>
-              <a:rPr lang="zh-CN" altLang="en-US" dirty="0">
+              <a:rPr lang="zh-CN" altLang="en-US" sz="1350" dirty="0">
                 <a:latin typeface="Consolas" panose="020B0609020204030204" pitchFamily="49" charset="0"/>
                 <a:cs typeface="Consolas" panose="020B0609020204030204" pitchFamily="49" charset="0"/>
               </a:rPr>
@@ -11161,34 +10947,34 @@
           </a:p>
           <a:p>
             <a:r>
-              <a:rPr lang="zh-CN" altLang="en-US" dirty="0">
+              <a:rPr lang="zh-CN" altLang="en-US" sz="1350" dirty="0">
                 <a:latin typeface="Consolas" panose="020B0609020204030204" pitchFamily="49" charset="0"/>
                 <a:cs typeface="Consolas" panose="020B0609020204030204" pitchFamily="49" charset="0"/>
               </a:rPr>
               <a:t>|____config-</a:t>
             </a:r>
             <a:r>
-              <a:rPr lang="zh-CN" altLang="en-US" dirty="0" smtClean="0">
+              <a:rPr lang="zh-CN" altLang="en-US" sz="1350" dirty="0">
                 <a:latin typeface="Consolas" panose="020B0609020204030204" pitchFamily="49" charset="0"/>
                 <a:cs typeface="Consolas" panose="020B0609020204030204" pitchFamily="49" charset="0"/>
               </a:rPr>
               <a:t>d</a:t>
             </a:r>
             <a:r>
-              <a:rPr lang="en-US" altLang="zh-CN" dirty="0" smtClean="0">
+              <a:rPr lang="en-US" altLang="zh-CN" sz="1350" dirty="0">
                 <a:latin typeface="Consolas" panose="020B0609020204030204" pitchFamily="49" charset="0"/>
                 <a:cs typeface="Consolas" panose="020B0609020204030204" pitchFamily="49" charset="0"/>
               </a:rPr>
               <a:t>ump</a:t>
             </a:r>
-            <a:endParaRPr lang="zh-CN" altLang="en-US" dirty="0">
+            <a:endParaRPr lang="zh-CN" altLang="en-US" sz="1350" dirty="0">
               <a:latin typeface="Consolas" panose="020B0609020204030204" pitchFamily="49" charset="0"/>
               <a:cs typeface="Consolas" panose="020B0609020204030204" pitchFamily="49" charset="0"/>
             </a:endParaRPr>
           </a:p>
           <a:p>
             <a:r>
-              <a:rPr lang="zh-CN" altLang="en-US" dirty="0">
+              <a:rPr lang="zh-CN" altLang="en-US" sz="1350" dirty="0">
                 <a:latin typeface="Consolas" panose="020B0609020204030204" pitchFamily="49" charset="0"/>
                 <a:cs typeface="Consolas" panose="020B0609020204030204" pitchFamily="49" charset="0"/>
               </a:rPr>
@@ -11197,7 +10983,7 @@
           </a:p>
           <a:p>
             <a:r>
-              <a:rPr lang="zh-CN" altLang="en-US" dirty="0">
+              <a:rPr lang="zh-CN" altLang="en-US" sz="1350" dirty="0">
                 <a:latin typeface="Consolas" panose="020B0609020204030204" pitchFamily="49" charset="0"/>
                 <a:cs typeface="Consolas" panose="020B0609020204030204" pitchFamily="49" charset="0"/>
               </a:rPr>
@@ -11206,7 +10992,7 @@
           </a:p>
           <a:p>
             <a:r>
-              <a:rPr lang="zh-CN" altLang="en-US" dirty="0">
+              <a:rPr lang="zh-CN" altLang="en-US" sz="1350" dirty="0">
                 <a:latin typeface="Consolas" panose="020B0609020204030204" pitchFamily="49" charset="0"/>
                 <a:cs typeface="Consolas" panose="020B0609020204030204" pitchFamily="49" charset="0"/>
               </a:rPr>
@@ -11215,7 +11001,7 @@
           </a:p>
           <a:p>
             <a:r>
-              <a:rPr lang="zh-CN" altLang="en-US" dirty="0">
+              <a:rPr lang="zh-CN" altLang="en-US" sz="1350" dirty="0">
                 <a:latin typeface="Consolas" panose="020B0609020204030204" pitchFamily="49" charset="0"/>
                 <a:cs typeface="Consolas" panose="020B0609020204030204" pitchFamily="49" charset="0"/>
               </a:rPr>
@@ -11224,7 +11010,7 @@
           </a:p>
           <a:p>
             <a:r>
-              <a:rPr lang="zh-CN" altLang="en-US" dirty="0">
+              <a:rPr lang="zh-CN" altLang="en-US" sz="1350" dirty="0">
                 <a:latin typeface="Consolas" panose="020B0609020204030204" pitchFamily="49" charset="0"/>
                 <a:cs typeface="Consolas" panose="020B0609020204030204" pitchFamily="49" charset="0"/>
               </a:rPr>
@@ -11233,7 +11019,7 @@
           </a:p>
           <a:p>
             <a:r>
-              <a:rPr lang="zh-CN" altLang="en-US" dirty="0">
+              <a:rPr lang="zh-CN" altLang="en-US" sz="1350" dirty="0">
                 <a:latin typeface="Consolas" panose="020B0609020204030204" pitchFamily="49" charset="0"/>
                 <a:cs typeface="Consolas" panose="020B0609020204030204" pitchFamily="49" charset="0"/>
               </a:rPr>
@@ -11242,7 +11028,7 @@
           </a:p>
           <a:p>
             <a:r>
-              <a:rPr lang="zh-CN" altLang="en-US" dirty="0">
+              <a:rPr lang="zh-CN" altLang="en-US" sz="1350" dirty="0">
                 <a:latin typeface="Consolas" panose="020B0609020204030204" pitchFamily="49" charset="0"/>
                 <a:cs typeface="Consolas" panose="020B0609020204030204" pitchFamily="49" charset="0"/>
               </a:rPr>
@@ -11251,7 +11037,7 @@
           </a:p>
           <a:p>
             <a:r>
-              <a:rPr lang="zh-CN" altLang="en-US" dirty="0">
+              <a:rPr lang="zh-CN" altLang="en-US" sz="1350" dirty="0">
                 <a:latin typeface="Consolas" panose="020B0609020204030204" pitchFamily="49" charset="0"/>
                 <a:cs typeface="Consolas" panose="020B0609020204030204" pitchFamily="49" charset="0"/>
               </a:rPr>
@@ -11260,7 +11046,7 @@
           </a:p>
           <a:p>
             <a:r>
-              <a:rPr lang="zh-CN" altLang="en-US" dirty="0">
+              <a:rPr lang="zh-CN" altLang="en-US" sz="1350" dirty="0">
                 <a:latin typeface="Consolas" panose="020B0609020204030204" pitchFamily="49" charset="0"/>
                 <a:cs typeface="Consolas" panose="020B0609020204030204" pitchFamily="49" charset="0"/>
               </a:rPr>
@@ -11282,7 +11068,7 @@
   <p:timing>
     <p:tnLst>
       <p:par>
-        <p:cTn xmlns:p14="http://schemas.microsoft.com/office/powerpoint/2010/main" id="1" dur="indefinite" restart="never" nodeType="tmRoot"/>
+        <p:cTn id="1" dur="indefinite" restart="never" nodeType="tmRoot"/>
       </p:par>
     </p:tnLst>
   </p:timing>
@@ -11292,7 +11078,7 @@
 <file path=ppt/theme/theme1.xml><?xml version="1.0" encoding="utf-8"?>
 <a:theme xmlns:a="http://schemas.openxmlformats.org/drawingml/2006/main" name="Office 主题">
   <a:themeElements>
-    <a:clrScheme name="Office">
+    <a:clrScheme name="Office 主题">
       <a:dk1>
         <a:sysClr val="windowText" lastClr="000000"/>
       </a:dk1>
@@ -11330,9 +11116,9 @@
         <a:srgbClr val="954F72"/>
       </a:folHlink>
     </a:clrScheme>
-    <a:fontScheme name="Office">
+    <a:fontScheme name="Office 主题">
       <a:majorFont>
-        <a:latin typeface="Calibri Light"/>
+        <a:latin typeface="Calibri Light" panose="020F0302020204030204"/>
         <a:ea typeface=""/>
         <a:cs typeface=""/>
         <a:font script="Jpan" typeface="ＭＳ Ｐゴシック"/>
@@ -11367,7 +11153,7 @@
         <a:font script="Geor" typeface="Sylfaen"/>
       </a:majorFont>
       <a:minorFont>
-        <a:latin typeface="Calibri"/>
+        <a:latin typeface="Calibri" panose="020F0502020204030204"/>
         <a:ea typeface=""/>
         <a:cs typeface=""/>
         <a:font script="Jpan" typeface="ＭＳ Ｐゴシック"/>
@@ -11402,7 +11188,7 @@
         <a:font script="Geor" typeface="Sylfaen"/>
       </a:minorFont>
     </a:fontScheme>
-    <a:fmtScheme name="Office">
+    <a:fmtScheme name="Office 主题">
       <a:fillStyleLst>
         <a:solidFill>
           <a:schemeClr val="phClr"/>
@@ -11544,7 +11330,7 @@
   <a:extraClrSchemeLst/>
   <a:extLst>
     <a:ext uri="{05A4C25C-085E-4340-85A3-A5531E510DB2}">
-      <thm15:themeFamily xmlns="" xmlns:thm15="http://schemas.microsoft.com/office/thememl/2012/main" name="Office Theme" id="{62F939B6-93AF-4DB8-9C6B-D6C7DFDC589F}" vid="{4A3C46E8-61CC-4603-A589-7422A47A8E4A}"/>
+      <thm15:themeFamily xmlns:thm15="http://schemas.microsoft.com/office/thememl/2012/main" name="Office Theme" id="{62F939B6-93AF-4DB8-9C6B-D6C7DFDC589F}" vid="{4A3C46E8-61CC-4603-A589-7422A47A8E4A}"/>
     </a:ext>
   </a:extLst>
 </a:theme>
@@ -11805,7 +11591,7 @@
   <a:extraClrSchemeLst/>
   <a:extLst>
     <a:ext uri="{05A4C25C-085E-4340-85A3-A5531E510DB2}">
-      <thm15:themeFamily xmlns="" xmlns:thm15="http://schemas.microsoft.com/office/thememl/2012/main" name="Office Theme" id="{62F939B6-93AF-4DB8-9C6B-D6C7DFDC589F}" vid="{4A3C46E8-61CC-4603-A589-7422A47A8E4A}"/>
+      <thm15:themeFamily xmlns:thm15="http://schemas.microsoft.com/office/thememl/2012/main" name="Office Theme" id="{62F939B6-93AF-4DB8-9C6B-D6C7DFDC589F}" vid="{4A3C46E8-61CC-4603-A589-7422A47A8E4A}"/>
     </a:ext>
   </a:extLst>
 </a:theme>

--- a/Diamond Miner Intro.pptx
+++ b/Diamond Miner Intro.pptx
@@ -122,7 +122,7 @@
   </p:defaultTextStyle>
   <p:extLst>
     <p:ext uri="{EFAFB233-063F-42B5-8137-9DF3F51BA10A}">
-      <p15:sldGuideLst xmlns:p15="http://schemas.microsoft.com/office/powerpoint/2012/main">
+      <p15:sldGuideLst xmlns:p15="http://schemas.microsoft.com/office/powerpoint/2012/main" xmlns="">
         <p15:guide id="1" orient="horz" pos="2160" userDrawn="1">
           <p15:clr>
             <a:srgbClr val="A4A3A4"/>
@@ -221,7 +221,7 @@
           <a:p>
             <a:fld id="{598ED131-D27B-49C1-99A8-A301900ED106}" type="datetimeFigureOut">
               <a:rPr lang="zh-CN" altLang="en-US" smtClean="0"/>
-              <a:t>2014/10/21</a:t>
+              <a:t>15/1/21</a:t>
             </a:fld>
             <a:endParaRPr lang="zh-CN" altLang="en-US"/>
           </a:p>
@@ -2010,7 +2010,7 @@
           <a:p>
             <a:fld id="{EB4A138F-191D-4BC7-80AB-52578C8866E8}" type="datetimeFigureOut">
               <a:rPr lang="zh-CN" altLang="en-US" smtClean="0"/>
-              <a:t>2014/10/21</a:t>
+              <a:t>15/1/21</a:t>
             </a:fld>
             <a:endParaRPr lang="zh-CN" altLang="en-US"/>
           </a:p>
@@ -2180,7 +2180,7 @@
           <a:p>
             <a:fld id="{EB4A138F-191D-4BC7-80AB-52578C8866E8}" type="datetimeFigureOut">
               <a:rPr lang="zh-CN" altLang="en-US" smtClean="0"/>
-              <a:t>2014/10/21</a:t>
+              <a:t>15/1/21</a:t>
             </a:fld>
             <a:endParaRPr lang="zh-CN" altLang="en-US"/>
           </a:p>
@@ -2360,7 +2360,7 @@
           <a:p>
             <a:fld id="{EB4A138F-191D-4BC7-80AB-52578C8866E8}" type="datetimeFigureOut">
               <a:rPr lang="zh-CN" altLang="en-US" smtClean="0"/>
-              <a:t>2014/10/21</a:t>
+              <a:t>15/1/21</a:t>
             </a:fld>
             <a:endParaRPr lang="zh-CN" altLang="en-US"/>
           </a:p>
@@ -2530,7 +2530,7 @@
           <a:p>
             <a:fld id="{EB4A138F-191D-4BC7-80AB-52578C8866E8}" type="datetimeFigureOut">
               <a:rPr lang="zh-CN" altLang="en-US" smtClean="0"/>
-              <a:t>2014/10/21</a:t>
+              <a:t>15/1/21</a:t>
             </a:fld>
             <a:endParaRPr lang="zh-CN" altLang="en-US"/>
           </a:p>
@@ -2774,7 +2774,7 @@
           <a:p>
             <a:fld id="{EB4A138F-191D-4BC7-80AB-52578C8866E8}" type="datetimeFigureOut">
               <a:rPr lang="zh-CN" altLang="en-US" smtClean="0"/>
-              <a:t>2014/10/21</a:t>
+              <a:t>15/1/21</a:t>
             </a:fld>
             <a:endParaRPr lang="zh-CN" altLang="en-US"/>
           </a:p>
@@ -3006,7 +3006,7 @@
           <a:p>
             <a:fld id="{EB4A138F-191D-4BC7-80AB-52578C8866E8}" type="datetimeFigureOut">
               <a:rPr lang="zh-CN" altLang="en-US" smtClean="0"/>
-              <a:t>2014/10/21</a:t>
+              <a:t>15/1/21</a:t>
             </a:fld>
             <a:endParaRPr lang="zh-CN" altLang="en-US"/>
           </a:p>
@@ -3373,7 +3373,7 @@
           <a:p>
             <a:fld id="{EB4A138F-191D-4BC7-80AB-52578C8866E8}" type="datetimeFigureOut">
               <a:rPr lang="zh-CN" altLang="en-US" smtClean="0"/>
-              <a:t>2014/10/21</a:t>
+              <a:t>15/1/21</a:t>
             </a:fld>
             <a:endParaRPr lang="zh-CN" altLang="en-US"/>
           </a:p>
@@ -3495,7 +3495,7 @@
           <a:p>
             <a:fld id="{EB4A138F-191D-4BC7-80AB-52578C8866E8}" type="datetimeFigureOut">
               <a:rPr lang="zh-CN" altLang="en-US" smtClean="0"/>
-              <a:t>2014/10/21</a:t>
+              <a:t>15/1/21</a:t>
             </a:fld>
             <a:endParaRPr lang="zh-CN" altLang="en-US"/>
           </a:p>
@@ -3590,7 +3590,7 @@
           <a:p>
             <a:fld id="{EB4A138F-191D-4BC7-80AB-52578C8866E8}" type="datetimeFigureOut">
               <a:rPr lang="zh-CN" altLang="en-US" smtClean="0"/>
-              <a:t>2014/10/21</a:t>
+              <a:t>15/1/21</a:t>
             </a:fld>
             <a:endParaRPr lang="zh-CN" altLang="en-US"/>
           </a:p>
@@ -3867,7 +3867,7 @@
           <a:p>
             <a:fld id="{EB4A138F-191D-4BC7-80AB-52578C8866E8}" type="datetimeFigureOut">
               <a:rPr lang="zh-CN" altLang="en-US" smtClean="0"/>
-              <a:t>2014/10/21</a:t>
+              <a:t>15/1/21</a:t>
             </a:fld>
             <a:endParaRPr lang="zh-CN" altLang="en-US"/>
           </a:p>
@@ -4124,7 +4124,7 @@
           <a:p>
             <a:fld id="{EB4A138F-191D-4BC7-80AB-52578C8866E8}" type="datetimeFigureOut">
               <a:rPr lang="zh-CN" altLang="en-US" smtClean="0"/>
-              <a:t>2014/10/21</a:t>
+              <a:t>15/1/21</a:t>
             </a:fld>
             <a:endParaRPr lang="zh-CN" altLang="en-US"/>
           </a:p>
@@ -4337,7 +4337,7 @@
           <a:p>
             <a:fld id="{EB4A138F-191D-4BC7-80AB-52578C8866E8}" type="datetimeFigureOut">
               <a:rPr lang="zh-CN" altLang="en-US" smtClean="0"/>
-              <a:t>2014/10/21</a:t>
+              <a:t>15/1/21</a:t>
             </a:fld>
             <a:endParaRPr lang="zh-CN" altLang="en-US"/>
           </a:p>
@@ -4831,7 +4831,7 @@
   <p:timing>
     <p:tnLst>
       <p:par>
-        <p:cTn id="1" dur="indefinite" restart="never" nodeType="tmRoot"/>
+        <p:cTn xmlns:p14="http://schemas.microsoft.com/office/powerpoint/2010/main" id="1" dur="indefinite" restart="never" nodeType="tmRoot"/>
       </p:par>
     </p:tnLst>
   </p:timing>
@@ -4918,11 +4918,7 @@
             <a:pPr lvl="1"/>
             <a:r>
               <a:rPr lang="zh-CN" altLang="en-US" sz="1600" dirty="0" smtClean="0"/>
-              <a:t>优先：当前</a:t>
-            </a:r>
-            <a:r>
-              <a:rPr lang="zh-CN" altLang="en-US" sz="1600" dirty="0" smtClean="0"/>
-              <a:t>目录下的</a:t>
+              <a:t>优先：当前目录下的</a:t>
             </a:r>
             <a:r>
               <a:rPr lang="en-US" altLang="zh-CN" sz="1600" dirty="0" smtClean="0"/>
@@ -5049,11 +5045,7 @@
             </a:r>
             <a:r>
               <a:rPr lang="en-US" altLang="zh-CN" sz="1600" dirty="0" smtClean="0"/>
-              <a:t>: </a:t>
-            </a:r>
-            <a:r>
-              <a:rPr lang="en-US" altLang="zh-CN" sz="1600" dirty="0" smtClean="0"/>
-              <a:t>diamond-</a:t>
+              <a:t>: diamond-</a:t>
             </a:r>
             <a:r>
               <a:rPr lang="en-US" altLang="zh-CN" sz="1600" dirty="0" err="1" smtClean="0"/>
@@ -5117,23 +5109,15 @@
             </a:r>
             <a:r>
               <a:rPr lang="zh-CN" altLang="en-US" sz="1600" dirty="0" smtClean="0"/>
-              <a:t>中有没有</a:t>
-            </a:r>
+              <a:t>中有没有定义</a:t>
+            </a:r>
+            <a:endParaRPr lang="en-US" altLang="zh-CN" sz="1600" dirty="0" smtClean="0"/>
+          </a:p>
+          <a:p>
+            <a:pPr lvl="1"/>
             <a:r>
               <a:rPr lang="zh-CN" altLang="en-US" sz="1600" dirty="0" smtClean="0"/>
-              <a:t>定义</a:t>
-            </a:r>
-            <a:endParaRPr lang="en-US" altLang="zh-CN" sz="1600" dirty="0" smtClean="0"/>
-          </a:p>
-          <a:p>
-            <a:pPr lvl="1"/>
-            <a:r>
-              <a:rPr lang="zh-CN" altLang="en-US" sz="1600" dirty="0" smtClean="0"/>
-              <a:t>注意</a:t>
-            </a:r>
-            <a:r>
-              <a:rPr lang="zh-CN" altLang="en-US" sz="1600" dirty="0" smtClean="0"/>
-              <a:t>：</a:t>
+              <a:t>注意：</a:t>
             </a:r>
             <a:r>
               <a:rPr lang="en-US" altLang="zh-CN" sz="1600" dirty="0" smtClean="0">
@@ -5228,11 +5212,7 @@
             </a:r>
             <a:r>
               <a:rPr lang="zh-CN" altLang="en-US" sz="1600" dirty="0" smtClean="0"/>
-              <a:t>请求一个配置，超时</a:t>
-            </a:r>
-            <a:r>
-              <a:rPr lang="zh-CN" altLang="en-US" sz="1600" dirty="0" smtClean="0"/>
-              <a:t>为</a:t>
+              <a:t>请求一个配置，超时为</a:t>
             </a:r>
             <a:r>
               <a:rPr lang="en-US" altLang="zh-CN" sz="1600" b="1" dirty="0" smtClean="0">
@@ -5284,11 +5264,7 @@
             </a:r>
             <a:r>
               <a:rPr lang="zh-CN" altLang="en-US" sz="1600" dirty="0" smtClean="0"/>
-              <a:t>连接超时</a:t>
-            </a:r>
-            <a:r>
-              <a:rPr lang="zh-CN" altLang="en-US" sz="1600" dirty="0" smtClean="0"/>
-              <a:t>为</a:t>
+              <a:t>连接超时为</a:t>
             </a:r>
             <a:r>
               <a:rPr lang="en-US" altLang="zh-CN" sz="1600" b="1" dirty="0" smtClean="0">
@@ -5320,11 +5296,7 @@
             </a:r>
             <a:r>
               <a:rPr lang="zh-CN" altLang="en-US" sz="1600" dirty="0" smtClean="0"/>
-              <a:t>缓存读时加载超时</a:t>
-            </a:r>
-            <a:r>
-              <a:rPr lang="zh-CN" altLang="en-US" sz="1600" dirty="0" smtClean="0"/>
-              <a:t>为</a:t>
+              <a:t>缓存读时加载超时为</a:t>
             </a:r>
             <a:r>
               <a:rPr lang="en-US" altLang="zh-CN" sz="1600" b="1" dirty="0">
@@ -5395,7 +5367,7 @@
   <p:timing>
     <p:tnLst>
       <p:par>
-        <p:cTn id="1" dur="indefinite" restart="never" nodeType="tmRoot"/>
+        <p:cTn xmlns:p14="http://schemas.microsoft.com/office/powerpoint/2010/main" id="1" dur="indefinite" restart="never" nodeType="tmRoot"/>
       </p:par>
     </p:tnLst>
   </p:timing>
@@ -5583,7 +5555,6 @@
               <a:rPr lang="en-US" altLang="zh-CN" dirty="0" smtClean="0"/>
               <a:t>diamond-server</a:t>
             </a:r>
-            <a:endParaRPr lang="en-US" altLang="zh-CN" dirty="0" smtClean="0"/>
           </a:p>
           <a:p>
             <a:pPr lvl="1"/>
@@ -5640,7 +5611,7 @@
   <p:timing>
     <p:tnLst>
       <p:par>
-        <p:cTn id="1" dur="indefinite" restart="never" nodeType="tmRoot"/>
+        <p:cTn xmlns:p14="http://schemas.microsoft.com/office/powerpoint/2010/main" id="1" dur="indefinite" restart="never" nodeType="tmRoot"/>
       </p:par>
     </p:tnLst>
   </p:timing>
@@ -5904,7 +5875,7 @@
   <p:timing>
     <p:tnLst>
       <p:par>
-        <p:cTn id="1" dur="indefinite" restart="never" nodeType="tmRoot"/>
+        <p:cTn xmlns:p14="http://schemas.microsoft.com/office/powerpoint/2010/main" id="1" dur="indefinite" restart="never" nodeType="tmRoot"/>
       </p:par>
     </p:tnLst>
   </p:timing>
@@ -6128,7 +6099,7 @@
   <p:timing>
     <p:tnLst>
       <p:par>
-        <p:cTn id="1" dur="indefinite" restart="never" nodeType="tmRoot"/>
+        <p:cTn xmlns:p14="http://schemas.microsoft.com/office/powerpoint/2010/main" id="1" dur="indefinite" restart="never" nodeType="tmRoot"/>
       </p:par>
     </p:tnLst>
   </p:timing>
@@ -6282,13 +6253,8 @@
             </a:r>
             <a:r>
               <a:rPr lang="zh-TW" altLang="en-US" sz="1600" dirty="0"/>
-              <a:t>很不友好</a:t>
-            </a:r>
-            <a:r>
-              <a:rPr lang="zh-TW" altLang="en-US" sz="1600" dirty="0"/>
-              <a:t>。</a:t>
-            </a:r>
-            <a:endParaRPr lang="zh-TW" altLang="en-US" sz="1600" dirty="0"/>
+              <a:t>很不友好。</a:t>
+            </a:r>
           </a:p>
           <a:p>
             <a:endParaRPr lang="zh-TW" altLang="en-US" sz="1600" dirty="0"/>
@@ -6306,19 +6272,12 @@
               <a:rPr lang="en-US" altLang="zh-TW" sz="1600" dirty="0">
                 <a:hlinkClick r:id="rId2"/>
               </a:rPr>
-              <a:t>https://github.com/bingoohuang/diamond-miner/blob/master/Diamond%20Miner%</a:t>
-            </a:r>
-            <a:r>
-              <a:rPr lang="en-US" altLang="zh-TW" sz="1600" dirty="0">
-                <a:hlinkClick r:id="rId2"/>
-              </a:rPr>
-              <a:t>20Intro.pptx</a:t>
+              <a:t>https://github.com/bingoohuang/diamond-miner/blob/master/Diamond%20Miner%20Intro.pptx</a:t>
             </a:r>
             <a:r>
               <a:rPr lang="en-US" altLang="zh-TW" sz="1600" dirty="0"/>
               <a:t> </a:t>
             </a:r>
-            <a:endParaRPr lang="en-US" altLang="zh-TW" sz="1600" dirty="0"/>
           </a:p>
           <a:p>
             <a:endParaRPr lang="en-US" altLang="zh-TW" sz="1600" dirty="0"/>
@@ -6344,19 +6303,12 @@
               <a:rPr lang="en-US" altLang="zh-TW" sz="1600" dirty="0">
                 <a:hlinkClick r:id="rId3"/>
               </a:rPr>
-              <a:t>http://rdc.taobao.com/team/jm/archives/</a:t>
-            </a:r>
-            <a:r>
-              <a:rPr lang="en-US" altLang="zh-TW" sz="1600" dirty="0">
-                <a:hlinkClick r:id="rId3"/>
-              </a:rPr>
-              <a:t>1588</a:t>
+              <a:t>http://rdc.taobao.com/team/jm/archives/1588</a:t>
             </a:r>
             <a:r>
               <a:rPr lang="en-US" altLang="zh-TW" sz="1600" dirty="0"/>
               <a:t> </a:t>
             </a:r>
-            <a:endParaRPr lang="en-US" altLang="zh-TW" sz="1600" dirty="0"/>
           </a:p>
           <a:p>
             <a:r>
@@ -6379,19 +6331,12 @@
               <a:rPr lang="en-US" altLang="zh-TW" sz="1600" dirty="0">
                 <a:hlinkClick r:id="rId4"/>
               </a:rPr>
-              <a:t>http://rdc.taobao.com/team/jm/archives/</a:t>
-            </a:r>
-            <a:r>
-              <a:rPr lang="en-US" altLang="zh-TW" sz="1600" dirty="0">
-                <a:hlinkClick r:id="rId4"/>
-              </a:rPr>
-              <a:t>1592</a:t>
+              <a:t>http://rdc.taobao.com/team/jm/archives/1592</a:t>
             </a:r>
             <a:r>
               <a:rPr lang="en-US" altLang="zh-TW" sz="1600" dirty="0"/>
               <a:t> </a:t>
             </a:r>
-            <a:endParaRPr lang="en-US" altLang="zh-TW" sz="1600" dirty="0"/>
           </a:p>
           <a:p>
             <a:r>
@@ -6414,19 +6359,12 @@
               <a:rPr lang="en-US" altLang="zh-TW" sz="1600" dirty="0">
                 <a:hlinkClick r:id="rId5"/>
               </a:rPr>
-              <a:t>http://rdc.taobao.com/team/jm/archives/</a:t>
-            </a:r>
-            <a:r>
-              <a:rPr lang="en-US" altLang="zh-TW" sz="1600" dirty="0">
-                <a:hlinkClick r:id="rId5"/>
-              </a:rPr>
-              <a:t>1606</a:t>
+              <a:t>http://rdc.taobao.com/team/jm/archives/1606</a:t>
             </a:r>
             <a:r>
               <a:rPr lang="en-US" altLang="zh-TW" sz="1600" dirty="0"/>
               <a:t>   </a:t>
             </a:r>
-            <a:endParaRPr lang="en-US" altLang="zh-TW" sz="1600" dirty="0"/>
           </a:p>
           <a:p>
             <a:r>
@@ -6449,19 +6387,12 @@
               <a:rPr lang="en-US" altLang="zh-TW" sz="1600" dirty="0">
                 <a:hlinkClick r:id="rId6"/>
               </a:rPr>
-              <a:t>http://rdc.taobao.com/team/jm/archives/</a:t>
-            </a:r>
-            <a:r>
-              <a:rPr lang="en-US" altLang="zh-TW" sz="1600" dirty="0">
-                <a:hlinkClick r:id="rId6"/>
-              </a:rPr>
-              <a:t>1617</a:t>
+              <a:t>http://rdc.taobao.com/team/jm/archives/1617</a:t>
             </a:r>
             <a:r>
               <a:rPr lang="en-US" altLang="zh-TW" sz="1600" dirty="0"/>
               <a:t> </a:t>
             </a:r>
-            <a:endParaRPr lang="en-US" altLang="zh-TW" sz="1600" dirty="0"/>
           </a:p>
           <a:p>
             <a:r>
@@ -6484,13 +6415,7 @@
               <a:rPr lang="en-US" altLang="zh-TW" sz="1600" dirty="0">
                 <a:hlinkClick r:id="rId7"/>
               </a:rPr>
-              <a:t>http://rdc.taobao.com/team/jm</a:t>
-            </a:r>
-            <a:r>
-              <a:rPr lang="en-US" altLang="zh-TW" sz="1600" dirty="0">
-                <a:hlinkClick r:id="rId7"/>
-              </a:rPr>
-              <a:t>/archives/2561</a:t>
+              <a:t>http://rdc.taobao.com/team/jm/archives/2561</a:t>
             </a:r>
             <a:r>
               <a:rPr lang="en-US" altLang="zh-TW" sz="1600" dirty="0"/>
@@ -6595,7 +6520,7 @@
   <p:timing>
     <p:tnLst>
       <p:par>
-        <p:cTn id="1" dur="indefinite" restart="never" nodeType="tmRoot"/>
+        <p:cTn xmlns:p14="http://schemas.microsoft.com/office/powerpoint/2010/main" id="1" dur="indefinite" restart="never" nodeType="tmRoot"/>
       </p:par>
     </p:tnLst>
   </p:timing>
@@ -9505,7 +9430,7 @@
           <a:noFill/>
           <a:extLst>
             <a:ext uri="{909E8E84-426E-40dd-AFC4-6F175D3DCCD1}">
-              <a14:hiddenFill xmlns:a14="http://schemas.microsoft.com/office/drawing/2010/main" xmlns="">
+              <a14:hiddenFill xmlns:a14="http://schemas.microsoft.com/office/drawing/2010/main">
                 <a:solidFill>
                   <a:srgbClr val="FFFFFF"/>
                 </a:solidFill>
@@ -9538,7 +9463,7 @@
   <p:timing>
     <p:tnLst>
       <p:par>
-        <p:cTn id="1" dur="indefinite" restart="never" nodeType="tmRoot"/>
+        <p:cTn xmlns:p14="http://schemas.microsoft.com/office/powerpoint/2010/main" id="1" dur="indefinite" restart="never" nodeType="tmRoot"/>
       </p:par>
     </p:tnLst>
   </p:timing>
@@ -9648,69 +9573,26 @@
           <a:p>
             <a:pPr lvl="1"/>
             <a:r>
-              <a:rPr lang="en-US" altLang="zh-CN" dirty="0" err="1" smtClean="0"/>
-              <a:t>mvn</a:t>
+              <a:rPr lang="en-US" altLang="zh-CN" dirty="0" err="1"/>
+              <a:t>m</a:t>
+            </a:r>
+            <a:r>
+              <a:rPr lang="en-US" altLang="zh-CN" smtClean="0"/>
+              <a:t>vn</a:t>
             </a:r>
             <a:r>
               <a:rPr lang="en-US" altLang="zh-CN" dirty="0" smtClean="0"/>
               <a:t> </a:t>
             </a:r>
             <a:r>
-              <a:rPr lang="en-US" altLang="zh-CN" dirty="0" err="1" smtClean="0"/>
-              <a:t>jetty:run</a:t>
+              <a:rPr lang="en-US" altLang="zh-CN" dirty="0" smtClean="0"/>
+              <a:t>package</a:t>
             </a:r>
             <a:endParaRPr lang="en-US" altLang="zh-CN" dirty="0" smtClean="0"/>
           </a:p>
           <a:p>
             <a:pPr lvl="1"/>
             <a:endParaRPr lang="en-US" altLang="zh-CN" dirty="0" smtClean="0"/>
-          </a:p>
-          <a:p>
-            <a:r>
-              <a:rPr lang="en-US" altLang="zh-CN" dirty="0" smtClean="0"/>
-              <a:t>WAR</a:t>
-            </a:r>
-            <a:r>
-              <a:rPr lang="zh-CN" altLang="en-US" dirty="0" smtClean="0"/>
-              <a:t>包形式</a:t>
-            </a:r>
-            <a:endParaRPr lang="en-US" altLang="zh-CN" dirty="0" smtClean="0"/>
-          </a:p>
-          <a:p>
-            <a:pPr lvl="1"/>
-            <a:r>
-              <a:rPr lang="zh-CN" altLang="en-US" dirty="0" smtClean="0"/>
-              <a:t>下载包</a:t>
-            </a:r>
-            <a:r>
-              <a:rPr lang="en-US" altLang="zh-CN" dirty="0">
-                <a:hlinkClick r:id="rId3"/>
-              </a:rPr>
-              <a:t>https://</a:t>
-            </a:r>
-            <a:r>
-              <a:rPr lang="en-US" altLang="zh-CN" dirty="0" smtClean="0">
-                <a:hlinkClick r:id="rId3"/>
-              </a:rPr>
-              <a:t>github.com/bingoohuang/diamond-miner/releases/download/v0.0.1/diamond-server-0.0.1.war</a:t>
-            </a:r>
-            <a:r>
-              <a:rPr lang="en-US" altLang="zh-CN" dirty="0" smtClean="0"/>
-              <a:t> </a:t>
-            </a:r>
-            <a:endParaRPr lang="en-US" altLang="zh-CN" dirty="0"/>
-          </a:p>
-          <a:p>
-            <a:pPr lvl="1"/>
-            <a:r>
-              <a:rPr lang="en-US" altLang="zh-CN" dirty="0" smtClean="0"/>
-              <a:t>java </a:t>
-            </a:r>
-            <a:r>
-              <a:rPr lang="en-US" altLang="zh-CN" dirty="0"/>
-              <a:t>-jar diamond-server-0.0.1.war </a:t>
-            </a:r>
-            <a:endParaRPr lang="zh-CN" altLang="en-US" dirty="0"/>
           </a:p>
         </p:txBody>
       </p:sp>
@@ -9727,7 +9609,7 @@
   <p:timing>
     <p:tnLst>
       <p:par>
-        <p:cTn id="1" dur="indefinite" restart="never" nodeType="tmRoot"/>
+        <p:cTn xmlns:p14="http://schemas.microsoft.com/office/powerpoint/2010/main" id="1" dur="indefinite" restart="never" nodeType="tmRoot"/>
       </p:par>
     </p:tnLst>
   </p:timing>
@@ -10224,17 +10106,7 @@
                 <a:latin typeface="Consolas" panose="020B0609020204030204" pitchFamily="49" charset="0"/>
                 <a:cs typeface="Consolas" panose="020B0609020204030204" pitchFamily="49" charset="0"/>
               </a:rPr>
-              <a:t>// @org.n3r.diamond.client.DemoUpdater("${bar}") @Timestamp("${bar}-09-31 08:41:26.335</a:t>
-            </a:r>
-            <a:r>
-              <a:rPr lang="en-US" altLang="zh-CN" sz="1350" i="1" dirty="0">
-                <a:solidFill>
-                  <a:srgbClr val="008800"/>
-                </a:solidFill>
-                <a:latin typeface="Consolas" panose="020B0609020204030204" pitchFamily="49" charset="0"/>
-                <a:cs typeface="Consolas" panose="020B0609020204030204" pitchFamily="49" charset="0"/>
-              </a:rPr>
-              <a:t>")</a:t>
+              <a:t>// @org.n3r.diamond.client.DemoUpdater("${bar}") @Timestamp("${bar}-09-31 08:41:26.335")</a:t>
             </a:r>
           </a:p>
           <a:p>
@@ -10351,7 +10223,7 @@
   <p:timing>
     <p:tnLst>
       <p:par>
-        <p:cTn id="1" dur="indefinite" restart="never" nodeType="tmRoot"/>
+        <p:cTn xmlns:p14="http://schemas.microsoft.com/office/powerpoint/2010/main" id="1" dur="indefinite" restart="never" nodeType="tmRoot"/>
       </p:par>
     </p:tnLst>
   </p:timing>
@@ -10452,7 +10324,6 @@
               <a:rPr lang="zh-CN" altLang="en-US" sz="1350" dirty="0"/>
               <a:t>本地容灾目录</a:t>
             </a:r>
-            <a:endParaRPr lang="zh-CN" altLang="en-US" sz="1350" dirty="0"/>
           </a:p>
         </p:txBody>
       </p:sp>
@@ -10593,7 +10464,6 @@
               <a:rPr lang="zh-CN" altLang="en-US" sz="1350" dirty="0"/>
               <a:t>请求</a:t>
             </a:r>
-            <a:endParaRPr lang="zh-CN" altLang="en-US" sz="1350" dirty="0"/>
           </a:p>
         </p:txBody>
       </p:sp>
@@ -10623,7 +10493,6 @@
               <a:rPr lang="zh-CN" altLang="en-US" sz="1350" dirty="0"/>
               <a:t>本地快照</a:t>
             </a:r>
-            <a:endParaRPr lang="zh-CN" altLang="en-US" sz="1350" dirty="0"/>
           </a:p>
         </p:txBody>
       </p:sp>
@@ -10720,7 +10589,7 @@
   <p:timing>
     <p:tnLst>
       <p:par>
-        <p:cTn id="1" dur="indefinite" restart="never" nodeType="tmRoot"/>
+        <p:cTn xmlns:p14="http://schemas.microsoft.com/office/powerpoint/2010/main" id="1" dur="indefinite" restart="never" nodeType="tmRoot"/>
       </p:par>
     </p:tnLst>
   </p:timing>
@@ -10820,14 +10689,7 @@
                 <a:latin typeface="Consolas" panose="020B0609020204030204" pitchFamily="49" charset="0"/>
                 <a:cs typeface="Consolas" panose="020B0609020204030204" pitchFamily="49" charset="0"/>
               </a:rPr>
-              <a:t>.</a:t>
-            </a:r>
-            <a:r>
-              <a:rPr lang="zh-CN" altLang="en-US" sz="1350" dirty="0">
-                <a:latin typeface="Consolas" panose="020B0609020204030204" pitchFamily="49" charset="0"/>
-                <a:cs typeface="Consolas" panose="020B0609020204030204" pitchFamily="49" charset="0"/>
-              </a:rPr>
-              <a:t>diamond-client</a:t>
+              <a:t>.diamond-client</a:t>
             </a:r>
           </a:p>
           <a:p>
@@ -10935,30 +10797,16 @@
                 <a:latin typeface="Consolas" panose="020B0609020204030204" pitchFamily="49" charset="0"/>
                 <a:cs typeface="Consolas" panose="020B0609020204030204" pitchFamily="49" charset="0"/>
               </a:rPr>
-              <a:t>.</a:t>
-            </a:r>
+              <a:t>.diamond-server</a:t>
+            </a:r>
+          </a:p>
+          <a:p>
             <a:r>
               <a:rPr lang="zh-CN" altLang="en-US" sz="1350" dirty="0">
                 <a:latin typeface="Consolas" panose="020B0609020204030204" pitchFamily="49" charset="0"/>
                 <a:cs typeface="Consolas" panose="020B0609020204030204" pitchFamily="49" charset="0"/>
               </a:rPr>
-              <a:t>diamond-server</a:t>
-            </a:r>
-          </a:p>
-          <a:p>
-            <a:r>
-              <a:rPr lang="zh-CN" altLang="en-US" sz="1350" dirty="0">
-                <a:latin typeface="Consolas" panose="020B0609020204030204" pitchFamily="49" charset="0"/>
-                <a:cs typeface="Consolas" panose="020B0609020204030204" pitchFamily="49" charset="0"/>
-              </a:rPr>
-              <a:t>|____config-</a:t>
-            </a:r>
-            <a:r>
-              <a:rPr lang="zh-CN" altLang="en-US" sz="1350" dirty="0">
-                <a:latin typeface="Consolas" panose="020B0609020204030204" pitchFamily="49" charset="0"/>
-                <a:cs typeface="Consolas" panose="020B0609020204030204" pitchFamily="49" charset="0"/>
-              </a:rPr>
-              <a:t>d</a:t>
+              <a:t>|____config-d</a:t>
             </a:r>
             <a:r>
               <a:rPr lang="en-US" altLang="zh-CN" sz="1350" dirty="0">
@@ -11068,7 +10916,7 @@
   <p:timing>
     <p:tnLst>
       <p:par>
-        <p:cTn id="1" dur="indefinite" restart="never" nodeType="tmRoot"/>
+        <p:cTn xmlns:p14="http://schemas.microsoft.com/office/powerpoint/2010/main" id="1" dur="indefinite" restart="never" nodeType="tmRoot"/>
       </p:par>
     </p:tnLst>
   </p:timing>
@@ -11118,7 +10966,7 @@
     </a:clrScheme>
     <a:fontScheme name="Office 主题">
       <a:majorFont>
-        <a:latin typeface="Calibri Light" panose="020F0302020204030204"/>
+        <a:latin typeface="Calibri Light"/>
         <a:ea typeface=""/>
         <a:cs typeface=""/>
         <a:font script="Jpan" typeface="ＭＳ Ｐゴシック"/>
@@ -11153,7 +11001,7 @@
         <a:font script="Geor" typeface="Sylfaen"/>
       </a:majorFont>
       <a:minorFont>
-        <a:latin typeface="Calibri" panose="020F0502020204030204"/>
+        <a:latin typeface="Calibri"/>
         <a:ea typeface=""/>
         <a:cs typeface=""/>
         <a:font script="Jpan" typeface="ＭＳ Ｐゴシック"/>
@@ -11330,7 +11178,7 @@
   <a:extraClrSchemeLst/>
   <a:extLst>
     <a:ext uri="{05A4C25C-085E-4340-85A3-A5531E510DB2}">
-      <thm15:themeFamily xmlns:thm15="http://schemas.microsoft.com/office/thememl/2012/main" name="Office Theme" id="{62F939B6-93AF-4DB8-9C6B-D6C7DFDC589F}" vid="{4A3C46E8-61CC-4603-A589-7422A47A8E4A}"/>
+      <thm15:themeFamily xmlns:thm15="http://schemas.microsoft.com/office/thememl/2012/main" xmlns="" name="Office Theme" id="{62F939B6-93AF-4DB8-9C6B-D6C7DFDC589F}" vid="{4A3C46E8-61CC-4603-A589-7422A47A8E4A}"/>
     </a:ext>
   </a:extLst>
 </a:theme>
@@ -11591,7 +11439,7 @@
   <a:extraClrSchemeLst/>
   <a:extLst>
     <a:ext uri="{05A4C25C-085E-4340-85A3-A5531E510DB2}">
-      <thm15:themeFamily xmlns:thm15="http://schemas.microsoft.com/office/thememl/2012/main" name="Office Theme" id="{62F939B6-93AF-4DB8-9C6B-D6C7DFDC589F}" vid="{4A3C46E8-61CC-4603-A589-7422A47A8E4A}"/>
+      <thm15:themeFamily xmlns:thm15="http://schemas.microsoft.com/office/thememl/2012/main" xmlns="" name="Office Theme" id="{62F939B6-93AF-4DB8-9C6B-D6C7DFDC589F}" vid="{4A3C46E8-61CC-4603-A589-7422A47A8E4A}"/>
     </a:ext>
   </a:extLst>
 </a:theme>

--- a/Diamond Miner Intro.pptx
+++ b/Diamond Miner Intro.pptx
@@ -122,7 +122,7 @@
   </p:defaultTextStyle>
   <p:extLst>
     <p:ext uri="{EFAFB233-063F-42B5-8137-9DF3F51BA10A}">
-      <p15:sldGuideLst xmlns:p15="http://schemas.microsoft.com/office/powerpoint/2012/main" xmlns="">
+      <p15:sldGuideLst xmlns:p15="http://schemas.microsoft.com/office/powerpoint/2012/main">
         <p15:guide id="1" orient="horz" pos="2160" userDrawn="1">
           <p15:clr>
             <a:srgbClr val="A4A3A4"/>
@@ -221,7 +221,7 @@
           <a:p>
             <a:fld id="{598ED131-D27B-49C1-99A8-A301900ED106}" type="datetimeFigureOut">
               <a:rPr lang="zh-CN" altLang="en-US" smtClean="0"/>
-              <a:t>15/1/21</a:t>
+              <a:t>16/2/27</a:t>
             </a:fld>
             <a:endParaRPr lang="zh-CN" altLang="en-US"/>
           </a:p>
@@ -2010,7 +2010,7 @@
           <a:p>
             <a:fld id="{EB4A138F-191D-4BC7-80AB-52578C8866E8}" type="datetimeFigureOut">
               <a:rPr lang="zh-CN" altLang="en-US" smtClean="0"/>
-              <a:t>15/1/21</a:t>
+              <a:t>16/2/27</a:t>
             </a:fld>
             <a:endParaRPr lang="zh-CN" altLang="en-US"/>
           </a:p>
@@ -2180,7 +2180,7 @@
           <a:p>
             <a:fld id="{EB4A138F-191D-4BC7-80AB-52578C8866E8}" type="datetimeFigureOut">
               <a:rPr lang="zh-CN" altLang="en-US" smtClean="0"/>
-              <a:t>15/1/21</a:t>
+              <a:t>16/2/27</a:t>
             </a:fld>
             <a:endParaRPr lang="zh-CN" altLang="en-US"/>
           </a:p>
@@ -2360,7 +2360,7 @@
           <a:p>
             <a:fld id="{EB4A138F-191D-4BC7-80AB-52578C8866E8}" type="datetimeFigureOut">
               <a:rPr lang="zh-CN" altLang="en-US" smtClean="0"/>
-              <a:t>15/1/21</a:t>
+              <a:t>16/2/27</a:t>
             </a:fld>
             <a:endParaRPr lang="zh-CN" altLang="en-US"/>
           </a:p>
@@ -2530,7 +2530,7 @@
           <a:p>
             <a:fld id="{EB4A138F-191D-4BC7-80AB-52578C8866E8}" type="datetimeFigureOut">
               <a:rPr lang="zh-CN" altLang="en-US" smtClean="0"/>
-              <a:t>15/1/21</a:t>
+              <a:t>16/2/27</a:t>
             </a:fld>
             <a:endParaRPr lang="zh-CN" altLang="en-US"/>
           </a:p>
@@ -2774,7 +2774,7 @@
           <a:p>
             <a:fld id="{EB4A138F-191D-4BC7-80AB-52578C8866E8}" type="datetimeFigureOut">
               <a:rPr lang="zh-CN" altLang="en-US" smtClean="0"/>
-              <a:t>15/1/21</a:t>
+              <a:t>16/2/27</a:t>
             </a:fld>
             <a:endParaRPr lang="zh-CN" altLang="en-US"/>
           </a:p>
@@ -3006,7 +3006,7 @@
           <a:p>
             <a:fld id="{EB4A138F-191D-4BC7-80AB-52578C8866E8}" type="datetimeFigureOut">
               <a:rPr lang="zh-CN" altLang="en-US" smtClean="0"/>
-              <a:t>15/1/21</a:t>
+              <a:t>16/2/27</a:t>
             </a:fld>
             <a:endParaRPr lang="zh-CN" altLang="en-US"/>
           </a:p>
@@ -3373,7 +3373,7 @@
           <a:p>
             <a:fld id="{EB4A138F-191D-4BC7-80AB-52578C8866E8}" type="datetimeFigureOut">
               <a:rPr lang="zh-CN" altLang="en-US" smtClean="0"/>
-              <a:t>15/1/21</a:t>
+              <a:t>16/2/27</a:t>
             </a:fld>
             <a:endParaRPr lang="zh-CN" altLang="en-US"/>
           </a:p>
@@ -3495,7 +3495,7 @@
           <a:p>
             <a:fld id="{EB4A138F-191D-4BC7-80AB-52578C8866E8}" type="datetimeFigureOut">
               <a:rPr lang="zh-CN" altLang="en-US" smtClean="0"/>
-              <a:t>15/1/21</a:t>
+              <a:t>16/2/27</a:t>
             </a:fld>
             <a:endParaRPr lang="zh-CN" altLang="en-US"/>
           </a:p>
@@ -3590,7 +3590,7 @@
           <a:p>
             <a:fld id="{EB4A138F-191D-4BC7-80AB-52578C8866E8}" type="datetimeFigureOut">
               <a:rPr lang="zh-CN" altLang="en-US" smtClean="0"/>
-              <a:t>15/1/21</a:t>
+              <a:t>16/2/27</a:t>
             </a:fld>
             <a:endParaRPr lang="zh-CN" altLang="en-US"/>
           </a:p>
@@ -3867,7 +3867,7 @@
           <a:p>
             <a:fld id="{EB4A138F-191D-4BC7-80AB-52578C8866E8}" type="datetimeFigureOut">
               <a:rPr lang="zh-CN" altLang="en-US" smtClean="0"/>
-              <a:t>15/1/21</a:t>
+              <a:t>16/2/27</a:t>
             </a:fld>
             <a:endParaRPr lang="zh-CN" altLang="en-US"/>
           </a:p>
@@ -4124,7 +4124,7 @@
           <a:p>
             <a:fld id="{EB4A138F-191D-4BC7-80AB-52578C8866E8}" type="datetimeFigureOut">
               <a:rPr lang="zh-CN" altLang="en-US" smtClean="0"/>
-              <a:t>15/1/21</a:t>
+              <a:t>16/2/27</a:t>
             </a:fld>
             <a:endParaRPr lang="zh-CN" altLang="en-US"/>
           </a:p>
@@ -4337,7 +4337,7 @@
           <a:p>
             <a:fld id="{EB4A138F-191D-4BC7-80AB-52578C8866E8}" type="datetimeFigureOut">
               <a:rPr lang="zh-CN" altLang="en-US" smtClean="0"/>
-              <a:t>15/1/21</a:t>
+              <a:t>16/2/27</a:t>
             </a:fld>
             <a:endParaRPr lang="zh-CN" altLang="en-US"/>
           </a:p>
@@ -4831,7 +4831,7 @@
   <p:timing>
     <p:tnLst>
       <p:par>
-        <p:cTn xmlns:p14="http://schemas.microsoft.com/office/powerpoint/2010/main" id="1" dur="indefinite" restart="never" nodeType="tmRoot"/>
+        <p:cTn id="1" dur="indefinite" restart="never" nodeType="tmRoot"/>
       </p:par>
     </p:tnLst>
   </p:timing>
@@ -5367,7 +5367,7 @@
   <p:timing>
     <p:tnLst>
       <p:par>
-        <p:cTn xmlns:p14="http://schemas.microsoft.com/office/powerpoint/2010/main" id="1" dur="indefinite" restart="never" nodeType="tmRoot"/>
+        <p:cTn id="1" dur="indefinite" restart="never" nodeType="tmRoot"/>
       </p:par>
     </p:tnLst>
   </p:timing>
@@ -5611,7 +5611,7 @@
   <p:timing>
     <p:tnLst>
       <p:par>
-        <p:cTn xmlns:p14="http://schemas.microsoft.com/office/powerpoint/2010/main" id="1" dur="indefinite" restart="never" nodeType="tmRoot"/>
+        <p:cTn id="1" dur="indefinite" restart="never" nodeType="tmRoot"/>
       </p:par>
     </p:tnLst>
   </p:timing>
@@ -5875,7 +5875,7 @@
   <p:timing>
     <p:tnLst>
       <p:par>
-        <p:cTn xmlns:p14="http://schemas.microsoft.com/office/powerpoint/2010/main" id="1" dur="indefinite" restart="never" nodeType="tmRoot"/>
+        <p:cTn id="1" dur="indefinite" restart="never" nodeType="tmRoot"/>
       </p:par>
     </p:tnLst>
   </p:timing>
@@ -6099,7 +6099,7 @@
   <p:timing>
     <p:tnLst>
       <p:par>
-        <p:cTn xmlns:p14="http://schemas.microsoft.com/office/powerpoint/2010/main" id="1" dur="indefinite" restart="never" nodeType="tmRoot"/>
+        <p:cTn id="1" dur="indefinite" restart="never" nodeType="tmRoot"/>
       </p:par>
     </p:tnLst>
   </p:timing>
@@ -6270,7 +6270,7 @@
             </a:r>
             <a:r>
               <a:rPr lang="en-US" altLang="zh-TW" sz="1600" dirty="0">
-                <a:hlinkClick r:id="rId2"/>
+                <a:hlinkClick r:id="rId2" invalidUrl="https://github.com/bingoohuang/diamond-miner/blob/master/Diamond Miner Intro.pptx"/>
               </a:rPr>
               <a:t>https://github.com/bingoohuang/diamond-miner/blob/master/Diamond%20Miner%20Intro.pptx</a:t>
             </a:r>
@@ -6520,7 +6520,7 @@
   <p:timing>
     <p:tnLst>
       <p:par>
-        <p:cTn xmlns:p14="http://schemas.microsoft.com/office/powerpoint/2010/main" id="1" dur="indefinite" restart="never" nodeType="tmRoot"/>
+        <p:cTn id="1" dur="indefinite" restart="never" nodeType="tmRoot"/>
       </p:par>
     </p:tnLst>
   </p:timing>
@@ -9430,7 +9430,7 @@
           <a:noFill/>
           <a:extLst>
             <a:ext uri="{909E8E84-426E-40dd-AFC4-6F175D3DCCD1}">
-              <a14:hiddenFill xmlns:a14="http://schemas.microsoft.com/office/drawing/2010/main">
+              <a14:hiddenFill xmlns:a14="http://schemas.microsoft.com/office/drawing/2010/main" xmlns="">
                 <a:solidFill>
                   <a:srgbClr val="FFFFFF"/>
                 </a:solidFill>
@@ -9463,7 +9463,7 @@
   <p:timing>
     <p:tnLst>
       <p:par>
-        <p:cTn xmlns:p14="http://schemas.microsoft.com/office/powerpoint/2010/main" id="1" dur="indefinite" restart="never" nodeType="tmRoot"/>
+        <p:cTn id="1" dur="indefinite" restart="never" nodeType="tmRoot"/>
       </p:par>
     </p:tnLst>
   </p:timing>
@@ -9582,13 +9582,8 @@
             </a:r>
             <a:r>
               <a:rPr lang="en-US" altLang="zh-CN" dirty="0" smtClean="0"/>
-              <a:t> </a:t>
-            </a:r>
-            <a:r>
-              <a:rPr lang="en-US" altLang="zh-CN" dirty="0" smtClean="0"/>
-              <a:t>package</a:t>
-            </a:r>
-            <a:endParaRPr lang="en-US" altLang="zh-CN" dirty="0" smtClean="0"/>
+              <a:t> package</a:t>
+            </a:r>
           </a:p>
           <a:p>
             <a:pPr lvl="1"/>
@@ -9609,7 +9604,7 @@
   <p:timing>
     <p:tnLst>
       <p:par>
-        <p:cTn xmlns:p14="http://schemas.microsoft.com/office/powerpoint/2010/main" id="1" dur="indefinite" restart="never" nodeType="tmRoot"/>
+        <p:cTn id="1" dur="indefinite" restart="never" nodeType="tmRoot"/>
       </p:par>
     </p:tnLst>
   </p:timing>
@@ -10223,7 +10218,7 @@
   <p:timing>
     <p:tnLst>
       <p:par>
-        <p:cTn xmlns:p14="http://schemas.microsoft.com/office/powerpoint/2010/main" id="1" dur="indefinite" restart="never" nodeType="tmRoot"/>
+        <p:cTn id="1" dur="indefinite" restart="never" nodeType="tmRoot"/>
       </p:par>
     </p:tnLst>
   </p:timing>
@@ -10358,8 +10353,8 @@
         </p:nvSpPr>
         <p:spPr>
           <a:xfrm>
-            <a:off x="5054254" y="3609307"/>
-            <a:ext cx="499343" cy="646331"/>
+            <a:off x="5054254" y="3586222"/>
+            <a:ext cx="703930" cy="369332"/>
           </a:xfrm>
           <a:prstGeom prst="rect">
             <a:avLst/>
@@ -10589,7 +10584,7 @@
   <p:timing>
     <p:tnLst>
       <p:par>
-        <p:cTn xmlns:p14="http://schemas.microsoft.com/office/powerpoint/2010/main" id="1" dur="indefinite" restart="never" nodeType="tmRoot"/>
+        <p:cTn id="1" dur="indefinite" restart="never" nodeType="tmRoot"/>
       </p:par>
     </p:tnLst>
   </p:timing>
@@ -10916,7 +10911,7 @@
   <p:timing>
     <p:tnLst>
       <p:par>
-        <p:cTn xmlns:p14="http://schemas.microsoft.com/office/powerpoint/2010/main" id="1" dur="indefinite" restart="never" nodeType="tmRoot"/>
+        <p:cTn id="1" dur="indefinite" restart="never" nodeType="tmRoot"/>
       </p:par>
     </p:tnLst>
   </p:timing>
@@ -11178,7 +11173,7 @@
   <a:extraClrSchemeLst/>
   <a:extLst>
     <a:ext uri="{05A4C25C-085E-4340-85A3-A5531E510DB2}">
-      <thm15:themeFamily xmlns:thm15="http://schemas.microsoft.com/office/thememl/2012/main" xmlns="" name="Office Theme" id="{62F939B6-93AF-4DB8-9C6B-D6C7DFDC589F}" vid="{4A3C46E8-61CC-4603-A589-7422A47A8E4A}"/>
+      <thm15:themeFamily xmlns:thm15="http://schemas.microsoft.com/office/thememl/2012/main" name="Office Theme" id="{62F939B6-93AF-4DB8-9C6B-D6C7DFDC589F}" vid="{4A3C46E8-61CC-4603-A589-7422A47A8E4A}"/>
     </a:ext>
   </a:extLst>
 </a:theme>
@@ -11439,7 +11434,7 @@
   <a:extraClrSchemeLst/>
   <a:extLst>
     <a:ext uri="{05A4C25C-085E-4340-85A3-A5531E510DB2}">
-      <thm15:themeFamily xmlns:thm15="http://schemas.microsoft.com/office/thememl/2012/main" xmlns="" name="Office Theme" id="{62F939B6-93AF-4DB8-9C6B-D6C7DFDC589F}" vid="{4A3C46E8-61CC-4603-A589-7422A47A8E4A}"/>
+      <thm15:themeFamily xmlns:thm15="http://schemas.microsoft.com/office/thememl/2012/main" name="Office Theme" id="{62F939B6-93AF-4DB8-9C6B-D6C7DFDC589F}" vid="{4A3C46E8-61CC-4603-A589-7422A47A8E4A}"/>
     </a:ext>
   </a:extLst>
 </a:theme>
